--- a/decks/01_gemfire_overview.pptx
+++ b/decks/01_gemfire_overview.pptx
@@ -26,7 +26,7 @@
     <p:sldId id="336" r:id="rId17"/>
     <p:sldId id="256" r:id="rId18"/>
   </p:sldIdLst>
-  <p:sldSz cx="9144000" cy="6858000" type="screen4x3"/>
+  <p:sldSz cx="9144000" cy="5143500" type="screen16x9"/>
   <p:notesSz cx="6858000" cy="9144000"/>
   <p:defaultTextStyle>
     <a:defPPr>
@@ -247,7 +247,7 @@
           <a:p>
             <a:fld id="{0F40C286-B2F1-4745-BADD-9E8B44C75F40}" type="datetimeFigureOut">
               <a:rPr lang="en-US" smtClean="0"/>
-              <a:t>2015-03-23</a:t>
+              <a:t>3/23/15</a:t>
             </a:fld>
             <a:endParaRPr lang="en-US"/>
           </a:p>
@@ -265,8 +265,8 @@
         </p:nvSpPr>
         <p:spPr>
           <a:xfrm>
-            <a:off x="1143000" y="685800"/>
-            <a:ext cx="4572000" cy="3429000"/>
+            <a:off x="381000" y="685800"/>
+            <a:ext cx="6096000" cy="3429000"/>
           </a:xfrm>
           <a:prstGeom prst="rect">
             <a:avLst/>
@@ -542,7 +542,12 @@
             <p:ph type="sldImg"/>
           </p:nvPr>
         </p:nvSpPr>
-        <p:spPr/>
+        <p:spPr>
+          <a:xfrm>
+            <a:off x="381000" y="685800"/>
+            <a:ext cx="6096000" cy="3429000"/>
+          </a:xfrm>
+        </p:spPr>
       </p:sp>
       <p:sp>
         <p:nvSpPr>
@@ -728,8 +733,8 @@
         </p:nvSpPr>
         <p:spPr bwMode="auto">
           <a:xfrm>
-            <a:off x="1155700" y="692150"/>
-            <a:ext cx="4554538" cy="3416300"/>
+            <a:off x="396875" y="692150"/>
+            <a:ext cx="6072188" cy="3416300"/>
           </a:xfrm>
           <a:noFill/>
           <a:ln>
@@ -816,8 +821,8 @@
         </p:nvSpPr>
         <p:spPr bwMode="auto">
           <a:xfrm>
-            <a:off x="1155700" y="692150"/>
-            <a:ext cx="4554538" cy="3416300"/>
+            <a:off x="396875" y="692150"/>
+            <a:ext cx="6072188" cy="3416300"/>
           </a:xfrm>
           <a:noFill/>
           <a:ln>
@@ -859,7 +864,6 @@
               <a:rPr lang="en-US" dirty="0" smtClean="0"/>
               <a:t>Partitioned Regions</a:t>
             </a:r>
-            <a:endParaRPr lang="en-US" dirty="0" smtClean="0"/>
           </a:p>
         </p:txBody>
       </p:sp>
@@ -900,8 +904,8 @@
         </p:nvSpPr>
         <p:spPr bwMode="auto">
           <a:xfrm>
-            <a:off x="1155700" y="692150"/>
-            <a:ext cx="4554538" cy="3416300"/>
+            <a:off x="396875" y="692150"/>
+            <a:ext cx="6072188" cy="3416300"/>
           </a:xfrm>
           <a:noFill/>
           <a:ln>
@@ -986,7 +990,12 @@
             <p:ph type="sldImg"/>
           </p:nvPr>
         </p:nvSpPr>
-        <p:spPr/>
+        <p:spPr>
+          <a:xfrm>
+            <a:off x="381000" y="685800"/>
+            <a:ext cx="6096000" cy="3429000"/>
+          </a:xfrm>
+        </p:spPr>
       </p:sp>
       <p:sp>
         <p:nvSpPr>
@@ -1395,7 +1404,12 @@
             <p:ph type="sldImg"/>
           </p:nvPr>
         </p:nvSpPr>
-        <p:spPr/>
+        <p:spPr>
+          <a:xfrm>
+            <a:off x="381000" y="685800"/>
+            <a:ext cx="6096000" cy="3429000"/>
+          </a:xfrm>
+        </p:spPr>
       </p:sp>
       <p:sp>
         <p:nvSpPr>
@@ -1759,7 +1773,12 @@
             <p:ph type="sldImg"/>
           </p:nvPr>
         </p:nvSpPr>
-        <p:spPr/>
+        <p:spPr>
+          <a:xfrm>
+            <a:off x="381000" y="685800"/>
+            <a:ext cx="6096000" cy="3429000"/>
+          </a:xfrm>
+        </p:spPr>
       </p:sp>
       <p:sp>
         <p:nvSpPr>
@@ -2303,7 +2322,12 @@
             <p:ph type="sldImg"/>
           </p:nvPr>
         </p:nvSpPr>
-        <p:spPr/>
+        <p:spPr>
+          <a:xfrm>
+            <a:off x="381000" y="685800"/>
+            <a:ext cx="6096000" cy="3429000"/>
+          </a:xfrm>
+        </p:spPr>
       </p:sp>
       <p:sp>
         <p:nvSpPr>
@@ -2808,7 +2832,12 @@
             <p:ph type="sldImg"/>
           </p:nvPr>
         </p:nvSpPr>
-        <p:spPr/>
+        <p:spPr>
+          <a:xfrm>
+            <a:off x="381000" y="685800"/>
+            <a:ext cx="6096000" cy="3429000"/>
+          </a:xfrm>
+        </p:spPr>
       </p:sp>
       <p:sp>
         <p:nvSpPr>
@@ -2900,7 +2929,12 @@
             <p:ph type="sldImg"/>
           </p:nvPr>
         </p:nvSpPr>
-        <p:spPr/>
+        <p:spPr>
+          <a:xfrm>
+            <a:off x="381000" y="685800"/>
+            <a:ext cx="6096000" cy="3429000"/>
+          </a:xfrm>
+        </p:spPr>
       </p:sp>
       <p:sp>
         <p:nvSpPr>
@@ -2994,8 +3028,8 @@
         </p:nvSpPr>
         <p:spPr bwMode="auto">
           <a:xfrm>
-            <a:off x="1155700" y="692150"/>
-            <a:ext cx="4554538" cy="3416300"/>
+            <a:off x="396875" y="692150"/>
+            <a:ext cx="6072188" cy="3416300"/>
           </a:xfrm>
           <a:noFill/>
           <a:ln>
@@ -3082,8 +3116,8 @@
         </p:nvSpPr>
         <p:spPr bwMode="auto">
           <a:xfrm>
-            <a:off x="1155700" y="692150"/>
-            <a:ext cx="4554538" cy="3416300"/>
+            <a:off x="396875" y="692150"/>
+            <a:ext cx="6072188" cy="3416300"/>
           </a:xfrm>
           <a:noFill/>
           <a:ln>
@@ -3125,7 +3159,6 @@
               <a:rPr lang="en-US" dirty="0" smtClean="0"/>
               <a:t>This shows how a client connects</a:t>
             </a:r>
-            <a:endParaRPr lang="en-US" dirty="0" smtClean="0"/>
           </a:p>
         </p:txBody>
       </p:sp>
@@ -3163,7 +3196,7 @@
         <p:spPr>
           <a:xfrm>
             <a:off x="0" y="0"/>
-            <a:ext cx="9144000" cy="6858000"/>
+            <a:ext cx="9144000" cy="5143500"/>
           </a:xfrm>
           <a:prstGeom prst="rect">
             <a:avLst/>
@@ -3214,7 +3247,7 @@
         </p:nvSpPr>
         <p:spPr bwMode="gray">
           <a:xfrm>
-            <a:off x="890588" y="2086020"/>
+            <a:off x="890589" y="1312908"/>
             <a:ext cx="4384145" cy="1006429"/>
           </a:xfrm>
           <a:prstGeom prst="rect">
@@ -3261,7 +3294,7 @@
         </p:nvSpPr>
         <p:spPr bwMode="gray">
           <a:xfrm>
-            <a:off x="890589" y="3511179"/>
+            <a:off x="890590" y="2633384"/>
             <a:ext cx="6048375" cy="369332"/>
           </a:xfrm>
           <a:prstGeom prst="rect">
@@ -3389,7 +3422,7 @@
         </p:nvSpPr>
         <p:spPr bwMode="gray">
           <a:xfrm>
-            <a:off x="908582" y="4946802"/>
+            <a:off x="908582" y="3710102"/>
             <a:ext cx="5026550" cy="276999"/>
           </a:xfrm>
           <a:prstGeom prst="rect">
@@ -3448,8 +3481,8 @@
         </p:nvSpPr>
         <p:spPr bwMode="gray">
           <a:xfrm>
-            <a:off x="0" y="6172201"/>
-            <a:ext cx="9144000" cy="514351"/>
+            <a:off x="0" y="4629151"/>
+            <a:ext cx="9144000" cy="385763"/>
           </a:xfrm>
           <a:prstGeom prst="rect">
             <a:avLst/>
@@ -3496,7 +3529,7 @@
         </p:nvSpPr>
         <p:spPr bwMode="gray">
           <a:xfrm flipH="1">
-            <a:off x="8553450" y="6695329"/>
+            <a:off x="8553450" y="5021497"/>
             <a:ext cx="533400" cy="123111"/>
           </a:xfrm>
           <a:prstGeom prst="rect">
@@ -3576,7 +3609,7 @@
         </p:nvSpPr>
         <p:spPr bwMode="gray">
           <a:xfrm>
-            <a:off x="366714" y="6691266"/>
+            <a:off x="366715" y="5018450"/>
             <a:ext cx="2274887" cy="100027"/>
           </a:xfrm>
           <a:prstGeom prst="rect">
@@ -3655,8 +3688,8 @@
         </p:blipFill>
         <p:spPr>
           <a:xfrm>
-            <a:off x="7941733" y="6285289"/>
-            <a:ext cx="957262" cy="292607"/>
+            <a:off x="7941733" y="4713967"/>
+            <a:ext cx="957262" cy="219455"/>
           </a:xfrm>
           <a:prstGeom prst="rect">
             <a:avLst/>
@@ -3710,8 +3743,8 @@
         </p:nvSpPr>
         <p:spPr bwMode="gray">
           <a:xfrm>
-            <a:off x="366715" y="1432984"/>
-            <a:ext cx="2073275" cy="4510616"/>
+            <a:off x="366716" y="1074738"/>
+            <a:ext cx="2073275" cy="3382962"/>
           </a:xfrm>
           <a:prstGeom prst="rect">
             <a:avLst/>
@@ -3781,8 +3814,8 @@
         </p:nvSpPr>
         <p:spPr bwMode="gray">
           <a:xfrm>
-            <a:off x="366714" y="433918"/>
-            <a:ext cx="8410575" cy="613833"/>
+            <a:off x="366715" y="325439"/>
+            <a:ext cx="8410575" cy="460375"/>
           </a:xfrm>
           <a:prstGeom prst="rect">
             <a:avLst/>
@@ -3826,8 +3859,8 @@
         </p:nvSpPr>
         <p:spPr bwMode="gray">
           <a:xfrm>
-            <a:off x="2728913" y="1432984"/>
-            <a:ext cx="6048376" cy="4510616"/>
+            <a:off x="2728913" y="1074738"/>
+            <a:ext cx="6048376" cy="3382962"/>
           </a:xfrm>
           <a:prstGeom prst="rect">
             <a:avLst/>
@@ -4005,8 +4038,8 @@
         </p:nvSpPr>
         <p:spPr bwMode="gray">
           <a:xfrm>
-            <a:off x="366715" y="1892301"/>
-            <a:ext cx="2073275" cy="4051300"/>
+            <a:off x="366716" y="1419226"/>
+            <a:ext cx="2073275" cy="3038475"/>
           </a:xfrm>
           <a:prstGeom prst="rect">
             <a:avLst/>
@@ -4077,8 +4110,8 @@
         </p:nvSpPr>
         <p:spPr bwMode="gray">
           <a:xfrm>
-            <a:off x="366714" y="433918"/>
-            <a:ext cx="8410575" cy="613833"/>
+            <a:off x="366715" y="325439"/>
+            <a:ext cx="8410575" cy="460375"/>
           </a:xfrm>
           <a:prstGeom prst="rect">
             <a:avLst/>
@@ -4122,8 +4155,8 @@
         </p:nvSpPr>
         <p:spPr bwMode="gray">
           <a:xfrm>
-            <a:off x="366714" y="1047752"/>
-            <a:ext cx="8410575" cy="461625"/>
+            <a:off x="366715" y="785814"/>
+            <a:ext cx="8410575" cy="346219"/>
           </a:xfrm>
           <a:prstGeom prst="rect">
             <a:avLst/>
@@ -4201,8 +4234,8 @@
         </p:nvSpPr>
         <p:spPr bwMode="gray">
           <a:xfrm>
-            <a:off x="2728913" y="1892299"/>
-            <a:ext cx="6048376" cy="4051300"/>
+            <a:off x="2728913" y="1419224"/>
+            <a:ext cx="6048376" cy="3038475"/>
           </a:xfrm>
           <a:prstGeom prst="rect">
             <a:avLst/>
@@ -4385,8 +4418,8 @@
         </p:nvSpPr>
         <p:spPr bwMode="gray">
           <a:xfrm>
-            <a:off x="366714" y="433918"/>
-            <a:ext cx="8410575" cy="613833"/>
+            <a:off x="366715" y="325439"/>
+            <a:ext cx="8410575" cy="460375"/>
           </a:xfrm>
           <a:prstGeom prst="rect">
             <a:avLst/>
@@ -4430,8 +4463,8 @@
         </p:nvSpPr>
         <p:spPr bwMode="gray">
           <a:xfrm>
-            <a:off x="366715" y="1432984"/>
-            <a:ext cx="4032465" cy="4510616"/>
+            <a:off x="366716" y="1074738"/>
+            <a:ext cx="4032465" cy="3382962"/>
           </a:xfrm>
           <a:prstGeom prst="rect">
             <a:avLst/>
@@ -4579,8 +4612,8 @@
         </p:nvSpPr>
         <p:spPr bwMode="gray">
           <a:xfrm>
-            <a:off x="4744824" y="1432984"/>
-            <a:ext cx="4032465" cy="4510616"/>
+            <a:off x="4744825" y="1074738"/>
+            <a:ext cx="4032465" cy="3382962"/>
           </a:xfrm>
           <a:prstGeom prst="rect">
             <a:avLst/>
@@ -4800,7 +4833,7 @@
         <p:spPr>
           <a:xfrm>
             <a:off x="0" y="0"/>
-            <a:ext cx="9144000" cy="6858000"/>
+            <a:ext cx="9144000" cy="5143500"/>
           </a:xfrm>
           <a:prstGeom prst="rect">
             <a:avLst/>
@@ -4847,8 +4880,8 @@
         </p:nvSpPr>
         <p:spPr bwMode="gray">
           <a:xfrm>
-            <a:off x="0" y="6172201"/>
-            <a:ext cx="9144000" cy="514351"/>
+            <a:off x="0" y="4629151"/>
+            <a:ext cx="9144000" cy="385763"/>
           </a:xfrm>
           <a:prstGeom prst="rect">
             <a:avLst/>
@@ -4895,7 +4928,7 @@
         </p:nvSpPr>
         <p:spPr bwMode="gray">
           <a:xfrm flipH="1">
-            <a:off x="8553450" y="6695329"/>
+            <a:off x="8553450" y="5021497"/>
             <a:ext cx="533400" cy="123111"/>
           </a:xfrm>
           <a:prstGeom prst="rect">
@@ -4975,7 +5008,7 @@
         </p:nvSpPr>
         <p:spPr bwMode="gray">
           <a:xfrm>
-            <a:off x="366714" y="6691266"/>
+            <a:off x="366715" y="5018450"/>
             <a:ext cx="2274887" cy="100027"/>
           </a:xfrm>
           <a:prstGeom prst="rect">
@@ -5054,8 +5087,8 @@
         </p:blipFill>
         <p:spPr>
           <a:xfrm>
-            <a:off x="7941733" y="6285289"/>
-            <a:ext cx="957262" cy="292607"/>
+            <a:off x="7941733" y="4713967"/>
+            <a:ext cx="957262" cy="219455"/>
           </a:xfrm>
           <a:prstGeom prst="rect">
             <a:avLst/>
@@ -5114,7 +5147,7 @@
         <p:spPr>
           <a:xfrm>
             <a:off x="0" y="0"/>
-            <a:ext cx="9144000" cy="6858000"/>
+            <a:ext cx="9144000" cy="5143500"/>
           </a:xfrm>
           <a:prstGeom prst="rect">
             <a:avLst/>
@@ -5167,7 +5200,7 @@
         </p:nvSpPr>
         <p:spPr>
           <a:xfrm>
-            <a:off x="1701800" y="4125384"/>
+            <a:off x="1701800" y="3094038"/>
             <a:ext cx="5689600" cy="461665"/>
           </a:xfrm>
           <a:prstGeom prst="rect">
@@ -5329,8 +5362,8 @@
         </p:blipFill>
         <p:spPr bwMode="auto">
           <a:xfrm>
-            <a:off x="1973264" y="2211918"/>
-            <a:ext cx="5189537" cy="1680633"/>
+            <a:off x="1973265" y="1658939"/>
+            <a:ext cx="5189537" cy="1260475"/>
           </a:xfrm>
           <a:prstGeom prst="rect">
             <a:avLst/>
@@ -5391,8 +5424,8 @@
         </p:nvSpPr>
         <p:spPr>
           <a:xfrm>
-            <a:off x="685800" y="2130428"/>
-            <a:ext cx="7772400" cy="1470025"/>
+            <a:off x="685800" y="1597821"/>
+            <a:ext cx="7772400" cy="1102519"/>
           </a:xfrm>
           <a:prstGeom prst="rect">
             <a:avLst/>
@@ -5422,8 +5455,8 @@
         </p:nvSpPr>
         <p:spPr>
           <a:xfrm>
-            <a:off x="1371600" y="3886200"/>
-            <a:ext cx="6400800" cy="1752600"/>
+            <a:off x="1371600" y="2914650"/>
+            <a:ext cx="6400800" cy="1314450"/>
           </a:xfrm>
           <a:prstGeom prst="rect">
             <a:avLst/>
@@ -5544,8 +5577,8 @@
         </p:nvSpPr>
         <p:spPr>
           <a:xfrm>
-            <a:off x="457200" y="6356352"/>
-            <a:ext cx="2133600" cy="365125"/>
+            <a:off x="457200" y="4767264"/>
+            <a:ext cx="2133600" cy="273844"/>
           </a:xfrm>
           <a:prstGeom prst="rect">
             <a:avLst/>
@@ -5557,7 +5590,7 @@
           <a:p>
             <a:fld id="{E103E7AC-D3BD-7B4F-84F3-CF1D2349A443}" type="datetimeFigureOut">
               <a:rPr lang="en-US" smtClean="0"/>
-              <a:t>2015-03-23</a:t>
+              <a:t>3/23/15</a:t>
             </a:fld>
             <a:endParaRPr lang="en-US"/>
           </a:p>
@@ -5575,8 +5608,8 @@
         </p:nvSpPr>
         <p:spPr>
           <a:xfrm>
-            <a:off x="3124200" y="6356352"/>
-            <a:ext cx="2895600" cy="365125"/>
+            <a:off x="3124200" y="4767264"/>
+            <a:ext cx="2895600" cy="273844"/>
           </a:xfrm>
           <a:prstGeom prst="rect">
             <a:avLst/>
@@ -5602,8 +5635,8 @@
         </p:nvSpPr>
         <p:spPr>
           <a:xfrm>
-            <a:off x="6553200" y="6356352"/>
-            <a:ext cx="2133600" cy="365125"/>
+            <a:off x="6553200" y="4767264"/>
+            <a:ext cx="2133600" cy="273844"/>
           </a:xfrm>
           <a:prstGeom prst="rect">
             <a:avLst/>
@@ -5660,7 +5693,7 @@
         <p:spPr>
           <a:xfrm>
             <a:off x="0" y="1"/>
-            <a:ext cx="9144000" cy="60959"/>
+            <a:ext cx="9144000" cy="45719"/>
           </a:xfrm>
           <a:prstGeom prst="rect">
             <a:avLst/>
@@ -5709,8 +5742,8 @@
         </p:nvSpPr>
         <p:spPr bwMode="auto">
           <a:xfrm>
-            <a:off x="304801" y="408518"/>
-            <a:ext cx="8537575" cy="372319"/>
+            <a:off x="304802" y="306389"/>
+            <a:ext cx="8537575" cy="279239"/>
           </a:xfrm>
           <a:prstGeom prst="rect">
             <a:avLst/>
@@ -5752,8 +5785,8 @@
         </p:nvSpPr>
         <p:spPr>
           <a:xfrm>
-            <a:off x="304801" y="1066800"/>
-            <a:ext cx="8537575" cy="4885267"/>
+            <a:off x="304802" y="800101"/>
+            <a:ext cx="8537575" cy="3663950"/>
           </a:xfrm>
           <a:prstGeom prst="rect">
             <a:avLst/>
@@ -5849,7 +5882,7 @@
         <p:spPr>
           <a:xfrm>
             <a:off x="0" y="0"/>
-            <a:ext cx="9144000" cy="6858000"/>
+            <a:ext cx="9144000" cy="5143500"/>
           </a:xfrm>
           <a:prstGeom prst="rect">
             <a:avLst/>
@@ -5896,8 +5929,8 @@
         </p:nvSpPr>
         <p:spPr bwMode="gray">
           <a:xfrm>
-            <a:off x="0" y="6172201"/>
-            <a:ext cx="9144000" cy="514351"/>
+            <a:off x="0" y="4629151"/>
+            <a:ext cx="9144000" cy="385763"/>
           </a:xfrm>
           <a:prstGeom prst="rect">
             <a:avLst/>
@@ -5944,7 +5977,7 @@
         </p:nvSpPr>
         <p:spPr bwMode="gray">
           <a:xfrm flipH="1">
-            <a:off x="8553450" y="6695329"/>
+            <a:off x="8553450" y="5021497"/>
             <a:ext cx="533400" cy="123111"/>
           </a:xfrm>
           <a:prstGeom prst="rect">
@@ -6024,7 +6057,7 @@
         </p:nvSpPr>
         <p:spPr bwMode="gray">
           <a:xfrm>
-            <a:off x="366714" y="6691266"/>
+            <a:off x="366715" y="5018450"/>
             <a:ext cx="2274887" cy="100027"/>
           </a:xfrm>
           <a:prstGeom prst="rect">
@@ -6099,7 +6132,7 @@
         </p:nvSpPr>
         <p:spPr bwMode="gray">
           <a:xfrm>
-            <a:off x="1017588" y="2526802"/>
+            <a:off x="1017588" y="1739931"/>
             <a:ext cx="6048376" cy="620683"/>
           </a:xfrm>
           <a:prstGeom prst="rect">
@@ -6151,8 +6184,8 @@
         </p:nvSpPr>
         <p:spPr bwMode="gray">
           <a:xfrm>
-            <a:off x="1026054" y="3262838"/>
-            <a:ext cx="6048375" cy="750357"/>
+            <a:off x="1026055" y="2447129"/>
+            <a:ext cx="6048375" cy="562768"/>
           </a:xfrm>
           <a:prstGeom prst="rect">
             <a:avLst/>
@@ -6224,8 +6257,8 @@
         </p:blipFill>
         <p:spPr>
           <a:xfrm>
-            <a:off x="7941733" y="6285289"/>
-            <a:ext cx="957262" cy="292607"/>
+            <a:off x="7941733" y="4713967"/>
+            <a:ext cx="957262" cy="219455"/>
           </a:xfrm>
           <a:prstGeom prst="rect">
             <a:avLst/>
@@ -6276,7 +6309,7 @@
         <p:spPr bwMode="gray">
           <a:xfrm>
             <a:off x="0" y="1"/>
-            <a:ext cx="9144000" cy="2891335"/>
+            <a:ext cx="9144000" cy="2168501"/>
           </a:xfrm>
           <a:prstGeom prst="rect">
             <a:avLst/>
@@ -6338,7 +6371,7 @@
         </p:nvSpPr>
         <p:spPr bwMode="gray">
           <a:xfrm>
-            <a:off x="2728912" y="1737487"/>
+            <a:off x="2728912" y="995595"/>
             <a:ext cx="6048376" cy="1230080"/>
           </a:xfrm>
           <a:prstGeom prst="rect">
@@ -6385,8 +6418,8 @@
         </p:nvSpPr>
         <p:spPr bwMode="gray">
           <a:xfrm>
-            <a:off x="2728914" y="3274484"/>
-            <a:ext cx="6048375" cy="2535605"/>
+            <a:off x="2728915" y="2455863"/>
+            <a:ext cx="6048375" cy="1901704"/>
           </a:xfrm>
           <a:prstGeom prst="rect">
             <a:avLst/>
@@ -6545,7 +6578,7 @@
         <p:spPr>
           <a:xfrm>
             <a:off x="0" y="0"/>
-            <a:ext cx="9144000" cy="6858000"/>
+            <a:ext cx="9144000" cy="5143500"/>
           </a:xfrm>
           <a:prstGeom prst="rect">
             <a:avLst/>
@@ -6592,8 +6625,8 @@
         </p:nvSpPr>
         <p:spPr bwMode="gray">
           <a:xfrm>
-            <a:off x="0" y="6172201"/>
-            <a:ext cx="9144000" cy="514351"/>
+            <a:off x="0" y="4629151"/>
+            <a:ext cx="9144000" cy="385763"/>
           </a:xfrm>
           <a:prstGeom prst="rect">
             <a:avLst/>
@@ -6640,7 +6673,7 @@
         </p:nvSpPr>
         <p:spPr bwMode="gray">
           <a:xfrm flipH="1">
-            <a:off x="8553450" y="6695329"/>
+            <a:off x="8553450" y="5021497"/>
             <a:ext cx="533400" cy="123111"/>
           </a:xfrm>
           <a:prstGeom prst="rect">
@@ -6720,7 +6753,7 @@
         </p:nvSpPr>
         <p:spPr bwMode="gray">
           <a:xfrm>
-            <a:off x="366714" y="6691266"/>
+            <a:off x="366715" y="5018450"/>
             <a:ext cx="2274887" cy="100027"/>
           </a:xfrm>
           <a:prstGeom prst="rect">
@@ -6795,7 +6828,7 @@
         </p:nvSpPr>
         <p:spPr bwMode="gray">
           <a:xfrm>
-            <a:off x="670455" y="2683785"/>
+            <a:off x="670455" y="1674285"/>
             <a:ext cx="6048376" cy="1354217"/>
           </a:xfrm>
           <a:prstGeom prst="rect">
@@ -6854,8 +6887,8 @@
         </p:blipFill>
         <p:spPr>
           <a:xfrm>
-            <a:off x="7941733" y="6285289"/>
-            <a:ext cx="957262" cy="292607"/>
+            <a:off x="7941733" y="4713967"/>
+            <a:ext cx="957262" cy="219455"/>
           </a:xfrm>
           <a:prstGeom prst="rect">
             <a:avLst/>
@@ -6909,8 +6942,8 @@
         </p:nvSpPr>
         <p:spPr bwMode="gray">
           <a:xfrm>
-            <a:off x="366714" y="433918"/>
-            <a:ext cx="8410575" cy="613833"/>
+            <a:off x="366715" y="325439"/>
+            <a:ext cx="8410575" cy="460375"/>
           </a:xfrm>
           <a:prstGeom prst="rect">
             <a:avLst/>
@@ -6954,8 +6987,8 @@
         </p:nvSpPr>
         <p:spPr bwMode="gray">
           <a:xfrm>
-            <a:off x="366715" y="1432984"/>
-            <a:ext cx="8410575" cy="4510616"/>
+            <a:off x="366716" y="1074738"/>
+            <a:ext cx="8410575" cy="3382962"/>
           </a:xfrm>
           <a:prstGeom prst="rect">
             <a:avLst/>
@@ -7138,8 +7171,8 @@
         </p:nvSpPr>
         <p:spPr bwMode="gray">
           <a:xfrm>
-            <a:off x="366714" y="433918"/>
-            <a:ext cx="8410575" cy="613833"/>
+            <a:off x="366715" y="325439"/>
+            <a:ext cx="8410575" cy="460375"/>
           </a:xfrm>
           <a:prstGeom prst="rect">
             <a:avLst/>
@@ -7183,8 +7216,8 @@
         </p:nvSpPr>
         <p:spPr bwMode="gray">
           <a:xfrm>
-            <a:off x="366715" y="1432984"/>
-            <a:ext cx="8410575" cy="4510616"/>
+            <a:off x="366716" y="1074738"/>
+            <a:ext cx="8410575" cy="3382962"/>
           </a:xfrm>
           <a:prstGeom prst="rect">
             <a:avLst/>
@@ -7367,8 +7400,8 @@
         </p:nvSpPr>
         <p:spPr bwMode="gray">
           <a:xfrm>
-            <a:off x="366714" y="433918"/>
-            <a:ext cx="8410575" cy="613833"/>
+            <a:off x="366715" y="325439"/>
+            <a:ext cx="8410575" cy="460375"/>
           </a:xfrm>
           <a:prstGeom prst="rect">
             <a:avLst/>
@@ -7447,8 +7480,8 @@
         </p:nvSpPr>
         <p:spPr bwMode="gray">
           <a:xfrm>
-            <a:off x="366714" y="1047752"/>
-            <a:ext cx="8410575" cy="461625"/>
+            <a:off x="366715" y="785814"/>
+            <a:ext cx="8410575" cy="346219"/>
           </a:xfrm>
           <a:prstGeom prst="rect">
             <a:avLst/>
@@ -7525,8 +7558,8 @@
         </p:nvSpPr>
         <p:spPr bwMode="gray">
           <a:xfrm>
-            <a:off x="366714" y="433918"/>
-            <a:ext cx="8410575" cy="613833"/>
+            <a:off x="366715" y="325439"/>
+            <a:ext cx="8410575" cy="460375"/>
           </a:xfrm>
           <a:prstGeom prst="rect">
             <a:avLst/>
@@ -7604,8 +7637,8 @@
         </p:nvSpPr>
         <p:spPr bwMode="gray">
           <a:xfrm>
-            <a:off x="366714" y="1047752"/>
-            <a:ext cx="8410575" cy="461625"/>
+            <a:off x="366715" y="785814"/>
+            <a:ext cx="8410575" cy="346219"/>
           </a:xfrm>
           <a:prstGeom prst="rect">
             <a:avLst/>
@@ -7683,8 +7716,8 @@
         </p:nvSpPr>
         <p:spPr bwMode="gray">
           <a:xfrm>
-            <a:off x="366714" y="433918"/>
-            <a:ext cx="8410575" cy="613833"/>
+            <a:off x="366715" y="325439"/>
+            <a:ext cx="8410575" cy="460375"/>
           </a:xfrm>
           <a:prstGeom prst="rect">
             <a:avLst/>
@@ -7728,8 +7761,8 @@
         </p:nvSpPr>
         <p:spPr bwMode="gray">
           <a:xfrm>
-            <a:off x="366715" y="1892299"/>
-            <a:ext cx="8410574" cy="4051300"/>
+            <a:off x="366715" y="1419224"/>
+            <a:ext cx="8410574" cy="3038475"/>
           </a:xfrm>
           <a:prstGeom prst="rect">
             <a:avLst/>
@@ -7913,8 +7946,8 @@
         </p:nvSpPr>
         <p:spPr bwMode="gray">
           <a:xfrm>
-            <a:off x="0" y="6172201"/>
-            <a:ext cx="9144000" cy="514351"/>
+            <a:off x="0" y="4629151"/>
+            <a:ext cx="9144000" cy="385763"/>
           </a:xfrm>
           <a:prstGeom prst="rect">
             <a:avLst/>
@@ -7961,7 +7994,7 @@
         </p:nvSpPr>
         <p:spPr bwMode="gray">
           <a:xfrm flipH="1">
-            <a:off x="8553450" y="6695329"/>
+            <a:off x="8553450" y="5021497"/>
             <a:ext cx="533400" cy="123111"/>
           </a:xfrm>
           <a:prstGeom prst="rect">
@@ -8041,7 +8074,7 @@
         </p:nvSpPr>
         <p:spPr bwMode="gray">
           <a:xfrm>
-            <a:off x="366714" y="6691266"/>
+            <a:off x="366715" y="5018450"/>
             <a:ext cx="2274887" cy="100027"/>
           </a:xfrm>
           <a:prstGeom prst="rect">
@@ -8120,8 +8153,8 @@
         </p:blipFill>
         <p:spPr>
           <a:xfrm>
-            <a:off x="7941733" y="6285289"/>
-            <a:ext cx="957262" cy="292607"/>
+            <a:off x="7941733" y="4713967"/>
+            <a:ext cx="957262" cy="219455"/>
           </a:xfrm>
           <a:prstGeom prst="rect">
             <a:avLst/>
@@ -8457,7 +8490,7 @@
         </p:nvSpPr>
         <p:spPr>
           <a:xfrm>
-            <a:off x="890588" y="2584618"/>
+            <a:off x="890588" y="1811506"/>
             <a:ext cx="6249542" cy="507831"/>
           </a:xfrm>
         </p:spPr>
@@ -8590,8 +8623,8 @@
         </p:nvGrpSpPr>
         <p:grpSpPr>
           <a:xfrm>
-            <a:off x="929489" y="4357690"/>
-            <a:ext cx="2179730" cy="1646239"/>
+            <a:off x="929489" y="3268268"/>
+            <a:ext cx="2179730" cy="1234679"/>
             <a:chOff x="929489" y="3268267"/>
             <a:chExt cx="2179730" cy="1234679"/>
           </a:xfrm>
@@ -8650,7 +8683,7 @@
           <p:spPr bwMode="auto">
             <a:xfrm>
               <a:off x="2565174" y="4271965"/>
-              <a:ext cx="544045" cy="173124"/>
+              <a:ext cx="544045" cy="230832"/>
             </a:xfrm>
             <a:prstGeom prst="rect">
               <a:avLst/>
@@ -8714,8 +8747,8 @@
         </p:nvGrpSpPr>
         <p:grpSpPr>
           <a:xfrm>
-            <a:off x="3491714" y="4357690"/>
-            <a:ext cx="2179730" cy="1646239"/>
+            <a:off x="3491714" y="3268268"/>
+            <a:ext cx="2179730" cy="1234679"/>
             <a:chOff x="3491714" y="3268267"/>
             <a:chExt cx="2179730" cy="1234679"/>
           </a:xfrm>
@@ -8774,7 +8807,7 @@
           <p:spPr bwMode="auto">
             <a:xfrm>
               <a:off x="5127399" y="4271965"/>
-              <a:ext cx="544045" cy="173124"/>
+              <a:ext cx="544045" cy="230832"/>
             </a:xfrm>
             <a:prstGeom prst="rect">
               <a:avLst/>
@@ -8838,8 +8871,8 @@
         </p:nvGrpSpPr>
         <p:grpSpPr>
           <a:xfrm>
-            <a:off x="6053939" y="4357690"/>
-            <a:ext cx="2179730" cy="1646239"/>
+            <a:off x="6053939" y="3268268"/>
+            <a:ext cx="2179730" cy="1234679"/>
             <a:chOff x="6053939" y="3268267"/>
             <a:chExt cx="2179730" cy="1234679"/>
           </a:xfrm>
@@ -8898,7 +8931,7 @@
           <p:spPr bwMode="auto">
             <a:xfrm>
               <a:off x="7689624" y="4271965"/>
-              <a:ext cx="544045" cy="173124"/>
+              <a:ext cx="544045" cy="230832"/>
             </a:xfrm>
             <a:prstGeom prst="rect">
               <a:avLst/>
@@ -8962,8 +8995,8 @@
         </p:nvGrpSpPr>
         <p:grpSpPr>
           <a:xfrm>
-            <a:off x="3026570" y="4775199"/>
-            <a:ext cx="554831" cy="1209677"/>
+            <a:off x="3026571" y="3581400"/>
+            <a:ext cx="554831" cy="907258"/>
             <a:chOff x="3026569" y="3581399"/>
             <a:chExt cx="554831" cy="907258"/>
           </a:xfrm>
@@ -9310,8 +9343,8 @@
         </p:nvGrpSpPr>
         <p:grpSpPr>
           <a:xfrm>
-            <a:off x="5588795" y="4775199"/>
-            <a:ext cx="554831" cy="1209677"/>
+            <a:off x="5588796" y="3581400"/>
+            <a:ext cx="554831" cy="907258"/>
             <a:chOff x="3026569" y="3581399"/>
             <a:chExt cx="554831" cy="907258"/>
           </a:xfrm>
@@ -9658,8 +9691,8 @@
         </p:nvGrpSpPr>
         <p:grpSpPr>
           <a:xfrm>
-            <a:off x="3100573" y="5774933"/>
-            <a:ext cx="3131392" cy="704899"/>
+            <a:off x="3100573" y="4331200"/>
+            <a:ext cx="3131392" cy="528674"/>
             <a:chOff x="3100573" y="4331200"/>
             <a:chExt cx="3131392" cy="528674"/>
           </a:xfrm>
@@ -9919,7 +9952,7 @@
           <p:spPr>
             <a:xfrm>
               <a:off x="5800725" y="4514850"/>
-              <a:ext cx="431240" cy="138499"/>
+              <a:ext cx="431240" cy="184666"/>
             </a:xfrm>
             <a:prstGeom prst="rect">
               <a:avLst/>
@@ -9955,8 +9988,8 @@
         </p:nvGrpSpPr>
         <p:grpSpPr>
           <a:xfrm>
-            <a:off x="5648325" y="4432300"/>
-            <a:ext cx="431240" cy="428309"/>
+            <a:off x="5648325" y="3324225"/>
+            <a:ext cx="431240" cy="321232"/>
             <a:chOff x="5648325" y="3324225"/>
             <a:chExt cx="431240" cy="321232"/>
           </a:xfrm>
@@ -10006,7 +10039,7 @@
           <p:spPr>
             <a:xfrm>
               <a:off x="5648325" y="3324225"/>
-              <a:ext cx="431240" cy="138500"/>
+              <a:ext cx="431240" cy="184666"/>
             </a:xfrm>
             <a:prstGeom prst="rect">
               <a:avLst/>
@@ -10042,8 +10075,8 @@
         </p:nvGrpSpPr>
         <p:grpSpPr>
           <a:xfrm>
-            <a:off x="3076575" y="4432300"/>
-            <a:ext cx="431240" cy="428309"/>
+            <a:off x="3076575" y="3324225"/>
+            <a:ext cx="431240" cy="321232"/>
             <a:chOff x="3076575" y="3324225"/>
             <a:chExt cx="431240" cy="321232"/>
           </a:xfrm>
@@ -10093,7 +10126,7 @@
           <p:spPr>
             <a:xfrm>
               <a:off x="3076575" y="3324225"/>
-              <a:ext cx="431240" cy="138500"/>
+              <a:ext cx="431240" cy="184666"/>
             </a:xfrm>
             <a:prstGeom prst="rect">
               <a:avLst/>
@@ -10129,8 +10162,8 @@
         </p:nvGrpSpPr>
         <p:grpSpPr>
           <a:xfrm>
-            <a:off x="2748042" y="3429000"/>
-            <a:ext cx="1118314" cy="1066799"/>
+            <a:off x="2748042" y="2571750"/>
+            <a:ext cx="1118314" cy="800099"/>
             <a:chOff x="2748042" y="2571750"/>
             <a:chExt cx="1118314" cy="800099"/>
           </a:xfrm>
@@ -10287,7 +10320,7 @@
           <p:spPr>
             <a:xfrm>
               <a:off x="3020226" y="2571750"/>
-              <a:ext cx="595035" cy="138499"/>
+              <a:ext cx="595035" cy="184666"/>
             </a:xfrm>
             <a:prstGeom prst="rect">
               <a:avLst/>
@@ -10340,7 +10373,7 @@
           <p:spPr>
             <a:xfrm>
               <a:off x="3182657" y="2708275"/>
-              <a:ext cx="270176" cy="115416"/>
+              <a:ext cx="270176" cy="153888"/>
             </a:xfrm>
             <a:prstGeom prst="rect">
               <a:avLst/>
@@ -10412,7 +10445,7 @@
           <p:spPr>
             <a:xfrm>
               <a:off x="3166976" y="2978150"/>
-              <a:ext cx="301535" cy="115416"/>
+              <a:ext cx="301535" cy="153888"/>
             </a:xfrm>
             <a:prstGeom prst="rect">
               <a:avLst/>
@@ -10455,8 +10488,8 @@
         </p:nvGrpSpPr>
         <p:grpSpPr>
           <a:xfrm>
-            <a:off x="5256292" y="3429000"/>
-            <a:ext cx="1118314" cy="1066799"/>
+            <a:off x="5256292" y="2571750"/>
+            <a:ext cx="1118314" cy="800099"/>
             <a:chOff x="2748042" y="2571750"/>
             <a:chExt cx="1118314" cy="800099"/>
           </a:xfrm>
@@ -10613,7 +10646,7 @@
           <p:spPr>
             <a:xfrm>
               <a:off x="3020226" y="2571750"/>
-              <a:ext cx="595035" cy="138499"/>
+              <a:ext cx="595035" cy="184666"/>
             </a:xfrm>
             <a:prstGeom prst="rect">
               <a:avLst/>
@@ -10666,7 +10699,7 @@
           <p:spPr>
             <a:xfrm>
               <a:off x="3182657" y="2708275"/>
-              <a:ext cx="270176" cy="115416"/>
+              <a:ext cx="270176" cy="153888"/>
             </a:xfrm>
             <a:prstGeom prst="rect">
               <a:avLst/>
@@ -10738,7 +10771,7 @@
           <p:spPr>
             <a:xfrm>
               <a:off x="3166976" y="2978150"/>
-              <a:ext cx="301535" cy="115416"/>
+              <a:ext cx="301535" cy="153888"/>
             </a:xfrm>
             <a:prstGeom prst="rect">
               <a:avLst/>
@@ -10781,8 +10814,8 @@
         </p:nvSpPr>
         <p:spPr>
           <a:xfrm>
-            <a:off x="3990974" y="1322389"/>
-            <a:ext cx="4857751" cy="708024"/>
+            <a:off x="3990974" y="991792"/>
+            <a:ext cx="4857751" cy="531018"/>
           </a:xfrm>
           <a:prstGeom prst="rect">
             <a:avLst/>
@@ -10864,8 +10897,8 @@
         </p:nvSpPr>
         <p:spPr bwMode="auto">
           <a:xfrm>
-            <a:off x="1009650" y="2459568"/>
-            <a:ext cx="3524250" cy="1883833"/>
+            <a:off x="1009650" y="1844676"/>
+            <a:ext cx="3524250" cy="1412875"/>
           </a:xfrm>
           <a:custGeom>
             <a:avLst/>
@@ -10937,10 +10970,10 @@
         </p:nvGrpSpPr>
         <p:grpSpPr>
           <a:xfrm>
-            <a:off x="7979352" y="2505075"/>
-            <a:ext cx="728880" cy="740291"/>
+            <a:off x="7979352" y="1878807"/>
+            <a:ext cx="728880" cy="601385"/>
             <a:chOff x="7979351" y="1878806"/>
-            <a:chExt cx="728880" cy="555218"/>
+            <a:chExt cx="728880" cy="601385"/>
           </a:xfrm>
         </p:grpSpPr>
         <p:grpSp>
@@ -11030,7 +11063,7 @@
           <p:spPr>
             <a:xfrm>
               <a:off x="8240543" y="2295525"/>
-              <a:ext cx="466794" cy="138499"/>
+              <a:ext cx="466794" cy="184666"/>
             </a:xfrm>
             <a:prstGeom prst="rect">
               <a:avLst/>
@@ -11073,7 +11106,7 @@
           <p:spPr>
             <a:xfrm>
               <a:off x="7979351" y="1885950"/>
-              <a:ext cx="398629" cy="138499"/>
+              <a:ext cx="398629" cy="184666"/>
             </a:xfrm>
             <a:prstGeom prst="rect">
               <a:avLst/>
@@ -11109,10 +11142,10 @@
         </p:nvGrpSpPr>
         <p:grpSpPr>
           <a:xfrm>
-            <a:off x="449094" y="2505075"/>
-            <a:ext cx="727987" cy="740291"/>
+            <a:off x="449095" y="1878807"/>
+            <a:ext cx="727987" cy="601385"/>
             <a:chOff x="449093" y="1878806"/>
-            <a:chExt cx="727987" cy="555218"/>
+            <a:chExt cx="727987" cy="601385"/>
           </a:xfrm>
         </p:grpSpPr>
         <p:grpSp>
@@ -11202,7 +11235,7 @@
           <p:spPr>
             <a:xfrm>
               <a:off x="449093" y="2295525"/>
-              <a:ext cx="466794" cy="138499"/>
+              <a:ext cx="466794" cy="184666"/>
             </a:xfrm>
             <a:prstGeom prst="rect">
               <a:avLst/>
@@ -11245,7 +11278,7 @@
           <p:spPr>
             <a:xfrm>
               <a:off x="778451" y="1885950"/>
-              <a:ext cx="398629" cy="138499"/>
+              <a:ext cx="398629" cy="184666"/>
             </a:xfrm>
             <a:prstGeom prst="rect">
               <a:avLst/>
@@ -11281,8 +11314,8 @@
         </p:nvSpPr>
         <p:spPr bwMode="auto">
           <a:xfrm flipH="1">
-            <a:off x="4629150" y="2459568"/>
-            <a:ext cx="3524250" cy="1883833"/>
+            <a:off x="4629150" y="1844676"/>
+            <a:ext cx="3524250" cy="1412875"/>
           </a:xfrm>
           <a:custGeom>
             <a:avLst/>
@@ -11354,8 +11387,8 @@
         </p:nvSpPr>
         <p:spPr bwMode="auto">
           <a:xfrm>
-            <a:off x="1019176" y="2347384"/>
-            <a:ext cx="7143750" cy="421216"/>
+            <a:off x="1019176" y="1760538"/>
+            <a:ext cx="7143750" cy="315912"/>
           </a:xfrm>
           <a:custGeom>
             <a:avLst/>
@@ -11427,8 +11460,8 @@
         </p:nvSpPr>
         <p:spPr bwMode="auto">
           <a:xfrm>
-            <a:off x="1057276" y="2794001"/>
-            <a:ext cx="771525" cy="1562100"/>
+            <a:off x="1057277" y="2095501"/>
+            <a:ext cx="771525" cy="1171575"/>
           </a:xfrm>
           <a:custGeom>
             <a:avLst/>
@@ -11500,8 +11533,8 @@
         </p:nvSpPr>
         <p:spPr bwMode="auto">
           <a:xfrm>
-            <a:off x="1924050" y="2504017"/>
-            <a:ext cx="6191250" cy="1852083"/>
+            <a:off x="1924050" y="1878013"/>
+            <a:ext cx="6191250" cy="1389062"/>
           </a:xfrm>
           <a:custGeom>
             <a:avLst/>
@@ -11622,8 +11655,8 @@
         </p:blipFill>
         <p:spPr>
           <a:xfrm>
-            <a:off x="419101" y="2507177"/>
-            <a:ext cx="695324" cy="695324"/>
+            <a:off x="419101" y="1880383"/>
+            <a:ext cx="695324" cy="521493"/>
           </a:xfrm>
           <a:prstGeom prst="rect">
             <a:avLst/>
@@ -11657,8 +11690,8 @@
         </p:blipFill>
         <p:spPr>
           <a:xfrm>
-            <a:off x="419101" y="2509309"/>
-            <a:ext cx="695324" cy="695324"/>
+            <a:off x="419101" y="1881982"/>
+            <a:ext cx="695324" cy="521493"/>
           </a:xfrm>
           <a:prstGeom prst="rect">
             <a:avLst/>
@@ -11692,8 +11725,8 @@
         </p:blipFill>
         <p:spPr>
           <a:xfrm>
-            <a:off x="419101" y="2512467"/>
-            <a:ext cx="695324" cy="695324"/>
+            <a:off x="419101" y="1884350"/>
+            <a:ext cx="695324" cy="521493"/>
           </a:xfrm>
           <a:prstGeom prst="rect">
             <a:avLst/>
@@ -11708,8 +11741,8 @@
         </p:nvSpPr>
         <p:spPr bwMode="auto">
           <a:xfrm>
-            <a:off x="1066801" y="2440518"/>
-            <a:ext cx="5895975" cy="1915583"/>
+            <a:off x="1066802" y="1830389"/>
+            <a:ext cx="5895975" cy="1436687"/>
           </a:xfrm>
           <a:custGeom>
             <a:avLst/>
@@ -11781,8 +11814,8 @@
         </p:nvSpPr>
         <p:spPr bwMode="auto">
           <a:xfrm>
-            <a:off x="7089775" y="2736851"/>
-            <a:ext cx="1035050" cy="1619249"/>
+            <a:off x="7089775" y="2052639"/>
+            <a:ext cx="1035050" cy="1214437"/>
           </a:xfrm>
           <a:custGeom>
             <a:avLst/>
@@ -11873,8 +11906,8 @@
         </p:blipFill>
         <p:spPr>
           <a:xfrm>
-            <a:off x="419101" y="2509309"/>
-            <a:ext cx="695324" cy="695324"/>
+            <a:off x="419101" y="1881982"/>
+            <a:ext cx="695324" cy="521493"/>
           </a:xfrm>
           <a:prstGeom prst="rect">
             <a:avLst/>
@@ -11889,8 +11922,8 @@
         </p:nvGrpSpPr>
         <p:grpSpPr>
           <a:xfrm>
-            <a:off x="846218" y="3721099"/>
-            <a:ext cx="714119" cy="774700"/>
+            <a:off x="846219" y="2790824"/>
+            <a:ext cx="714119" cy="581025"/>
             <a:chOff x="846217" y="2790824"/>
             <a:chExt cx="714119" cy="581025"/>
           </a:xfrm>
@@ -11939,7 +11972,7 @@
           <p:spPr>
             <a:xfrm>
               <a:off x="1258801" y="2905125"/>
-              <a:ext cx="301535" cy="115416"/>
+              <a:ext cx="301535" cy="153888"/>
             </a:xfrm>
             <a:prstGeom prst="rect">
               <a:avLst/>
@@ -11982,8 +12015,8 @@
         </p:nvGrpSpPr>
         <p:grpSpPr>
           <a:xfrm>
-            <a:off x="1257301" y="2992967"/>
-            <a:ext cx="4402931" cy="1452032"/>
+            <a:off x="1257302" y="2244725"/>
+            <a:ext cx="4402931" cy="1089024"/>
             <a:chOff x="1257300" y="2244725"/>
             <a:chExt cx="4402931" cy="1089024"/>
           </a:xfrm>
@@ -12046,7 +12079,7 @@
             <p:spPr>
               <a:xfrm>
                 <a:off x="7452526" y="1095375"/>
-                <a:ext cx="595035" cy="138499"/>
+                <a:ext cx="595035" cy="184666"/>
               </a:xfrm>
               <a:prstGeom prst="rect">
                 <a:avLst/>
@@ -12099,7 +12132,7 @@
             <p:spPr>
               <a:xfrm>
                 <a:off x="7614957" y="1231900"/>
-                <a:ext cx="270176" cy="115416"/>
+                <a:ext cx="270176" cy="153888"/>
               </a:xfrm>
               <a:prstGeom prst="rect">
                 <a:avLst/>
@@ -12289,8 +12322,8 @@
         </p:nvGrpSpPr>
         <p:grpSpPr>
           <a:xfrm>
-            <a:off x="1228726" y="2753785"/>
-            <a:ext cx="7069931" cy="1742015"/>
+            <a:off x="1228727" y="2065339"/>
+            <a:ext cx="7069931" cy="1306511"/>
             <a:chOff x="1228725" y="2065338"/>
             <a:chExt cx="7069931" cy="1306511"/>
           </a:xfrm>
@@ -12339,7 +12372,7 @@
           <p:spPr>
             <a:xfrm>
               <a:off x="7452526" y="2571750"/>
-              <a:ext cx="595035" cy="138499"/>
+              <a:ext cx="595035" cy="184666"/>
             </a:xfrm>
             <a:prstGeom prst="rect">
               <a:avLst/>
@@ -12392,7 +12425,7 @@
           <p:spPr>
             <a:xfrm>
               <a:off x="7614957" y="2708275"/>
-              <a:ext cx="270176" cy="115416"/>
+              <a:ext cx="270176" cy="153888"/>
             </a:xfrm>
             <a:prstGeom prst="rect">
               <a:avLst/>
@@ -12581,10 +12614,10 @@
         </p:nvGrpSpPr>
         <p:grpSpPr>
           <a:xfrm>
-            <a:off x="39629" y="2882900"/>
-            <a:ext cx="608009" cy="819665"/>
+            <a:off x="39630" y="2162175"/>
+            <a:ext cx="608009" cy="660915"/>
             <a:chOff x="3497203" y="3438526"/>
-            <a:chExt cx="608009" cy="614749"/>
+            <a:chExt cx="608009" cy="660915"/>
           </a:xfrm>
         </p:grpSpPr>
         <p:sp>
@@ -12644,7 +12677,7 @@
           <p:spPr>
             <a:xfrm>
               <a:off x="3497203" y="3800475"/>
-              <a:ext cx="608009" cy="138500"/>
+              <a:ext cx="608009" cy="184666"/>
             </a:xfrm>
             <a:prstGeom prst="rect">
               <a:avLst/>
@@ -12680,7 +12713,7 @@
           <p:spPr>
             <a:xfrm>
               <a:off x="3507854" y="3914775"/>
-              <a:ext cx="586707" cy="138500"/>
+              <a:ext cx="586707" cy="184666"/>
             </a:xfrm>
             <a:prstGeom prst="rect">
               <a:avLst/>
@@ -12735,8 +12768,8 @@
         </p:blipFill>
         <p:spPr>
           <a:xfrm>
-            <a:off x="419101" y="2515643"/>
-            <a:ext cx="695324" cy="695324"/>
+            <a:off x="419101" y="1886732"/>
+            <a:ext cx="695324" cy="521493"/>
           </a:xfrm>
           <a:prstGeom prst="rect">
             <a:avLst/>
@@ -12770,8 +12803,8 @@
         </p:blipFill>
         <p:spPr>
           <a:xfrm>
-            <a:off x="419101" y="2518818"/>
-            <a:ext cx="695324" cy="695324"/>
+            <a:off x="419101" y="1889114"/>
+            <a:ext cx="695324" cy="521493"/>
           </a:xfrm>
           <a:prstGeom prst="rect">
             <a:avLst/>
@@ -12805,8 +12838,8 @@
         </p:blipFill>
         <p:spPr>
           <a:xfrm>
-            <a:off x="419101" y="2518818"/>
-            <a:ext cx="695324" cy="695324"/>
+            <a:off x="419101" y="1889114"/>
+            <a:ext cx="695324" cy="521493"/>
           </a:xfrm>
           <a:prstGeom prst="rect">
             <a:avLst/>
@@ -12840,8 +12873,8 @@
         </p:blipFill>
         <p:spPr>
           <a:xfrm>
-            <a:off x="419101" y="2520934"/>
-            <a:ext cx="695324" cy="695324"/>
+            <a:off x="419101" y="1890701"/>
+            <a:ext cx="695324" cy="521493"/>
           </a:xfrm>
           <a:prstGeom prst="rect">
             <a:avLst/>
@@ -12875,8 +12908,8 @@
         </p:blipFill>
         <p:spPr>
           <a:xfrm>
-            <a:off x="419101" y="2520934"/>
-            <a:ext cx="695324" cy="695324"/>
+            <a:off x="419101" y="1890701"/>
+            <a:ext cx="695324" cy="521493"/>
           </a:xfrm>
           <a:prstGeom prst="rect">
             <a:avLst/>
@@ -12910,8 +12943,8 @@
         </p:blipFill>
         <p:spPr>
           <a:xfrm>
-            <a:off x="419101" y="2509309"/>
-            <a:ext cx="695324" cy="695324"/>
+            <a:off x="419101" y="1881982"/>
+            <a:ext cx="695324" cy="521493"/>
           </a:xfrm>
           <a:prstGeom prst="rect">
             <a:avLst/>
@@ -15218,8 +15251,8 @@
         </p:nvGrpSpPr>
         <p:grpSpPr>
           <a:xfrm>
-            <a:off x="929489" y="4357690"/>
-            <a:ext cx="2179730" cy="1646239"/>
+            <a:off x="929489" y="3268268"/>
+            <a:ext cx="2179730" cy="1234679"/>
             <a:chOff x="929489" y="3268267"/>
             <a:chExt cx="2179730" cy="1234679"/>
           </a:xfrm>
@@ -15278,7 +15311,7 @@
           <p:spPr bwMode="auto">
             <a:xfrm>
               <a:off x="2565174" y="4271965"/>
-              <a:ext cx="544045" cy="173124"/>
+              <a:ext cx="544045" cy="230832"/>
             </a:xfrm>
             <a:prstGeom prst="rect">
               <a:avLst/>
@@ -15342,8 +15375,8 @@
         </p:nvGrpSpPr>
         <p:grpSpPr>
           <a:xfrm>
-            <a:off x="3491714" y="4357690"/>
-            <a:ext cx="2179730" cy="1646239"/>
+            <a:off x="3491714" y="3268268"/>
+            <a:ext cx="2179730" cy="1234679"/>
             <a:chOff x="3491714" y="3268267"/>
             <a:chExt cx="2179730" cy="1234679"/>
           </a:xfrm>
@@ -15402,7 +15435,7 @@
           <p:spPr bwMode="auto">
             <a:xfrm>
               <a:off x="5127399" y="4271965"/>
-              <a:ext cx="544045" cy="173124"/>
+              <a:ext cx="544045" cy="230832"/>
             </a:xfrm>
             <a:prstGeom prst="rect">
               <a:avLst/>
@@ -15466,8 +15499,8 @@
         </p:nvGrpSpPr>
         <p:grpSpPr>
           <a:xfrm>
-            <a:off x="6053939" y="4357690"/>
-            <a:ext cx="2179730" cy="1646239"/>
+            <a:off x="6053939" y="3268268"/>
+            <a:ext cx="2179730" cy="1234679"/>
             <a:chOff x="6053939" y="3268267"/>
             <a:chExt cx="2179730" cy="1234679"/>
           </a:xfrm>
@@ -15526,7 +15559,7 @@
           <p:spPr bwMode="auto">
             <a:xfrm>
               <a:off x="7689624" y="4271965"/>
-              <a:ext cx="544045" cy="173124"/>
+              <a:ext cx="544045" cy="230832"/>
             </a:xfrm>
             <a:prstGeom prst="rect">
               <a:avLst/>
@@ -15590,8 +15623,8 @@
         </p:nvGrpSpPr>
         <p:grpSpPr>
           <a:xfrm>
-            <a:off x="3026570" y="4775199"/>
-            <a:ext cx="554831" cy="1209677"/>
+            <a:off x="3026571" y="3581400"/>
+            <a:ext cx="554831" cy="907258"/>
             <a:chOff x="3026569" y="3581399"/>
             <a:chExt cx="554831" cy="907258"/>
           </a:xfrm>
@@ -15938,8 +15971,8 @@
         </p:nvGrpSpPr>
         <p:grpSpPr>
           <a:xfrm>
-            <a:off x="5588795" y="4775199"/>
-            <a:ext cx="554831" cy="1209677"/>
+            <a:off x="5588796" y="3581400"/>
+            <a:ext cx="554831" cy="907258"/>
             <a:chOff x="3026569" y="3581399"/>
             <a:chExt cx="554831" cy="907258"/>
           </a:xfrm>
@@ -16286,10 +16319,10 @@
         </p:nvGrpSpPr>
         <p:grpSpPr>
           <a:xfrm>
-            <a:off x="7979352" y="2505075"/>
-            <a:ext cx="728880" cy="740291"/>
+            <a:off x="7979352" y="1878807"/>
+            <a:ext cx="728880" cy="601385"/>
             <a:chOff x="7979351" y="1878806"/>
-            <a:chExt cx="728880" cy="555218"/>
+            <a:chExt cx="728880" cy="601385"/>
           </a:xfrm>
         </p:grpSpPr>
         <p:grpSp>
@@ -16379,7 +16412,7 @@
           <p:spPr>
             <a:xfrm>
               <a:off x="8240543" y="2295525"/>
-              <a:ext cx="466794" cy="138499"/>
+              <a:ext cx="466794" cy="184666"/>
             </a:xfrm>
             <a:prstGeom prst="rect">
               <a:avLst/>
@@ -16422,7 +16455,7 @@
           <p:spPr>
             <a:xfrm>
               <a:off x="7979351" y="1885950"/>
-              <a:ext cx="398629" cy="138499"/>
+              <a:ext cx="398629" cy="184666"/>
             </a:xfrm>
             <a:prstGeom prst="rect">
               <a:avLst/>
@@ -16458,10 +16491,10 @@
         </p:nvGrpSpPr>
         <p:grpSpPr>
           <a:xfrm>
-            <a:off x="449094" y="2505075"/>
-            <a:ext cx="727987" cy="740291"/>
+            <a:off x="449095" y="1878807"/>
+            <a:ext cx="727987" cy="601385"/>
             <a:chOff x="449093" y="1878806"/>
-            <a:chExt cx="727987" cy="555218"/>
+            <a:chExt cx="727987" cy="601385"/>
           </a:xfrm>
         </p:grpSpPr>
         <p:grpSp>
@@ -16551,7 +16584,7 @@
           <p:spPr>
             <a:xfrm>
               <a:off x="449093" y="2295525"/>
-              <a:ext cx="466794" cy="138499"/>
+              <a:ext cx="466794" cy="184666"/>
             </a:xfrm>
             <a:prstGeom prst="rect">
               <a:avLst/>
@@ -16594,7 +16627,7 @@
           <p:spPr>
             <a:xfrm>
               <a:off x="778451" y="1885950"/>
-              <a:ext cx="398629" cy="138499"/>
+              <a:ext cx="398629" cy="184666"/>
             </a:xfrm>
             <a:prstGeom prst="rect">
               <a:avLst/>
@@ -16630,8 +16663,8 @@
         </p:nvGrpSpPr>
         <p:grpSpPr>
           <a:xfrm>
-            <a:off x="1413382" y="790577"/>
-            <a:ext cx="2197293" cy="1662113"/>
+            <a:off x="1413383" y="592933"/>
+            <a:ext cx="2197293" cy="1246585"/>
             <a:chOff x="1413382" y="592932"/>
             <a:chExt cx="2197293" cy="1246585"/>
           </a:xfrm>
@@ -16704,7 +16737,7 @@
             <p:spPr bwMode="auto">
               <a:xfrm>
                 <a:off x="4851350" y="1393032"/>
-                <a:ext cx="813043" cy="173124"/>
+                <a:ext cx="813043" cy="230832"/>
               </a:xfrm>
               <a:prstGeom prst="rect">
                 <a:avLst/>
@@ -16791,8 +16824,8 @@
         </p:nvSpPr>
         <p:spPr bwMode="auto">
           <a:xfrm>
-            <a:off x="1419226" y="2101854"/>
-            <a:ext cx="2143125" cy="342900"/>
+            <a:off x="1419227" y="1576391"/>
+            <a:ext cx="2143125" cy="257175"/>
           </a:xfrm>
           <a:prstGeom prst="rect">
             <a:avLst/>
@@ -16863,8 +16896,8 @@
         </p:nvGrpSpPr>
         <p:grpSpPr>
           <a:xfrm>
-            <a:off x="934157" y="4191001"/>
-            <a:ext cx="7267575" cy="241299"/>
+            <a:off x="934158" y="3143251"/>
+            <a:ext cx="7267575" cy="180974"/>
             <a:chOff x="934156" y="3143251"/>
             <a:chExt cx="7267575" cy="180974"/>
           </a:xfrm>
@@ -17199,8 +17232,8 @@
         </p:nvSpPr>
         <p:spPr>
           <a:xfrm>
-            <a:off x="3990975" y="794811"/>
-            <a:ext cx="3781426" cy="1330323"/>
+            <a:off x="3990975" y="596109"/>
+            <a:ext cx="3781426" cy="997742"/>
           </a:xfrm>
           <a:prstGeom prst="rect">
             <a:avLst/>
@@ -17350,8 +17383,8 @@
         </p:nvCxnSpPr>
         <p:spPr bwMode="auto">
           <a:xfrm rot="10800000" flipV="1">
-            <a:off x="1057143" y="2438400"/>
-            <a:ext cx="727209" cy="271621"/>
+            <a:off x="1057144" y="1828800"/>
+            <a:ext cx="727209" cy="203716"/>
           </a:xfrm>
           <a:prstGeom prst="straightConnector1">
             <a:avLst/>
@@ -17379,8 +17412,8 @@
         </p:nvGrpSpPr>
         <p:grpSpPr>
           <a:xfrm>
-            <a:off x="1031876" y="2463745"/>
-            <a:ext cx="1111251" cy="393756"/>
+            <a:off x="1031877" y="1847809"/>
+            <a:ext cx="1111251" cy="295317"/>
             <a:chOff x="1031875" y="1847808"/>
             <a:chExt cx="1111251" cy="295317"/>
           </a:xfrm>
@@ -17508,8 +17541,8 @@
         </p:nvGrpSpPr>
         <p:grpSpPr>
           <a:xfrm>
-            <a:off x="1263650" y="2451100"/>
-            <a:ext cx="2562225" cy="1739901"/>
+            <a:off x="1263651" y="1838325"/>
+            <a:ext cx="2562225" cy="1304926"/>
             <a:chOff x="1263649" y="1838325"/>
             <a:chExt cx="2562225" cy="1304926"/>
           </a:xfrm>
@@ -17587,8 +17620,8 @@
         </p:nvCxnSpPr>
         <p:spPr bwMode="auto">
           <a:xfrm>
-            <a:off x="2105025" y="2463801"/>
-            <a:ext cx="4283074" cy="1727201"/>
+            <a:off x="2105025" y="1847851"/>
+            <a:ext cx="4283074" cy="1295401"/>
           </a:xfrm>
           <a:prstGeom prst="straightConnector1">
             <a:avLst/>
@@ -18153,11 +18186,7 @@
           <a:p>
             <a:r>
               <a:rPr lang="en-US" dirty="0" smtClean="0"/>
-              <a:t>Replicated </a:t>
-            </a:r>
-            <a:r>
-              <a:rPr lang="en-US" dirty="0" smtClean="0"/>
-              <a:t>Regions Overview</a:t>
+              <a:t>Replicated Regions Overview</a:t>
             </a:r>
             <a:endParaRPr lang="en-US" dirty="0"/>
           </a:p>
@@ -18173,8 +18202,8 @@
         </p:nvSpPr>
         <p:spPr bwMode="auto">
           <a:xfrm>
-            <a:off x="878777" y="2103005"/>
-            <a:ext cx="2155060" cy="1646239"/>
+            <a:off x="878777" y="1577254"/>
+            <a:ext cx="2155060" cy="1234679"/>
           </a:xfrm>
           <a:prstGeom prst="rect">
             <a:avLst/>
@@ -18216,8 +18245,8 @@
         </p:nvSpPr>
         <p:spPr bwMode="auto">
           <a:xfrm>
-            <a:off x="883444" y="2095068"/>
-            <a:ext cx="2143125" cy="82548"/>
+            <a:off x="883445" y="1571301"/>
+            <a:ext cx="2143125" cy="61911"/>
           </a:xfrm>
           <a:prstGeom prst="rect">
             <a:avLst/>
@@ -18282,8 +18311,8 @@
         </p:nvSpPr>
         <p:spPr bwMode="auto">
           <a:xfrm>
-            <a:off x="3441002" y="2103005"/>
-            <a:ext cx="2155060" cy="1646239"/>
+            <a:off x="3441002" y="1577254"/>
+            <a:ext cx="2155060" cy="1234679"/>
           </a:xfrm>
           <a:prstGeom prst="rect">
             <a:avLst/>
@@ -18325,8 +18354,8 @@
         </p:nvSpPr>
         <p:spPr bwMode="auto">
           <a:xfrm>
-            <a:off x="6003227" y="2103005"/>
-            <a:ext cx="2155060" cy="1646239"/>
+            <a:off x="6003227" y="1577254"/>
+            <a:ext cx="2155060" cy="1234679"/>
           </a:xfrm>
           <a:prstGeom prst="rect">
             <a:avLst/>
@@ -18366,8 +18395,8 @@
         </p:nvGrpSpPr>
         <p:grpSpPr>
           <a:xfrm>
-            <a:off x="2975858" y="2520514"/>
-            <a:ext cx="554831" cy="1209677"/>
+            <a:off x="2975859" y="1890386"/>
+            <a:ext cx="554831" cy="907258"/>
             <a:chOff x="3026569" y="3581399"/>
             <a:chExt cx="554831" cy="907258"/>
           </a:xfrm>
@@ -18716,8 +18745,8 @@
         </p:nvSpPr>
         <p:spPr bwMode="auto">
           <a:xfrm>
-            <a:off x="3445670" y="2095068"/>
-            <a:ext cx="2143125" cy="82548"/>
+            <a:off x="3445671" y="1571301"/>
+            <a:ext cx="2143125" cy="61911"/>
           </a:xfrm>
           <a:prstGeom prst="rect">
             <a:avLst/>
@@ -18782,8 +18811,8 @@
         </p:nvSpPr>
         <p:spPr bwMode="auto">
           <a:xfrm>
-            <a:off x="6007895" y="2095068"/>
-            <a:ext cx="2143125" cy="82548"/>
+            <a:off x="6007896" y="1571301"/>
+            <a:ext cx="2143125" cy="61911"/>
           </a:xfrm>
           <a:prstGeom prst="rect">
             <a:avLst/>
@@ -18846,8 +18875,8 @@
         </p:nvGrpSpPr>
         <p:grpSpPr>
           <a:xfrm>
-            <a:off x="5538083" y="2520514"/>
-            <a:ext cx="554831" cy="1209677"/>
+            <a:off x="5538084" y="1890386"/>
+            <a:ext cx="554831" cy="907258"/>
             <a:chOff x="3026569" y="3581399"/>
             <a:chExt cx="554831" cy="907258"/>
           </a:xfrm>
@@ -19196,8 +19225,8 @@
         </p:nvSpPr>
         <p:spPr bwMode="auto">
           <a:xfrm>
-            <a:off x="3539839" y="3422216"/>
-            <a:ext cx="1958975" cy="238124"/>
+            <a:off x="3539840" y="2566662"/>
+            <a:ext cx="1958975" cy="178593"/>
           </a:xfrm>
           <a:prstGeom prst="roundRect">
             <a:avLst>
@@ -19272,8 +19301,8 @@
         </p:nvSpPr>
         <p:spPr bwMode="auto">
           <a:xfrm>
-            <a:off x="3539839" y="3422216"/>
-            <a:ext cx="1958975" cy="238124"/>
+            <a:off x="3539840" y="2566662"/>
+            <a:ext cx="1958975" cy="178593"/>
           </a:xfrm>
           <a:prstGeom prst="roundRect">
             <a:avLst>
@@ -19348,8 +19377,8 @@
         </p:nvSpPr>
         <p:spPr bwMode="auto">
           <a:xfrm>
-            <a:off x="3539839" y="3422216"/>
-            <a:ext cx="1958975" cy="238124"/>
+            <a:off x="3539840" y="2566662"/>
+            <a:ext cx="1958975" cy="178593"/>
           </a:xfrm>
           <a:prstGeom prst="roundRect">
             <a:avLst>
@@ -19680,8 +19709,8 @@
         </p:nvGrpSpPr>
         <p:grpSpPr>
           <a:xfrm>
-            <a:off x="934157" y="2243042"/>
-            <a:ext cx="7279510" cy="1646239"/>
+            <a:off x="934157" y="1682282"/>
+            <a:ext cx="7279510" cy="1234679"/>
             <a:chOff x="929489" y="3268267"/>
             <a:chExt cx="7279510" cy="1234679"/>
           </a:xfrm>
@@ -20522,8 +20551,8 @@
         </p:nvSpPr>
         <p:spPr bwMode="auto">
           <a:xfrm>
-            <a:off x="3595219" y="2381153"/>
-            <a:ext cx="1958975" cy="238124"/>
+            <a:off x="3595220" y="1785865"/>
+            <a:ext cx="1958975" cy="178593"/>
           </a:xfrm>
           <a:prstGeom prst="roundRect">
             <a:avLst>
@@ -20606,8 +20635,8 @@
         </p:nvSpPr>
         <p:spPr bwMode="auto">
           <a:xfrm>
-            <a:off x="3595219" y="2381153"/>
-            <a:ext cx="1958975" cy="238124"/>
+            <a:off x="3595220" y="1785865"/>
+            <a:ext cx="1958975" cy="178593"/>
           </a:xfrm>
           <a:prstGeom prst="roundRect">
             <a:avLst>
@@ -20691,8 +20720,8 @@
         </p:nvSpPr>
         <p:spPr bwMode="auto">
           <a:xfrm>
-            <a:off x="3595219" y="2381153"/>
-            <a:ext cx="1958975" cy="238124"/>
+            <a:off x="3595220" y="1785865"/>
+            <a:ext cx="1958975" cy="178593"/>
           </a:xfrm>
           <a:prstGeom prst="roundRect">
             <a:avLst>
@@ -20779,8 +20808,8 @@
         </p:nvSpPr>
         <p:spPr bwMode="auto">
           <a:xfrm>
-            <a:off x="3595219" y="2381153"/>
-            <a:ext cx="1958975" cy="238124"/>
+            <a:off x="3595220" y="1785865"/>
+            <a:ext cx="1958975" cy="178593"/>
           </a:xfrm>
           <a:prstGeom prst="roundRect">
             <a:avLst>
@@ -20862,11 +20891,7 @@
           <a:p>
             <a:r>
               <a:rPr lang="en-US" dirty="0" smtClean="0"/>
-              <a:t>Partitioned </a:t>
-            </a:r>
-            <a:r>
-              <a:rPr lang="en-US" dirty="0" smtClean="0"/>
-              <a:t>Regions Overview</a:t>
+              <a:t>Partitioned Regions Overview</a:t>
             </a:r>
             <a:endParaRPr lang="en-US" dirty="0"/>
           </a:p>
@@ -20880,8 +20905,8 @@
         </p:nvGrpSpPr>
         <p:grpSpPr>
           <a:xfrm>
-            <a:off x="938825" y="2235105"/>
-            <a:ext cx="7267575" cy="82548"/>
+            <a:off x="938826" y="1676329"/>
+            <a:ext cx="7267575" cy="61911"/>
             <a:chOff x="934156" y="3262314"/>
             <a:chExt cx="7267575" cy="61911"/>
           </a:xfrm>
@@ -21095,8 +21120,8 @@
         </p:nvSpPr>
         <p:spPr bwMode="auto">
           <a:xfrm>
-            <a:off x="1032977" y="3562222"/>
-            <a:ext cx="1958975" cy="238124"/>
+            <a:off x="1032978" y="2671667"/>
+            <a:ext cx="1958975" cy="178593"/>
           </a:xfrm>
           <a:prstGeom prst="roundRect">
             <a:avLst>
@@ -21171,8 +21196,8 @@
         </p:nvSpPr>
         <p:spPr bwMode="auto">
           <a:xfrm>
-            <a:off x="6166968" y="3562258"/>
-            <a:ext cx="1958975" cy="238124"/>
+            <a:off x="6166969" y="2671694"/>
+            <a:ext cx="1958975" cy="178593"/>
           </a:xfrm>
           <a:prstGeom prst="roundRect">
             <a:avLst>
@@ -21247,8 +21272,8 @@
         </p:nvSpPr>
         <p:spPr bwMode="auto">
           <a:xfrm>
-            <a:off x="3595219" y="3562253"/>
-            <a:ext cx="1958975" cy="238124"/>
+            <a:off x="3595220" y="2671690"/>
+            <a:ext cx="1958975" cy="178593"/>
           </a:xfrm>
           <a:prstGeom prst="roundRect">
             <a:avLst>
@@ -21659,8 +21684,8 @@
         </p:nvGrpSpPr>
         <p:grpSpPr>
           <a:xfrm>
-            <a:off x="1033558" y="4357690"/>
-            <a:ext cx="2179730" cy="1646239"/>
+            <a:off x="1033558" y="3268268"/>
+            <a:ext cx="2179730" cy="1234679"/>
             <a:chOff x="1033558" y="2515792"/>
             <a:chExt cx="2179730" cy="1234679"/>
           </a:xfrm>
@@ -21719,7 +21744,7 @@
           <p:spPr bwMode="auto">
             <a:xfrm>
               <a:off x="2669243" y="3519490"/>
-              <a:ext cx="544045" cy="173124"/>
+              <a:ext cx="544045" cy="230832"/>
             </a:xfrm>
             <a:prstGeom prst="rect">
               <a:avLst/>
@@ -21854,8 +21879,8 @@
         </p:nvGrpSpPr>
         <p:grpSpPr>
           <a:xfrm>
-            <a:off x="1022857" y="790577"/>
-            <a:ext cx="2197293" cy="1662113"/>
+            <a:off x="1022858" y="592933"/>
+            <a:ext cx="2197293" cy="1246585"/>
             <a:chOff x="1032382" y="1393032"/>
             <a:chExt cx="2197293" cy="1246585"/>
           </a:xfrm>
@@ -21928,7 +21953,7 @@
             <p:spPr bwMode="auto">
               <a:xfrm>
                 <a:off x="4851350" y="1393032"/>
-                <a:ext cx="813043" cy="173124"/>
+                <a:ext cx="813043" cy="230832"/>
               </a:xfrm>
               <a:prstGeom prst="rect">
                 <a:avLst/>
@@ -22017,8 +22042,8 @@
         </p:nvSpPr>
         <p:spPr>
           <a:xfrm>
-            <a:off x="352244" y="127001"/>
-            <a:ext cx="8410575" cy="613833"/>
+            <a:off x="352245" y="95251"/>
+            <a:ext cx="8410575" cy="460375"/>
           </a:xfrm>
         </p:spPr>
         <p:txBody>
@@ -22027,11 +22052,7 @@
           <a:p>
             <a:r>
               <a:rPr lang="en-US" dirty="0" smtClean="0"/>
-              <a:t>Continuous </a:t>
-            </a:r>
-            <a:r>
-              <a:rPr lang="en-US" dirty="0" smtClean="0"/>
-              <a:t>Queries Overview</a:t>
+              <a:t>Continuous Queries Overview</a:t>
             </a:r>
             <a:endParaRPr lang="en-US" dirty="0"/>
           </a:p>
@@ -22045,8 +22066,8 @@
         </p:nvSpPr>
         <p:spPr>
           <a:xfrm>
-            <a:off x="3353717" y="1315346"/>
-            <a:ext cx="4857751" cy="212722"/>
+            <a:off x="3353718" y="986509"/>
+            <a:ext cx="4857751" cy="159542"/>
           </a:xfrm>
           <a:prstGeom prst="rect">
             <a:avLst/>
@@ -22068,11 +22089,7 @@
             <a:pPr fontAlgn="t"/>
             <a:r>
               <a:rPr lang="en-US" sz="800" b="1" dirty="0" smtClean="0"/>
-              <a:t>String </a:t>
-            </a:r>
-            <a:r>
-              <a:rPr lang="en-US" sz="800" b="1" dirty="0" smtClean="0"/>
-              <a:t>query = “SELECT * FROM /Customers WHERE balance &lt; 0”;</a:t>
+              <a:t>String query = “SELECT * FROM /Customers WHERE balance &lt; 0”;</a:t>
             </a:r>
             <a:r>
               <a:rPr lang="en-US" sz="800" dirty="0" smtClean="0"/>
@@ -22091,8 +22108,8 @@
         </p:nvSpPr>
         <p:spPr bwMode="auto">
           <a:xfrm>
-            <a:off x="1038226" y="4349753"/>
-            <a:ext cx="2143125" cy="342900"/>
+            <a:off x="1038227" y="3262315"/>
+            <a:ext cx="2143125" cy="257175"/>
           </a:xfrm>
           <a:prstGeom prst="rect">
             <a:avLst/>
@@ -22160,8 +22177,8 @@
         </p:nvSpPr>
         <p:spPr bwMode="auto">
           <a:xfrm>
-            <a:off x="1028701" y="2101854"/>
-            <a:ext cx="2143125" cy="342900"/>
+            <a:off x="1028702" y="1576391"/>
+            <a:ext cx="2143125" cy="257175"/>
           </a:xfrm>
           <a:prstGeom prst="rect">
             <a:avLst/>
@@ -22234,8 +22251,8 @@
         </p:nvSpPr>
         <p:spPr bwMode="auto">
           <a:xfrm>
-            <a:off x="1104901" y="1752600"/>
-            <a:ext cx="1123950" cy="263525"/>
+            <a:off x="1104901" y="1314450"/>
+            <a:ext cx="1123950" cy="197644"/>
           </a:xfrm>
           <a:prstGeom prst="roundRect">
             <a:avLst>
@@ -22305,8 +22322,8 @@
         </p:nvGrpSpPr>
         <p:grpSpPr bwMode="auto">
           <a:xfrm>
-            <a:off x="1981201" y="3633788"/>
-            <a:ext cx="158749" cy="766763"/>
+            <a:off x="1981202" y="2725342"/>
+            <a:ext cx="158749" cy="575072"/>
             <a:chOff x="3172" y="2337"/>
             <a:chExt cx="104" cy="483"/>
           </a:xfrm>
@@ -22489,8 +22506,8 @@
         </p:nvGrpSpPr>
         <p:grpSpPr bwMode="auto">
           <a:xfrm>
-            <a:off x="2312988" y="1257301"/>
-            <a:ext cx="792162" cy="419100"/>
+            <a:off x="2312988" y="942976"/>
+            <a:ext cx="792162" cy="314325"/>
             <a:chOff x="2609" y="1358"/>
             <a:chExt cx="443" cy="178"/>
           </a:xfrm>
@@ -22638,8 +22655,8 @@
         </p:nvSpPr>
         <p:spPr bwMode="auto">
           <a:xfrm>
-            <a:off x="357188" y="4876800"/>
-            <a:ext cx="1065210" cy="395291"/>
+            <a:off x="357188" y="3657601"/>
+            <a:ext cx="1065210" cy="296468"/>
           </a:xfrm>
           <a:prstGeom prst="rightArrow">
             <a:avLst/>
@@ -22689,8 +22706,8 @@
         </p:nvCxnSpPr>
         <p:spPr bwMode="auto">
           <a:xfrm rot="5400000" flipH="1" flipV="1">
-            <a:off x="1599406" y="4504532"/>
-            <a:ext cx="552451" cy="344491"/>
+            <a:off x="1668463" y="3335338"/>
+            <a:ext cx="414338" cy="344491"/>
           </a:xfrm>
           <a:prstGeom prst="straightConnector1">
             <a:avLst/>
@@ -22718,8 +22735,8 @@
         </p:nvSpPr>
         <p:spPr bwMode="auto">
           <a:xfrm>
-            <a:off x="1402268" y="5003800"/>
-            <a:ext cx="432883" cy="537633"/>
+            <a:off x="1402269" y="3752850"/>
+            <a:ext cx="432883" cy="403225"/>
           </a:xfrm>
           <a:prstGeom prst="hexagon">
             <a:avLst/>
@@ -22795,8 +22812,8 @@
         </p:nvCxnSpPr>
         <p:spPr bwMode="auto">
           <a:xfrm rot="5400000">
-            <a:off x="1241655" y="2380061"/>
-            <a:ext cx="2082176" cy="425281"/>
+            <a:off x="1501927" y="1731886"/>
+            <a:ext cx="1561632" cy="425281"/>
           </a:xfrm>
           <a:prstGeom prst="straightConnector1">
             <a:avLst/>
@@ -22824,8 +22841,8 @@
         </p:nvSpPr>
         <p:spPr bwMode="auto">
           <a:xfrm>
-            <a:off x="2600273" y="1224757"/>
-            <a:ext cx="599033" cy="801687"/>
+            <a:off x="2600274" y="918568"/>
+            <a:ext cx="599033" cy="601265"/>
           </a:xfrm>
           <a:prstGeom prst="irregularSeal1">
             <a:avLst/>
@@ -22872,10 +22889,10 @@
         </p:nvGrpSpPr>
         <p:grpSpPr>
           <a:xfrm>
-            <a:off x="2669502" y="980201"/>
-            <a:ext cx="1338828" cy="238999"/>
+            <a:off x="2669502" y="735151"/>
+            <a:ext cx="1338828" cy="215444"/>
             <a:chOff x="2669502" y="735151"/>
-            <a:chExt cx="1338828" cy="179249"/>
+            <a:chExt cx="1338828" cy="215444"/>
           </a:xfrm>
         </p:grpSpPr>
         <p:sp>
@@ -22933,7 +22950,7 @@
           <p:spPr>
             <a:xfrm>
               <a:off x="2669502" y="735151"/>
-              <a:ext cx="1338828" cy="161583"/>
+              <a:ext cx="1338828" cy="215444"/>
             </a:xfrm>
             <a:prstGeom prst="rect">
               <a:avLst/>
@@ -23409,8 +23426,8 @@
         </p:nvSpPr>
         <p:spPr>
           <a:xfrm>
-            <a:off x="1017587" y="1917405"/>
-            <a:ext cx="7664757" cy="1230080"/>
+            <a:off x="1017588" y="1739931"/>
+            <a:ext cx="7664757" cy="620683"/>
           </a:xfrm>
         </p:spPr>
         <p:txBody>
@@ -23628,689 +23645,14 @@
       </p:grpSpPr>
       <p:sp>
         <p:nvSpPr>
-          <p:cNvPr id="7" name="Title 6"/>
-          <p:cNvSpPr>
-            <a:spLocks noGrp="1"/>
-          </p:cNvSpPr>
-          <p:nvPr>
-            <p:ph type="title"/>
-          </p:nvPr>
-        </p:nvSpPr>
-        <p:spPr/>
-        <p:txBody>
-          <a:bodyPr/>
-          <a:lstStyle/>
-          <a:p>
-            <a:r>
-              <a:rPr lang="en-US" dirty="0">
-                <a:solidFill>
-                  <a:srgbClr val="1C7B70"/>
-                </a:solidFill>
-              </a:rPr>
-              <a:t>A New Release for Real-Time Data Apps in Pivotal Big Data Suite</a:t>
-            </a:r>
-          </a:p>
-        </p:txBody>
-      </p:sp>
-      <p:grpSp>
-        <p:nvGrpSpPr>
-          <p:cNvPr id="28" name="Group 27"/>
-          <p:cNvGrpSpPr/>
-          <p:nvPr/>
-        </p:nvGrpSpPr>
-        <p:grpSpPr>
-          <a:xfrm>
-            <a:off x="1284098" y="1875032"/>
-            <a:ext cx="6577392" cy="4078541"/>
-            <a:chOff x="675861" y="882359"/>
-            <a:chExt cx="7675320" cy="3569514"/>
-          </a:xfrm>
-        </p:grpSpPr>
-        <p:sp>
-          <p:nvSpPr>
-            <p:cNvPr id="9" name="Rounded Rectangle 8"/>
-            <p:cNvSpPr/>
-            <p:nvPr/>
-          </p:nvSpPr>
-          <p:spPr>
-            <a:xfrm>
-              <a:off x="675861" y="882359"/>
-              <a:ext cx="7670182" cy="675251"/>
-            </a:xfrm>
-            <a:prstGeom prst="roundRect">
-              <a:avLst>
-                <a:gd name="adj" fmla="val 8809"/>
-              </a:avLst>
-            </a:prstGeom>
-            <a:noFill/>
-            <a:ln w="12700">
-              <a:solidFill>
-                <a:srgbClr val="1C7B70"/>
-              </a:solidFill>
-            </a:ln>
-          </p:spPr>
-          <p:style>
-            <a:lnRef idx="2">
-              <a:schemeClr val="accent1">
-                <a:shade val="50000"/>
-              </a:schemeClr>
-            </a:lnRef>
-            <a:fillRef idx="1">
-              <a:schemeClr val="accent1"/>
-            </a:fillRef>
-            <a:effectRef idx="0">
-              <a:schemeClr val="accent1"/>
-            </a:effectRef>
-            <a:fontRef idx="minor">
-              <a:schemeClr val="lt1"/>
-            </a:fontRef>
-          </p:style>
-          <p:txBody>
-            <a:bodyPr rtlCol="0" anchor="ctr"/>
-            <a:lstStyle/>
-            <a:p>
-              <a:pPr algn="ctr"/>
-              <a:r>
-                <a:rPr lang="en-US" sz="2400" dirty="0" smtClean="0">
-                  <a:solidFill>
-                    <a:srgbClr val="1C7B70"/>
-                  </a:solidFill>
-                </a:rPr>
-                <a:t>Pivotal Big Data Suite</a:t>
-              </a:r>
-              <a:endParaRPr lang="en-US" sz="2400" dirty="0">
-                <a:solidFill>
-                  <a:srgbClr val="1C7B70"/>
-                </a:solidFill>
-              </a:endParaRPr>
-            </a:p>
-          </p:txBody>
-        </p:sp>
-        <p:sp>
-          <p:nvSpPr>
-            <p:cNvPr id="10" name="Rounded Rectangle 9"/>
-            <p:cNvSpPr/>
-            <p:nvPr/>
-          </p:nvSpPr>
-          <p:spPr>
-            <a:xfrm>
-              <a:off x="675861" y="1626753"/>
-              <a:ext cx="7675319" cy="895611"/>
-            </a:xfrm>
-            <a:prstGeom prst="roundRect">
-              <a:avLst>
-                <a:gd name="adj" fmla="val 7874"/>
-              </a:avLst>
-            </a:prstGeom>
-            <a:solidFill>
-              <a:srgbClr val="63AEA8"/>
-            </a:solidFill>
-            <a:ln w="12700">
-              <a:solidFill>
-                <a:srgbClr val="1C7B70"/>
-              </a:solidFill>
-            </a:ln>
-          </p:spPr>
-          <p:style>
-            <a:lnRef idx="2">
-              <a:schemeClr val="accent1">
-                <a:shade val="50000"/>
-              </a:schemeClr>
-            </a:lnRef>
-            <a:fillRef idx="1">
-              <a:schemeClr val="accent1"/>
-            </a:fillRef>
-            <a:effectRef idx="0">
-              <a:schemeClr val="accent1"/>
-            </a:effectRef>
-            <a:fontRef idx="minor">
-              <a:schemeClr val="lt1"/>
-            </a:fontRef>
-          </p:style>
-          <p:txBody>
-            <a:bodyPr rtlCol="0" anchor="ctr"/>
-            <a:lstStyle/>
-            <a:p>
-              <a:pPr algn="ctr"/>
-              <a:endParaRPr lang="en-US" sz="1600"/>
-            </a:p>
-          </p:txBody>
-        </p:sp>
-        <p:sp>
-          <p:nvSpPr>
-            <p:cNvPr id="11" name="Rounded Rectangle 10"/>
-            <p:cNvSpPr/>
-            <p:nvPr/>
-          </p:nvSpPr>
-          <p:spPr>
-            <a:xfrm>
-              <a:off x="675861" y="2591508"/>
-              <a:ext cx="7675319" cy="895611"/>
-            </a:xfrm>
-            <a:prstGeom prst="roundRect">
-              <a:avLst>
-                <a:gd name="adj" fmla="val 7874"/>
-              </a:avLst>
-            </a:prstGeom>
-            <a:solidFill>
-              <a:srgbClr val="509891"/>
-            </a:solidFill>
-            <a:ln w="12700">
-              <a:solidFill>
-                <a:srgbClr val="1C7B70"/>
-              </a:solidFill>
-            </a:ln>
-          </p:spPr>
-          <p:style>
-            <a:lnRef idx="2">
-              <a:schemeClr val="accent1">
-                <a:shade val="50000"/>
-              </a:schemeClr>
-            </a:lnRef>
-            <a:fillRef idx="1">
-              <a:schemeClr val="accent1"/>
-            </a:fillRef>
-            <a:effectRef idx="0">
-              <a:schemeClr val="accent1"/>
-            </a:effectRef>
-            <a:fontRef idx="minor">
-              <a:schemeClr val="lt1"/>
-            </a:fontRef>
-          </p:style>
-          <p:txBody>
-            <a:bodyPr rtlCol="0" anchor="ctr"/>
-            <a:lstStyle/>
-            <a:p>
-              <a:pPr algn="ctr"/>
-              <a:endParaRPr lang="en-US" sz="1600"/>
-            </a:p>
-          </p:txBody>
-        </p:sp>
-        <p:sp>
-          <p:nvSpPr>
-            <p:cNvPr id="12" name="Rounded Rectangle 11"/>
-            <p:cNvSpPr/>
-            <p:nvPr/>
-          </p:nvSpPr>
-          <p:spPr>
-            <a:xfrm>
-              <a:off x="675861" y="3556262"/>
-              <a:ext cx="7675319" cy="895611"/>
-            </a:xfrm>
-            <a:prstGeom prst="roundRect">
-              <a:avLst>
-                <a:gd name="adj" fmla="val 7874"/>
-              </a:avLst>
-            </a:prstGeom>
-            <a:solidFill>
-              <a:srgbClr val="24A8CB"/>
-            </a:solidFill>
-            <a:ln w="12700">
-              <a:solidFill>
-                <a:srgbClr val="1C7B70"/>
-              </a:solidFill>
-            </a:ln>
-          </p:spPr>
-          <p:style>
-            <a:lnRef idx="2">
-              <a:schemeClr val="accent1">
-                <a:shade val="50000"/>
-              </a:schemeClr>
-            </a:lnRef>
-            <a:fillRef idx="1">
-              <a:schemeClr val="accent1"/>
-            </a:fillRef>
-            <a:effectRef idx="0">
-              <a:schemeClr val="accent1"/>
-            </a:effectRef>
-            <a:fontRef idx="minor">
-              <a:schemeClr val="lt1"/>
-            </a:fontRef>
-          </p:style>
-          <p:txBody>
-            <a:bodyPr rtlCol="0" anchor="ctr"/>
-            <a:lstStyle/>
-            <a:p>
-              <a:pPr algn="ctr"/>
-              <a:endParaRPr lang="en-US" sz="1600"/>
-            </a:p>
-          </p:txBody>
-        </p:sp>
-        <p:sp>
-          <p:nvSpPr>
-            <p:cNvPr id="15" name="Rounded Rectangle 14"/>
-            <p:cNvSpPr/>
-            <p:nvPr/>
-          </p:nvSpPr>
-          <p:spPr>
-            <a:xfrm>
-              <a:off x="4513520" y="2644083"/>
-              <a:ext cx="2000625" cy="790459"/>
-            </a:xfrm>
-            <a:prstGeom prst="roundRect">
-              <a:avLst>
-                <a:gd name="adj" fmla="val 6829"/>
-              </a:avLst>
-            </a:prstGeom>
-            <a:solidFill>
-              <a:srgbClr val="0392CB"/>
-            </a:solidFill>
-            <a:ln w="12700">
-              <a:solidFill>
-                <a:schemeClr val="bg1"/>
-              </a:solidFill>
-            </a:ln>
-          </p:spPr>
-          <p:style>
-            <a:lnRef idx="2">
-              <a:schemeClr val="accent1">
-                <a:shade val="50000"/>
-              </a:schemeClr>
-            </a:lnRef>
-            <a:fillRef idx="1">
-              <a:schemeClr val="accent1"/>
-            </a:fillRef>
-            <a:effectRef idx="0">
-              <a:schemeClr val="accent1"/>
-            </a:effectRef>
-            <a:fontRef idx="minor">
-              <a:schemeClr val="lt1"/>
-            </a:fontRef>
-          </p:style>
-          <p:txBody>
-            <a:bodyPr rtlCol="0" anchor="ctr"/>
-            <a:lstStyle/>
-            <a:p>
-              <a:pPr algn="ctr"/>
-              <a:r>
-                <a:rPr lang="en-US" sz="1600" dirty="0" smtClean="0"/>
-                <a:t>HAWQ</a:t>
-              </a:r>
-              <a:endParaRPr lang="en-US" sz="1600" dirty="0"/>
-            </a:p>
-          </p:txBody>
-        </p:sp>
-        <p:sp>
-          <p:nvSpPr>
-            <p:cNvPr id="16" name="Rounded Rectangle 15"/>
-            <p:cNvSpPr/>
-            <p:nvPr/>
-          </p:nvSpPr>
-          <p:spPr>
-            <a:xfrm>
-              <a:off x="2512896" y="3608837"/>
-              <a:ext cx="4001250" cy="790459"/>
-            </a:xfrm>
-            <a:prstGeom prst="roundRect">
-              <a:avLst>
-                <a:gd name="adj" fmla="val 6829"/>
-              </a:avLst>
-            </a:prstGeom>
-            <a:solidFill>
-              <a:srgbClr val="0392CB"/>
-            </a:solidFill>
-            <a:ln w="12700">
-              <a:solidFill>
-                <a:schemeClr val="bg1"/>
-              </a:solidFill>
-            </a:ln>
-          </p:spPr>
-          <p:style>
-            <a:lnRef idx="2">
-              <a:schemeClr val="accent1">
-                <a:shade val="50000"/>
-              </a:schemeClr>
-            </a:lnRef>
-            <a:fillRef idx="1">
-              <a:schemeClr val="accent1"/>
-            </a:fillRef>
-            <a:effectRef idx="0">
-              <a:schemeClr val="accent1"/>
-            </a:effectRef>
-            <a:fontRef idx="minor">
-              <a:schemeClr val="lt1"/>
-            </a:fontRef>
-          </p:style>
-          <p:txBody>
-            <a:bodyPr rtlCol="0" anchor="ctr"/>
-            <a:lstStyle/>
-            <a:p>
-              <a:pPr algn="ctr"/>
-              <a:r>
-                <a:rPr lang="en-US" sz="1600" dirty="0" smtClean="0"/>
-                <a:t>Unlimited Pivotal HD</a:t>
-              </a:r>
-              <a:endParaRPr lang="en-US" sz="1600" dirty="0"/>
-            </a:p>
-          </p:txBody>
-        </p:sp>
-        <p:sp>
-          <p:nvSpPr>
-            <p:cNvPr id="17" name="Rounded Rectangle 16"/>
-            <p:cNvSpPr/>
-            <p:nvPr/>
-          </p:nvSpPr>
-          <p:spPr>
-            <a:xfrm>
-              <a:off x="2512895" y="1674565"/>
-              <a:ext cx="4002303" cy="790459"/>
-            </a:xfrm>
-            <a:prstGeom prst="roundRect">
-              <a:avLst>
-                <a:gd name="adj" fmla="val 6829"/>
-              </a:avLst>
-            </a:prstGeom>
-            <a:solidFill>
-              <a:srgbClr val="03786E"/>
-            </a:solidFill>
-            <a:ln w="12700">
-              <a:solidFill>
-                <a:schemeClr val="bg1"/>
-              </a:solidFill>
-            </a:ln>
-          </p:spPr>
-          <p:style>
-            <a:lnRef idx="2">
-              <a:schemeClr val="accent1">
-                <a:shade val="50000"/>
-              </a:schemeClr>
-            </a:lnRef>
-            <a:fillRef idx="1">
-              <a:schemeClr val="accent1"/>
-            </a:fillRef>
-            <a:effectRef idx="0">
-              <a:schemeClr val="accent1"/>
-            </a:effectRef>
-            <a:fontRef idx="minor">
-              <a:schemeClr val="lt1"/>
-            </a:fontRef>
-          </p:style>
-          <p:txBody>
-            <a:bodyPr rtlCol="0" anchor="ctr"/>
-            <a:lstStyle/>
-            <a:p>
-              <a:pPr algn="ctr"/>
-              <a:r>
-                <a:rPr lang="en-US" sz="1600" dirty="0" smtClean="0"/>
-                <a:t>GemFire</a:t>
-              </a:r>
-              <a:endParaRPr lang="en-US" sz="1600" dirty="0"/>
-            </a:p>
-          </p:txBody>
-        </p:sp>
-        <p:sp>
-          <p:nvSpPr>
-            <p:cNvPr id="18" name="Rounded Rectangle 17"/>
-            <p:cNvSpPr/>
-            <p:nvPr/>
-          </p:nvSpPr>
-          <p:spPr>
-            <a:xfrm>
-              <a:off x="2512895" y="2644082"/>
-              <a:ext cx="2000625" cy="790459"/>
-            </a:xfrm>
-            <a:prstGeom prst="roundRect">
-              <a:avLst>
-                <a:gd name="adj" fmla="val 6829"/>
-              </a:avLst>
-            </a:prstGeom>
-            <a:solidFill>
-              <a:srgbClr val="03786E"/>
-            </a:solidFill>
-            <a:ln w="12700">
-              <a:solidFill>
-                <a:schemeClr val="bg1"/>
-              </a:solidFill>
-            </a:ln>
-          </p:spPr>
-          <p:style>
-            <a:lnRef idx="2">
-              <a:schemeClr val="accent1">
-                <a:shade val="50000"/>
-              </a:schemeClr>
-            </a:lnRef>
-            <a:fillRef idx="1">
-              <a:schemeClr val="accent1"/>
-            </a:fillRef>
-            <a:effectRef idx="0">
-              <a:schemeClr val="accent1"/>
-            </a:effectRef>
-            <a:fontRef idx="minor">
-              <a:schemeClr val="lt1"/>
-            </a:fontRef>
-          </p:style>
-          <p:txBody>
-            <a:bodyPr rtlCol="0" anchor="ctr"/>
-            <a:lstStyle/>
-            <a:p>
-              <a:pPr algn="ctr"/>
-              <a:r>
-                <a:rPr lang="en-US" sz="1600" dirty="0" err="1" smtClean="0"/>
-                <a:t>Greenplum</a:t>
-              </a:r>
-              <a:r>
-                <a:rPr lang="en-US" sz="1600" dirty="0" smtClean="0"/>
-                <a:t> Database</a:t>
-              </a:r>
-              <a:endParaRPr lang="en-US" sz="1600" dirty="0"/>
-            </a:p>
-          </p:txBody>
-        </p:sp>
-        <p:sp>
-          <p:nvSpPr>
-            <p:cNvPr id="19" name="TextBox 18"/>
-            <p:cNvSpPr txBox="1"/>
-            <p:nvPr/>
-          </p:nvSpPr>
-          <p:spPr>
-            <a:xfrm>
-              <a:off x="680998" y="1885127"/>
-              <a:ext cx="1831896" cy="296300"/>
-            </a:xfrm>
-            <a:prstGeom prst="rect">
-              <a:avLst/>
-            </a:prstGeom>
-            <a:noFill/>
-          </p:spPr>
-          <p:txBody>
-            <a:bodyPr wrap="square" rtlCol="0">
-              <a:spAutoFit/>
-            </a:bodyPr>
-            <a:lstStyle/>
-            <a:p>
-              <a:pPr algn="ctr"/>
-              <a:r>
-                <a:rPr lang="en-US" sz="1600" dirty="0" smtClean="0">
-                  <a:solidFill>
-                    <a:schemeClr val="bg1"/>
-                  </a:solidFill>
-                </a:rPr>
-                <a:t>REAL-TIME</a:t>
-              </a:r>
-            </a:p>
-          </p:txBody>
-        </p:sp>
-        <p:sp>
-          <p:nvSpPr>
-            <p:cNvPr id="21" name="TextBox 20"/>
-            <p:cNvSpPr txBox="1"/>
-            <p:nvPr/>
-          </p:nvSpPr>
-          <p:spPr>
-            <a:xfrm>
-              <a:off x="680999" y="2854646"/>
-              <a:ext cx="1831896" cy="296300"/>
-            </a:xfrm>
-            <a:prstGeom prst="rect">
-              <a:avLst/>
-            </a:prstGeom>
-            <a:noFill/>
-          </p:spPr>
-          <p:txBody>
-            <a:bodyPr wrap="square" rtlCol="0">
-              <a:spAutoFit/>
-            </a:bodyPr>
-            <a:lstStyle/>
-            <a:p>
-              <a:pPr algn="ctr"/>
-              <a:r>
-                <a:rPr lang="en-US" sz="1600" dirty="0" smtClean="0">
-                  <a:solidFill>
-                    <a:schemeClr val="bg1"/>
-                  </a:solidFill>
-                </a:rPr>
-                <a:t>INTERACTIVE</a:t>
-              </a:r>
-            </a:p>
-          </p:txBody>
-        </p:sp>
-        <p:sp>
-          <p:nvSpPr>
-            <p:cNvPr id="22" name="TextBox 21"/>
-            <p:cNvSpPr txBox="1"/>
-            <p:nvPr/>
-          </p:nvSpPr>
-          <p:spPr>
-            <a:xfrm>
-              <a:off x="675861" y="3819400"/>
-              <a:ext cx="1831896" cy="296300"/>
-            </a:xfrm>
-            <a:prstGeom prst="rect">
-              <a:avLst/>
-            </a:prstGeom>
-            <a:noFill/>
-          </p:spPr>
-          <p:txBody>
-            <a:bodyPr wrap="square" rtlCol="0">
-              <a:spAutoFit/>
-            </a:bodyPr>
-            <a:lstStyle/>
-            <a:p>
-              <a:pPr algn="ctr"/>
-              <a:r>
-                <a:rPr lang="en-US" sz="1600" dirty="0" smtClean="0">
-                  <a:solidFill>
-                    <a:schemeClr val="bg1"/>
-                  </a:solidFill>
-                </a:rPr>
-                <a:t>BATCH</a:t>
-              </a:r>
-            </a:p>
-          </p:txBody>
-        </p:sp>
-        <p:sp>
-          <p:nvSpPr>
-            <p:cNvPr id="23" name="TextBox 22"/>
-            <p:cNvSpPr txBox="1"/>
-            <p:nvPr/>
-          </p:nvSpPr>
-          <p:spPr>
-            <a:xfrm>
-              <a:off x="6519283" y="1885128"/>
-              <a:ext cx="1831896" cy="296300"/>
-            </a:xfrm>
-            <a:prstGeom prst="rect">
-              <a:avLst/>
-            </a:prstGeom>
-            <a:noFill/>
-          </p:spPr>
-          <p:txBody>
-            <a:bodyPr wrap="square" rtlCol="0">
-              <a:spAutoFit/>
-            </a:bodyPr>
-            <a:lstStyle/>
-            <a:p>
-              <a:pPr algn="ctr"/>
-              <a:r>
-                <a:rPr lang="en-US" sz="1600" dirty="0" smtClean="0">
-                  <a:solidFill>
-                    <a:schemeClr val="bg1"/>
-                  </a:solidFill>
-                </a:rPr>
-                <a:t>REAL-TIME</a:t>
-              </a:r>
-            </a:p>
-          </p:txBody>
-        </p:sp>
-        <p:sp>
-          <p:nvSpPr>
-            <p:cNvPr id="24" name="TextBox 23"/>
-            <p:cNvSpPr txBox="1"/>
-            <p:nvPr/>
-          </p:nvSpPr>
-          <p:spPr>
-            <a:xfrm>
-              <a:off x="6519285" y="2854646"/>
-              <a:ext cx="1831896" cy="296300"/>
-            </a:xfrm>
-            <a:prstGeom prst="rect">
-              <a:avLst/>
-            </a:prstGeom>
-            <a:noFill/>
-          </p:spPr>
-          <p:txBody>
-            <a:bodyPr wrap="square" rtlCol="0">
-              <a:spAutoFit/>
-            </a:bodyPr>
-            <a:lstStyle/>
-            <a:p>
-              <a:pPr algn="ctr"/>
-              <a:r>
-                <a:rPr lang="en-US" sz="1600" dirty="0" smtClean="0">
-                  <a:solidFill>
-                    <a:schemeClr val="bg1"/>
-                  </a:solidFill>
-                </a:rPr>
-                <a:t>INTERACTIVE</a:t>
-              </a:r>
-            </a:p>
-          </p:txBody>
-        </p:sp>
-        <p:sp>
-          <p:nvSpPr>
-            <p:cNvPr id="25" name="TextBox 24"/>
-            <p:cNvSpPr txBox="1"/>
-            <p:nvPr/>
-          </p:nvSpPr>
-          <p:spPr>
-            <a:xfrm>
-              <a:off x="6514147" y="3819401"/>
-              <a:ext cx="1831896" cy="296300"/>
-            </a:xfrm>
-            <a:prstGeom prst="rect">
-              <a:avLst/>
-            </a:prstGeom>
-            <a:noFill/>
-          </p:spPr>
-          <p:txBody>
-            <a:bodyPr wrap="square" rtlCol="0">
-              <a:spAutoFit/>
-            </a:bodyPr>
-            <a:lstStyle/>
-            <a:p>
-              <a:pPr algn="ctr"/>
-              <a:r>
-                <a:rPr lang="en-US" sz="1600" dirty="0" smtClean="0">
-                  <a:solidFill>
-                    <a:schemeClr val="bg1"/>
-                  </a:solidFill>
-                </a:rPr>
-                <a:t>BATCH</a:t>
-              </a:r>
-            </a:p>
-          </p:txBody>
-        </p:sp>
-      </p:grpSp>
-      <p:sp>
-        <p:nvSpPr>
           <p:cNvPr id="30" name="Rectangle 29"/>
           <p:cNvSpPr/>
           <p:nvPr/>
         </p:nvSpPr>
         <p:spPr>
           <a:xfrm>
-            <a:off x="326540" y="3801970"/>
-            <a:ext cx="8418512" cy="2228444"/>
+            <a:off x="326540" y="2851478"/>
+            <a:ext cx="8418512" cy="1671333"/>
           </a:xfrm>
           <a:prstGeom prst="rect">
             <a:avLst/>
@@ -24322,6 +23664,85 @@
           </a:solidFill>
           <a:ln w="12700">
             <a:noFill/>
+          </a:ln>
+        </p:spPr>
+        <p:style>
+          <a:lnRef idx="2">
+            <a:schemeClr val="accent1">
+              <a:shade val="50000"/>
+            </a:schemeClr>
+          </a:lnRef>
+          <a:fillRef idx="1">
+            <a:schemeClr val="accent1"/>
+          </a:fillRef>
+          <a:effectRef idx="0">
+            <a:schemeClr val="accent1"/>
+          </a:effectRef>
+          <a:fontRef idx="minor">
+            <a:schemeClr val="lt1"/>
+          </a:fontRef>
+        </p:style>
+        <p:txBody>
+          <a:bodyPr rtlCol="0" anchor="ctr"/>
+          <a:lstStyle/>
+          <a:p>
+            <a:pPr algn="ctr"/>
+            <a:endParaRPr lang="en-US"/>
+          </a:p>
+        </p:txBody>
+      </p:sp>
+      <p:pic>
+        <p:nvPicPr>
+          <p:cNvPr id="20" name="Picture 19" descr="BD_MarketecturePP_White.png"/>
+          <p:cNvPicPr>
+            <a:picLocks noChangeAspect="1"/>
+          </p:cNvPicPr>
+          <p:nvPr/>
+        </p:nvPicPr>
+        <p:blipFill>
+          <a:blip r:embed="rId3">
+            <a:extLst>
+              <a:ext uri="{28A0092B-C50C-407E-A947-70E740481C1C}">
+                <a14:useLocalDpi xmlns:a14="http://schemas.microsoft.com/office/drawing/2010/main" val="0"/>
+              </a:ext>
+            </a:extLst>
+          </a:blip>
+          <a:stretch>
+            <a:fillRect/>
+          </a:stretch>
+        </p:blipFill>
+        <p:spPr>
+          <a:xfrm>
+            <a:off x="705882" y="-101600"/>
+            <a:ext cx="7505565" cy="4861559"/>
+          </a:xfrm>
+          <a:prstGeom prst="rect">
+            <a:avLst/>
+          </a:prstGeom>
+        </p:spPr>
+      </p:pic>
+      <p:sp>
+        <p:nvSpPr>
+          <p:cNvPr id="3" name="Rectangle 2"/>
+          <p:cNvSpPr/>
+          <p:nvPr/>
+        </p:nvSpPr>
+        <p:spPr>
+          <a:xfrm>
+            <a:off x="6206604" y="735298"/>
+            <a:ext cx="1021703" cy="763945"/>
+          </a:xfrm>
+          <a:prstGeom prst="rect">
+            <a:avLst/>
+          </a:prstGeom>
+          <a:noFill/>
+          <a:ln w="31750">
+            <a:solidFill>
+              <a:schemeClr val="tx2">
+                <a:lumMod val="75000"/>
+              </a:schemeClr>
+            </a:solidFill>
+            <a:prstDash val="dash"/>
           </a:ln>
         </p:spPr>
         <p:style>
@@ -24365,9 +23786,88 @@
   <p:timing>
     <p:tnLst>
       <p:par>
-        <p:cTn xmlns:p14="http://schemas.microsoft.com/office/powerpoint/2010/main" id="1" dur="indefinite" restart="never" nodeType="tmRoot"/>
+        <p:cTn xmlns:p14="http://schemas.microsoft.com/office/powerpoint/2010/main" id="1" dur="indefinite" restart="never" nodeType="tmRoot">
+          <p:childTnLst>
+            <p:seq concurrent="1" nextAc="seek">
+              <p:cTn id="2" dur="indefinite" nodeType="mainSeq">
+                <p:childTnLst>
+                  <p:par>
+                    <p:cTn id="3" fill="hold">
+                      <p:stCondLst>
+                        <p:cond delay="indefinite"/>
+                      </p:stCondLst>
+                      <p:childTnLst>
+                        <p:par>
+                          <p:cTn id="4" fill="hold">
+                            <p:stCondLst>
+                              <p:cond delay="0"/>
+                            </p:stCondLst>
+                            <p:childTnLst>
+                              <p:par>
+                                <p:cTn id="5" presetID="9" presetClass="entr" presetSubtype="0" fill="hold" grpId="0" nodeType="clickEffect">
+                                  <p:stCondLst>
+                                    <p:cond delay="0"/>
+                                  </p:stCondLst>
+                                  <p:childTnLst>
+                                    <p:set>
+                                      <p:cBhvr>
+                                        <p:cTn id="6" dur="1" fill="hold">
+                                          <p:stCondLst>
+                                            <p:cond delay="0"/>
+                                          </p:stCondLst>
+                                        </p:cTn>
+                                        <p:tgtEl>
+                                          <p:spTgt spid="3"/>
+                                        </p:tgtEl>
+                                        <p:attrNameLst>
+                                          <p:attrName>style.visibility</p:attrName>
+                                        </p:attrNameLst>
+                                      </p:cBhvr>
+                                      <p:to>
+                                        <p:strVal val="visible"/>
+                                      </p:to>
+                                    </p:set>
+                                    <p:animEffect transition="in" filter="dissolve">
+                                      <p:cBhvr>
+                                        <p:cTn id="7" dur="500"/>
+                                        <p:tgtEl>
+                                          <p:spTgt spid="3"/>
+                                        </p:tgtEl>
+                                      </p:cBhvr>
+                                    </p:animEffect>
+                                  </p:childTnLst>
+                                </p:cTn>
+                              </p:par>
+                            </p:childTnLst>
+                          </p:cTn>
+                        </p:par>
+                      </p:childTnLst>
+                    </p:cTn>
+                  </p:par>
+                </p:childTnLst>
+              </p:cTn>
+              <p:prevCondLst>
+                <p:cond evt="onPrev" delay="0">
+                  <p:tgtEl>
+                    <p:sldTgt/>
+                  </p:tgtEl>
+                </p:cond>
+              </p:prevCondLst>
+              <p:nextCondLst>
+                <p:cond evt="onNext" delay="0">
+                  <p:tgtEl>
+                    <p:sldTgt/>
+                  </p:tgtEl>
+                </p:cond>
+              </p:nextCondLst>
+            </p:seq>
+          </p:childTnLst>
+        </p:cTn>
       </p:par>
     </p:tnLst>
+    <p:bldLst>
+      <p:bldP spid="3" grpId="0" animBg="1"/>
+    </p:bldLst>
   </p:timing>
 </p:sld>
 </file>
@@ -24436,8 +23936,8 @@
         </p:blipFill>
         <p:spPr>
           <a:xfrm>
-            <a:off x="366714" y="1047751"/>
-            <a:ext cx="7628794" cy="4673706"/>
+            <a:off x="366714" y="785813"/>
+            <a:ext cx="7628794" cy="3505280"/>
           </a:xfrm>
           <a:prstGeom prst="rect">
             <a:avLst/>
@@ -24462,7 +23962,7 @@
         </p:nvSpPr>
         <p:spPr>
           <a:xfrm>
-            <a:off x="315739" y="956215"/>
+            <a:off x="315739" y="717162"/>
             <a:ext cx="8461550" cy="4154983"/>
           </a:xfrm>
           <a:prstGeom prst="rect">
@@ -24750,8 +24250,8 @@
         </p:blipFill>
         <p:spPr>
           <a:xfrm>
-            <a:off x="206401" y="5795734"/>
-            <a:ext cx="985802" cy="359114"/>
+            <a:off x="206401" y="4346800"/>
+            <a:ext cx="985802" cy="269336"/>
           </a:xfrm>
           <a:prstGeom prst="rect">
             <a:avLst/>
@@ -24766,7 +24266,7 @@
         </p:nvSpPr>
         <p:spPr>
           <a:xfrm>
-            <a:off x="1295931" y="5861361"/>
+            <a:off x="1295931" y="4396021"/>
             <a:ext cx="7736300" cy="261610"/>
           </a:xfrm>
           <a:prstGeom prst="rect">
@@ -24907,6 +24407,76 @@
                                   </p:childTnLst>
                                 </p:cTn>
                               </p:par>
+                              <p:par>
+                                <p:cTn id="8" presetID="9" presetClass="exit" presetSubtype="0" fill="hold" grpId="0" nodeType="withEffect">
+                                  <p:stCondLst>
+                                    <p:cond delay="0"/>
+                                  </p:stCondLst>
+                                  <p:childTnLst>
+                                    <p:animEffect transition="out" filter="dissolve">
+                                      <p:cBhvr>
+                                        <p:cTn id="9" dur="500"/>
+                                        <p:tgtEl>
+                                          <p:spTgt spid="7"/>
+                                        </p:tgtEl>
+                                      </p:cBhvr>
+                                    </p:animEffect>
+                                    <p:set>
+                                      <p:cBhvr>
+                                        <p:cTn id="10" dur="1" fill="hold">
+                                          <p:stCondLst>
+                                            <p:cond delay="499"/>
+                                          </p:stCondLst>
+                                        </p:cTn>
+                                        <p:tgtEl>
+                                          <p:spTgt spid="7"/>
+                                        </p:tgtEl>
+                                        <p:attrNameLst>
+                                          <p:attrName>style.visibility</p:attrName>
+                                        </p:attrNameLst>
+                                      </p:cBhvr>
+                                      <p:to>
+                                        <p:strVal val="hidden"/>
+                                      </p:to>
+                                    </p:set>
+                                  </p:childTnLst>
+                                </p:cTn>
+                              </p:par>
+                              <p:par>
+                                <p:cTn id="11" presetID="9" presetClass="exit" presetSubtype="0" fill="hold" nodeType="withEffect">
+                                  <p:stCondLst>
+                                    <p:cond delay="0"/>
+                                  </p:stCondLst>
+                                  <p:childTnLst>
+                                    <p:animEffect transition="out" filter="dissolve">
+                                      <p:cBhvr>
+                                        <p:cTn id="12" dur="500"/>
+                                        <p:tgtEl>
+                                          <p:spTgt spid="6"/>
+                                        </p:tgtEl>
+                                      </p:cBhvr>
+                                    </p:animEffect>
+                                    <p:set>
+                                      <p:cBhvr>
+                                        <p:cTn id="13" dur="1" fill="hold">
+                                          <p:stCondLst>
+                                            <p:cond delay="499"/>
+                                          </p:stCondLst>
+                                        </p:cTn>
+                                        <p:tgtEl>
+                                          <p:spTgt spid="6"/>
+                                        </p:tgtEl>
+                                        <p:attrNameLst>
+                                          <p:attrName>style.visibility</p:attrName>
+                                        </p:attrNameLst>
+                                      </p:cBhvr>
+                                      <p:to>
+                                        <p:strVal val="hidden"/>
+                                      </p:to>
+                                    </p:set>
+                                  </p:childTnLst>
+                                </p:cTn>
+                              </p:par>
                             </p:childTnLst>
                           </p:cTn>
                         </p:par>
@@ -24914,26 +24484,26 @@
                     </p:cTn>
                   </p:par>
                   <p:par>
-                    <p:cTn id="8" fill="hold">
+                    <p:cTn id="14" fill="hold">
                       <p:stCondLst>
                         <p:cond delay="indefinite"/>
                       </p:stCondLst>
                       <p:childTnLst>
                         <p:par>
-                          <p:cTn id="9" fill="hold">
+                          <p:cTn id="15" fill="hold">
                             <p:stCondLst>
                               <p:cond delay="0"/>
                             </p:stCondLst>
                             <p:childTnLst>
                               <p:par>
-                                <p:cTn id="10" presetID="9" presetClass="entr" presetSubtype="0" fill="hold" grpId="0" nodeType="clickEffect">
+                                <p:cTn id="16" presetID="9" presetClass="entr" presetSubtype="0" fill="hold" grpId="0" nodeType="clickEffect">
                                   <p:stCondLst>
                                     <p:cond delay="0"/>
                                   </p:stCondLst>
                                   <p:childTnLst>
                                     <p:set>
                                       <p:cBhvr>
-                                        <p:cTn id="11" dur="1" fill="hold">
+                                        <p:cTn id="17" dur="1" fill="hold">
                                           <p:stCondLst>
                                             <p:cond delay="0"/>
                                           </p:stCondLst>
@@ -24951,7 +24521,7 @@
                                     </p:set>
                                     <p:animEffect transition="in" filter="dissolve">
                                       <p:cBhvr>
-                                        <p:cTn id="12" dur="500"/>
+                                        <p:cTn id="18" dur="500"/>
                                         <p:tgtEl>
                                           <p:spTgt spid="5"/>
                                         </p:tgtEl>
@@ -24989,6 +24559,7 @@
     </p:tnLst>
     <p:bldLst>
       <p:bldP spid="5" grpId="0"/>
+      <p:bldP spid="7" grpId="0"/>
     </p:bldLst>
   </p:timing>
 </p:sld>
@@ -25046,8 +24617,8 @@
         </p:nvSpPr>
         <p:spPr>
           <a:xfrm>
-            <a:off x="587013" y="1225657"/>
-            <a:ext cx="8410575" cy="4510616"/>
+            <a:off x="587014" y="919243"/>
+            <a:ext cx="8410575" cy="3382962"/>
           </a:xfrm>
         </p:spPr>
         <p:txBody>
@@ -25246,8 +24817,8 @@
         </p:blipFill>
         <p:spPr>
           <a:xfrm>
-            <a:off x="5532047" y="1428751"/>
-            <a:ext cx="469900" cy="711200"/>
+            <a:off x="5532047" y="1071563"/>
+            <a:ext cx="469900" cy="533400"/>
           </a:xfrm>
           <a:prstGeom prst="rect">
             <a:avLst/>
@@ -25267,8 +24838,8 @@
         </p:nvSpPr>
         <p:spPr bwMode="gray">
           <a:xfrm>
-            <a:off x="6083853" y="1434212"/>
-            <a:ext cx="2698195" cy="705739"/>
+            <a:off x="6083854" y="1075660"/>
+            <a:ext cx="2698195" cy="529304"/>
           </a:xfrm>
           <a:prstGeom prst="rect">
             <a:avLst/>
@@ -25316,7 +24887,7 @@
         </p:nvSpPr>
         <p:spPr>
           <a:xfrm>
-            <a:off x="5513388" y="2347357"/>
+            <a:off x="5513388" y="1760518"/>
             <a:ext cx="3268660" cy="2677656"/>
           </a:xfrm>
           <a:prstGeom prst="rect">
@@ -25553,8 +25124,8 @@
         </p:nvSpPr>
         <p:spPr>
           <a:xfrm>
-            <a:off x="358897" y="1434211"/>
-            <a:ext cx="4695479" cy="1341120"/>
+            <a:off x="358898" y="1075658"/>
+            <a:ext cx="4695479" cy="1005840"/>
           </a:xfrm>
           <a:prstGeom prst="roundRect">
             <a:avLst>
@@ -25606,8 +25177,8 @@
         </p:nvGrpSpPr>
         <p:grpSpPr>
           <a:xfrm>
-            <a:off x="3643301" y="1577805"/>
-            <a:ext cx="1280432" cy="1053935"/>
+            <a:off x="3643301" y="1183354"/>
+            <a:ext cx="1280432" cy="790451"/>
             <a:chOff x="3802325" y="1281990"/>
             <a:chExt cx="1280432" cy="790451"/>
           </a:xfrm>
@@ -25703,8 +25274,8 @@
         </p:nvSpPr>
         <p:spPr>
           <a:xfrm>
-            <a:off x="357474" y="4542931"/>
-            <a:ext cx="4695479" cy="1341120"/>
+            <a:off x="357475" y="3407198"/>
+            <a:ext cx="4695479" cy="1005840"/>
           </a:xfrm>
           <a:prstGeom prst="roundRect">
             <a:avLst>
@@ -25766,8 +25337,8 @@
         </p:nvGrpSpPr>
         <p:grpSpPr>
           <a:xfrm>
-            <a:off x="2632996" y="4934825"/>
-            <a:ext cx="2204584" cy="557331"/>
+            <a:off x="2632996" y="3701119"/>
+            <a:ext cx="2204584" cy="417998"/>
             <a:chOff x="2792020" y="3761910"/>
             <a:chExt cx="2204584" cy="417998"/>
           </a:xfrm>
@@ -26459,8 +26030,8 @@
         </p:nvSpPr>
         <p:spPr>
           <a:xfrm>
-            <a:off x="363539" y="2978531"/>
-            <a:ext cx="4695479" cy="1341120"/>
+            <a:off x="363540" y="2233898"/>
+            <a:ext cx="4695479" cy="1005840"/>
           </a:xfrm>
           <a:prstGeom prst="roundRect">
             <a:avLst>
@@ -26516,10 +26087,10 @@
         </p:nvGrpSpPr>
         <p:grpSpPr>
           <a:xfrm>
-            <a:off x="3922294" y="3127516"/>
-            <a:ext cx="952434" cy="1116534"/>
+            <a:off x="3922294" y="2345637"/>
+            <a:ext cx="952434" cy="877797"/>
             <a:chOff x="3643497" y="2345636"/>
-            <a:chExt cx="952434" cy="837400"/>
+            <a:chExt cx="952434" cy="877796"/>
           </a:xfrm>
         </p:grpSpPr>
         <p:sp>
@@ -26577,7 +26148,7 @@
           <p:spPr>
             <a:xfrm>
               <a:off x="3845968" y="3061849"/>
-              <a:ext cx="665365" cy="121187"/>
+              <a:ext cx="665365" cy="161583"/>
             </a:xfrm>
             <a:prstGeom prst="rect">
               <a:avLst/>
@@ -26680,7 +26251,7 @@
         </p:nvCxnSpPr>
         <p:spPr>
           <a:xfrm>
-            <a:off x="5513388" y="4609191"/>
+            <a:off x="5513388" y="3456893"/>
             <a:ext cx="3268660" cy="0"/>
           </a:xfrm>
           <a:prstGeom prst="line">
@@ -26759,8 +26330,8 @@
         </p:nvSpPr>
         <p:spPr>
           <a:xfrm>
-            <a:off x="366714" y="125771"/>
-            <a:ext cx="8410575" cy="613833"/>
+            <a:off x="366715" y="94328"/>
+            <a:ext cx="8410575" cy="460375"/>
           </a:xfrm>
         </p:spPr>
         <p:txBody>
@@ -26790,8 +26361,8 @@
         </p:nvSpPr>
         <p:spPr>
           <a:xfrm>
-            <a:off x="363539" y="4930501"/>
-            <a:ext cx="4695479" cy="1036235"/>
+            <a:off x="363540" y="3697876"/>
+            <a:ext cx="4695479" cy="777176"/>
           </a:xfrm>
           <a:prstGeom prst="roundRect">
             <a:avLst>
@@ -26843,8 +26414,8 @@
         </p:nvSpPr>
         <p:spPr>
           <a:xfrm>
-            <a:off x="358897" y="1431671"/>
-            <a:ext cx="4695479" cy="1036235"/>
+            <a:off x="358898" y="1073754"/>
+            <a:ext cx="4695479" cy="777176"/>
           </a:xfrm>
           <a:prstGeom prst="roundRect">
             <a:avLst>
@@ -26902,8 +26473,8 @@
         </p:nvGrpSpPr>
         <p:grpSpPr>
           <a:xfrm>
-            <a:off x="3070641" y="1566233"/>
-            <a:ext cx="1783154" cy="823067"/>
+            <a:off x="3070641" y="1174675"/>
+            <a:ext cx="1783154" cy="617300"/>
             <a:chOff x="3070641" y="1335606"/>
             <a:chExt cx="1783154" cy="617300"/>
           </a:xfrm>
@@ -27645,8 +27216,8 @@
         </p:nvSpPr>
         <p:spPr>
           <a:xfrm>
-            <a:off x="363539" y="2597948"/>
-            <a:ext cx="4695479" cy="1036235"/>
+            <a:off x="363540" y="1948462"/>
+            <a:ext cx="4695479" cy="777176"/>
           </a:xfrm>
           <a:prstGeom prst="roundRect">
             <a:avLst>
@@ -27704,10 +27275,10 @@
         </p:nvGrpSpPr>
         <p:grpSpPr>
           <a:xfrm>
-            <a:off x="2430693" y="2785376"/>
-            <a:ext cx="2660196" cy="618336"/>
+            <a:off x="2430693" y="2089032"/>
+            <a:ext cx="2660196" cy="527231"/>
             <a:chOff x="2430693" y="2089032"/>
-            <a:chExt cx="2660196" cy="463752"/>
+            <a:chExt cx="2660196" cy="527231"/>
           </a:xfrm>
         </p:grpSpPr>
         <p:sp>
@@ -27719,7 +27290,7 @@
           <p:spPr>
             <a:xfrm>
               <a:off x="2430693" y="2361221"/>
-              <a:ext cx="864472" cy="190437"/>
+              <a:ext cx="864472" cy="253916"/>
             </a:xfrm>
             <a:prstGeom prst="rect">
               <a:avLst/>
@@ -27753,7 +27324,7 @@
           <p:spPr>
             <a:xfrm>
               <a:off x="3314750" y="2361785"/>
-              <a:ext cx="864472" cy="190437"/>
+              <a:ext cx="864472" cy="253916"/>
             </a:xfrm>
             <a:prstGeom prst="rect">
               <a:avLst/>
@@ -27787,7 +27358,7 @@
           <p:spPr>
             <a:xfrm>
               <a:off x="4226417" y="2362347"/>
-              <a:ext cx="864472" cy="190437"/>
+              <a:ext cx="864472" cy="253916"/>
             </a:xfrm>
             <a:prstGeom prst="rect">
               <a:avLst/>
@@ -28033,8 +27604,8 @@
         </p:nvSpPr>
         <p:spPr>
           <a:xfrm>
-            <a:off x="357474" y="3764225"/>
-            <a:ext cx="4695479" cy="1036235"/>
+            <a:off x="357475" y="2823169"/>
+            <a:ext cx="4695479" cy="777176"/>
           </a:xfrm>
           <a:prstGeom prst="roundRect">
             <a:avLst>
@@ -28082,11 +27653,7 @@
           <a:p>
             <a:r>
               <a:rPr lang="en-US" dirty="0" smtClean="0"/>
-              <a:t>&amp; </a:t>
-            </a:r>
-            <a:r>
-              <a:rPr lang="en-US" dirty="0" smtClean="0"/>
-              <a:t>function execution</a:t>
+              <a:t>&amp; function execution</a:t>
             </a:r>
             <a:endParaRPr lang="en-US" dirty="0"/>
           </a:p>
@@ -28100,8 +27667,8 @@
         </p:nvGrpSpPr>
         <p:grpSpPr>
           <a:xfrm>
-            <a:off x="3069443" y="3912625"/>
-            <a:ext cx="1783154" cy="715156"/>
+            <a:off x="3069443" y="2934469"/>
+            <a:ext cx="1783154" cy="536367"/>
             <a:chOff x="3069443" y="3011557"/>
             <a:chExt cx="1783154" cy="536367"/>
           </a:xfrm>
@@ -28568,8 +28135,8 @@
         </p:blipFill>
         <p:spPr>
           <a:xfrm>
-            <a:off x="5568130" y="1402300"/>
-            <a:ext cx="1076216" cy="1140361"/>
+            <a:off x="5568130" y="1051725"/>
+            <a:ext cx="1076216" cy="855271"/>
           </a:xfrm>
           <a:prstGeom prst="rect">
             <a:avLst/>
@@ -28584,7 +28151,7 @@
         </p:nvSpPr>
         <p:spPr>
           <a:xfrm>
-            <a:off x="5513388" y="2766595"/>
+            <a:off x="5513388" y="2074946"/>
             <a:ext cx="3268662" cy="1938992"/>
           </a:xfrm>
           <a:prstGeom prst="rect">
@@ -28718,8 +28285,8 @@
         </p:nvSpPr>
         <p:spPr>
           <a:xfrm>
-            <a:off x="366714" y="114301"/>
-            <a:ext cx="8410575" cy="613833"/>
+            <a:off x="366715" y="85726"/>
+            <a:ext cx="8410575" cy="460375"/>
           </a:xfrm>
         </p:spPr>
         <p:txBody>
@@ -28749,7 +28316,7 @@
         </p:nvSpPr>
         <p:spPr>
           <a:xfrm>
-            <a:off x="5503982" y="2323821"/>
+            <a:off x="5503983" y="1742866"/>
             <a:ext cx="3278069" cy="2677656"/>
           </a:xfrm>
           <a:prstGeom prst="rect">
@@ -28870,8 +28437,8 @@
         </p:nvSpPr>
         <p:spPr>
           <a:xfrm>
-            <a:off x="357474" y="3800775"/>
-            <a:ext cx="4695479" cy="2197576"/>
+            <a:off x="357475" y="2850581"/>
+            <a:ext cx="4695479" cy="1648182"/>
           </a:xfrm>
           <a:prstGeom prst="roundRect">
             <a:avLst>
@@ -28933,8 +28500,8 @@
         </p:nvGrpSpPr>
         <p:grpSpPr>
           <a:xfrm>
-            <a:off x="3071984" y="4081714"/>
-            <a:ext cx="1783154" cy="1678305"/>
+            <a:off x="3071984" y="3061286"/>
+            <a:ext cx="1783154" cy="1258729"/>
             <a:chOff x="3071984" y="2975560"/>
             <a:chExt cx="1783154" cy="1258729"/>
           </a:xfrm>
@@ -29461,8 +29028,8 @@
         </p:nvSpPr>
         <p:spPr>
           <a:xfrm>
-            <a:off x="357473" y="1426656"/>
-            <a:ext cx="4695479" cy="2197576"/>
+            <a:off x="357474" y="1069992"/>
+            <a:ext cx="4695479" cy="1648182"/>
           </a:xfrm>
           <a:prstGeom prst="roundRect">
             <a:avLst>
@@ -29527,8 +29094,8 @@
         </p:nvGrpSpPr>
         <p:grpSpPr>
           <a:xfrm>
-            <a:off x="3071984" y="1689233"/>
-            <a:ext cx="1783154" cy="386311"/>
+            <a:off x="3071984" y="1266925"/>
+            <a:ext cx="1783154" cy="289733"/>
             <a:chOff x="3070641" y="3045896"/>
             <a:chExt cx="1783154" cy="289733"/>
           </a:xfrm>
@@ -29757,8 +29324,8 @@
         </p:nvSpPr>
         <p:spPr>
           <a:xfrm>
-            <a:off x="4340510" y="1428751"/>
-            <a:ext cx="685028" cy="913371"/>
+            <a:off x="4340510" y="1071564"/>
+            <a:ext cx="685028" cy="685028"/>
           </a:xfrm>
           <a:prstGeom prst="mathMultiply">
             <a:avLst>
@@ -29805,8 +29372,8 @@
         </p:nvSpPr>
         <p:spPr>
           <a:xfrm>
-            <a:off x="3374478" y="1591087"/>
-            <a:ext cx="456795" cy="609060"/>
+            <a:off x="3374479" y="1193315"/>
+            <a:ext cx="456795" cy="456795"/>
           </a:xfrm>
           <a:prstGeom prst="mathMultiply">
             <a:avLst>
@@ -29853,8 +29420,8 @@
         </p:nvGrpSpPr>
         <p:grpSpPr>
           <a:xfrm>
-            <a:off x="4526897" y="2756996"/>
-            <a:ext cx="316073" cy="393989"/>
+            <a:off x="4526898" y="2067747"/>
+            <a:ext cx="316073" cy="295492"/>
             <a:chOff x="4436907" y="3761081"/>
             <a:chExt cx="316073" cy="295492"/>
           </a:xfrm>
@@ -30006,8 +29573,8 @@
         </p:nvGrpSpPr>
         <p:grpSpPr>
           <a:xfrm>
-            <a:off x="3084153" y="2756996"/>
-            <a:ext cx="316073" cy="393989"/>
+            <a:off x="3084154" y="2067747"/>
+            <a:ext cx="316073" cy="295492"/>
             <a:chOff x="4436907" y="3761081"/>
             <a:chExt cx="316073" cy="295492"/>
           </a:xfrm>
@@ -30159,8 +29726,8 @@
         </p:nvGrpSpPr>
         <p:grpSpPr>
           <a:xfrm>
-            <a:off x="3805525" y="2756996"/>
-            <a:ext cx="316073" cy="393989"/>
+            <a:off x="3805526" y="2067747"/>
+            <a:ext cx="316073" cy="295492"/>
             <a:chOff x="4436907" y="3761081"/>
             <a:chExt cx="316073" cy="295492"/>
           </a:xfrm>
@@ -30312,8 +29879,8 @@
         </p:nvCxnSpPr>
         <p:spPr>
           <a:xfrm rot="5520000" flipH="1" flipV="1">
-            <a:off x="4315536" y="2403822"/>
-            <a:ext cx="29053" cy="668766"/>
+            <a:off x="4319168" y="1719271"/>
+            <a:ext cx="21790" cy="668766"/>
           </a:xfrm>
           <a:prstGeom prst="curvedConnector3">
             <a:avLst>
@@ -30351,8 +29918,8 @@
         </p:nvCxnSpPr>
         <p:spPr>
           <a:xfrm rot="5520000" flipH="1" flipV="1">
-            <a:off x="3579656" y="2403822"/>
-            <a:ext cx="29053" cy="668766"/>
+            <a:off x="3583288" y="1719271"/>
+            <a:ext cx="21790" cy="668766"/>
           </a:xfrm>
           <a:prstGeom prst="curvedConnector3">
             <a:avLst>
@@ -30390,8 +29957,8 @@
         </p:nvGrpSpPr>
         <p:grpSpPr>
           <a:xfrm rot="10800000">
-            <a:off x="3261238" y="3150986"/>
-            <a:ext cx="1404646" cy="29053"/>
+            <a:off x="3261238" y="2363240"/>
+            <a:ext cx="1404646" cy="21790"/>
             <a:chOff x="3412199" y="2195159"/>
             <a:chExt cx="1404646" cy="21790"/>
           </a:xfrm>
@@ -30483,7 +30050,7 @@
         </p:nvCxnSpPr>
         <p:spPr>
           <a:xfrm>
-            <a:off x="5513388" y="4810300"/>
+            <a:off x="5513388" y="3607725"/>
             <a:ext cx="3268660" cy="0"/>
           </a:xfrm>
           <a:prstGeom prst="line">
@@ -30533,8 +30100,8 @@
         </p:blipFill>
         <p:spPr bwMode="auto">
           <a:xfrm>
-            <a:off x="5503981" y="1426656"/>
-            <a:ext cx="1169300" cy="773491"/>
+            <a:off x="5503981" y="1069993"/>
+            <a:ext cx="1169300" cy="580118"/>
           </a:xfrm>
           <a:prstGeom prst="rect">
             <a:avLst/>
@@ -30612,8 +30179,8 @@
         </p:nvSpPr>
         <p:spPr bwMode="auto">
           <a:xfrm>
-            <a:off x="7739523" y="256204"/>
-            <a:ext cx="1276243" cy="5905386"/>
+            <a:off x="7739524" y="192153"/>
+            <a:ext cx="1276243" cy="4429040"/>
           </a:xfrm>
           <a:prstGeom prst="roundRect">
             <a:avLst/>
@@ -30681,8 +30248,8 @@
         </p:blipFill>
         <p:spPr>
           <a:xfrm>
-            <a:off x="1484482" y="2177404"/>
-            <a:ext cx="4090574" cy="2969189"/>
+            <a:off x="1484482" y="1633053"/>
+            <a:ext cx="4090574" cy="2226892"/>
           </a:xfrm>
           <a:prstGeom prst="rect">
             <a:avLst/>
@@ -30697,8 +30264,8 @@
         </p:nvSpPr>
         <p:spPr bwMode="auto">
           <a:xfrm>
-            <a:off x="164943" y="907250"/>
-            <a:ext cx="1764884" cy="5183525"/>
+            <a:off x="164943" y="680438"/>
+            <a:ext cx="1764884" cy="3887644"/>
           </a:xfrm>
           <a:prstGeom prst="roundRect">
             <a:avLst/>
@@ -30745,8 +30312,8 @@
         </p:nvSpPr>
         <p:spPr bwMode="auto">
           <a:xfrm>
-            <a:off x="5030749" y="272700"/>
-            <a:ext cx="2688561" cy="5888890"/>
+            <a:off x="5030750" y="204525"/>
+            <a:ext cx="2688561" cy="4416668"/>
           </a:xfrm>
           <a:prstGeom prst="roundRect">
             <a:avLst/>
@@ -30793,8 +30360,8 @@
         </p:nvSpPr>
         <p:spPr bwMode="auto">
           <a:xfrm>
-            <a:off x="6317298" y="725802"/>
-            <a:ext cx="1319540" cy="4981638"/>
+            <a:off x="6317298" y="544351"/>
+            <a:ext cx="1319540" cy="3736229"/>
           </a:xfrm>
           <a:prstGeom prst="roundRect">
             <a:avLst/>
@@ -30848,8 +30415,8 @@
         </p:nvSpPr>
         <p:spPr bwMode="auto">
           <a:xfrm>
-            <a:off x="5146207" y="1583567"/>
-            <a:ext cx="1072126" cy="2837224"/>
+            <a:off x="5146207" y="1187675"/>
+            <a:ext cx="1072126" cy="2127918"/>
           </a:xfrm>
           <a:prstGeom prst="roundRect">
             <a:avLst/>
@@ -30917,8 +30484,8 @@
         </p:blipFill>
         <p:spPr>
           <a:xfrm>
-            <a:off x="5096724" y="1891795"/>
-            <a:ext cx="1199842" cy="1199842"/>
+            <a:off x="5096724" y="1418846"/>
+            <a:ext cx="1199842" cy="899882"/>
           </a:xfrm>
           <a:prstGeom prst="rect">
             <a:avLst/>
@@ -30947,8 +30514,8 @@
         </p:blipFill>
         <p:spPr>
           <a:xfrm>
-            <a:off x="5100676" y="3050420"/>
-            <a:ext cx="1199842" cy="1199842"/>
+            <a:off x="5100676" y="2287815"/>
+            <a:ext cx="1199842" cy="899882"/>
           </a:xfrm>
           <a:prstGeom prst="rect">
             <a:avLst/>
@@ -30977,8 +30544,8 @@
         </p:blipFill>
         <p:spPr>
           <a:xfrm>
-            <a:off x="6420213" y="840024"/>
-            <a:ext cx="1199842" cy="1199842"/>
+            <a:off x="6420213" y="630018"/>
+            <a:ext cx="1199842" cy="899882"/>
           </a:xfrm>
           <a:prstGeom prst="rect">
             <a:avLst/>
@@ -31007,8 +30574,8 @@
         </p:blipFill>
         <p:spPr>
           <a:xfrm>
-            <a:off x="6420217" y="2060691"/>
-            <a:ext cx="1199842" cy="1199842"/>
+            <a:off x="6420217" y="1545518"/>
+            <a:ext cx="1199842" cy="899882"/>
           </a:xfrm>
           <a:prstGeom prst="rect">
             <a:avLst/>
@@ -31037,8 +30604,8 @@
         </p:blipFill>
         <p:spPr>
           <a:xfrm>
-            <a:off x="6420215" y="3248366"/>
-            <a:ext cx="1199842" cy="1199842"/>
+            <a:off x="6420215" y="2436274"/>
+            <a:ext cx="1199842" cy="899882"/>
           </a:xfrm>
           <a:prstGeom prst="rect">
             <a:avLst/>
@@ -31067,8 +30634,8 @@
         </p:blipFill>
         <p:spPr>
           <a:xfrm>
-            <a:off x="6420216" y="4485528"/>
-            <a:ext cx="1199842" cy="1199842"/>
+            <a:off x="6420216" y="3364146"/>
+            <a:ext cx="1199842" cy="899882"/>
           </a:xfrm>
           <a:prstGeom prst="rect">
             <a:avLst/>
@@ -31097,8 +30664,8 @@
         </p:blipFill>
         <p:spPr>
           <a:xfrm>
-            <a:off x="681362" y="1896982"/>
-            <a:ext cx="873571" cy="873571"/>
+            <a:off x="681363" y="1422737"/>
+            <a:ext cx="873571" cy="655178"/>
           </a:xfrm>
           <a:prstGeom prst="rect">
             <a:avLst/>
@@ -31127,8 +30694,8 @@
         </p:blipFill>
         <p:spPr>
           <a:xfrm>
-            <a:off x="685314" y="2907147"/>
-            <a:ext cx="873571" cy="873571"/>
+            <a:off x="685315" y="2180361"/>
+            <a:ext cx="873571" cy="655178"/>
           </a:xfrm>
           <a:prstGeom prst="rect">
             <a:avLst/>
@@ -31157,8 +30724,8 @@
         </p:blipFill>
         <p:spPr>
           <a:xfrm>
-            <a:off x="652325" y="3929868"/>
-            <a:ext cx="873571" cy="873571"/>
+            <a:off x="652326" y="2947402"/>
+            <a:ext cx="873571" cy="655178"/>
           </a:xfrm>
           <a:prstGeom prst="rect">
             <a:avLst/>
@@ -31173,7 +30740,7 @@
         </p:nvSpPr>
         <p:spPr>
           <a:xfrm>
-            <a:off x="5768220" y="313414"/>
+            <a:off x="5768220" y="235060"/>
             <a:ext cx="1583448" cy="400110"/>
           </a:xfrm>
           <a:prstGeom prst="rect">
@@ -31208,8 +30775,8 @@
         </p:nvSpPr>
         <p:spPr>
           <a:xfrm>
-            <a:off x="5067688" y="4437287"/>
-            <a:ext cx="1414553" cy="404050"/>
+            <a:off x="5067689" y="3327965"/>
+            <a:ext cx="1414553" cy="400110"/>
           </a:xfrm>
           <a:prstGeom prst="rect">
             <a:avLst/>
@@ -31244,8 +30811,8 @@
         </p:nvSpPr>
         <p:spPr>
           <a:xfrm>
-            <a:off x="6325203" y="5727876"/>
-            <a:ext cx="1414553" cy="404050"/>
+            <a:off x="6325204" y="4295907"/>
+            <a:ext cx="1414553" cy="400110"/>
           </a:xfrm>
           <a:prstGeom prst="rect">
             <a:avLst/>
@@ -31279,7 +30846,7 @@
         </p:nvSpPr>
         <p:spPr>
           <a:xfrm>
-            <a:off x="560273" y="1059651"/>
+            <a:off x="560273" y="794738"/>
             <a:ext cx="1583448" cy="400110"/>
           </a:xfrm>
           <a:prstGeom prst="rect">
@@ -31314,8 +30881,8 @@
         </p:nvSpPr>
         <p:spPr bwMode="auto">
           <a:xfrm>
-            <a:off x="313391" y="1765014"/>
-            <a:ext cx="725747" cy="412387"/>
+            <a:off x="313392" y="1323761"/>
+            <a:ext cx="725747" cy="309290"/>
           </a:xfrm>
           <a:prstGeom prst="roundRect">
             <a:avLst>
@@ -31367,8 +30934,8 @@
         </p:nvSpPr>
         <p:spPr bwMode="auto">
           <a:xfrm>
-            <a:off x="300848" y="2841162"/>
-            <a:ext cx="725747" cy="412387"/>
+            <a:off x="300849" y="2130872"/>
+            <a:ext cx="725747" cy="309290"/>
           </a:xfrm>
           <a:prstGeom prst="roundRect">
             <a:avLst>
@@ -31420,8 +30987,8 @@
         </p:nvSpPr>
         <p:spPr bwMode="auto">
           <a:xfrm>
-            <a:off x="300849" y="3814399"/>
-            <a:ext cx="725747" cy="412387"/>
+            <a:off x="300850" y="2860800"/>
+            <a:ext cx="725747" cy="309290"/>
           </a:xfrm>
           <a:prstGeom prst="roundRect">
             <a:avLst>
@@ -31473,8 +31040,8 @@
         </p:nvSpPr>
         <p:spPr bwMode="auto">
           <a:xfrm>
-            <a:off x="1995804" y="3150639"/>
-            <a:ext cx="3018448" cy="1105197"/>
+            <a:off x="1995804" y="2362980"/>
+            <a:ext cx="3018448" cy="828898"/>
           </a:xfrm>
           <a:prstGeom prst="leftRightArrow">
             <a:avLst/>
@@ -31539,7 +31106,7 @@
         </p:nvSpPr>
         <p:spPr>
           <a:xfrm>
-            <a:off x="2672069" y="4437287"/>
+            <a:off x="2672069" y="3327966"/>
             <a:ext cx="1995804" cy="1015663"/>
           </a:xfrm>
           <a:prstGeom prst="rect">
@@ -31608,8 +31175,8 @@
         </p:blipFill>
         <p:spPr>
           <a:xfrm flipH="1">
-            <a:off x="7950227" y="1642955"/>
-            <a:ext cx="913369" cy="913369"/>
+            <a:off x="7950228" y="1232217"/>
+            <a:ext cx="913369" cy="685027"/>
           </a:xfrm>
           <a:prstGeom prst="rect">
             <a:avLst/>
@@ -31638,8 +31205,8 @@
         </p:blipFill>
         <p:spPr>
           <a:xfrm>
-            <a:off x="8023938" y="2789182"/>
-            <a:ext cx="914400" cy="685800"/>
+            <a:off x="8023938" y="2091887"/>
+            <a:ext cx="914400" cy="514350"/>
           </a:xfrm>
           <a:prstGeom prst="rect">
             <a:avLst/>
@@ -31668,8 +31235,8 @@
         </p:blipFill>
         <p:spPr>
           <a:xfrm>
-            <a:off x="7817685" y="3612512"/>
-            <a:ext cx="1062407" cy="1062407"/>
+            <a:off x="7817686" y="2709385"/>
+            <a:ext cx="1062407" cy="796805"/>
           </a:xfrm>
           <a:prstGeom prst="rect">
             <a:avLst/>
@@ -31684,8 +31251,8 @@
         </p:nvSpPr>
         <p:spPr>
           <a:xfrm>
-            <a:off x="7737373" y="531792"/>
-            <a:ext cx="1583448" cy="830997"/>
+            <a:off x="7737373" y="398844"/>
+            <a:ext cx="1583448" cy="707886"/>
           </a:xfrm>
           <a:prstGeom prst="rect">
             <a:avLst/>
@@ -31731,7 +31298,7 @@
         </p:nvSpPr>
         <p:spPr>
           <a:xfrm>
-            <a:off x="201883" y="4969083"/>
+            <a:off x="201883" y="3726813"/>
             <a:ext cx="2107312" cy="1015663"/>
           </a:xfrm>
           <a:prstGeom prst="rect">
@@ -31788,7 +31355,7 @@
         </p:nvSpPr>
         <p:spPr>
           <a:xfrm>
-            <a:off x="6970282" y="4638761"/>
+            <a:off x="6970282" y="3479071"/>
             <a:ext cx="2107312" cy="1015663"/>
           </a:xfrm>
           <a:prstGeom prst="rect">
@@ -31852,8 +31419,8 @@
         </p:nvSpPr>
         <p:spPr>
           <a:xfrm>
-            <a:off x="251366" y="224875"/>
-            <a:ext cx="8410575" cy="613833"/>
+            <a:off x="251367" y="168657"/>
+            <a:ext cx="8410575" cy="460375"/>
           </a:xfrm>
         </p:spPr>
         <p:txBody>
@@ -32319,8 +31886,8 @@
         </p:nvSpPr>
         <p:spPr bwMode="auto">
           <a:xfrm>
-            <a:off x="6179932" y="3771900"/>
-            <a:ext cx="2156236" cy="2070099"/>
+            <a:off x="6179932" y="2828926"/>
+            <a:ext cx="2156236" cy="1552574"/>
           </a:xfrm>
           <a:prstGeom prst="rect">
             <a:avLst/>
@@ -32362,8 +31929,8 @@
         </p:nvSpPr>
         <p:spPr bwMode="auto">
           <a:xfrm>
-            <a:off x="3493882" y="3771900"/>
-            <a:ext cx="2156236" cy="2070099"/>
+            <a:off x="3493882" y="2828926"/>
+            <a:ext cx="2156236" cy="1552574"/>
           </a:xfrm>
           <a:prstGeom prst="rect">
             <a:avLst/>
@@ -32426,8 +31993,8 @@
         </p:nvGrpSpPr>
         <p:grpSpPr>
           <a:xfrm>
-            <a:off x="6189457" y="787400"/>
-            <a:ext cx="2156236" cy="1219200"/>
+            <a:off x="6189457" y="590550"/>
+            <a:ext cx="2156236" cy="914400"/>
             <a:chOff x="6208507" y="590550"/>
             <a:chExt cx="2156236" cy="914400"/>
           </a:xfrm>
@@ -32486,7 +32053,7 @@
           <p:spPr bwMode="auto">
             <a:xfrm>
               <a:off x="7449882" y="754857"/>
-              <a:ext cx="813043" cy="173124"/>
+              <a:ext cx="813043" cy="230832"/>
             </a:xfrm>
             <a:prstGeom prst="rect">
               <a:avLst/>
@@ -32577,7 +32144,7 @@
         </p:nvSpPr>
         <p:spPr bwMode="auto">
           <a:xfrm>
-            <a:off x="7745158" y="5540376"/>
+            <a:off x="7745158" y="4155282"/>
             <a:ext cx="531084" cy="230832"/>
           </a:xfrm>
           <a:prstGeom prst="rect">
@@ -32641,8 +32208,8 @@
         </p:nvGrpSpPr>
         <p:grpSpPr>
           <a:xfrm>
-            <a:off x="3503407" y="787400"/>
-            <a:ext cx="2156236" cy="1219200"/>
+            <a:off x="3503407" y="590550"/>
+            <a:ext cx="2156236" cy="914400"/>
             <a:chOff x="3551032" y="590550"/>
             <a:chExt cx="2156236" cy="914400"/>
           </a:xfrm>
@@ -32701,7 +32268,7 @@
           <p:spPr bwMode="auto">
             <a:xfrm>
               <a:off x="4763832" y="754857"/>
-              <a:ext cx="813043" cy="173124"/>
+              <a:ext cx="813043" cy="230832"/>
             </a:xfrm>
             <a:prstGeom prst="rect">
               <a:avLst/>
@@ -32792,7 +32359,7 @@
         </p:nvSpPr>
         <p:spPr bwMode="auto">
           <a:xfrm>
-            <a:off x="5059108" y="5540376"/>
+            <a:off x="5059108" y="4155282"/>
             <a:ext cx="531084" cy="230832"/>
           </a:xfrm>
           <a:prstGeom prst="rect">
@@ -32858,8 +32425,8 @@
         </p:nvSpPr>
         <p:spPr bwMode="auto">
           <a:xfrm>
-            <a:off x="807832" y="3771900"/>
-            <a:ext cx="2156236" cy="2070099"/>
+            <a:off x="807832" y="2828926"/>
+            <a:ext cx="2156236" cy="1552574"/>
           </a:xfrm>
           <a:prstGeom prst="rect">
             <a:avLst/>
@@ -32899,8 +32466,8 @@
         </p:nvGrpSpPr>
         <p:grpSpPr>
           <a:xfrm>
-            <a:off x="807832" y="787400"/>
-            <a:ext cx="2156236" cy="1219200"/>
+            <a:off x="807832" y="590550"/>
+            <a:ext cx="2156236" cy="914400"/>
             <a:chOff x="807832" y="590550"/>
             <a:chExt cx="2156236" cy="914400"/>
           </a:xfrm>
@@ -32959,7 +32526,7 @@
           <p:spPr bwMode="auto">
             <a:xfrm>
               <a:off x="2077782" y="754857"/>
-              <a:ext cx="813043" cy="173124"/>
+              <a:ext cx="813043" cy="230832"/>
             </a:xfrm>
             <a:prstGeom prst="rect">
               <a:avLst/>
@@ -33050,7 +32617,7 @@
         </p:nvSpPr>
         <p:spPr bwMode="auto">
           <a:xfrm>
-            <a:off x="2373058" y="5540376"/>
+            <a:off x="2373058" y="4155282"/>
             <a:ext cx="531084" cy="230832"/>
           </a:xfrm>
           <a:prstGeom prst="rect">
@@ -33114,8 +32681,8 @@
         </p:nvGrpSpPr>
         <p:grpSpPr>
           <a:xfrm>
-            <a:off x="2888456" y="4013201"/>
-            <a:ext cx="721520" cy="1739899"/>
+            <a:off x="2888456" y="3009901"/>
+            <a:ext cx="721520" cy="1304924"/>
             <a:chOff x="3026569" y="3581399"/>
             <a:chExt cx="554831" cy="907258"/>
           </a:xfrm>
@@ -33462,8 +33029,8 @@
         </p:nvGrpSpPr>
         <p:grpSpPr>
           <a:xfrm>
-            <a:off x="907845" y="4025901"/>
-            <a:ext cx="1958975" cy="1546225"/>
+            <a:off x="907846" y="3019426"/>
+            <a:ext cx="1958975" cy="1159669"/>
             <a:chOff x="907844" y="3019425"/>
             <a:chExt cx="1958975" cy="1159669"/>
           </a:xfrm>
@@ -33690,8 +33257,8 @@
         </p:nvGrpSpPr>
         <p:grpSpPr>
           <a:xfrm>
-            <a:off x="5574506" y="4013201"/>
-            <a:ext cx="721520" cy="1739899"/>
+            <a:off x="5574506" y="3009901"/>
+            <a:ext cx="721520" cy="1304924"/>
             <a:chOff x="3026569" y="3581399"/>
             <a:chExt cx="554831" cy="907258"/>
           </a:xfrm>
@@ -34038,8 +33605,8 @@
         </p:nvGrpSpPr>
         <p:grpSpPr>
           <a:xfrm>
-            <a:off x="6279945" y="4025901"/>
-            <a:ext cx="1958975" cy="1546225"/>
+            <a:off x="6279946" y="3019426"/>
+            <a:ext cx="1958975" cy="1159669"/>
             <a:chOff x="6279944" y="2390775"/>
             <a:chExt cx="1958975" cy="1159669"/>
           </a:xfrm>
@@ -34266,8 +33833,8 @@
         </p:nvGrpSpPr>
         <p:grpSpPr>
           <a:xfrm>
-            <a:off x="3593895" y="4025901"/>
-            <a:ext cx="1958975" cy="1546225"/>
+            <a:off x="3593896" y="3019426"/>
+            <a:ext cx="1958975" cy="1159669"/>
             <a:chOff x="3593894" y="2390775"/>
             <a:chExt cx="1958975" cy="1159669"/>
           </a:xfrm>
@@ -34494,8 +34061,8 @@
         </p:nvGrpSpPr>
         <p:grpSpPr>
           <a:xfrm>
-            <a:off x="1885157" y="2006599"/>
-            <a:ext cx="5372894" cy="1766359"/>
+            <a:off x="1885157" y="1504950"/>
+            <a:ext cx="5372894" cy="1324769"/>
             <a:chOff x="1885157" y="1504949"/>
             <a:chExt cx="5372894" cy="1324769"/>
           </a:xfrm>
@@ -34605,8 +34172,8 @@
         </p:nvGrpSpPr>
         <p:grpSpPr>
           <a:xfrm>
-            <a:off x="1885952" y="2006599"/>
-            <a:ext cx="5372099" cy="1765301"/>
+            <a:off x="1885953" y="1504950"/>
+            <a:ext cx="5372099" cy="1323976"/>
             <a:chOff x="1885951" y="1504949"/>
             <a:chExt cx="5372099" cy="1323976"/>
           </a:xfrm>
@@ -34716,8 +34283,8 @@
         </p:nvGrpSpPr>
         <p:grpSpPr>
           <a:xfrm>
-            <a:off x="1885952" y="2006601"/>
-            <a:ext cx="5381625" cy="1765300"/>
+            <a:off x="1885953" y="1504951"/>
+            <a:ext cx="5381625" cy="1323975"/>
             <a:chOff x="1885951" y="1504950"/>
             <a:chExt cx="5381625" cy="1323975"/>
           </a:xfrm>

--- a/decks/01_gemfire_overview.pptx
+++ b/decks/01_gemfire_overview.pptx
@@ -15,7 +15,7 @@
     <p:sldId id="326" r:id="rId6"/>
     <p:sldId id="327" r:id="rId7"/>
     <p:sldId id="328" r:id="rId8"/>
-    <p:sldId id="306" r:id="rId9"/>
+    <p:sldId id="338" r:id="rId9"/>
     <p:sldId id="331" r:id="rId10"/>
     <p:sldId id="332" r:id="rId11"/>
     <p:sldId id="333" r:id="rId12"/>
@@ -142,7 +142,7 @@
         </p14:section>
         <p14:section name="Review of Demo Functionality" id="{E9F7E92C-BD4F-B44E-834B-4393F4D2E815}">
           <p14:sldIdLst>
-            <p14:sldId id="306"/>
+            <p14:sldId id="338"/>
             <p14:sldId id="331"/>
             <p14:sldId id="332"/>
             <p14:sldId id="333"/>
@@ -245,7 +245,7 @@
           <a:p>
             <a:fld id="{0F40C286-B2F1-4745-BADD-9E8B44C75F40}" type="datetimeFigureOut">
               <a:rPr lang="en-US" smtClean="0"/>
-              <a:t>2015-03-24</a:t>
+              <a:t>3/24/15</a:t>
             </a:fld>
             <a:endParaRPr lang="en-US"/>
           </a:p>
@@ -771,9 +771,14 @@
           <a:lstStyle/>
           <a:p>
             <a:r>
-              <a:rPr lang="en-US" dirty="0" smtClean="0"/>
-              <a:t>Partitioned Regions</a:t>
-            </a:r>
+              <a:rPr lang="en-US" dirty="0" err="1" smtClean="0"/>
+              <a:t>Continous</a:t>
+            </a:r>
+            <a:r>
+              <a:rPr lang="en-US" baseline="0" dirty="0" smtClean="0"/>
+              <a:t> Query</a:t>
+            </a:r>
+            <a:endParaRPr lang="en-US" dirty="0" smtClean="0"/>
           </a:p>
         </p:txBody>
       </p:sp>
@@ -785,7 +790,1849 @@
 </p:notes>
 </file>
 
-<file path=ppt/notesSlides/notesSlide11.xml><?xml version="1.0" encoding="utf-8"?>
+<file path=ppt/notesSlides/notesSlide2.xml><?xml version="1.0" encoding="utf-8"?>
+<p:notes xmlns:a="http://schemas.openxmlformats.org/drawingml/2006/main" xmlns:r="http://schemas.openxmlformats.org/officeDocument/2006/relationships" xmlns:p="http://schemas.openxmlformats.org/presentationml/2006/main">
+  <p:cSld>
+    <p:spTree>
+      <p:nvGrpSpPr>
+        <p:cNvPr id="1" name=""/>
+        <p:cNvGrpSpPr/>
+        <p:nvPr/>
+      </p:nvGrpSpPr>
+      <p:grpSpPr>
+        <a:xfrm>
+          <a:off x="0" y="0"/>
+          <a:ext cx="0" cy="0"/>
+          <a:chOff x="0" y="0"/>
+          <a:chExt cx="0" cy="0"/>
+        </a:xfrm>
+      </p:grpSpPr>
+      <p:sp>
+        <p:nvSpPr>
+          <p:cNvPr id="2" name="Slide Image Placeholder 1"/>
+          <p:cNvSpPr>
+            <a:spLocks noGrp="1" noRot="1" noChangeAspect="1"/>
+          </p:cNvSpPr>
+          <p:nvPr>
+            <p:ph type="sldImg"/>
+          </p:nvPr>
+        </p:nvSpPr>
+        <p:spPr>
+          <a:xfrm>
+            <a:off x="381000" y="685800"/>
+            <a:ext cx="6096000" cy="3429000"/>
+          </a:xfrm>
+        </p:spPr>
+      </p:sp>
+      <p:sp>
+        <p:nvSpPr>
+          <p:cNvPr id="3" name="Notes Placeholder 2"/>
+          <p:cNvSpPr>
+            <a:spLocks noGrp="1"/>
+          </p:cNvSpPr>
+          <p:nvPr>
+            <p:ph type="body" idx="1"/>
+          </p:nvPr>
+        </p:nvSpPr>
+        <p:spPr/>
+        <p:txBody>
+          <a:bodyPr>
+            <a:normAutofit lnSpcReduction="10000"/>
+          </a:bodyPr>
+          <a:lstStyle/>
+          <a:p>
+            <a:r>
+              <a:rPr lang="en-US" sz="1100" dirty="0">
+                <a:latin typeface="Verdana" pitchFamily="34" charset="0"/>
+                <a:cs typeface="Arial" pitchFamily="34" charset="0"/>
+              </a:rPr>
+              <a:t> </a:t>
+            </a:r>
+          </a:p>
+          <a:p>
+            <a:r>
+              <a:rPr lang="en-US" sz="1100" dirty="0">
+                <a:latin typeface="Verdana" pitchFamily="34" charset="0"/>
+                <a:cs typeface="Arial" pitchFamily="34" charset="0"/>
+              </a:rPr>
+              <a:t>For an enterprise perspective on real time data:  https://</a:t>
+            </a:r>
+            <a:r>
+              <a:rPr lang="en-US" sz="1100" dirty="0" err="1">
+                <a:latin typeface="Verdana" pitchFamily="34" charset="0"/>
+                <a:cs typeface="Arial" pitchFamily="34" charset="0"/>
+              </a:rPr>
+              <a:t>www.gesoftware.com</a:t>
+            </a:r>
+            <a:r>
+              <a:rPr lang="en-US" sz="1100" dirty="0">
+                <a:latin typeface="Verdana" pitchFamily="34" charset="0"/>
+                <a:cs typeface="Arial" pitchFamily="34" charset="0"/>
+              </a:rPr>
+              <a:t>/blog/can-memory-storage-solve-one-</a:t>
+            </a:r>
+            <a:r>
+              <a:rPr lang="en-US" sz="1100" dirty="0" err="1">
+                <a:latin typeface="Verdana" pitchFamily="34" charset="0"/>
+                <a:cs typeface="Arial" pitchFamily="34" charset="0"/>
+              </a:rPr>
+              <a:t>datas</a:t>
+            </a:r>
+            <a:r>
+              <a:rPr lang="en-US" sz="1100" dirty="0">
+                <a:latin typeface="Verdana" pitchFamily="34" charset="0"/>
+                <a:cs typeface="Arial" pitchFamily="34" charset="0"/>
+              </a:rPr>
+              <a:t>-greatest-challenges</a:t>
+            </a:r>
+          </a:p>
+          <a:p>
+            <a:r>
+              <a:rPr lang="en-US" sz="1100" dirty="0">
+                <a:latin typeface="Verdana" pitchFamily="34" charset="0"/>
+                <a:cs typeface="Arial" pitchFamily="34" charset="0"/>
+              </a:rPr>
+              <a:t> </a:t>
+            </a:r>
+          </a:p>
+          <a:p>
+            <a:r>
+              <a:rPr lang="en-US" sz="1100" dirty="0">
+                <a:latin typeface="Verdana" pitchFamily="34" charset="0"/>
+                <a:cs typeface="Arial" pitchFamily="34" charset="0"/>
+              </a:rPr>
+              <a:t>First, let’s talk about consumer driven applications.  Applications today are really about serving this market.  Historically, enterprise applications were truly the focus, where the interactions were expected to be that… interactive.  With consumer driven applications, you are really pushing the limits of instantaneous information to users, even going so far as to be predictive with what may be useful or appealing to them, to provide “value” to that consumer.  What makes you different than your competitors in driving consumers to you is more about what extras you provide than the base service.</a:t>
+            </a:r>
+          </a:p>
+          <a:p>
+            <a:r>
+              <a:rPr lang="en-US" sz="1100" dirty="0">
+                <a:latin typeface="Verdana" pitchFamily="34" charset="0"/>
+                <a:cs typeface="Arial" pitchFamily="34" charset="0"/>
+              </a:rPr>
+              <a:t> </a:t>
+            </a:r>
+          </a:p>
+          <a:p>
+            <a:r>
+              <a:rPr lang="en-US" sz="1100" dirty="0">
+                <a:latin typeface="Verdana" pitchFamily="34" charset="0"/>
+                <a:cs typeface="Arial" pitchFamily="34" charset="0"/>
+              </a:rPr>
+              <a:t>Consumer driven applications until recently were not so data driven.  Data flowed through them, but they didn’t provide information back, except in a pull fashion.  </a:t>
+            </a:r>
+          </a:p>
+          <a:p>
+            <a:r>
+              <a:rPr lang="en-US" sz="1100" dirty="0" err="1">
+                <a:latin typeface="Verdana" pitchFamily="34" charset="0"/>
+                <a:cs typeface="Arial" pitchFamily="34" charset="0"/>
+              </a:rPr>
+              <a:t>GemFire</a:t>
+            </a:r>
+            <a:r>
+              <a:rPr lang="en-US" sz="1100" dirty="0">
+                <a:latin typeface="Verdana" pitchFamily="34" charset="0"/>
+                <a:cs typeface="Arial" pitchFamily="34" charset="0"/>
+              </a:rPr>
+              <a:t> is the distributed </a:t>
+            </a:r>
+            <a:r>
+              <a:rPr lang="en-US" sz="1100" dirty="0" err="1">
+                <a:latin typeface="Verdana" pitchFamily="34" charset="0"/>
+                <a:cs typeface="Arial" pitchFamily="34" charset="0"/>
+              </a:rPr>
+              <a:t>NoSQL</a:t>
+            </a:r>
+            <a:r>
+              <a:rPr lang="en-US" sz="1100" dirty="0">
+                <a:latin typeface="Verdana" pitchFamily="34" charset="0"/>
+                <a:cs typeface="Arial" pitchFamily="34" charset="0"/>
+              </a:rPr>
+              <a:t>, in memory database for big data apps that need:</a:t>
+            </a:r>
+          </a:p>
+          <a:p>
+            <a:r>
+              <a:rPr lang="en-US" sz="1100" dirty="0">
+                <a:latin typeface="Verdana" pitchFamily="34" charset="0"/>
+                <a:cs typeface="Arial" pitchFamily="34" charset="0"/>
+              </a:rPr>
+              <a:t> </a:t>
+            </a:r>
+          </a:p>
+          <a:p>
+            <a:pPr lvl="0"/>
+            <a:r>
+              <a:rPr lang="en-US" sz="1100" dirty="0">
+                <a:latin typeface="Verdana" pitchFamily="34" charset="0"/>
+                <a:cs typeface="Arial" pitchFamily="34" charset="0"/>
+              </a:rPr>
+              <a:t>Scale out performance – as demand goes up and down, due to seasonal demand, flash types of events, or increasing data pipes, </a:t>
+            </a:r>
+            <a:r>
+              <a:rPr lang="en-US" sz="1100" dirty="0" err="1">
+                <a:latin typeface="Verdana" pitchFamily="34" charset="0"/>
+                <a:cs typeface="Arial" pitchFamily="34" charset="0"/>
+              </a:rPr>
+              <a:t>GemFire</a:t>
+            </a:r>
+            <a:r>
+              <a:rPr lang="en-US" sz="1100" dirty="0">
+                <a:latin typeface="Verdana" pitchFamily="34" charset="0"/>
+                <a:cs typeface="Arial" pitchFamily="34" charset="0"/>
+              </a:rPr>
+              <a:t> can scale up and down with commodity hardware, providing predictable, linear scalability, without downtime.</a:t>
+            </a:r>
+          </a:p>
+          <a:p>
+            <a:pPr lvl="0"/>
+            <a:r>
+              <a:rPr lang="en-US" sz="1100" dirty="0">
+                <a:latin typeface="Verdana" pitchFamily="34" charset="0"/>
+                <a:cs typeface="Arial" pitchFamily="34" charset="0"/>
+              </a:rPr>
+              <a:t>Consistent database operations across globally distributed nodes:  </a:t>
+            </a:r>
+            <a:r>
+              <a:rPr lang="en-US" sz="1100" dirty="0" err="1">
+                <a:latin typeface="Verdana" pitchFamily="34" charset="0"/>
+                <a:cs typeface="Arial" pitchFamily="34" charset="0"/>
+              </a:rPr>
+              <a:t>GemFire</a:t>
+            </a:r>
+            <a:r>
+              <a:rPr lang="en-US" sz="1100" dirty="0">
+                <a:latin typeface="Verdana" pitchFamily="34" charset="0"/>
+                <a:cs typeface="Arial" pitchFamily="34" charset="0"/>
+              </a:rPr>
+              <a:t> focuses on data being consistent.  This has been our bent from the beginning.  The only thing we will sacrifice performance for is consistency.  This is key to our customers that sell things like train tickets and stocks.</a:t>
+            </a:r>
+          </a:p>
+          <a:p>
+            <a:pPr lvl="0"/>
+            <a:r>
+              <a:rPr lang="en-US" sz="1100" dirty="0">
+                <a:latin typeface="Verdana" pitchFamily="34" charset="0"/>
+                <a:cs typeface="Arial" pitchFamily="34" charset="0"/>
+              </a:rPr>
+              <a:t>High availability, resilience, and global scale – </a:t>
+            </a:r>
+            <a:r>
+              <a:rPr lang="en-US" sz="1100" dirty="0" err="1">
+                <a:latin typeface="Verdana" pitchFamily="34" charset="0"/>
+                <a:cs typeface="Arial" pitchFamily="34" charset="0"/>
+              </a:rPr>
+              <a:t>GemFire</a:t>
+            </a:r>
+            <a:r>
+              <a:rPr lang="en-US" sz="1100" dirty="0">
+                <a:latin typeface="Verdana" pitchFamily="34" charset="0"/>
+                <a:cs typeface="Arial" pitchFamily="34" charset="0"/>
+              </a:rPr>
+              <a:t> is intended for mission critical data and applications.  Through a series of innovations, </a:t>
+            </a:r>
+            <a:r>
+              <a:rPr lang="en-US" sz="1100" dirty="0" err="1">
+                <a:latin typeface="Verdana" pitchFamily="34" charset="0"/>
+                <a:cs typeface="Arial" pitchFamily="34" charset="0"/>
+              </a:rPr>
+              <a:t>GemFire</a:t>
+            </a:r>
+            <a:r>
+              <a:rPr lang="en-US" sz="1100" dirty="0">
+                <a:latin typeface="Verdana" pitchFamily="34" charset="0"/>
+                <a:cs typeface="Arial" pitchFamily="34" charset="0"/>
+              </a:rPr>
+              <a:t> can provide continuous availability of data at a global scale, through code changes, model changes, hardware changes, major version upgrades and smoking hole disasters</a:t>
+            </a:r>
+          </a:p>
+          <a:p>
+            <a:pPr lvl="0"/>
+            <a:r>
+              <a:rPr lang="en-US" sz="1100" dirty="0">
+                <a:latin typeface="Verdana" pitchFamily="34" charset="0"/>
+                <a:cs typeface="Arial" pitchFamily="34" charset="0"/>
+              </a:rPr>
+              <a:t>Powerful developer features – Developers here are concerned about one of two things – first they want powerful capabilities for quickly adding innovative features in their applications. In the case of structured data, they are often concerned about standards support so they can take advantage of the mature ecosystem of SQL-compliant tools for developing, reporting, as well as often support other legacy applications. Even though </a:t>
+            </a:r>
+            <a:r>
+              <a:rPr lang="en-US" sz="1100" dirty="0" err="1">
+                <a:latin typeface="Verdana" pitchFamily="34" charset="0"/>
+                <a:cs typeface="Arial" pitchFamily="34" charset="0"/>
+              </a:rPr>
+              <a:t>GemFire</a:t>
+            </a:r>
+            <a:r>
+              <a:rPr lang="en-US" sz="1100" dirty="0">
+                <a:latin typeface="Verdana" pitchFamily="34" charset="0"/>
+                <a:cs typeface="Arial" pitchFamily="34" charset="0"/>
+              </a:rPr>
+              <a:t> is pure Java, it is accessible through many APIs.  It also provides a rich event framework, allowing applications to subscribe to individual data events in </a:t>
+            </a:r>
+            <a:r>
+              <a:rPr lang="en-US" sz="1100" dirty="0" err="1">
+                <a:latin typeface="Verdana" pitchFamily="34" charset="0"/>
+                <a:cs typeface="Arial" pitchFamily="34" charset="0"/>
+              </a:rPr>
+              <a:t>GemFire</a:t>
+            </a:r>
+            <a:r>
+              <a:rPr lang="en-US" sz="1100" dirty="0">
+                <a:latin typeface="Verdana" pitchFamily="34" charset="0"/>
+                <a:cs typeface="Arial" pitchFamily="34" charset="0"/>
+              </a:rPr>
+              <a:t>. </a:t>
+            </a:r>
+            <a:r>
+              <a:rPr lang="en-US" sz="1100" dirty="0" err="1">
+                <a:latin typeface="Verdana" pitchFamily="34" charset="0"/>
+                <a:cs typeface="Arial" pitchFamily="34" charset="0"/>
+              </a:rPr>
+              <a:t>GemFire</a:t>
+            </a:r>
+            <a:r>
+              <a:rPr lang="en-US" sz="1100" dirty="0">
+                <a:latin typeface="Verdana" pitchFamily="34" charset="0"/>
+                <a:cs typeface="Arial" pitchFamily="34" charset="0"/>
+              </a:rPr>
+              <a:t> XD through its JDBC and ODBC support allows SQL app developers to leverage many tools, support queries from other applications, and work with reporting and visualization such as Tableau.</a:t>
+            </a:r>
+          </a:p>
+          <a:p>
+            <a:pPr lvl="0"/>
+            <a:r>
+              <a:rPr lang="en-US" sz="1100" dirty="0">
+                <a:latin typeface="Verdana" pitchFamily="34" charset="0"/>
+                <a:cs typeface="Arial" pitchFamily="34" charset="0"/>
+              </a:rPr>
+              <a:t>Easy administration of distributed nodes: Easy administration of distributed nodes: </a:t>
+            </a:r>
+            <a:r>
+              <a:rPr lang="en-US" sz="1100" dirty="0" err="1">
+                <a:latin typeface="Verdana" pitchFamily="34" charset="0"/>
+                <a:cs typeface="Arial" pitchFamily="34" charset="0"/>
+              </a:rPr>
+              <a:t>GemFire</a:t>
+            </a:r>
+            <a:r>
+              <a:rPr lang="en-US" sz="1100" dirty="0">
+                <a:latin typeface="Verdana" pitchFamily="34" charset="0"/>
+                <a:cs typeface="Arial" pitchFamily="34" charset="0"/>
+              </a:rPr>
+              <a:t> relies on you to say how to evenly distribute your data from a statistical perspective and takes care of the runtime implementation.  </a:t>
+            </a:r>
+            <a:r>
+              <a:rPr lang="en-US" sz="1100" dirty="0" err="1">
+                <a:latin typeface="Verdana" pitchFamily="34" charset="0"/>
+                <a:cs typeface="Arial" pitchFamily="34" charset="0"/>
+              </a:rPr>
+              <a:t>GemFire</a:t>
+            </a:r>
+            <a:r>
+              <a:rPr lang="en-US" sz="1100" dirty="0">
+                <a:latin typeface="Verdana" pitchFamily="34" charset="0"/>
+                <a:cs typeface="Arial" pitchFamily="34" charset="0"/>
+              </a:rPr>
+              <a:t> manages partitions of data between nodes in a dynamic fashion, removing the chore of mapping partitions to specific nodes, slaves, and masters in a cluster.  </a:t>
+            </a:r>
+            <a:r>
+              <a:rPr lang="en-US" sz="1100" dirty="0" err="1">
+                <a:latin typeface="Verdana" pitchFamily="34" charset="0"/>
+                <a:cs typeface="Arial" pitchFamily="34" charset="0"/>
+              </a:rPr>
+              <a:t>GemFire</a:t>
+            </a:r>
+            <a:r>
+              <a:rPr lang="en-US" sz="1100" dirty="0">
+                <a:latin typeface="Verdana" pitchFamily="34" charset="0"/>
+                <a:cs typeface="Arial" pitchFamily="34" charset="0"/>
+              </a:rPr>
+              <a:t> manages that for you, along with recovery of nodes.  Additionally, </a:t>
+            </a:r>
+            <a:r>
+              <a:rPr lang="en-US" sz="1100" dirty="0" err="1">
+                <a:latin typeface="Verdana" pitchFamily="34" charset="0"/>
+                <a:cs typeface="Arial" pitchFamily="34" charset="0"/>
+              </a:rPr>
+              <a:t>GemFire</a:t>
+            </a:r>
+            <a:r>
+              <a:rPr lang="en-US" sz="1100" dirty="0">
+                <a:latin typeface="Verdana" pitchFamily="34" charset="0"/>
+                <a:cs typeface="Arial" pitchFamily="34" charset="0"/>
+              </a:rPr>
+              <a:t> provides tools to help you manage and understand the behavior of the system.</a:t>
+            </a:r>
+          </a:p>
+          <a:p>
+            <a:r>
+              <a:rPr lang="en-US" sz="1100" dirty="0">
+                <a:latin typeface="Verdana" pitchFamily="34" charset="0"/>
+                <a:cs typeface="Arial" pitchFamily="34" charset="0"/>
+              </a:rPr>
+              <a:t> </a:t>
+            </a:r>
+          </a:p>
+          <a:p>
+            <a:r>
+              <a:rPr lang="en-US" sz="1100" dirty="0">
+                <a:latin typeface="Verdana" pitchFamily="34" charset="0"/>
+                <a:cs typeface="Arial" pitchFamily="34" charset="0"/>
+              </a:rPr>
+              <a:t> </a:t>
+            </a:r>
+          </a:p>
+          <a:p>
+            <a:endParaRPr lang="en-US" sz="1100" dirty="0">
+              <a:latin typeface="Verdana" pitchFamily="34" charset="0"/>
+              <a:cs typeface="Arial" pitchFamily="34" charset="0"/>
+            </a:endParaRPr>
+          </a:p>
+        </p:txBody>
+      </p:sp>
+    </p:spTree>
+    <p:extLst>
+      <p:ext uri="{BB962C8B-B14F-4D97-AF65-F5344CB8AC3E}">
+        <p14:creationId xmlns:p14="http://schemas.microsoft.com/office/powerpoint/2010/main" val="1645508813"/>
+      </p:ext>
+    </p:extLst>
+  </p:cSld>
+  <p:clrMapOvr>
+    <a:masterClrMapping/>
+  </p:clrMapOvr>
+</p:notes>
+</file>
+
+<file path=ppt/notesSlides/notesSlide3.xml><?xml version="1.0" encoding="utf-8"?>
+<p:notes xmlns:a="http://schemas.openxmlformats.org/drawingml/2006/main" xmlns:r="http://schemas.openxmlformats.org/officeDocument/2006/relationships" xmlns:p="http://schemas.openxmlformats.org/presentationml/2006/main">
+  <p:cSld>
+    <p:spTree>
+      <p:nvGrpSpPr>
+        <p:cNvPr id="1" name=""/>
+        <p:cNvGrpSpPr/>
+        <p:nvPr/>
+      </p:nvGrpSpPr>
+      <p:grpSpPr>
+        <a:xfrm>
+          <a:off x="0" y="0"/>
+          <a:ext cx="0" cy="0"/>
+          <a:chOff x="0" y="0"/>
+          <a:chExt cx="0" cy="0"/>
+        </a:xfrm>
+      </p:grpSpPr>
+      <p:sp>
+        <p:nvSpPr>
+          <p:cNvPr id="2" name="Slide Image Placeholder 1"/>
+          <p:cNvSpPr>
+            <a:spLocks noGrp="1" noRot="1" noChangeAspect="1"/>
+          </p:cNvSpPr>
+          <p:nvPr>
+            <p:ph type="sldImg"/>
+          </p:nvPr>
+        </p:nvSpPr>
+        <p:spPr>
+          <a:xfrm>
+            <a:off x="381000" y="685800"/>
+            <a:ext cx="6096000" cy="3429000"/>
+          </a:xfrm>
+        </p:spPr>
+      </p:sp>
+      <p:sp>
+        <p:nvSpPr>
+          <p:cNvPr id="3" name="Notes Placeholder 2"/>
+          <p:cNvSpPr>
+            <a:spLocks noGrp="1"/>
+          </p:cNvSpPr>
+          <p:nvPr>
+            <p:ph type="body" idx="1"/>
+          </p:nvPr>
+        </p:nvSpPr>
+        <p:spPr/>
+        <p:txBody>
+          <a:bodyPr>
+            <a:normAutofit fontScale="92500"/>
+          </a:bodyPr>
+          <a:lstStyle/>
+          <a:p>
+            <a:pPr lvl="0"/>
+            <a:r>
+              <a:rPr lang="en-US" sz="1100" dirty="0">
+                <a:latin typeface="Verdana" pitchFamily="34" charset="0"/>
+                <a:cs typeface="Arial" pitchFamily="34" charset="0"/>
+              </a:rPr>
+              <a:t>Please see the case study here.  Talk about what they did first.  Then go over the key points in this slide. Note that this is a </a:t>
+            </a:r>
+            <a:r>
+              <a:rPr lang="en-US" sz="1100" dirty="0" err="1">
+                <a:latin typeface="Verdana" pitchFamily="34" charset="0"/>
+                <a:cs typeface="Arial" pitchFamily="34" charset="0"/>
+              </a:rPr>
+              <a:t>GemFire</a:t>
+            </a:r>
+            <a:r>
+              <a:rPr lang="en-US" sz="1100" dirty="0">
+                <a:latin typeface="Verdana" pitchFamily="34" charset="0"/>
+                <a:cs typeface="Arial" pitchFamily="34" charset="0"/>
+              </a:rPr>
+              <a:t> customer story.</a:t>
+            </a:r>
+          </a:p>
+          <a:p>
+            <a:pPr defTabSz="905713">
+              <a:spcBef>
+                <a:spcPts val="1189"/>
+              </a:spcBef>
+              <a:defRPr/>
+            </a:pPr>
+            <a:r>
+              <a:rPr lang="en-US" sz="1100" u="sng" dirty="0">
+                <a:latin typeface="Verdana" pitchFamily="34" charset="0"/>
+                <a:cs typeface="Arial" pitchFamily="34" charset="0"/>
+                <a:hlinkClick r:id="rId3"/>
+              </a:rPr>
+              <a:t>http://blog.pivotal.io/pivotal/case-studies-2/china-railway-corp-for-chinese-new-year-chunyun</a:t>
+            </a:r>
+            <a:endParaRPr lang="en-US" sz="1100" dirty="0">
+              <a:latin typeface="Verdana" pitchFamily="34" charset="0"/>
+              <a:cs typeface="Arial" pitchFamily="34" charset="0"/>
+            </a:endParaRPr>
+          </a:p>
+          <a:p>
+            <a:pPr lvl="0"/>
+            <a:endParaRPr lang="en-US" sz="1100" dirty="0">
+              <a:latin typeface="Verdana" pitchFamily="34" charset="0"/>
+              <a:cs typeface="Arial" pitchFamily="34" charset="0"/>
+            </a:endParaRPr>
+          </a:p>
+          <a:p>
+            <a:pPr lvl="0"/>
+            <a:r>
+              <a:rPr lang="en-US" sz="1100" dirty="0">
+                <a:latin typeface="Verdana" pitchFamily="34" charset="0"/>
+                <a:cs typeface="Arial" pitchFamily="34" charset="0"/>
+              </a:rPr>
+              <a:t>Key stats:</a:t>
+            </a:r>
+          </a:p>
+          <a:p>
+            <a:pPr lvl="0"/>
+            <a:r>
+              <a:rPr lang="en-US" sz="1100" dirty="0">
+                <a:latin typeface="Verdana" pitchFamily="34" charset="0"/>
+                <a:cs typeface="Arial" pitchFamily="34" charset="0"/>
+              </a:rPr>
+              <a:t>Query time reduced from 15 seconds to .2 sec – a 75x improvement (other customers have seen up to 100x)</a:t>
+            </a:r>
+          </a:p>
+          <a:p>
+            <a:pPr lvl="0"/>
+            <a:r>
+              <a:rPr lang="en-US" sz="1100" dirty="0">
+                <a:latin typeface="Verdana" pitchFamily="34" charset="0"/>
+                <a:cs typeface="Arial" pitchFamily="34" charset="0"/>
+              </a:rPr>
+              <a:t>Queries went from 3500 per second to 10s of 1000s per second</a:t>
+            </a:r>
+          </a:p>
+          <a:p>
+            <a:pPr lvl="0"/>
+            <a:r>
+              <a:rPr lang="en-US" sz="1100" dirty="0">
+                <a:latin typeface="Verdana" pitchFamily="34" charset="0"/>
+                <a:cs typeface="Arial" pitchFamily="34" charset="0"/>
+              </a:rPr>
+              <a:t>Train tickets to major cities sold out in 20 seconds</a:t>
+            </a:r>
+          </a:p>
+          <a:p>
+            <a:pPr lvl="0"/>
+            <a:r>
+              <a:rPr lang="en-US" sz="1100" dirty="0">
+                <a:latin typeface="Verdana" pitchFamily="34" charset="0"/>
+                <a:cs typeface="Arial" pitchFamily="34" charset="0"/>
+              </a:rPr>
+              <a:t>Growth is about 20% per year</a:t>
+            </a:r>
+          </a:p>
+          <a:p>
+            <a:pPr lvl="0"/>
+            <a:endParaRPr lang="en-US" sz="1100" dirty="0">
+              <a:latin typeface="Verdana" pitchFamily="34" charset="0"/>
+              <a:cs typeface="Arial" pitchFamily="34" charset="0"/>
+            </a:endParaRPr>
+          </a:p>
+          <a:p>
+            <a:pPr lvl="0"/>
+            <a:r>
+              <a:rPr lang="en-US" sz="1100" dirty="0">
+                <a:latin typeface="Verdana" pitchFamily="34" charset="0"/>
+                <a:cs typeface="Arial" pitchFamily="34" charset="0"/>
+              </a:rPr>
+              <a:t>Emphasize “room to grow” in this quote.</a:t>
+            </a:r>
+          </a:p>
+          <a:p>
+            <a:pPr lvl="0"/>
+            <a:endParaRPr lang="en-US" sz="1100" dirty="0">
+              <a:latin typeface="Verdana" pitchFamily="34" charset="0"/>
+              <a:cs typeface="Arial" pitchFamily="34" charset="0"/>
+            </a:endParaRPr>
+          </a:p>
+          <a:p>
+            <a:pPr lvl="0"/>
+            <a:r>
+              <a:rPr lang="en-US" sz="1100" dirty="0">
+                <a:latin typeface="Verdana" pitchFamily="34" charset="0"/>
+                <a:cs typeface="Arial" pitchFamily="34" charset="0"/>
+              </a:rPr>
+              <a:t>Why was this so successful?  A few things:</a:t>
+            </a:r>
+          </a:p>
+          <a:p>
+            <a:pPr lvl="0"/>
+            <a:endParaRPr lang="en-US" sz="1100" dirty="0">
+              <a:latin typeface="Verdana" pitchFamily="34" charset="0"/>
+              <a:cs typeface="Arial" pitchFamily="34" charset="0"/>
+            </a:endParaRPr>
+          </a:p>
+          <a:p>
+            <a:pPr lvl="0"/>
+            <a:r>
+              <a:rPr lang="en-US" sz="1100" dirty="0">
+                <a:latin typeface="Verdana" pitchFamily="34" charset="0"/>
+                <a:cs typeface="Arial" pitchFamily="34" charset="0"/>
+              </a:rPr>
+              <a:t>CRC used a partitioned data set in memory.  What this gave them was:</a:t>
+            </a:r>
+          </a:p>
+          <a:p>
+            <a:pPr marL="226428" indent="-226428">
+              <a:buAutoNum type="arabicPeriod"/>
+            </a:pPr>
+            <a:r>
+              <a:rPr lang="en-US" sz="1100" dirty="0">
+                <a:latin typeface="Verdana" pitchFamily="34" charset="0"/>
+                <a:cs typeface="Arial" pitchFamily="34" charset="0"/>
+              </a:rPr>
+              <a:t>In memory performance.  Data is “persisted” to at least 2 nodes in memory, rather than to disk, saving IO cost</a:t>
+            </a:r>
+          </a:p>
+          <a:p>
+            <a:pPr marL="226428" indent="-226428">
+              <a:buAutoNum type="arabicPeriod"/>
+            </a:pPr>
+            <a:r>
+              <a:rPr lang="en-US" sz="1100" dirty="0">
+                <a:latin typeface="Verdana" pitchFamily="34" charset="0"/>
+                <a:cs typeface="Arial" pitchFamily="34" charset="0"/>
+              </a:rPr>
+              <a:t>Ability to scale up and down as needed, maximizing infrastructure usage.  They don’t have to keep expensive dedicated hardware in place to accommodate peak usage</a:t>
+            </a:r>
+          </a:p>
+          <a:p>
+            <a:pPr marL="226428" indent="-226428">
+              <a:buAutoNum type="arabicPeriod"/>
+            </a:pPr>
+            <a:r>
+              <a:rPr lang="en-US" sz="1100" dirty="0">
+                <a:latin typeface="Verdana" pitchFamily="34" charset="0"/>
+                <a:cs typeface="Arial" pitchFamily="34" charset="0"/>
+              </a:rPr>
+              <a:t>Optimized data distribution – CRC defines how the data should be partitioned.  </a:t>
+            </a:r>
+            <a:r>
+              <a:rPr lang="en-US" sz="1100" dirty="0" err="1">
+                <a:latin typeface="Verdana" pitchFamily="34" charset="0"/>
+                <a:cs typeface="Arial" pitchFamily="34" charset="0"/>
+              </a:rPr>
+              <a:t>GemFire</a:t>
+            </a:r>
+            <a:r>
+              <a:rPr lang="en-US" sz="1100" dirty="0">
+                <a:latin typeface="Verdana" pitchFamily="34" charset="0"/>
+                <a:cs typeface="Arial" pitchFamily="34" charset="0"/>
+              </a:rPr>
+              <a:t> takes care of the physical implementation of this actively, optimizing the distribution of data as machines are added and removed.</a:t>
+            </a:r>
+          </a:p>
+          <a:p>
+            <a:pPr lvl="0"/>
+            <a:endParaRPr lang="en-US" sz="1100" dirty="0">
+              <a:latin typeface="Verdana" pitchFamily="34" charset="0"/>
+              <a:cs typeface="Arial" pitchFamily="34" charset="0"/>
+            </a:endParaRPr>
+          </a:p>
+          <a:p>
+            <a:r>
+              <a:rPr lang="en-US" sz="1100" dirty="0" err="1">
+                <a:latin typeface="Verdana" pitchFamily="34" charset="0"/>
+                <a:cs typeface="Arial" pitchFamily="34" charset="0"/>
+              </a:rPr>
+              <a:t>GemFire</a:t>
+            </a:r>
+            <a:r>
+              <a:rPr lang="en-US" sz="1100" dirty="0">
+                <a:latin typeface="Verdana" pitchFamily="34" charset="0"/>
+                <a:cs typeface="Arial" pitchFamily="34" charset="0"/>
+              </a:rPr>
+              <a:t> and </a:t>
+            </a:r>
+            <a:r>
+              <a:rPr lang="en-US" sz="1100" dirty="0" err="1">
+                <a:latin typeface="Verdana" pitchFamily="34" charset="0"/>
+                <a:cs typeface="Arial" pitchFamily="34" charset="0"/>
+              </a:rPr>
+              <a:t>GemFire</a:t>
+            </a:r>
+            <a:r>
+              <a:rPr lang="en-US" sz="1100" dirty="0">
+                <a:latin typeface="Verdana" pitchFamily="34" charset="0"/>
+                <a:cs typeface="Arial" pitchFamily="34" charset="0"/>
+              </a:rPr>
+              <a:t> XD have a shared nothing, in memory architecture.  Data can be persisted to disk or another system, but it is out of band with the transaction, using the network to “persist” the data.  This allows them to perform at maximum speeds with consistency.  As more nodes are added, Gem and Gem XD can be notified to take advantage of these new nodes based on current resource usage.  This gives us predictable linear performance as we scale up and down to meet peaky demands, while keeping data absolutely consistent – we can’t sell the same train ticket twice!</a:t>
+            </a:r>
+          </a:p>
+          <a:p>
+            <a:endParaRPr lang="en-US" sz="1100" dirty="0">
+              <a:latin typeface="Verdana" pitchFamily="34" charset="0"/>
+              <a:cs typeface="Arial" pitchFamily="34" charset="0"/>
+            </a:endParaRPr>
+          </a:p>
+          <a:p>
+            <a:r>
+              <a:rPr lang="en-US" sz="1100" dirty="0">
+                <a:latin typeface="Verdana" pitchFamily="34" charset="0"/>
+                <a:cs typeface="Arial" pitchFamily="34" charset="0"/>
+              </a:rPr>
+              <a:t> Colocation of related data sets allows us to scale transactions to hundreds of thousands of concurrent transactions running in a single cluster</a:t>
+            </a:r>
+          </a:p>
+          <a:p>
+            <a:r>
+              <a:rPr lang="en-US" sz="1100" dirty="0">
+                <a:latin typeface="Verdana" pitchFamily="34" charset="0"/>
+                <a:cs typeface="Arial" pitchFamily="34" charset="0"/>
+              </a:rPr>
+              <a:t>As we distribute this data, our ability to operate on it is also scaled out.  Queries, events, and functions that the grid operates on are all done in a distributed, parallel fashion.</a:t>
+            </a:r>
+          </a:p>
+          <a:p>
+            <a:pPr lvl="0"/>
+            <a:r>
+              <a:rPr lang="en-US" sz="1100" dirty="0">
+                <a:latin typeface="Verdana" pitchFamily="34" charset="0"/>
+                <a:cs typeface="Arial" pitchFamily="34" charset="0"/>
+              </a:rPr>
+              <a:t> </a:t>
+            </a:r>
+          </a:p>
+          <a:p>
+            <a:endParaRPr lang="en-US" sz="1100" dirty="0">
+              <a:latin typeface="Verdana" pitchFamily="34" charset="0"/>
+              <a:cs typeface="Arial" pitchFamily="34" charset="0"/>
+            </a:endParaRPr>
+          </a:p>
+          <a:p>
+            <a:r>
+              <a:rPr lang="en-US" sz="1100" dirty="0">
+                <a:latin typeface="Verdana" pitchFamily="34" charset="0"/>
+                <a:cs typeface="Arial" pitchFamily="34" charset="0"/>
+              </a:rPr>
+              <a:t> </a:t>
+            </a:r>
+          </a:p>
+          <a:p>
+            <a:r>
+              <a:rPr lang="en-US" sz="1100" dirty="0">
+                <a:latin typeface="Verdana" pitchFamily="34" charset="0"/>
+                <a:cs typeface="Arial" pitchFamily="34" charset="0"/>
+              </a:rPr>
+              <a:t> </a:t>
+            </a:r>
+          </a:p>
+          <a:p>
+            <a:pPr lvl="0"/>
+            <a:endParaRPr lang="en-US" sz="1100" dirty="0">
+              <a:latin typeface="Verdana" pitchFamily="34" charset="0"/>
+              <a:cs typeface="Arial" pitchFamily="34" charset="0"/>
+            </a:endParaRPr>
+          </a:p>
+        </p:txBody>
+      </p:sp>
+    </p:spTree>
+    <p:extLst>
+      <p:ext uri="{BB962C8B-B14F-4D97-AF65-F5344CB8AC3E}">
+        <p14:creationId xmlns:p14="http://schemas.microsoft.com/office/powerpoint/2010/main" val="669154445"/>
+      </p:ext>
+    </p:extLst>
+  </p:cSld>
+  <p:clrMapOvr>
+    <a:masterClrMapping/>
+  </p:clrMapOvr>
+</p:notes>
+</file>
+
+<file path=ppt/notesSlides/notesSlide4.xml><?xml version="1.0" encoding="utf-8"?>
+<p:notes xmlns:a="http://schemas.openxmlformats.org/drawingml/2006/main" xmlns:r="http://schemas.openxmlformats.org/officeDocument/2006/relationships" xmlns:p="http://schemas.openxmlformats.org/presentationml/2006/main">
+  <p:cSld>
+    <p:spTree>
+      <p:nvGrpSpPr>
+        <p:cNvPr id="1" name=""/>
+        <p:cNvGrpSpPr/>
+        <p:nvPr/>
+      </p:nvGrpSpPr>
+      <p:grpSpPr>
+        <a:xfrm>
+          <a:off x="0" y="0"/>
+          <a:ext cx="0" cy="0"/>
+          <a:chOff x="0" y="0"/>
+          <a:chExt cx="0" cy="0"/>
+        </a:xfrm>
+      </p:grpSpPr>
+      <p:sp>
+        <p:nvSpPr>
+          <p:cNvPr id="2" name="Slide Image Placeholder 1"/>
+          <p:cNvSpPr>
+            <a:spLocks noGrp="1" noRot="1" noChangeAspect="1"/>
+          </p:cNvSpPr>
+          <p:nvPr>
+            <p:ph type="sldImg"/>
+          </p:nvPr>
+        </p:nvSpPr>
+        <p:spPr>
+          <a:xfrm>
+            <a:off x="381000" y="685800"/>
+            <a:ext cx="6096000" cy="3429000"/>
+          </a:xfrm>
+        </p:spPr>
+      </p:sp>
+      <p:sp>
+        <p:nvSpPr>
+          <p:cNvPr id="3" name="Notes Placeholder 2"/>
+          <p:cNvSpPr>
+            <a:spLocks noGrp="1"/>
+          </p:cNvSpPr>
+          <p:nvPr>
+            <p:ph type="body" idx="1"/>
+          </p:nvPr>
+        </p:nvSpPr>
+        <p:spPr/>
+        <p:txBody>
+          <a:bodyPr>
+            <a:normAutofit fontScale="85000" lnSpcReduction="10000"/>
+          </a:bodyPr>
+          <a:lstStyle/>
+          <a:p>
+            <a:r>
+              <a:rPr lang="en-US" dirty="0" smtClean="0"/>
+              <a:t>Read case study here (note: this is a </a:t>
+            </a:r>
+            <a:r>
+              <a:rPr lang="en-US" dirty="0" err="1" smtClean="0"/>
+              <a:t>GemFire</a:t>
+            </a:r>
+            <a:r>
+              <a:rPr lang="en-US" dirty="0" smtClean="0"/>
+              <a:t> customer story):</a:t>
+            </a:r>
+          </a:p>
+          <a:p>
+            <a:pPr defTabSz="905713">
+              <a:spcBef>
+                <a:spcPts val="1189"/>
+              </a:spcBef>
+              <a:defRPr/>
+            </a:pPr>
+            <a:r>
+              <a:rPr lang="en-US" dirty="0" smtClean="0"/>
+              <a:t>http://</a:t>
+            </a:r>
+            <a:r>
+              <a:rPr lang="en-US" dirty="0" err="1" smtClean="0"/>
+              <a:t>www.pivotal.io</a:t>
+            </a:r>
+            <a:r>
+              <a:rPr lang="en-US" dirty="0" smtClean="0"/>
+              <a:t>/sites/default/files/Pivotal_vFabric_CS_Newedge_061213__0.pdf</a:t>
+            </a:r>
+          </a:p>
+          <a:p>
+            <a:pPr defTabSz="905713">
+              <a:spcBef>
+                <a:spcPts val="1189"/>
+              </a:spcBef>
+              <a:defRPr/>
+            </a:pPr>
+            <a:endParaRPr lang="en-US" dirty="0" smtClean="0"/>
+          </a:p>
+          <a:p>
+            <a:pPr defTabSz="905713">
+              <a:spcBef>
+                <a:spcPts val="1189"/>
+              </a:spcBef>
+              <a:defRPr/>
+            </a:pPr>
+            <a:r>
+              <a:rPr lang="en-US" dirty="0" smtClean="0"/>
+              <a:t>Quote:</a:t>
+            </a:r>
+          </a:p>
+          <a:p>
+            <a:pPr defTabSz="905713">
+              <a:spcBef>
+                <a:spcPts val="1189"/>
+              </a:spcBef>
+              <a:defRPr/>
+            </a:pPr>
+            <a:r>
+              <a:rPr lang="en-US" sz="1100" dirty="0">
+                <a:latin typeface="Verdana" pitchFamily="34" charset="0"/>
+                <a:cs typeface="Arial" pitchFamily="34" charset="0"/>
+              </a:rPr>
+              <a:t>Group CIO, Alain </a:t>
+            </a:r>
+            <a:r>
+              <a:rPr lang="en-US" sz="1100" dirty="0" err="1">
+                <a:latin typeface="Verdana" pitchFamily="34" charset="0"/>
+                <a:cs typeface="Arial" pitchFamily="34" charset="0"/>
+              </a:rPr>
+              <a:t>Courbebaisse</a:t>
+            </a:r>
+            <a:r>
+              <a:rPr lang="en-US" sz="1100" dirty="0">
+                <a:latin typeface="Verdana" pitchFamily="34" charset="0"/>
+                <a:cs typeface="Arial" pitchFamily="34" charset="0"/>
+              </a:rPr>
+              <a:t>, says, “We have successfully implemented the most advanced post-trading platform of the clearing industry.” </a:t>
+            </a:r>
+          </a:p>
+          <a:p>
+            <a:pPr defTabSz="905713">
+              <a:spcBef>
+                <a:spcPts val="1189"/>
+              </a:spcBef>
+              <a:defRPr/>
+            </a:pPr>
+            <a:endParaRPr lang="en-US" sz="1100" dirty="0">
+              <a:latin typeface="Verdana" pitchFamily="34" charset="0"/>
+              <a:cs typeface="Arial" pitchFamily="34" charset="0"/>
+            </a:endParaRPr>
+          </a:p>
+          <a:p>
+            <a:r>
+              <a:rPr lang="en-US" sz="1100" dirty="0">
+                <a:latin typeface="Verdana" pitchFamily="34" charset="0"/>
+                <a:cs typeface="Arial" pitchFamily="34" charset="0"/>
+              </a:rPr>
+              <a:t>As well as the strategic alignment, the </a:t>
+            </a:r>
+            <a:r>
+              <a:rPr lang="en-US" sz="1100" dirty="0" err="1">
+                <a:latin typeface="Verdana" pitchFamily="34" charset="0"/>
+                <a:cs typeface="Arial" pitchFamily="34" charset="0"/>
+              </a:rPr>
+              <a:t>NVision</a:t>
+            </a:r>
+            <a:r>
+              <a:rPr lang="en-US" sz="1100" dirty="0">
+                <a:latin typeface="Verdana" pitchFamily="34" charset="0"/>
+                <a:cs typeface="Arial" pitchFamily="34" charset="0"/>
+              </a:rPr>
+              <a:t> program resulted in a number of further, more tangible objectives being met: </a:t>
+            </a:r>
+            <a:endParaRPr lang="en-US" dirty="0" smtClean="0">
+              <a:effectLst/>
+            </a:endParaRPr>
+          </a:p>
+          <a:p>
+            <a:pPr lvl="1" fontAlgn="auto"/>
+            <a:r>
+              <a:rPr lang="en-US" sz="1100" dirty="0">
+                <a:latin typeface="Verdana" pitchFamily="34" charset="0"/>
+                <a:cs typeface="Arial" pitchFamily="34" charset="0"/>
+              </a:rPr>
+              <a:t>Support for higher clearing volumes and create a platform that is horizontally scalable as more markets are connected to it </a:t>
+            </a:r>
+            <a:endParaRPr lang="en-US" sz="1000" dirty="0">
+              <a:latin typeface="Verdana" pitchFamily="34" charset="0"/>
+              <a:cs typeface="Arial" pitchFamily="34" charset="0"/>
+            </a:endParaRPr>
+          </a:p>
+          <a:p>
+            <a:pPr lvl="1" fontAlgn="auto"/>
+            <a:r>
+              <a:rPr lang="en-US" sz="1100" dirty="0">
+                <a:latin typeface="Verdana" pitchFamily="34" charset="0"/>
+                <a:cs typeface="Arial" pitchFamily="34" charset="0"/>
+              </a:rPr>
+              <a:t>Reduced time to market for new market adapters </a:t>
+            </a:r>
+            <a:endParaRPr lang="en-US" sz="1000" dirty="0">
+              <a:latin typeface="Verdana" pitchFamily="34" charset="0"/>
+              <a:cs typeface="Arial" pitchFamily="34" charset="0"/>
+            </a:endParaRPr>
+          </a:p>
+          <a:p>
+            <a:pPr lvl="1" fontAlgn="auto"/>
+            <a:r>
+              <a:rPr lang="en-US" sz="1100" dirty="0">
+                <a:latin typeface="Verdana" pitchFamily="34" charset="0"/>
+                <a:cs typeface="Arial" pitchFamily="34" charset="0"/>
+              </a:rPr>
+              <a:t>Global cache provides single version of the truth and removes synchronization issues created by latency sensitive global flows </a:t>
+            </a:r>
+            <a:endParaRPr lang="en-US" sz="1000" dirty="0">
+              <a:latin typeface="Verdana" pitchFamily="34" charset="0"/>
+              <a:cs typeface="Arial" pitchFamily="34" charset="0"/>
+            </a:endParaRPr>
+          </a:p>
+          <a:p>
+            <a:pPr lvl="1" fontAlgn="auto"/>
+            <a:r>
+              <a:rPr lang="en-US" sz="1100" dirty="0">
+                <a:latin typeface="Verdana" pitchFamily="34" charset="0"/>
+                <a:cs typeface="Arial" pitchFamily="34" charset="0"/>
+              </a:rPr>
+              <a:t>Creation of a globally consistent trade flow across regions and exchanges, serving the derivative and equity business seamlessly </a:t>
+            </a:r>
+            <a:endParaRPr lang="en-US" sz="1000" dirty="0">
+              <a:latin typeface="Verdana" pitchFamily="34" charset="0"/>
+              <a:cs typeface="Arial" pitchFamily="34" charset="0"/>
+            </a:endParaRPr>
+          </a:p>
+          <a:p>
+            <a:pPr defTabSz="905713">
+              <a:spcBef>
+                <a:spcPts val="1189"/>
+              </a:spcBef>
+              <a:defRPr/>
+            </a:pPr>
+            <a:endParaRPr lang="en-US" sz="1100" dirty="0">
+              <a:latin typeface="Verdana" pitchFamily="34" charset="0"/>
+              <a:cs typeface="Arial" pitchFamily="34" charset="0"/>
+            </a:endParaRPr>
+          </a:p>
+          <a:p>
+            <a:pPr defTabSz="905713">
+              <a:spcBef>
+                <a:spcPts val="1189"/>
+              </a:spcBef>
+              <a:defRPr/>
+            </a:pPr>
+            <a:endParaRPr lang="en-US" sz="1100" dirty="0">
+              <a:latin typeface="Verdana" pitchFamily="34" charset="0"/>
+              <a:cs typeface="Arial" pitchFamily="34" charset="0"/>
+            </a:endParaRPr>
+          </a:p>
+          <a:p>
+            <a:r>
+              <a:rPr lang="en-US" sz="1100" dirty="0">
+                <a:latin typeface="Verdana" pitchFamily="34" charset="0"/>
+                <a:cs typeface="Arial" pitchFamily="34" charset="0"/>
+              </a:rPr>
+              <a:t>SIGNIFICANT IMPROVEMENT IN CLIENT ON-BOARDING TIME AND CLIENT SERVICE </a:t>
+            </a:r>
+            <a:endParaRPr lang="en-US" dirty="0" smtClean="0">
+              <a:effectLst/>
+            </a:endParaRPr>
+          </a:p>
+          <a:p>
+            <a:pPr lvl="1" fontAlgn="auto"/>
+            <a:r>
+              <a:rPr lang="en-US" sz="1100" dirty="0">
+                <a:latin typeface="Verdana" pitchFamily="34" charset="0"/>
+                <a:cs typeface="Arial" pitchFamily="34" charset="0"/>
+              </a:rPr>
+              <a:t>Faster resolution window (investigate, resolve and re-submit) </a:t>
+            </a:r>
+            <a:endParaRPr lang="en-US" sz="1000" dirty="0">
+              <a:latin typeface="Verdana" pitchFamily="34" charset="0"/>
+              <a:cs typeface="Arial" pitchFamily="34" charset="0"/>
+            </a:endParaRPr>
+          </a:p>
+          <a:p>
+            <a:pPr lvl="1" fontAlgn="auto"/>
+            <a:r>
+              <a:rPr lang="en-US" sz="1100" dirty="0">
+                <a:latin typeface="Verdana" pitchFamily="34" charset="0"/>
+                <a:cs typeface="Arial" pitchFamily="34" charset="0"/>
+              </a:rPr>
+              <a:t>Able to resolve reference data issues once and propagate out </a:t>
+            </a:r>
+            <a:endParaRPr lang="en-US" sz="1000" dirty="0">
+              <a:latin typeface="Verdana" pitchFamily="34" charset="0"/>
+              <a:cs typeface="Arial" pitchFamily="34" charset="0"/>
+            </a:endParaRPr>
+          </a:p>
+          <a:p>
+            <a:pPr lvl="1" fontAlgn="auto"/>
+            <a:r>
+              <a:rPr lang="en-US" sz="1100" dirty="0">
+                <a:latin typeface="Verdana" pitchFamily="34" charset="0"/>
+                <a:cs typeface="Arial" pitchFamily="34" charset="0"/>
+              </a:rPr>
+              <a:t>Replay capability removes manual re-keying </a:t>
+            </a:r>
+          </a:p>
+          <a:p>
+            <a:pPr lvl="1" fontAlgn="auto"/>
+            <a:endParaRPr lang="en-US" sz="1100" dirty="0">
+              <a:latin typeface="Verdana" pitchFamily="34" charset="0"/>
+              <a:cs typeface="Arial" pitchFamily="34" charset="0"/>
+            </a:endParaRPr>
+          </a:p>
+          <a:p>
+            <a:pPr lvl="1" fontAlgn="auto"/>
+            <a:endParaRPr lang="en-US" sz="1000" dirty="0">
+              <a:latin typeface="Verdana" pitchFamily="34" charset="0"/>
+              <a:cs typeface="Arial" pitchFamily="34" charset="0"/>
+            </a:endParaRPr>
+          </a:p>
+          <a:p>
+            <a:pPr defTabSz="905713">
+              <a:spcBef>
+                <a:spcPts val="1189"/>
+              </a:spcBef>
+              <a:defRPr/>
+            </a:pPr>
+            <a:r>
+              <a:rPr lang="en-US" dirty="0" err="1" smtClean="0"/>
+              <a:t>Thikn</a:t>
+            </a:r>
+            <a:r>
+              <a:rPr lang="en-US" dirty="0" smtClean="0"/>
+              <a:t> about this – a trading platform.  Operating</a:t>
+            </a:r>
+            <a:r>
+              <a:rPr lang="en-US" baseline="0" dirty="0" smtClean="0"/>
+              <a:t> in markets all over the world.  A few things:</a:t>
+            </a:r>
+          </a:p>
+          <a:p>
+            <a:pPr marL="226428" indent="-226428" defTabSz="905713">
+              <a:spcBef>
+                <a:spcPts val="1189"/>
+              </a:spcBef>
+              <a:buFont typeface="Arial" pitchFamily="34" charset="0"/>
+              <a:buAutoNum type="arabicPeriod"/>
+              <a:defRPr/>
+            </a:pPr>
+            <a:r>
+              <a:rPr lang="en-US" baseline="0" dirty="0" smtClean="0"/>
+              <a:t>These have to be FAST to minimize risk – trades need to be executed as much as they can be in real time in order to make sure that the actual price was as close to the agreed to price as possible.  The longer the delay, the more the possibility of drift between these prices, and the more risk is introduced.</a:t>
+            </a:r>
+          </a:p>
+          <a:p>
+            <a:pPr marL="226428" indent="-226428" defTabSz="905713">
+              <a:spcBef>
+                <a:spcPts val="1189"/>
+              </a:spcBef>
+              <a:buFont typeface="Arial" pitchFamily="34" charset="0"/>
+              <a:buAutoNum type="arabicPeriod"/>
+              <a:defRPr/>
+            </a:pPr>
+            <a:r>
+              <a:rPr lang="en-US" baseline="0" dirty="0" smtClean="0"/>
+              <a:t>The data must be consistent.</a:t>
+            </a:r>
+          </a:p>
+          <a:p>
+            <a:pPr marL="226428" indent="-226428" defTabSz="905713">
+              <a:spcBef>
+                <a:spcPts val="1189"/>
+              </a:spcBef>
+              <a:buFont typeface="Arial" pitchFamily="34" charset="0"/>
+              <a:buAutoNum type="arabicPeriod"/>
+              <a:defRPr/>
+            </a:pPr>
+            <a:endParaRPr lang="en-US" baseline="0" dirty="0" smtClean="0"/>
+          </a:p>
+          <a:p>
+            <a:pPr defTabSz="905713">
+              <a:spcBef>
+                <a:spcPts val="1189"/>
+              </a:spcBef>
+              <a:defRPr/>
+            </a:pPr>
+            <a:r>
+              <a:rPr lang="en-US" baseline="0" dirty="0" err="1" smtClean="0"/>
+              <a:t>GemFire</a:t>
+            </a:r>
+            <a:r>
+              <a:rPr lang="en-US" baseline="0" dirty="0" smtClean="0"/>
+              <a:t> and </a:t>
+            </a:r>
+            <a:r>
+              <a:rPr lang="en-US" baseline="0" dirty="0" err="1" smtClean="0"/>
+              <a:t>GemFire</a:t>
+            </a:r>
+            <a:r>
+              <a:rPr lang="en-US" baseline="0" dirty="0" smtClean="0"/>
+              <a:t> XD provides</a:t>
+            </a:r>
+          </a:p>
+          <a:p>
+            <a:pPr marL="226428" indent="-226428" defTabSz="905713">
+              <a:spcBef>
+                <a:spcPts val="1189"/>
+              </a:spcBef>
+              <a:buFont typeface="Arial" pitchFamily="34" charset="0"/>
+              <a:buAutoNum type="arabicPeriod"/>
+              <a:defRPr/>
+            </a:pPr>
+            <a:r>
+              <a:rPr lang="en-US" baseline="0" dirty="0" smtClean="0"/>
+              <a:t>Performance optimized persistence – “first line persistence” can be to other nodes in memory, making the speed of persistence as fast as the network will allow it to be.  Disk can still be used for long term storage, but your transaction in </a:t>
+            </a:r>
+            <a:r>
+              <a:rPr lang="en-US" baseline="0" dirty="0" err="1" smtClean="0"/>
+              <a:t>GemFire</a:t>
+            </a:r>
+            <a:r>
+              <a:rPr lang="en-US" baseline="0" dirty="0" smtClean="0"/>
+              <a:t> is ACID compliant in memory.  This takes disk i/o out of the critical path of the transaction, but still allows it to take place.</a:t>
+            </a:r>
+          </a:p>
+          <a:p>
+            <a:pPr marL="226428" indent="-226428" defTabSz="905713">
+              <a:spcBef>
+                <a:spcPts val="1189"/>
+              </a:spcBef>
+              <a:buFont typeface="Arial" pitchFamily="34" charset="0"/>
+              <a:buAutoNum type="arabicPeriod"/>
+              <a:defRPr/>
+            </a:pPr>
+            <a:r>
+              <a:rPr lang="en-US" baseline="0" dirty="0" smtClean="0"/>
+              <a:t>Consistency can be configured to meet your performance and data requirements.  If you care less about accuracy and more about response time, you can configure data sets to those characteristics.</a:t>
+            </a:r>
+          </a:p>
+          <a:p>
+            <a:r>
+              <a:rPr lang="en-US" baseline="0" dirty="0" smtClean="0"/>
+              <a:t>Distributed queries and regional functions – as queries and function calls are sent to the grid, their path is optimized as much as possible.  What this means is that when queries or functions are sent to the grid, they are sent in parallel, and they are optimized to route directly to nodes that hold the data.  When you query the grid or execute functions on it, you can be assured that your client will get a consistent overall view of the data.  Queries and logic are distributed for optimal performance, but always lean towards consistency.</a:t>
+            </a:r>
+          </a:p>
+          <a:p>
+            <a:pPr marL="226428" indent="-226428" defTabSz="905713">
+              <a:spcBef>
+                <a:spcPts val="1189"/>
+              </a:spcBef>
+              <a:buFont typeface="Arial" pitchFamily="34" charset="0"/>
+              <a:buAutoNum type="arabicPeriod"/>
+              <a:defRPr/>
+            </a:pPr>
+            <a:endParaRPr lang="en-US" baseline="0" dirty="0" smtClean="0"/>
+          </a:p>
+          <a:p>
+            <a:pPr marL="226428" indent="-226428" defTabSz="905713">
+              <a:spcBef>
+                <a:spcPts val="1189"/>
+              </a:spcBef>
+              <a:buFont typeface="Arial" pitchFamily="34" charset="0"/>
+              <a:buAutoNum type="arabicPeriod"/>
+              <a:defRPr/>
+            </a:pPr>
+            <a:r>
+              <a:rPr lang="en-US" baseline="0" dirty="0" smtClean="0"/>
+              <a:t>Indexing, triggers and event notifications are provided to react in real time to data as it is coming into the system</a:t>
+            </a:r>
+          </a:p>
+          <a:p>
+            <a:endParaRPr lang="en-US" baseline="0" dirty="0" smtClean="0"/>
+          </a:p>
+          <a:p>
+            <a:endParaRPr lang="en-US" baseline="0" dirty="0" smtClean="0"/>
+          </a:p>
+          <a:p>
+            <a:r>
+              <a:rPr lang="en-US" baseline="0" dirty="0" smtClean="0"/>
+              <a:t>Data can also be configured to propagate to other geographically dispersed clusters, to allow you to operate on the data as close to the “action as possible” – minimize the distance data has to travel.</a:t>
+            </a:r>
+          </a:p>
+          <a:p>
+            <a:pPr defTabSz="905713">
+              <a:spcBef>
+                <a:spcPts val="1189"/>
+              </a:spcBef>
+              <a:defRPr/>
+            </a:pPr>
+            <a:endParaRPr lang="en-US" dirty="0" smtClean="0"/>
+          </a:p>
+          <a:p>
+            <a:r>
+              <a:rPr lang="en-US" dirty="0" smtClean="0"/>
+              <a:t>---------</a:t>
+            </a:r>
+          </a:p>
+          <a:p>
+            <a:endParaRPr lang="en-US" dirty="0" smtClean="0"/>
+          </a:p>
+          <a:p>
+            <a:r>
+              <a:rPr lang="en-US" dirty="0" smtClean="0"/>
+              <a:t>We support persistence and make sure updates are consistent. We use replication for higher performance </a:t>
+            </a:r>
+            <a:r>
+              <a:rPr lang="en-US" dirty="0" err="1" smtClean="0"/>
+              <a:t>GemFire</a:t>
+            </a:r>
+            <a:r>
+              <a:rPr lang="en-US" dirty="0" smtClean="0"/>
+              <a:t> uses the concept of having redundant copies in memory to make the data more available.  What</a:t>
+            </a:r>
+            <a:r>
+              <a:rPr lang="en-US" baseline="0" dirty="0" smtClean="0"/>
+              <a:t> this means, is that instead of writing the data to disk to persist it, I will write it to one or more other nodes.  If I am doing this on a reasonably fast network, I can “persist” the data in less than 1 </a:t>
+            </a:r>
+            <a:r>
+              <a:rPr lang="en-US" baseline="0" dirty="0" err="1" smtClean="0"/>
+              <a:t>ms.</a:t>
+            </a:r>
+            <a:r>
+              <a:rPr lang="en-US" baseline="0" dirty="0" smtClean="0"/>
+              <a:t>  Data can be configured to write to local attached disk (shared nothing) or some other data source at the appropriate time via a rich event framework</a:t>
+            </a:r>
+          </a:p>
+          <a:p>
+            <a:r>
+              <a:rPr lang="en-US" baseline="0" dirty="0" smtClean="0"/>
+              <a:t>Data can also be configured to propagate to other geographically dispersed clusters, to allow you to operate on the data as close to the “action as possible” – minimize the distance data has to travel.</a:t>
+            </a:r>
+          </a:p>
+          <a:p>
+            <a:endParaRPr lang="en-US" baseline="0" dirty="0" smtClean="0"/>
+          </a:p>
+          <a:p>
+            <a:endParaRPr lang="en-US" baseline="0" dirty="0" smtClean="0"/>
+          </a:p>
+        </p:txBody>
+      </p:sp>
+    </p:spTree>
+    <p:extLst>
+      <p:ext uri="{BB962C8B-B14F-4D97-AF65-F5344CB8AC3E}">
+        <p14:creationId xmlns:p14="http://schemas.microsoft.com/office/powerpoint/2010/main" val="4224429546"/>
+      </p:ext>
+    </p:extLst>
+  </p:cSld>
+  <p:clrMapOvr>
+    <a:masterClrMapping/>
+  </p:clrMapOvr>
+</p:notes>
+</file>
+
+<file path=ppt/notesSlides/notesSlide5.xml><?xml version="1.0" encoding="utf-8"?>
+<p:notes xmlns:a="http://schemas.openxmlformats.org/drawingml/2006/main" xmlns:r="http://schemas.openxmlformats.org/officeDocument/2006/relationships" xmlns:p="http://schemas.openxmlformats.org/presentationml/2006/main">
+  <p:cSld>
+    <p:spTree>
+      <p:nvGrpSpPr>
+        <p:cNvPr id="1" name=""/>
+        <p:cNvGrpSpPr/>
+        <p:nvPr/>
+      </p:nvGrpSpPr>
+      <p:grpSpPr>
+        <a:xfrm>
+          <a:off x="0" y="0"/>
+          <a:ext cx="0" cy="0"/>
+          <a:chOff x="0" y="0"/>
+          <a:chExt cx="0" cy="0"/>
+        </a:xfrm>
+      </p:grpSpPr>
+      <p:sp>
+        <p:nvSpPr>
+          <p:cNvPr id="2" name="Slide Image Placeholder 1"/>
+          <p:cNvSpPr>
+            <a:spLocks noGrp="1" noRot="1" noChangeAspect="1"/>
+          </p:cNvSpPr>
+          <p:nvPr>
+            <p:ph type="sldImg"/>
+          </p:nvPr>
+        </p:nvSpPr>
+        <p:spPr>
+          <a:xfrm>
+            <a:off x="381000" y="685800"/>
+            <a:ext cx="6096000" cy="3429000"/>
+          </a:xfrm>
+        </p:spPr>
+      </p:sp>
+      <p:sp>
+        <p:nvSpPr>
+          <p:cNvPr id="3" name="Notes Placeholder 2"/>
+          <p:cNvSpPr>
+            <a:spLocks noGrp="1"/>
+          </p:cNvSpPr>
+          <p:nvPr>
+            <p:ph type="body" idx="1"/>
+          </p:nvPr>
+        </p:nvSpPr>
+        <p:spPr/>
+        <p:txBody>
+          <a:bodyPr>
+            <a:normAutofit lnSpcReduction="10000"/>
+          </a:bodyPr>
+          <a:lstStyle/>
+          <a:p>
+            <a:r>
+              <a:rPr lang="en-US" sz="1100" dirty="0">
+                <a:latin typeface="Verdana" pitchFamily="34" charset="0"/>
+                <a:cs typeface="Arial" pitchFamily="34" charset="0"/>
+              </a:rPr>
+              <a:t>Read case study here (Note this is a </a:t>
+            </a:r>
+            <a:r>
+              <a:rPr lang="en-US" sz="1100" dirty="0" err="1">
+                <a:latin typeface="Verdana" pitchFamily="34" charset="0"/>
+                <a:cs typeface="Arial" pitchFamily="34" charset="0"/>
+              </a:rPr>
+              <a:t>GemFire</a:t>
+            </a:r>
+            <a:r>
+              <a:rPr lang="en-US" sz="1100" dirty="0">
+                <a:latin typeface="Verdana" pitchFamily="34" charset="0"/>
+                <a:cs typeface="Arial" pitchFamily="34" charset="0"/>
+              </a:rPr>
+              <a:t> customer story):</a:t>
+            </a:r>
+          </a:p>
+          <a:p>
+            <a:r>
+              <a:rPr lang="en-US" baseline="0" dirty="0" smtClean="0"/>
+              <a:t>http://</a:t>
+            </a:r>
+            <a:r>
+              <a:rPr lang="en-US" baseline="0" dirty="0" err="1" smtClean="0"/>
+              <a:t>blog.pivotal.io</a:t>
+            </a:r>
+            <a:r>
+              <a:rPr lang="en-US" baseline="0" dirty="0" smtClean="0"/>
+              <a:t>/pivotal/case-studies-2/how-argentina-pays-its-bills-19-million-cash-transactions-a-month-on-unreliable-networks-with-pivotal-gemfire-and-spring</a:t>
+            </a:r>
+          </a:p>
+          <a:p>
+            <a:endParaRPr lang="en-US" baseline="0" dirty="0" smtClean="0"/>
+          </a:p>
+          <a:p>
+            <a:r>
+              <a:rPr lang="en-US" baseline="0" dirty="0" smtClean="0"/>
+              <a:t>(</a:t>
+            </a:r>
+            <a:r>
+              <a:rPr lang="en-US" baseline="0" dirty="0" err="1" smtClean="0"/>
+              <a:t>Rapipago</a:t>
+            </a:r>
+            <a:r>
+              <a:rPr lang="en-US" baseline="0" dirty="0" smtClean="0"/>
+              <a:t> is their most well known brand)</a:t>
+            </a:r>
+          </a:p>
+          <a:p>
+            <a:endParaRPr lang="en-US" baseline="0" dirty="0" smtClean="0"/>
+          </a:p>
+          <a:p>
+            <a:r>
+              <a:rPr lang="en-US" sz="1100" dirty="0">
+                <a:latin typeface="Verdana" pitchFamily="34" charset="0"/>
+                <a:cs typeface="Arial" pitchFamily="34" charset="0"/>
+              </a:rPr>
+              <a:t>With over 2,600 branches, 4,000 kiosk-based points of sale, and a huge call center, </a:t>
+            </a:r>
+            <a:r>
+              <a:rPr lang="en-US" sz="1100" dirty="0" err="1">
+                <a:latin typeface="Verdana" pitchFamily="34" charset="0"/>
+                <a:cs typeface="Arial" pitchFamily="34" charset="0"/>
+              </a:rPr>
+              <a:t>Rapipago</a:t>
+            </a:r>
+            <a:r>
+              <a:rPr lang="en-US" sz="1100" dirty="0">
+                <a:latin typeface="Verdana" pitchFamily="34" charset="0"/>
+                <a:cs typeface="Arial" pitchFamily="34" charset="0"/>
+              </a:rPr>
+              <a:t> is part of GIRE’s business of providing billing, collection, payment, and transaction processing services.</a:t>
+            </a:r>
+          </a:p>
+          <a:p>
+            <a:r>
+              <a:rPr lang="en-US" sz="1100" dirty="0">
+                <a:latin typeface="Verdana" pitchFamily="34" charset="0"/>
+                <a:cs typeface="Arial" pitchFamily="34" charset="0"/>
+              </a:rPr>
+              <a:t>To put it simply, consumers visit our locations to pay their bills. </a:t>
+            </a:r>
+            <a:r>
+              <a:rPr lang="en-US" sz="1100" dirty="0" err="1">
+                <a:latin typeface="Verdana" pitchFamily="34" charset="0"/>
+                <a:cs typeface="Arial" pitchFamily="34" charset="0"/>
+              </a:rPr>
+              <a:t>Rapipago</a:t>
+            </a:r>
+            <a:r>
+              <a:rPr lang="en-US" sz="1100" dirty="0">
+                <a:latin typeface="Verdana" pitchFamily="34" charset="0"/>
+                <a:cs typeface="Arial" pitchFamily="34" charset="0"/>
+              </a:rPr>
+              <a:t> supports payments between 1200+ companies and their consumers—around 19 million transactions per month. </a:t>
+            </a:r>
+            <a:r>
+              <a:rPr lang="en-US" sz="1100" dirty="0" err="1">
+                <a:latin typeface="Verdana" pitchFamily="34" charset="0"/>
+                <a:cs typeface="Arial" pitchFamily="34" charset="0"/>
+              </a:rPr>
+              <a:t>Rapipago’s</a:t>
+            </a:r>
+            <a:r>
+              <a:rPr lang="en-US" sz="1100" dirty="0">
+                <a:latin typeface="Verdana" pitchFamily="34" charset="0"/>
+                <a:cs typeface="Arial" pitchFamily="34" charset="0"/>
+              </a:rPr>
+              <a:t> card, check, and cash-based transactions ultimately collect money on behalf of cell phone companies, automotive, banking, energy, gas, water, insurance, cable, credit cards, schools, municipalities, tourism operators, and more.</a:t>
+            </a:r>
+          </a:p>
+          <a:p>
+            <a:endParaRPr lang="en-US" sz="1100" dirty="0">
+              <a:latin typeface="Verdana" pitchFamily="34" charset="0"/>
+              <a:cs typeface="Arial" pitchFamily="34" charset="0"/>
+            </a:endParaRPr>
+          </a:p>
+          <a:p>
+            <a:r>
+              <a:rPr lang="en-US" sz="1100" dirty="0">
+                <a:latin typeface="Verdana" pitchFamily="34" charset="0"/>
+                <a:cs typeface="Arial" pitchFamily="34" charset="0"/>
+              </a:rPr>
+              <a:t>The biggest problem </a:t>
+            </a:r>
+            <a:r>
+              <a:rPr lang="en-US" sz="1100" dirty="0" err="1">
+                <a:latin typeface="Verdana" pitchFamily="34" charset="0"/>
+                <a:cs typeface="Arial" pitchFamily="34" charset="0"/>
+              </a:rPr>
+              <a:t>GemFire</a:t>
+            </a:r>
+            <a:r>
+              <a:rPr lang="en-US" sz="1100" dirty="0">
+                <a:latin typeface="Verdana" pitchFamily="34" charset="0"/>
+                <a:cs typeface="Arial" pitchFamily="34" charset="0"/>
+              </a:rPr>
+              <a:t> has helped us solve has to do with unreliable network connectivity. This limited our ability to report on the business operations and take certain actions. In our network, we collect money from 6 AM until 9 PM, depending on the region. Before </a:t>
+            </a:r>
+            <a:r>
+              <a:rPr lang="en-US" sz="1100" dirty="0" err="1">
+                <a:latin typeface="Verdana" pitchFamily="34" charset="0"/>
+                <a:cs typeface="Arial" pitchFamily="34" charset="0"/>
+              </a:rPr>
+              <a:t>GemFire</a:t>
+            </a:r>
+            <a:r>
+              <a:rPr lang="en-US" sz="1100" dirty="0">
+                <a:latin typeface="Verdana" pitchFamily="34" charset="0"/>
+                <a:cs typeface="Arial" pitchFamily="34" charset="0"/>
+              </a:rPr>
+              <a:t>, we had to wait until the next day to have visibility into how our network is collecting money. The previous system would process batch files each night. Our management team could only see transactions after a day’s time passed. In addition, many locations have unreliable network connections that make it harder to get a current view of the information.</a:t>
+            </a:r>
+          </a:p>
+          <a:p>
+            <a:r>
+              <a:rPr lang="en-US" sz="1100" dirty="0">
+                <a:latin typeface="Verdana" pitchFamily="34" charset="0"/>
+                <a:cs typeface="Arial" pitchFamily="34" charset="0"/>
+              </a:rPr>
+              <a:t>With </a:t>
+            </a:r>
+            <a:r>
+              <a:rPr lang="en-US" sz="1100" dirty="0" err="1">
+                <a:latin typeface="Verdana" pitchFamily="34" charset="0"/>
+                <a:cs typeface="Arial" pitchFamily="34" charset="0"/>
+              </a:rPr>
+              <a:t>GemFire</a:t>
+            </a:r>
+            <a:r>
+              <a:rPr lang="en-US" sz="1100" dirty="0">
+                <a:latin typeface="Verdana" pitchFamily="34" charset="0"/>
+                <a:cs typeface="Arial" pitchFamily="34" charset="0"/>
+              </a:rPr>
+              <a:t>, we can see the information in real-time, even if there is an unreliable network. The data is synced 24 x 7 as the network allows. Now, we have a much more accurate view of the cash at each location. From an operations perspective, having a better picture of each payment point throughout the day means we can now decide to do things like send an armed vehicle to take cash off the street when large sums of money start to accumulate.</a:t>
+            </a:r>
+          </a:p>
+          <a:p>
+            <a:endParaRPr lang="en-US" sz="1100" dirty="0">
+              <a:latin typeface="Verdana" pitchFamily="34" charset="0"/>
+              <a:cs typeface="Arial" pitchFamily="34" charset="0"/>
+            </a:endParaRPr>
+          </a:p>
+          <a:p>
+            <a:r>
+              <a:rPr lang="en-US" sz="1100" dirty="0">
+                <a:latin typeface="Verdana" pitchFamily="34" charset="0"/>
+                <a:cs typeface="Arial" pitchFamily="34" charset="0"/>
+              </a:rPr>
+              <a:t>In each Kiosk, transactions are captured in a local </a:t>
+            </a:r>
+            <a:r>
+              <a:rPr lang="en-US" sz="1100" dirty="0" err="1">
+                <a:latin typeface="Verdana" pitchFamily="34" charset="0"/>
+                <a:cs typeface="Arial" pitchFamily="34" charset="0"/>
+              </a:rPr>
+              <a:t>GemFire</a:t>
+            </a:r>
+            <a:r>
+              <a:rPr lang="en-US" sz="1100" dirty="0">
+                <a:latin typeface="Verdana" pitchFamily="34" charset="0"/>
+                <a:cs typeface="Arial" pitchFamily="34" charset="0"/>
+              </a:rPr>
+              <a:t> instance. </a:t>
+            </a:r>
+            <a:r>
+              <a:rPr lang="en-US" sz="1100" dirty="0" err="1">
+                <a:latin typeface="Verdana" pitchFamily="34" charset="0"/>
+                <a:cs typeface="Arial" pitchFamily="34" charset="0"/>
+              </a:rPr>
+              <a:t>GemFire</a:t>
+            </a:r>
+            <a:r>
+              <a:rPr lang="en-US" sz="1100" dirty="0">
+                <a:latin typeface="Verdana" pitchFamily="34" charset="0"/>
+                <a:cs typeface="Arial" pitchFamily="34" charset="0"/>
+              </a:rPr>
+              <a:t> also places the transactions in a shared branch region. This way, we can share information between kiosks within a branch.</a:t>
+            </a:r>
+          </a:p>
+          <a:p>
+            <a:endParaRPr lang="en-US" sz="1100" dirty="0">
+              <a:latin typeface="Verdana" pitchFamily="34" charset="0"/>
+              <a:cs typeface="Arial" pitchFamily="34" charset="0"/>
+            </a:endParaRPr>
+          </a:p>
+          <a:p>
+            <a:r>
+              <a:rPr lang="en-US" sz="1100" dirty="0">
+                <a:latin typeface="Verdana" pitchFamily="34" charset="0"/>
+                <a:cs typeface="Arial" pitchFamily="34" charset="0"/>
+              </a:rPr>
+              <a:t>In each branch, we have a </a:t>
+            </a:r>
+            <a:r>
+              <a:rPr lang="en-US" sz="1100" dirty="0" err="1">
+                <a:latin typeface="Verdana" pitchFamily="34" charset="0"/>
+                <a:cs typeface="Arial" pitchFamily="34" charset="0"/>
+              </a:rPr>
+              <a:t>GemFire</a:t>
+            </a:r>
+            <a:r>
+              <a:rPr lang="en-US" sz="1100" dirty="0">
+                <a:latin typeface="Verdana" pitchFamily="34" charset="0"/>
+                <a:cs typeface="Arial" pitchFamily="34" charset="0"/>
+              </a:rPr>
+              <a:t> peer-to-peer topology set up—a branch’s kiosks are part of a distributed system. Before </a:t>
+            </a:r>
+            <a:r>
+              <a:rPr lang="en-US" sz="1100" dirty="0" err="1">
+                <a:latin typeface="Verdana" pitchFamily="34" charset="0"/>
+                <a:cs typeface="Arial" pitchFamily="34" charset="0"/>
+              </a:rPr>
+              <a:t>GemFire</a:t>
+            </a:r>
+            <a:r>
+              <a:rPr lang="en-US" sz="1100" dirty="0">
+                <a:latin typeface="Verdana" pitchFamily="34" charset="0"/>
+                <a:cs typeface="Arial" pitchFamily="34" charset="0"/>
+              </a:rPr>
+              <a:t>, business rules were on the server side, and the system had to be online for the rules to run. With </a:t>
+            </a:r>
+            <a:r>
+              <a:rPr lang="en-US" sz="1100" dirty="0" err="1">
+                <a:latin typeface="Verdana" pitchFamily="34" charset="0"/>
+                <a:cs typeface="Arial" pitchFamily="34" charset="0"/>
+              </a:rPr>
+              <a:t>GemFire’s</a:t>
+            </a:r>
+            <a:r>
+              <a:rPr lang="en-US" sz="1100" dirty="0">
+                <a:latin typeface="Verdana" pitchFamily="34" charset="0"/>
+                <a:cs typeface="Arial" pitchFamily="34" charset="0"/>
+              </a:rPr>
+              <a:t> P2P topology, we have those rules running in each kiosk, and they can be executed when the server is offline.</a:t>
+            </a:r>
+          </a:p>
+          <a:p>
+            <a:r>
+              <a:rPr lang="en-US" sz="1100" dirty="0">
+                <a:latin typeface="Verdana" pitchFamily="34" charset="0"/>
+                <a:cs typeface="Arial" pitchFamily="34" charset="0"/>
+              </a:rPr>
+              <a:t>The kiosks also place information on the </a:t>
+            </a:r>
+            <a:r>
+              <a:rPr lang="en-US" sz="1100" dirty="0" err="1">
+                <a:latin typeface="Verdana" pitchFamily="34" charset="0"/>
+                <a:cs typeface="Arial" pitchFamily="34" charset="0"/>
+              </a:rPr>
+              <a:t>GemFire</a:t>
+            </a:r>
+            <a:r>
+              <a:rPr lang="en-US" sz="1100" dirty="0">
+                <a:latin typeface="Verdana" pitchFamily="34" charset="0"/>
+                <a:cs typeface="Arial" pitchFamily="34" charset="0"/>
+              </a:rPr>
+              <a:t> WAN gateway to synchronize information to the central data center. With the WAN gateway, a returning network connection allows us to synchronize with the data center’s master database. When we don’t have internet connection to our central datacenter, we store all the transactions in the gateway’s queue. This is how we get a near real-time view of the entire network in a central place.</a:t>
+            </a:r>
+          </a:p>
+          <a:p>
+            <a:r>
+              <a:rPr lang="en-US" sz="1100" i="1" dirty="0">
+                <a:latin typeface="Verdana" pitchFamily="34" charset="0"/>
+                <a:cs typeface="Arial" pitchFamily="34" charset="0"/>
+              </a:rPr>
+              <a:t>Can you explain more about how </a:t>
+            </a:r>
+            <a:r>
+              <a:rPr lang="en-US" sz="1100" i="1" dirty="0" err="1">
+                <a:latin typeface="Verdana" pitchFamily="34" charset="0"/>
+                <a:cs typeface="Arial" pitchFamily="34" charset="0"/>
+              </a:rPr>
+              <a:t>GemFire</a:t>
+            </a:r>
+            <a:r>
+              <a:rPr lang="en-US" sz="1100" i="1" dirty="0">
+                <a:latin typeface="Verdana" pitchFamily="34" charset="0"/>
+                <a:cs typeface="Arial" pitchFamily="34" charset="0"/>
+              </a:rPr>
+              <a:t> handles the WAN synchronization?</a:t>
+            </a:r>
+            <a:endParaRPr lang="en-US" sz="1100" dirty="0">
+              <a:latin typeface="Verdana" pitchFamily="34" charset="0"/>
+              <a:cs typeface="Arial" pitchFamily="34" charset="0"/>
+            </a:endParaRPr>
+          </a:p>
+          <a:p>
+            <a:r>
+              <a:rPr lang="en-US" sz="1100" dirty="0">
+                <a:latin typeface="Verdana" pitchFamily="34" charset="0"/>
+                <a:cs typeface="Arial" pitchFamily="34" charset="0"/>
+              </a:rPr>
+              <a:t>Yes. This is the key function that allows us to have up to date information and deal with lost network connections. We use the WAN gateway to synchronize transactions between kiosks and our data center. </a:t>
+            </a:r>
+            <a:r>
+              <a:rPr lang="en-US" sz="1100" dirty="0" err="1">
+                <a:latin typeface="Verdana" pitchFamily="34" charset="0"/>
+                <a:cs typeface="Arial" pitchFamily="34" charset="0"/>
+              </a:rPr>
+              <a:t>GemFire’s</a:t>
+            </a:r>
+            <a:r>
+              <a:rPr lang="en-US" sz="1100" dirty="0">
+                <a:latin typeface="Verdana" pitchFamily="34" charset="0"/>
+                <a:cs typeface="Arial" pitchFamily="34" charset="0"/>
+              </a:rPr>
+              <a:t> WAN gateway allows us to loosely couple multiple, independent </a:t>
+            </a:r>
+            <a:r>
+              <a:rPr lang="en-US" sz="1100" dirty="0" err="1">
+                <a:latin typeface="Verdana" pitchFamily="34" charset="0"/>
+                <a:cs typeface="Arial" pitchFamily="34" charset="0"/>
+              </a:rPr>
+              <a:t>GemFire</a:t>
+            </a:r>
+            <a:r>
+              <a:rPr lang="en-US" sz="1100" dirty="0">
+                <a:latin typeface="Verdana" pitchFamily="34" charset="0"/>
+                <a:cs typeface="Arial" pitchFamily="34" charset="0"/>
+              </a:rPr>
+              <a:t> systems. So, each of our kiosks has it’s own </a:t>
+            </a:r>
+            <a:r>
+              <a:rPr lang="en-US" sz="1100" dirty="0" err="1">
+                <a:latin typeface="Verdana" pitchFamily="34" charset="0"/>
+                <a:cs typeface="Arial" pitchFamily="34" charset="0"/>
+              </a:rPr>
+              <a:t>GemFire</a:t>
+            </a:r>
+            <a:r>
+              <a:rPr lang="en-US" sz="1100" dirty="0">
+                <a:latin typeface="Verdana" pitchFamily="34" charset="0"/>
+                <a:cs typeface="Arial" pitchFamily="34" charset="0"/>
+              </a:rPr>
+              <a:t> instance and region data is shared with the central </a:t>
+            </a:r>
+            <a:r>
+              <a:rPr lang="en-US" sz="1100" dirty="0" err="1">
+                <a:latin typeface="Verdana" pitchFamily="34" charset="0"/>
+                <a:cs typeface="Arial" pitchFamily="34" charset="0"/>
+              </a:rPr>
+              <a:t>GemFire</a:t>
+            </a:r>
+            <a:r>
+              <a:rPr lang="en-US" sz="1100" dirty="0">
+                <a:latin typeface="Verdana" pitchFamily="34" charset="0"/>
+                <a:cs typeface="Arial" pitchFamily="34" charset="0"/>
+              </a:rPr>
+              <a:t> instance via the WAN gateway. If communications between sites fail or become slow, the systems still run independently, and persistent queues operate for messaging between sites.</a:t>
+            </a:r>
+          </a:p>
+          <a:p>
+            <a:endParaRPr lang="en-US" sz="1100" dirty="0">
+              <a:latin typeface="Verdana" pitchFamily="34" charset="0"/>
+              <a:cs typeface="Arial" pitchFamily="34" charset="0"/>
+            </a:endParaRPr>
+          </a:p>
+          <a:p>
+            <a:r>
+              <a:rPr lang="en-US" sz="1100" dirty="0">
+                <a:latin typeface="Verdana" pitchFamily="34" charset="0"/>
+                <a:cs typeface="Arial" pitchFamily="34" charset="0"/>
+              </a:rPr>
+              <a:t>Within a cluster, data can be made resilient to failures.  This means that nodes can come and go without data loss.  Additionally, data can be persisted to local disk as an added measure.  If servers fail within a cluster, it is transparent to the client.  Data is kept consistent, and the connection is automatically routed to an available node.</a:t>
+            </a:r>
+          </a:p>
+          <a:p>
+            <a:endParaRPr lang="en-US" baseline="0" dirty="0" smtClean="0"/>
+          </a:p>
+          <a:p>
+            <a:r>
+              <a:rPr lang="en-US" baseline="0" dirty="0" smtClean="0"/>
+              <a:t>Cluster to cluster connectivity gives the data a way to survive smoking hole failures as well.  The data is queued up to write asynchronously to other clusters.  These queues can also be written to local disk to avoid data loss of queues in memory, in case a data center loses connectivity.  The data is saved in the local cluster safely until network connectivity is restored.  </a:t>
+            </a:r>
+            <a:r>
+              <a:rPr lang="en-US" baseline="0" dirty="0" err="1" smtClean="0"/>
+              <a:t>Gire</a:t>
+            </a:r>
+            <a:r>
+              <a:rPr lang="en-US" baseline="0" dirty="0" smtClean="0"/>
+              <a:t> specifically uses this to handle their unreliable network issues.</a:t>
+            </a:r>
+          </a:p>
+          <a:p>
+            <a:endParaRPr lang="en-US" baseline="0" dirty="0" smtClean="0"/>
+          </a:p>
+          <a:p>
+            <a:endParaRPr lang="en-US" baseline="0" dirty="0" smtClean="0"/>
+          </a:p>
+          <a:p>
+            <a:endParaRPr lang="en-US" baseline="0" dirty="0" smtClean="0"/>
+          </a:p>
+          <a:p>
+            <a:endParaRPr lang="en-US" baseline="0" dirty="0" smtClean="0"/>
+          </a:p>
+          <a:p>
+            <a:endParaRPr lang="en-US" baseline="0" dirty="0" smtClean="0"/>
+          </a:p>
+        </p:txBody>
+      </p:sp>
+    </p:spTree>
+    <p:extLst>
+      <p:ext uri="{BB962C8B-B14F-4D97-AF65-F5344CB8AC3E}">
+        <p14:creationId xmlns:p14="http://schemas.microsoft.com/office/powerpoint/2010/main" val="669154445"/>
+      </p:ext>
+    </p:extLst>
+  </p:cSld>
+  <p:clrMapOvr>
+    <a:masterClrMapping/>
+  </p:clrMapOvr>
+</p:notes>
+</file>
+
+<file path=ppt/notesSlides/notesSlide6.xml><?xml version="1.0" encoding="utf-8"?>
 <p:notes xmlns:a="http://schemas.openxmlformats.org/drawingml/2006/main" xmlns:r="http://schemas.openxmlformats.org/officeDocument/2006/relationships" xmlns:p="http://schemas.openxmlformats.org/presentationml/2006/main">
   <p:cSld>
     <p:spTree>
@@ -854,1957 +2701,18 @@
           <a:lstStyle/>
           <a:p>
             <a:r>
-              <a:rPr lang="en-US" dirty="0" err="1" smtClean="0"/>
-              <a:t>Continous</a:t>
+              <a:rPr lang="en-US" dirty="0" smtClean="0"/>
+              <a:t>This explains how a cluster</a:t>
             </a:r>
             <a:r>
               <a:rPr lang="en-US" baseline="0" dirty="0" smtClean="0"/>
-              <a:t> Query</a:t>
+              <a:t> membership and introduces the locator</a:t>
             </a:r>
             <a:endParaRPr lang="en-US" dirty="0" smtClean="0"/>
           </a:p>
         </p:txBody>
       </p:sp>
     </p:spTree>
-  </p:cSld>
-  <p:clrMapOvr>
-    <a:masterClrMapping/>
-  </p:clrMapOvr>
-</p:notes>
-</file>
-
-<file path=ppt/notesSlides/notesSlide2.xml><?xml version="1.0" encoding="utf-8"?>
-<p:notes xmlns:a="http://schemas.openxmlformats.org/drawingml/2006/main" xmlns:r="http://schemas.openxmlformats.org/officeDocument/2006/relationships" xmlns:p="http://schemas.openxmlformats.org/presentationml/2006/main">
-  <p:cSld>
-    <p:spTree>
-      <p:nvGrpSpPr>
-        <p:cNvPr id="1" name=""/>
-        <p:cNvGrpSpPr/>
-        <p:nvPr/>
-      </p:nvGrpSpPr>
-      <p:grpSpPr>
-        <a:xfrm>
-          <a:off x="0" y="0"/>
-          <a:ext cx="0" cy="0"/>
-          <a:chOff x="0" y="0"/>
-          <a:chExt cx="0" cy="0"/>
-        </a:xfrm>
-      </p:grpSpPr>
-      <p:sp>
-        <p:nvSpPr>
-          <p:cNvPr id="2" name="Slide Image Placeholder 1"/>
-          <p:cNvSpPr>
-            <a:spLocks noGrp="1" noRot="1" noChangeAspect="1"/>
-          </p:cNvSpPr>
-          <p:nvPr>
-            <p:ph type="sldImg"/>
-          </p:nvPr>
-        </p:nvSpPr>
-        <p:spPr>
-          <a:xfrm>
-            <a:off x="381000" y="685800"/>
-            <a:ext cx="6096000" cy="3429000"/>
-          </a:xfrm>
-        </p:spPr>
-      </p:sp>
-      <p:sp>
-        <p:nvSpPr>
-          <p:cNvPr id="3" name="Notes Placeholder 2"/>
-          <p:cNvSpPr>
-            <a:spLocks noGrp="1"/>
-          </p:cNvSpPr>
-          <p:nvPr>
-            <p:ph type="body" idx="1"/>
-          </p:nvPr>
-        </p:nvSpPr>
-        <p:spPr/>
-        <p:txBody>
-          <a:bodyPr>
-            <a:normAutofit lnSpcReduction="10000"/>
-          </a:bodyPr>
-          <a:lstStyle/>
-          <a:p>
-            <a:r>
-              <a:rPr lang="en-US" sz="1100" dirty="0">
-                <a:latin typeface="Verdana" pitchFamily="34" charset="0"/>
-                <a:cs typeface="Arial" pitchFamily="34" charset="0"/>
-              </a:rPr>
-              <a:t> </a:t>
-            </a:r>
-          </a:p>
-          <a:p>
-            <a:r>
-              <a:rPr lang="en-US" sz="1100" dirty="0">
-                <a:latin typeface="Verdana" pitchFamily="34" charset="0"/>
-                <a:cs typeface="Arial" pitchFamily="34" charset="0"/>
-              </a:rPr>
-              <a:t>For an enterprise perspective on real time data:  https://</a:t>
-            </a:r>
-            <a:r>
-              <a:rPr lang="en-US" sz="1100" dirty="0" err="1">
-                <a:latin typeface="Verdana" pitchFamily="34" charset="0"/>
-                <a:cs typeface="Arial" pitchFamily="34" charset="0"/>
-              </a:rPr>
-              <a:t>www.gesoftware.com</a:t>
-            </a:r>
-            <a:r>
-              <a:rPr lang="en-US" sz="1100" dirty="0">
-                <a:latin typeface="Verdana" pitchFamily="34" charset="0"/>
-                <a:cs typeface="Arial" pitchFamily="34" charset="0"/>
-              </a:rPr>
-              <a:t>/blog/can-memory-storage-solve-one-</a:t>
-            </a:r>
-            <a:r>
-              <a:rPr lang="en-US" sz="1100" dirty="0" err="1">
-                <a:latin typeface="Verdana" pitchFamily="34" charset="0"/>
-                <a:cs typeface="Arial" pitchFamily="34" charset="0"/>
-              </a:rPr>
-              <a:t>datas</a:t>
-            </a:r>
-            <a:r>
-              <a:rPr lang="en-US" sz="1100" dirty="0">
-                <a:latin typeface="Verdana" pitchFamily="34" charset="0"/>
-                <a:cs typeface="Arial" pitchFamily="34" charset="0"/>
-              </a:rPr>
-              <a:t>-greatest-challenges</a:t>
-            </a:r>
-          </a:p>
-          <a:p>
-            <a:r>
-              <a:rPr lang="en-US" sz="1100" dirty="0">
-                <a:latin typeface="Verdana" pitchFamily="34" charset="0"/>
-                <a:cs typeface="Arial" pitchFamily="34" charset="0"/>
-              </a:rPr>
-              <a:t> </a:t>
-            </a:r>
-          </a:p>
-          <a:p>
-            <a:r>
-              <a:rPr lang="en-US" sz="1100" dirty="0">
-                <a:latin typeface="Verdana" pitchFamily="34" charset="0"/>
-                <a:cs typeface="Arial" pitchFamily="34" charset="0"/>
-              </a:rPr>
-              <a:t>First, let’s talk about consumer driven applications.  Applications today are really about serving this market.  Historically, enterprise applications were truly the focus, where the interactions were expected to be that… interactive.  With consumer driven applications, you are really pushing the limits of instantaneous information to users, even going so far as to be predictive with what may be useful or appealing to them, to provide “value” to that consumer.  What makes you different than your competitors in driving consumers to you is more about what extras you provide than the base service.</a:t>
-            </a:r>
-          </a:p>
-          <a:p>
-            <a:r>
-              <a:rPr lang="en-US" sz="1100" dirty="0">
-                <a:latin typeface="Verdana" pitchFamily="34" charset="0"/>
-                <a:cs typeface="Arial" pitchFamily="34" charset="0"/>
-              </a:rPr>
-              <a:t> </a:t>
-            </a:r>
-          </a:p>
-          <a:p>
-            <a:r>
-              <a:rPr lang="en-US" sz="1100" dirty="0">
-                <a:latin typeface="Verdana" pitchFamily="34" charset="0"/>
-                <a:cs typeface="Arial" pitchFamily="34" charset="0"/>
-              </a:rPr>
-              <a:t>Consumer driven applications until recently were not so data driven.  Data flowed through them, but they didn’t provide information back, except in a pull fashion.  </a:t>
-            </a:r>
-          </a:p>
-          <a:p>
-            <a:r>
-              <a:rPr lang="en-US" sz="1100" dirty="0" err="1">
-                <a:latin typeface="Verdana" pitchFamily="34" charset="0"/>
-                <a:cs typeface="Arial" pitchFamily="34" charset="0"/>
-              </a:rPr>
-              <a:t>GemFire</a:t>
-            </a:r>
-            <a:r>
-              <a:rPr lang="en-US" sz="1100" dirty="0">
-                <a:latin typeface="Verdana" pitchFamily="34" charset="0"/>
-                <a:cs typeface="Arial" pitchFamily="34" charset="0"/>
-              </a:rPr>
-              <a:t> is the distributed </a:t>
-            </a:r>
-            <a:r>
-              <a:rPr lang="en-US" sz="1100" dirty="0" err="1">
-                <a:latin typeface="Verdana" pitchFamily="34" charset="0"/>
-                <a:cs typeface="Arial" pitchFamily="34" charset="0"/>
-              </a:rPr>
-              <a:t>NoSQL</a:t>
-            </a:r>
-            <a:r>
-              <a:rPr lang="en-US" sz="1100" dirty="0">
-                <a:latin typeface="Verdana" pitchFamily="34" charset="0"/>
-                <a:cs typeface="Arial" pitchFamily="34" charset="0"/>
-              </a:rPr>
-              <a:t>, in memory database for big data apps that need:</a:t>
-            </a:r>
-          </a:p>
-          <a:p>
-            <a:r>
-              <a:rPr lang="en-US" sz="1100" dirty="0">
-                <a:latin typeface="Verdana" pitchFamily="34" charset="0"/>
-                <a:cs typeface="Arial" pitchFamily="34" charset="0"/>
-              </a:rPr>
-              <a:t> </a:t>
-            </a:r>
-          </a:p>
-          <a:p>
-            <a:pPr lvl="0"/>
-            <a:r>
-              <a:rPr lang="en-US" sz="1100" dirty="0">
-                <a:latin typeface="Verdana" pitchFamily="34" charset="0"/>
-                <a:cs typeface="Arial" pitchFamily="34" charset="0"/>
-              </a:rPr>
-              <a:t>Scale out performance – as demand goes up and down, due to seasonal demand, flash types of events, or increasing data pipes, </a:t>
-            </a:r>
-            <a:r>
-              <a:rPr lang="en-US" sz="1100" dirty="0" err="1">
-                <a:latin typeface="Verdana" pitchFamily="34" charset="0"/>
-                <a:cs typeface="Arial" pitchFamily="34" charset="0"/>
-              </a:rPr>
-              <a:t>GemFire</a:t>
-            </a:r>
-            <a:r>
-              <a:rPr lang="en-US" sz="1100" dirty="0">
-                <a:latin typeface="Verdana" pitchFamily="34" charset="0"/>
-                <a:cs typeface="Arial" pitchFamily="34" charset="0"/>
-              </a:rPr>
-              <a:t> can scale up and down with commodity hardware, providing predictable, linear scalability, without downtime.</a:t>
-            </a:r>
-          </a:p>
-          <a:p>
-            <a:pPr lvl="0"/>
-            <a:r>
-              <a:rPr lang="en-US" sz="1100" dirty="0">
-                <a:latin typeface="Verdana" pitchFamily="34" charset="0"/>
-                <a:cs typeface="Arial" pitchFamily="34" charset="0"/>
-              </a:rPr>
-              <a:t>Consistent database operations across globally distributed nodes:  </a:t>
-            </a:r>
-            <a:r>
-              <a:rPr lang="en-US" sz="1100" dirty="0" err="1">
-                <a:latin typeface="Verdana" pitchFamily="34" charset="0"/>
-                <a:cs typeface="Arial" pitchFamily="34" charset="0"/>
-              </a:rPr>
-              <a:t>GemFire</a:t>
-            </a:r>
-            <a:r>
-              <a:rPr lang="en-US" sz="1100" dirty="0">
-                <a:latin typeface="Verdana" pitchFamily="34" charset="0"/>
-                <a:cs typeface="Arial" pitchFamily="34" charset="0"/>
-              </a:rPr>
-              <a:t> focuses on data being consistent.  This has been our bent from the beginning.  The only thing we will sacrifice performance for is consistency.  This is key to our customers that sell things like train tickets and stocks.</a:t>
-            </a:r>
-          </a:p>
-          <a:p>
-            <a:pPr lvl="0"/>
-            <a:r>
-              <a:rPr lang="en-US" sz="1100" dirty="0">
-                <a:latin typeface="Verdana" pitchFamily="34" charset="0"/>
-                <a:cs typeface="Arial" pitchFamily="34" charset="0"/>
-              </a:rPr>
-              <a:t>High availability, resilience, and global scale – </a:t>
-            </a:r>
-            <a:r>
-              <a:rPr lang="en-US" sz="1100" dirty="0" err="1">
-                <a:latin typeface="Verdana" pitchFamily="34" charset="0"/>
-                <a:cs typeface="Arial" pitchFamily="34" charset="0"/>
-              </a:rPr>
-              <a:t>GemFire</a:t>
-            </a:r>
-            <a:r>
-              <a:rPr lang="en-US" sz="1100" dirty="0">
-                <a:latin typeface="Verdana" pitchFamily="34" charset="0"/>
-                <a:cs typeface="Arial" pitchFamily="34" charset="0"/>
-              </a:rPr>
-              <a:t> is intended for mission critical data and applications.  Through a series of innovations, </a:t>
-            </a:r>
-            <a:r>
-              <a:rPr lang="en-US" sz="1100" dirty="0" err="1">
-                <a:latin typeface="Verdana" pitchFamily="34" charset="0"/>
-                <a:cs typeface="Arial" pitchFamily="34" charset="0"/>
-              </a:rPr>
-              <a:t>GemFire</a:t>
-            </a:r>
-            <a:r>
-              <a:rPr lang="en-US" sz="1100" dirty="0">
-                <a:latin typeface="Verdana" pitchFamily="34" charset="0"/>
-                <a:cs typeface="Arial" pitchFamily="34" charset="0"/>
-              </a:rPr>
-              <a:t> can provide continuous availability of data at a global scale, through code changes, model changes, hardware changes, major version upgrades and smoking hole disasters</a:t>
-            </a:r>
-          </a:p>
-          <a:p>
-            <a:pPr lvl="0"/>
-            <a:r>
-              <a:rPr lang="en-US" sz="1100" dirty="0">
-                <a:latin typeface="Verdana" pitchFamily="34" charset="0"/>
-                <a:cs typeface="Arial" pitchFamily="34" charset="0"/>
-              </a:rPr>
-              <a:t>Powerful developer features – Developers here are concerned about one of two things – first they want powerful capabilities for quickly adding innovative features in their applications. In the case of structured data, they are often concerned about standards support so they can take advantage of the mature ecosystem of SQL-compliant tools for developing, reporting, as well as often support other legacy applications. Even though </a:t>
-            </a:r>
-            <a:r>
-              <a:rPr lang="en-US" sz="1100" dirty="0" err="1">
-                <a:latin typeface="Verdana" pitchFamily="34" charset="0"/>
-                <a:cs typeface="Arial" pitchFamily="34" charset="0"/>
-              </a:rPr>
-              <a:t>GemFire</a:t>
-            </a:r>
-            <a:r>
-              <a:rPr lang="en-US" sz="1100" dirty="0">
-                <a:latin typeface="Verdana" pitchFamily="34" charset="0"/>
-                <a:cs typeface="Arial" pitchFamily="34" charset="0"/>
-              </a:rPr>
-              <a:t> is pure Java, it is accessible through many APIs.  It also provides a rich event framework, allowing applications to subscribe to individual data events in </a:t>
-            </a:r>
-            <a:r>
-              <a:rPr lang="en-US" sz="1100" dirty="0" err="1">
-                <a:latin typeface="Verdana" pitchFamily="34" charset="0"/>
-                <a:cs typeface="Arial" pitchFamily="34" charset="0"/>
-              </a:rPr>
-              <a:t>GemFire</a:t>
-            </a:r>
-            <a:r>
-              <a:rPr lang="en-US" sz="1100" dirty="0">
-                <a:latin typeface="Verdana" pitchFamily="34" charset="0"/>
-                <a:cs typeface="Arial" pitchFamily="34" charset="0"/>
-              </a:rPr>
-              <a:t>. </a:t>
-            </a:r>
-            <a:r>
-              <a:rPr lang="en-US" sz="1100" dirty="0" err="1">
-                <a:latin typeface="Verdana" pitchFamily="34" charset="0"/>
-                <a:cs typeface="Arial" pitchFamily="34" charset="0"/>
-              </a:rPr>
-              <a:t>GemFire</a:t>
-            </a:r>
-            <a:r>
-              <a:rPr lang="en-US" sz="1100" dirty="0">
-                <a:latin typeface="Verdana" pitchFamily="34" charset="0"/>
-                <a:cs typeface="Arial" pitchFamily="34" charset="0"/>
-              </a:rPr>
-              <a:t> XD through its JDBC and ODBC support allows SQL app developers to leverage many tools, support queries from other applications, and work with reporting and visualization such as Tableau.</a:t>
-            </a:r>
-          </a:p>
-          <a:p>
-            <a:pPr lvl="0"/>
-            <a:r>
-              <a:rPr lang="en-US" sz="1100" dirty="0">
-                <a:latin typeface="Verdana" pitchFamily="34" charset="0"/>
-                <a:cs typeface="Arial" pitchFamily="34" charset="0"/>
-              </a:rPr>
-              <a:t>Easy administration of distributed nodes: Easy administration of distributed nodes: </a:t>
-            </a:r>
-            <a:r>
-              <a:rPr lang="en-US" sz="1100" dirty="0" err="1">
-                <a:latin typeface="Verdana" pitchFamily="34" charset="0"/>
-                <a:cs typeface="Arial" pitchFamily="34" charset="0"/>
-              </a:rPr>
-              <a:t>GemFire</a:t>
-            </a:r>
-            <a:r>
-              <a:rPr lang="en-US" sz="1100" dirty="0">
-                <a:latin typeface="Verdana" pitchFamily="34" charset="0"/>
-                <a:cs typeface="Arial" pitchFamily="34" charset="0"/>
-              </a:rPr>
-              <a:t> relies on you to say how to evenly distribute your data from a statistical perspective and takes care of the runtime implementation.  </a:t>
-            </a:r>
-            <a:r>
-              <a:rPr lang="en-US" sz="1100" dirty="0" err="1">
-                <a:latin typeface="Verdana" pitchFamily="34" charset="0"/>
-                <a:cs typeface="Arial" pitchFamily="34" charset="0"/>
-              </a:rPr>
-              <a:t>GemFire</a:t>
-            </a:r>
-            <a:r>
-              <a:rPr lang="en-US" sz="1100" dirty="0">
-                <a:latin typeface="Verdana" pitchFamily="34" charset="0"/>
-                <a:cs typeface="Arial" pitchFamily="34" charset="0"/>
-              </a:rPr>
-              <a:t> manages partitions of data between nodes in a dynamic fashion, removing the chore of mapping partitions to specific nodes, slaves, and masters in a cluster.  </a:t>
-            </a:r>
-            <a:r>
-              <a:rPr lang="en-US" sz="1100" dirty="0" err="1">
-                <a:latin typeface="Verdana" pitchFamily="34" charset="0"/>
-                <a:cs typeface="Arial" pitchFamily="34" charset="0"/>
-              </a:rPr>
-              <a:t>GemFire</a:t>
-            </a:r>
-            <a:r>
-              <a:rPr lang="en-US" sz="1100" dirty="0">
-                <a:latin typeface="Verdana" pitchFamily="34" charset="0"/>
-                <a:cs typeface="Arial" pitchFamily="34" charset="0"/>
-              </a:rPr>
-              <a:t> manages that for you, along with recovery of nodes.  Additionally, </a:t>
-            </a:r>
-            <a:r>
-              <a:rPr lang="en-US" sz="1100" dirty="0" err="1">
-                <a:latin typeface="Verdana" pitchFamily="34" charset="0"/>
-                <a:cs typeface="Arial" pitchFamily="34" charset="0"/>
-              </a:rPr>
-              <a:t>GemFire</a:t>
-            </a:r>
-            <a:r>
-              <a:rPr lang="en-US" sz="1100" dirty="0">
-                <a:latin typeface="Verdana" pitchFamily="34" charset="0"/>
-                <a:cs typeface="Arial" pitchFamily="34" charset="0"/>
-              </a:rPr>
-              <a:t> provides tools to help you manage and understand the behavior of the system.</a:t>
-            </a:r>
-          </a:p>
-          <a:p>
-            <a:r>
-              <a:rPr lang="en-US" sz="1100" dirty="0">
-                <a:latin typeface="Verdana" pitchFamily="34" charset="0"/>
-                <a:cs typeface="Arial" pitchFamily="34" charset="0"/>
-              </a:rPr>
-              <a:t> </a:t>
-            </a:r>
-          </a:p>
-          <a:p>
-            <a:r>
-              <a:rPr lang="en-US" sz="1100" dirty="0">
-                <a:latin typeface="Verdana" pitchFamily="34" charset="0"/>
-                <a:cs typeface="Arial" pitchFamily="34" charset="0"/>
-              </a:rPr>
-              <a:t> </a:t>
-            </a:r>
-          </a:p>
-          <a:p>
-            <a:endParaRPr lang="en-US" sz="1100" dirty="0">
-              <a:latin typeface="Verdana" pitchFamily="34" charset="0"/>
-              <a:cs typeface="Arial" pitchFamily="34" charset="0"/>
-            </a:endParaRPr>
-          </a:p>
-        </p:txBody>
-      </p:sp>
-    </p:spTree>
-    <p:extLst>
-      <p:ext uri="{BB962C8B-B14F-4D97-AF65-F5344CB8AC3E}">
-        <p14:creationId xmlns:p14="http://schemas.microsoft.com/office/powerpoint/2010/main" val="1645508813"/>
-      </p:ext>
-    </p:extLst>
-  </p:cSld>
-  <p:clrMapOvr>
-    <a:masterClrMapping/>
-  </p:clrMapOvr>
-</p:notes>
-</file>
-
-<file path=ppt/notesSlides/notesSlide3.xml><?xml version="1.0" encoding="utf-8"?>
-<p:notes xmlns:a="http://schemas.openxmlformats.org/drawingml/2006/main" xmlns:r="http://schemas.openxmlformats.org/officeDocument/2006/relationships" xmlns:p="http://schemas.openxmlformats.org/presentationml/2006/main">
-  <p:cSld>
-    <p:spTree>
-      <p:nvGrpSpPr>
-        <p:cNvPr id="1" name=""/>
-        <p:cNvGrpSpPr/>
-        <p:nvPr/>
-      </p:nvGrpSpPr>
-      <p:grpSpPr>
-        <a:xfrm>
-          <a:off x="0" y="0"/>
-          <a:ext cx="0" cy="0"/>
-          <a:chOff x="0" y="0"/>
-          <a:chExt cx="0" cy="0"/>
-        </a:xfrm>
-      </p:grpSpPr>
-      <p:sp>
-        <p:nvSpPr>
-          <p:cNvPr id="2" name="Slide Image Placeholder 1"/>
-          <p:cNvSpPr>
-            <a:spLocks noGrp="1" noRot="1" noChangeAspect="1"/>
-          </p:cNvSpPr>
-          <p:nvPr>
-            <p:ph type="sldImg"/>
-          </p:nvPr>
-        </p:nvSpPr>
-        <p:spPr>
-          <a:xfrm>
-            <a:off x="381000" y="685800"/>
-            <a:ext cx="6096000" cy="3429000"/>
-          </a:xfrm>
-        </p:spPr>
-      </p:sp>
-      <p:sp>
-        <p:nvSpPr>
-          <p:cNvPr id="3" name="Notes Placeholder 2"/>
-          <p:cNvSpPr>
-            <a:spLocks noGrp="1"/>
-          </p:cNvSpPr>
-          <p:nvPr>
-            <p:ph type="body" idx="1"/>
-          </p:nvPr>
-        </p:nvSpPr>
-        <p:spPr/>
-        <p:txBody>
-          <a:bodyPr>
-            <a:normAutofit fontScale="92500"/>
-          </a:bodyPr>
-          <a:lstStyle/>
-          <a:p>
-            <a:pPr lvl="0"/>
-            <a:r>
-              <a:rPr lang="en-US" sz="1100" dirty="0">
-                <a:latin typeface="Verdana" pitchFamily="34" charset="0"/>
-                <a:cs typeface="Arial" pitchFamily="34" charset="0"/>
-              </a:rPr>
-              <a:t>Please see the case study here.  Talk about what they did first.  Then go over the key points in this slide. Note that this is a </a:t>
-            </a:r>
-            <a:r>
-              <a:rPr lang="en-US" sz="1100" dirty="0" err="1">
-                <a:latin typeface="Verdana" pitchFamily="34" charset="0"/>
-                <a:cs typeface="Arial" pitchFamily="34" charset="0"/>
-              </a:rPr>
-              <a:t>GemFire</a:t>
-            </a:r>
-            <a:r>
-              <a:rPr lang="en-US" sz="1100" dirty="0">
-                <a:latin typeface="Verdana" pitchFamily="34" charset="0"/>
-                <a:cs typeface="Arial" pitchFamily="34" charset="0"/>
-              </a:rPr>
-              <a:t> customer story.</a:t>
-            </a:r>
-          </a:p>
-          <a:p>
-            <a:pPr defTabSz="905713">
-              <a:spcBef>
-                <a:spcPts val="1189"/>
-              </a:spcBef>
-              <a:defRPr/>
-            </a:pPr>
-            <a:r>
-              <a:rPr lang="en-US" sz="1100" u="sng" dirty="0">
-                <a:latin typeface="Verdana" pitchFamily="34" charset="0"/>
-                <a:cs typeface="Arial" pitchFamily="34" charset="0"/>
-                <a:hlinkClick r:id="rId3"/>
-              </a:rPr>
-              <a:t>http://blog.pivotal.io/pivotal/case-studies-2/china-railway-corp-for-chinese-new-year-chunyun</a:t>
-            </a:r>
-            <a:endParaRPr lang="en-US" sz="1100" dirty="0">
-              <a:latin typeface="Verdana" pitchFamily="34" charset="0"/>
-              <a:cs typeface="Arial" pitchFamily="34" charset="0"/>
-            </a:endParaRPr>
-          </a:p>
-          <a:p>
-            <a:pPr lvl="0"/>
-            <a:endParaRPr lang="en-US" sz="1100" dirty="0">
-              <a:latin typeface="Verdana" pitchFamily="34" charset="0"/>
-              <a:cs typeface="Arial" pitchFamily="34" charset="0"/>
-            </a:endParaRPr>
-          </a:p>
-          <a:p>
-            <a:pPr lvl="0"/>
-            <a:r>
-              <a:rPr lang="en-US" sz="1100" dirty="0">
-                <a:latin typeface="Verdana" pitchFamily="34" charset="0"/>
-                <a:cs typeface="Arial" pitchFamily="34" charset="0"/>
-              </a:rPr>
-              <a:t>Key stats:</a:t>
-            </a:r>
-          </a:p>
-          <a:p>
-            <a:pPr lvl="0"/>
-            <a:r>
-              <a:rPr lang="en-US" sz="1100" dirty="0">
-                <a:latin typeface="Verdana" pitchFamily="34" charset="0"/>
-                <a:cs typeface="Arial" pitchFamily="34" charset="0"/>
-              </a:rPr>
-              <a:t>Query time reduced from 15 seconds to .2 sec – a 75x improvement (other customers have seen up to 100x)</a:t>
-            </a:r>
-          </a:p>
-          <a:p>
-            <a:pPr lvl="0"/>
-            <a:r>
-              <a:rPr lang="en-US" sz="1100" dirty="0">
-                <a:latin typeface="Verdana" pitchFamily="34" charset="0"/>
-                <a:cs typeface="Arial" pitchFamily="34" charset="0"/>
-              </a:rPr>
-              <a:t>Queries went from 3500 per second to 10s of 1000s per second</a:t>
-            </a:r>
-          </a:p>
-          <a:p>
-            <a:pPr lvl="0"/>
-            <a:r>
-              <a:rPr lang="en-US" sz="1100" dirty="0">
-                <a:latin typeface="Verdana" pitchFamily="34" charset="0"/>
-                <a:cs typeface="Arial" pitchFamily="34" charset="0"/>
-              </a:rPr>
-              <a:t>Train tickets to major cities sold out in 20 seconds</a:t>
-            </a:r>
-          </a:p>
-          <a:p>
-            <a:pPr lvl="0"/>
-            <a:r>
-              <a:rPr lang="en-US" sz="1100" dirty="0">
-                <a:latin typeface="Verdana" pitchFamily="34" charset="0"/>
-                <a:cs typeface="Arial" pitchFamily="34" charset="0"/>
-              </a:rPr>
-              <a:t>Growth is about 20% per year</a:t>
-            </a:r>
-          </a:p>
-          <a:p>
-            <a:pPr lvl="0"/>
-            <a:endParaRPr lang="en-US" sz="1100" dirty="0">
-              <a:latin typeface="Verdana" pitchFamily="34" charset="0"/>
-              <a:cs typeface="Arial" pitchFamily="34" charset="0"/>
-            </a:endParaRPr>
-          </a:p>
-          <a:p>
-            <a:pPr lvl="0"/>
-            <a:r>
-              <a:rPr lang="en-US" sz="1100" dirty="0">
-                <a:latin typeface="Verdana" pitchFamily="34" charset="0"/>
-                <a:cs typeface="Arial" pitchFamily="34" charset="0"/>
-              </a:rPr>
-              <a:t>Emphasize “room to grow” in this quote.</a:t>
-            </a:r>
-          </a:p>
-          <a:p>
-            <a:pPr lvl="0"/>
-            <a:endParaRPr lang="en-US" sz="1100" dirty="0">
-              <a:latin typeface="Verdana" pitchFamily="34" charset="0"/>
-              <a:cs typeface="Arial" pitchFamily="34" charset="0"/>
-            </a:endParaRPr>
-          </a:p>
-          <a:p>
-            <a:pPr lvl="0"/>
-            <a:r>
-              <a:rPr lang="en-US" sz="1100" dirty="0">
-                <a:latin typeface="Verdana" pitchFamily="34" charset="0"/>
-                <a:cs typeface="Arial" pitchFamily="34" charset="0"/>
-              </a:rPr>
-              <a:t>Why was this so successful?  A few things:</a:t>
-            </a:r>
-          </a:p>
-          <a:p>
-            <a:pPr lvl="0"/>
-            <a:endParaRPr lang="en-US" sz="1100" dirty="0">
-              <a:latin typeface="Verdana" pitchFamily="34" charset="0"/>
-              <a:cs typeface="Arial" pitchFamily="34" charset="0"/>
-            </a:endParaRPr>
-          </a:p>
-          <a:p>
-            <a:pPr lvl="0"/>
-            <a:r>
-              <a:rPr lang="en-US" sz="1100" dirty="0">
-                <a:latin typeface="Verdana" pitchFamily="34" charset="0"/>
-                <a:cs typeface="Arial" pitchFamily="34" charset="0"/>
-              </a:rPr>
-              <a:t>CRC used a partitioned data set in memory.  What this gave them was:</a:t>
-            </a:r>
-          </a:p>
-          <a:p>
-            <a:pPr marL="226428" indent="-226428">
-              <a:buAutoNum type="arabicPeriod"/>
-            </a:pPr>
-            <a:r>
-              <a:rPr lang="en-US" sz="1100" dirty="0">
-                <a:latin typeface="Verdana" pitchFamily="34" charset="0"/>
-                <a:cs typeface="Arial" pitchFamily="34" charset="0"/>
-              </a:rPr>
-              <a:t>In memory performance.  Data is “persisted” to at least 2 nodes in memory, rather than to disk, saving IO cost</a:t>
-            </a:r>
-          </a:p>
-          <a:p>
-            <a:pPr marL="226428" indent="-226428">
-              <a:buAutoNum type="arabicPeriod"/>
-            </a:pPr>
-            <a:r>
-              <a:rPr lang="en-US" sz="1100" dirty="0">
-                <a:latin typeface="Verdana" pitchFamily="34" charset="0"/>
-                <a:cs typeface="Arial" pitchFamily="34" charset="0"/>
-              </a:rPr>
-              <a:t>Ability to scale up and down as needed, maximizing infrastructure usage.  They don’t have to keep expensive dedicated hardware in place to accommodate peak usage</a:t>
-            </a:r>
-          </a:p>
-          <a:p>
-            <a:pPr marL="226428" indent="-226428">
-              <a:buAutoNum type="arabicPeriod"/>
-            </a:pPr>
-            <a:r>
-              <a:rPr lang="en-US" sz="1100" dirty="0">
-                <a:latin typeface="Verdana" pitchFamily="34" charset="0"/>
-                <a:cs typeface="Arial" pitchFamily="34" charset="0"/>
-              </a:rPr>
-              <a:t>Optimized data distribution – CRC defines how the data should be partitioned.  </a:t>
-            </a:r>
-            <a:r>
-              <a:rPr lang="en-US" sz="1100" dirty="0" err="1">
-                <a:latin typeface="Verdana" pitchFamily="34" charset="0"/>
-                <a:cs typeface="Arial" pitchFamily="34" charset="0"/>
-              </a:rPr>
-              <a:t>GemFire</a:t>
-            </a:r>
-            <a:r>
-              <a:rPr lang="en-US" sz="1100" dirty="0">
-                <a:latin typeface="Verdana" pitchFamily="34" charset="0"/>
-                <a:cs typeface="Arial" pitchFamily="34" charset="0"/>
-              </a:rPr>
-              <a:t> takes care of the physical implementation of this actively, optimizing the distribution of data as machines are added and removed.</a:t>
-            </a:r>
-          </a:p>
-          <a:p>
-            <a:pPr lvl="0"/>
-            <a:endParaRPr lang="en-US" sz="1100" dirty="0">
-              <a:latin typeface="Verdana" pitchFamily="34" charset="0"/>
-              <a:cs typeface="Arial" pitchFamily="34" charset="0"/>
-            </a:endParaRPr>
-          </a:p>
-          <a:p>
-            <a:r>
-              <a:rPr lang="en-US" sz="1100" dirty="0" err="1">
-                <a:latin typeface="Verdana" pitchFamily="34" charset="0"/>
-                <a:cs typeface="Arial" pitchFamily="34" charset="0"/>
-              </a:rPr>
-              <a:t>GemFire</a:t>
-            </a:r>
-            <a:r>
-              <a:rPr lang="en-US" sz="1100" dirty="0">
-                <a:latin typeface="Verdana" pitchFamily="34" charset="0"/>
-                <a:cs typeface="Arial" pitchFamily="34" charset="0"/>
-              </a:rPr>
-              <a:t> and </a:t>
-            </a:r>
-            <a:r>
-              <a:rPr lang="en-US" sz="1100" dirty="0" err="1">
-                <a:latin typeface="Verdana" pitchFamily="34" charset="0"/>
-                <a:cs typeface="Arial" pitchFamily="34" charset="0"/>
-              </a:rPr>
-              <a:t>GemFire</a:t>
-            </a:r>
-            <a:r>
-              <a:rPr lang="en-US" sz="1100" dirty="0">
-                <a:latin typeface="Verdana" pitchFamily="34" charset="0"/>
-                <a:cs typeface="Arial" pitchFamily="34" charset="0"/>
-              </a:rPr>
-              <a:t> XD have a shared nothing, in memory architecture.  Data can be persisted to disk or another system, but it is out of band with the transaction, using the network to “persist” the data.  This allows them to perform at maximum speeds with consistency.  As more nodes are added, Gem and Gem XD can be notified to take advantage of these new nodes based on current resource usage.  This gives us predictable linear performance as we scale up and down to meet peaky demands, while keeping data absolutely consistent – we can’t sell the same train ticket twice!</a:t>
-            </a:r>
-          </a:p>
-          <a:p>
-            <a:endParaRPr lang="en-US" sz="1100" dirty="0">
-              <a:latin typeface="Verdana" pitchFamily="34" charset="0"/>
-              <a:cs typeface="Arial" pitchFamily="34" charset="0"/>
-            </a:endParaRPr>
-          </a:p>
-          <a:p>
-            <a:r>
-              <a:rPr lang="en-US" sz="1100" dirty="0">
-                <a:latin typeface="Verdana" pitchFamily="34" charset="0"/>
-                <a:cs typeface="Arial" pitchFamily="34" charset="0"/>
-              </a:rPr>
-              <a:t> Colocation of related data sets allows us to scale transactions to hundreds of thousands of concurrent transactions running in a single cluster</a:t>
-            </a:r>
-          </a:p>
-          <a:p>
-            <a:r>
-              <a:rPr lang="en-US" sz="1100" dirty="0">
-                <a:latin typeface="Verdana" pitchFamily="34" charset="0"/>
-                <a:cs typeface="Arial" pitchFamily="34" charset="0"/>
-              </a:rPr>
-              <a:t>As we distribute this data, our ability to operate on it is also scaled out.  Queries, events, and functions that the grid operates on are all done in a distributed, parallel fashion.</a:t>
-            </a:r>
-          </a:p>
-          <a:p>
-            <a:pPr lvl="0"/>
-            <a:r>
-              <a:rPr lang="en-US" sz="1100" dirty="0">
-                <a:latin typeface="Verdana" pitchFamily="34" charset="0"/>
-                <a:cs typeface="Arial" pitchFamily="34" charset="0"/>
-              </a:rPr>
-              <a:t> </a:t>
-            </a:r>
-          </a:p>
-          <a:p>
-            <a:endParaRPr lang="en-US" sz="1100" dirty="0">
-              <a:latin typeface="Verdana" pitchFamily="34" charset="0"/>
-              <a:cs typeface="Arial" pitchFamily="34" charset="0"/>
-            </a:endParaRPr>
-          </a:p>
-          <a:p>
-            <a:r>
-              <a:rPr lang="en-US" sz="1100" dirty="0">
-                <a:latin typeface="Verdana" pitchFamily="34" charset="0"/>
-                <a:cs typeface="Arial" pitchFamily="34" charset="0"/>
-              </a:rPr>
-              <a:t> </a:t>
-            </a:r>
-          </a:p>
-          <a:p>
-            <a:r>
-              <a:rPr lang="en-US" sz="1100" dirty="0">
-                <a:latin typeface="Verdana" pitchFamily="34" charset="0"/>
-                <a:cs typeface="Arial" pitchFamily="34" charset="0"/>
-              </a:rPr>
-              <a:t> </a:t>
-            </a:r>
-          </a:p>
-          <a:p>
-            <a:pPr lvl="0"/>
-            <a:endParaRPr lang="en-US" sz="1100" dirty="0">
-              <a:latin typeface="Verdana" pitchFamily="34" charset="0"/>
-              <a:cs typeface="Arial" pitchFamily="34" charset="0"/>
-            </a:endParaRPr>
-          </a:p>
-        </p:txBody>
-      </p:sp>
-    </p:spTree>
-    <p:extLst>
-      <p:ext uri="{BB962C8B-B14F-4D97-AF65-F5344CB8AC3E}">
-        <p14:creationId xmlns:p14="http://schemas.microsoft.com/office/powerpoint/2010/main" val="669154445"/>
-      </p:ext>
-    </p:extLst>
-  </p:cSld>
-  <p:clrMapOvr>
-    <a:masterClrMapping/>
-  </p:clrMapOvr>
-</p:notes>
-</file>
-
-<file path=ppt/notesSlides/notesSlide4.xml><?xml version="1.0" encoding="utf-8"?>
-<p:notes xmlns:a="http://schemas.openxmlformats.org/drawingml/2006/main" xmlns:r="http://schemas.openxmlformats.org/officeDocument/2006/relationships" xmlns:p="http://schemas.openxmlformats.org/presentationml/2006/main">
-  <p:cSld>
-    <p:spTree>
-      <p:nvGrpSpPr>
-        <p:cNvPr id="1" name=""/>
-        <p:cNvGrpSpPr/>
-        <p:nvPr/>
-      </p:nvGrpSpPr>
-      <p:grpSpPr>
-        <a:xfrm>
-          <a:off x="0" y="0"/>
-          <a:ext cx="0" cy="0"/>
-          <a:chOff x="0" y="0"/>
-          <a:chExt cx="0" cy="0"/>
-        </a:xfrm>
-      </p:grpSpPr>
-      <p:sp>
-        <p:nvSpPr>
-          <p:cNvPr id="2" name="Slide Image Placeholder 1"/>
-          <p:cNvSpPr>
-            <a:spLocks noGrp="1" noRot="1" noChangeAspect="1"/>
-          </p:cNvSpPr>
-          <p:nvPr>
-            <p:ph type="sldImg"/>
-          </p:nvPr>
-        </p:nvSpPr>
-        <p:spPr>
-          <a:xfrm>
-            <a:off x="381000" y="685800"/>
-            <a:ext cx="6096000" cy="3429000"/>
-          </a:xfrm>
-        </p:spPr>
-      </p:sp>
-      <p:sp>
-        <p:nvSpPr>
-          <p:cNvPr id="3" name="Notes Placeholder 2"/>
-          <p:cNvSpPr>
-            <a:spLocks noGrp="1"/>
-          </p:cNvSpPr>
-          <p:nvPr>
-            <p:ph type="body" idx="1"/>
-          </p:nvPr>
-        </p:nvSpPr>
-        <p:spPr/>
-        <p:txBody>
-          <a:bodyPr>
-            <a:normAutofit fontScale="85000" lnSpcReduction="10000"/>
-          </a:bodyPr>
-          <a:lstStyle/>
-          <a:p>
-            <a:r>
-              <a:rPr lang="en-US" dirty="0" smtClean="0"/>
-              <a:t>Read case study here (note: this is a </a:t>
-            </a:r>
-            <a:r>
-              <a:rPr lang="en-US" dirty="0" err="1" smtClean="0"/>
-              <a:t>GemFire</a:t>
-            </a:r>
-            <a:r>
-              <a:rPr lang="en-US" dirty="0" smtClean="0"/>
-              <a:t> customer story):</a:t>
-            </a:r>
-          </a:p>
-          <a:p>
-            <a:pPr defTabSz="905713">
-              <a:spcBef>
-                <a:spcPts val="1189"/>
-              </a:spcBef>
-              <a:defRPr/>
-            </a:pPr>
-            <a:r>
-              <a:rPr lang="en-US" dirty="0" smtClean="0"/>
-              <a:t>http://</a:t>
-            </a:r>
-            <a:r>
-              <a:rPr lang="en-US" dirty="0" err="1" smtClean="0"/>
-              <a:t>www.pivotal.io</a:t>
-            </a:r>
-            <a:r>
-              <a:rPr lang="en-US" dirty="0" smtClean="0"/>
-              <a:t>/sites/default/files/Pivotal_vFabric_CS_Newedge_061213__0.pdf</a:t>
-            </a:r>
-          </a:p>
-          <a:p>
-            <a:pPr defTabSz="905713">
-              <a:spcBef>
-                <a:spcPts val="1189"/>
-              </a:spcBef>
-              <a:defRPr/>
-            </a:pPr>
-            <a:endParaRPr lang="en-US" dirty="0" smtClean="0"/>
-          </a:p>
-          <a:p>
-            <a:pPr defTabSz="905713">
-              <a:spcBef>
-                <a:spcPts val="1189"/>
-              </a:spcBef>
-              <a:defRPr/>
-            </a:pPr>
-            <a:r>
-              <a:rPr lang="en-US" dirty="0" smtClean="0"/>
-              <a:t>Quote:</a:t>
-            </a:r>
-          </a:p>
-          <a:p>
-            <a:pPr defTabSz="905713">
-              <a:spcBef>
-                <a:spcPts val="1189"/>
-              </a:spcBef>
-              <a:defRPr/>
-            </a:pPr>
-            <a:r>
-              <a:rPr lang="en-US" sz="1100" dirty="0">
-                <a:latin typeface="Verdana" pitchFamily="34" charset="0"/>
-                <a:cs typeface="Arial" pitchFamily="34" charset="0"/>
-              </a:rPr>
-              <a:t>Group CIO, Alain </a:t>
-            </a:r>
-            <a:r>
-              <a:rPr lang="en-US" sz="1100" dirty="0" err="1">
-                <a:latin typeface="Verdana" pitchFamily="34" charset="0"/>
-                <a:cs typeface="Arial" pitchFamily="34" charset="0"/>
-              </a:rPr>
-              <a:t>Courbebaisse</a:t>
-            </a:r>
-            <a:r>
-              <a:rPr lang="en-US" sz="1100" dirty="0">
-                <a:latin typeface="Verdana" pitchFamily="34" charset="0"/>
-                <a:cs typeface="Arial" pitchFamily="34" charset="0"/>
-              </a:rPr>
-              <a:t>, says, “We have successfully implemented the most advanced post-trading platform of the clearing industry.” </a:t>
-            </a:r>
-          </a:p>
-          <a:p>
-            <a:pPr defTabSz="905713">
-              <a:spcBef>
-                <a:spcPts val="1189"/>
-              </a:spcBef>
-              <a:defRPr/>
-            </a:pPr>
-            <a:endParaRPr lang="en-US" sz="1100" dirty="0">
-              <a:latin typeface="Verdana" pitchFamily="34" charset="0"/>
-              <a:cs typeface="Arial" pitchFamily="34" charset="0"/>
-            </a:endParaRPr>
-          </a:p>
-          <a:p>
-            <a:r>
-              <a:rPr lang="en-US" sz="1100" dirty="0">
-                <a:latin typeface="Verdana" pitchFamily="34" charset="0"/>
-                <a:cs typeface="Arial" pitchFamily="34" charset="0"/>
-              </a:rPr>
-              <a:t>As well as the strategic alignment, the </a:t>
-            </a:r>
-            <a:r>
-              <a:rPr lang="en-US" sz="1100" dirty="0" err="1">
-                <a:latin typeface="Verdana" pitchFamily="34" charset="0"/>
-                <a:cs typeface="Arial" pitchFamily="34" charset="0"/>
-              </a:rPr>
-              <a:t>NVision</a:t>
-            </a:r>
-            <a:r>
-              <a:rPr lang="en-US" sz="1100" dirty="0">
-                <a:latin typeface="Verdana" pitchFamily="34" charset="0"/>
-                <a:cs typeface="Arial" pitchFamily="34" charset="0"/>
-              </a:rPr>
-              <a:t> program resulted in a number of further, more tangible objectives being met: </a:t>
-            </a:r>
-            <a:endParaRPr lang="en-US" dirty="0" smtClean="0">
-              <a:effectLst/>
-            </a:endParaRPr>
-          </a:p>
-          <a:p>
-            <a:pPr lvl="1" fontAlgn="auto"/>
-            <a:r>
-              <a:rPr lang="en-US" sz="1100" dirty="0">
-                <a:latin typeface="Verdana" pitchFamily="34" charset="0"/>
-                <a:cs typeface="Arial" pitchFamily="34" charset="0"/>
-              </a:rPr>
-              <a:t>Support for higher clearing volumes and create a platform that is horizontally scalable as more markets are connected to it </a:t>
-            </a:r>
-            <a:endParaRPr lang="en-US" sz="1000" dirty="0">
-              <a:latin typeface="Verdana" pitchFamily="34" charset="0"/>
-              <a:cs typeface="Arial" pitchFamily="34" charset="0"/>
-            </a:endParaRPr>
-          </a:p>
-          <a:p>
-            <a:pPr lvl="1" fontAlgn="auto"/>
-            <a:r>
-              <a:rPr lang="en-US" sz="1100" dirty="0">
-                <a:latin typeface="Verdana" pitchFamily="34" charset="0"/>
-                <a:cs typeface="Arial" pitchFamily="34" charset="0"/>
-              </a:rPr>
-              <a:t>Reduced time to market for new market adapters </a:t>
-            </a:r>
-            <a:endParaRPr lang="en-US" sz="1000" dirty="0">
-              <a:latin typeface="Verdana" pitchFamily="34" charset="0"/>
-              <a:cs typeface="Arial" pitchFamily="34" charset="0"/>
-            </a:endParaRPr>
-          </a:p>
-          <a:p>
-            <a:pPr lvl="1" fontAlgn="auto"/>
-            <a:r>
-              <a:rPr lang="en-US" sz="1100" dirty="0">
-                <a:latin typeface="Verdana" pitchFamily="34" charset="0"/>
-                <a:cs typeface="Arial" pitchFamily="34" charset="0"/>
-              </a:rPr>
-              <a:t>Global cache provides single version of the truth and removes synchronization issues created by latency sensitive global flows </a:t>
-            </a:r>
-            <a:endParaRPr lang="en-US" sz="1000" dirty="0">
-              <a:latin typeface="Verdana" pitchFamily="34" charset="0"/>
-              <a:cs typeface="Arial" pitchFamily="34" charset="0"/>
-            </a:endParaRPr>
-          </a:p>
-          <a:p>
-            <a:pPr lvl="1" fontAlgn="auto"/>
-            <a:r>
-              <a:rPr lang="en-US" sz="1100" dirty="0">
-                <a:latin typeface="Verdana" pitchFamily="34" charset="0"/>
-                <a:cs typeface="Arial" pitchFamily="34" charset="0"/>
-              </a:rPr>
-              <a:t>Creation of a globally consistent trade flow across regions and exchanges, serving the derivative and equity business seamlessly </a:t>
-            </a:r>
-            <a:endParaRPr lang="en-US" sz="1000" dirty="0">
-              <a:latin typeface="Verdana" pitchFamily="34" charset="0"/>
-              <a:cs typeface="Arial" pitchFamily="34" charset="0"/>
-            </a:endParaRPr>
-          </a:p>
-          <a:p>
-            <a:pPr defTabSz="905713">
-              <a:spcBef>
-                <a:spcPts val="1189"/>
-              </a:spcBef>
-              <a:defRPr/>
-            </a:pPr>
-            <a:endParaRPr lang="en-US" sz="1100" dirty="0">
-              <a:latin typeface="Verdana" pitchFamily="34" charset="0"/>
-              <a:cs typeface="Arial" pitchFamily="34" charset="0"/>
-            </a:endParaRPr>
-          </a:p>
-          <a:p>
-            <a:pPr defTabSz="905713">
-              <a:spcBef>
-                <a:spcPts val="1189"/>
-              </a:spcBef>
-              <a:defRPr/>
-            </a:pPr>
-            <a:endParaRPr lang="en-US" sz="1100" dirty="0">
-              <a:latin typeface="Verdana" pitchFamily="34" charset="0"/>
-              <a:cs typeface="Arial" pitchFamily="34" charset="0"/>
-            </a:endParaRPr>
-          </a:p>
-          <a:p>
-            <a:r>
-              <a:rPr lang="en-US" sz="1100" dirty="0">
-                <a:latin typeface="Verdana" pitchFamily="34" charset="0"/>
-                <a:cs typeface="Arial" pitchFamily="34" charset="0"/>
-              </a:rPr>
-              <a:t>SIGNIFICANT IMPROVEMENT IN CLIENT ON-BOARDING TIME AND CLIENT SERVICE </a:t>
-            </a:r>
-            <a:endParaRPr lang="en-US" dirty="0" smtClean="0">
-              <a:effectLst/>
-            </a:endParaRPr>
-          </a:p>
-          <a:p>
-            <a:pPr lvl="1" fontAlgn="auto"/>
-            <a:r>
-              <a:rPr lang="en-US" sz="1100" dirty="0">
-                <a:latin typeface="Verdana" pitchFamily="34" charset="0"/>
-                <a:cs typeface="Arial" pitchFamily="34" charset="0"/>
-              </a:rPr>
-              <a:t>Faster resolution window (investigate, resolve and re-submit) </a:t>
-            </a:r>
-            <a:endParaRPr lang="en-US" sz="1000" dirty="0">
-              <a:latin typeface="Verdana" pitchFamily="34" charset="0"/>
-              <a:cs typeface="Arial" pitchFamily="34" charset="0"/>
-            </a:endParaRPr>
-          </a:p>
-          <a:p>
-            <a:pPr lvl="1" fontAlgn="auto"/>
-            <a:r>
-              <a:rPr lang="en-US" sz="1100" dirty="0">
-                <a:latin typeface="Verdana" pitchFamily="34" charset="0"/>
-                <a:cs typeface="Arial" pitchFamily="34" charset="0"/>
-              </a:rPr>
-              <a:t>Able to resolve reference data issues once and propagate out </a:t>
-            </a:r>
-            <a:endParaRPr lang="en-US" sz="1000" dirty="0">
-              <a:latin typeface="Verdana" pitchFamily="34" charset="0"/>
-              <a:cs typeface="Arial" pitchFamily="34" charset="0"/>
-            </a:endParaRPr>
-          </a:p>
-          <a:p>
-            <a:pPr lvl="1" fontAlgn="auto"/>
-            <a:r>
-              <a:rPr lang="en-US" sz="1100" dirty="0">
-                <a:latin typeface="Verdana" pitchFamily="34" charset="0"/>
-                <a:cs typeface="Arial" pitchFamily="34" charset="0"/>
-              </a:rPr>
-              <a:t>Replay capability removes manual re-keying </a:t>
-            </a:r>
-          </a:p>
-          <a:p>
-            <a:pPr lvl="1" fontAlgn="auto"/>
-            <a:endParaRPr lang="en-US" sz="1100" dirty="0">
-              <a:latin typeface="Verdana" pitchFamily="34" charset="0"/>
-              <a:cs typeface="Arial" pitchFamily="34" charset="0"/>
-            </a:endParaRPr>
-          </a:p>
-          <a:p>
-            <a:pPr lvl="1" fontAlgn="auto"/>
-            <a:endParaRPr lang="en-US" sz="1000" dirty="0">
-              <a:latin typeface="Verdana" pitchFamily="34" charset="0"/>
-              <a:cs typeface="Arial" pitchFamily="34" charset="0"/>
-            </a:endParaRPr>
-          </a:p>
-          <a:p>
-            <a:pPr defTabSz="905713">
-              <a:spcBef>
-                <a:spcPts val="1189"/>
-              </a:spcBef>
-              <a:defRPr/>
-            </a:pPr>
-            <a:r>
-              <a:rPr lang="en-US" dirty="0" err="1" smtClean="0"/>
-              <a:t>Thikn</a:t>
-            </a:r>
-            <a:r>
-              <a:rPr lang="en-US" dirty="0" smtClean="0"/>
-              <a:t> about this – a trading platform.  Operating</a:t>
-            </a:r>
-            <a:r>
-              <a:rPr lang="en-US" baseline="0" dirty="0" smtClean="0"/>
-              <a:t> in markets all over the world.  A few things:</a:t>
-            </a:r>
-          </a:p>
-          <a:p>
-            <a:pPr marL="226428" indent="-226428" defTabSz="905713">
-              <a:spcBef>
-                <a:spcPts val="1189"/>
-              </a:spcBef>
-              <a:buFont typeface="Arial" pitchFamily="34" charset="0"/>
-              <a:buAutoNum type="arabicPeriod"/>
-              <a:defRPr/>
-            </a:pPr>
-            <a:r>
-              <a:rPr lang="en-US" baseline="0" dirty="0" smtClean="0"/>
-              <a:t>These have to be FAST to minimize risk – trades need to be executed as much as they can be in real time in order to make sure that the actual price was as close to the agreed to price as possible.  The longer the delay, the more the possibility of drift between these prices, and the more risk is introduced.</a:t>
-            </a:r>
-          </a:p>
-          <a:p>
-            <a:pPr marL="226428" indent="-226428" defTabSz="905713">
-              <a:spcBef>
-                <a:spcPts val="1189"/>
-              </a:spcBef>
-              <a:buFont typeface="Arial" pitchFamily="34" charset="0"/>
-              <a:buAutoNum type="arabicPeriod"/>
-              <a:defRPr/>
-            </a:pPr>
-            <a:r>
-              <a:rPr lang="en-US" baseline="0" dirty="0" smtClean="0"/>
-              <a:t>The data must be consistent.</a:t>
-            </a:r>
-          </a:p>
-          <a:p>
-            <a:pPr marL="226428" indent="-226428" defTabSz="905713">
-              <a:spcBef>
-                <a:spcPts val="1189"/>
-              </a:spcBef>
-              <a:buFont typeface="Arial" pitchFamily="34" charset="0"/>
-              <a:buAutoNum type="arabicPeriod"/>
-              <a:defRPr/>
-            </a:pPr>
-            <a:endParaRPr lang="en-US" baseline="0" dirty="0" smtClean="0"/>
-          </a:p>
-          <a:p>
-            <a:pPr defTabSz="905713">
-              <a:spcBef>
-                <a:spcPts val="1189"/>
-              </a:spcBef>
-              <a:defRPr/>
-            </a:pPr>
-            <a:r>
-              <a:rPr lang="en-US" baseline="0" dirty="0" err="1" smtClean="0"/>
-              <a:t>GemFire</a:t>
-            </a:r>
-            <a:r>
-              <a:rPr lang="en-US" baseline="0" dirty="0" smtClean="0"/>
-              <a:t> and </a:t>
-            </a:r>
-            <a:r>
-              <a:rPr lang="en-US" baseline="0" dirty="0" err="1" smtClean="0"/>
-              <a:t>GemFire</a:t>
-            </a:r>
-            <a:r>
-              <a:rPr lang="en-US" baseline="0" dirty="0" smtClean="0"/>
-              <a:t> XD provides</a:t>
-            </a:r>
-          </a:p>
-          <a:p>
-            <a:pPr marL="226428" indent="-226428" defTabSz="905713">
-              <a:spcBef>
-                <a:spcPts val="1189"/>
-              </a:spcBef>
-              <a:buFont typeface="Arial" pitchFamily="34" charset="0"/>
-              <a:buAutoNum type="arabicPeriod"/>
-              <a:defRPr/>
-            </a:pPr>
-            <a:r>
-              <a:rPr lang="en-US" baseline="0" dirty="0" smtClean="0"/>
-              <a:t>Performance optimized persistence – “first line persistence” can be to other nodes in memory, making the speed of persistence as fast as the network will allow it to be.  Disk can still be used for long term storage, but your transaction in </a:t>
-            </a:r>
-            <a:r>
-              <a:rPr lang="en-US" baseline="0" dirty="0" err="1" smtClean="0"/>
-              <a:t>GemFire</a:t>
-            </a:r>
-            <a:r>
-              <a:rPr lang="en-US" baseline="0" dirty="0" smtClean="0"/>
-              <a:t> is ACID compliant in memory.  This takes disk i/o out of the critical path of the transaction, but still allows it to take place.</a:t>
-            </a:r>
-          </a:p>
-          <a:p>
-            <a:pPr marL="226428" indent="-226428" defTabSz="905713">
-              <a:spcBef>
-                <a:spcPts val="1189"/>
-              </a:spcBef>
-              <a:buFont typeface="Arial" pitchFamily="34" charset="0"/>
-              <a:buAutoNum type="arabicPeriod"/>
-              <a:defRPr/>
-            </a:pPr>
-            <a:r>
-              <a:rPr lang="en-US" baseline="0" dirty="0" smtClean="0"/>
-              <a:t>Consistency can be configured to meet your performance and data requirements.  If you care less about accuracy and more about response time, you can configure data sets to those characteristics.</a:t>
-            </a:r>
-          </a:p>
-          <a:p>
-            <a:r>
-              <a:rPr lang="en-US" baseline="0" dirty="0" smtClean="0"/>
-              <a:t>Distributed queries and regional functions – as queries and function calls are sent to the grid, their path is optimized as much as possible.  What this means is that when queries or functions are sent to the grid, they are sent in parallel, and they are optimized to route directly to nodes that hold the data.  When you query the grid or execute functions on it, you can be assured that your client will get a consistent overall view of the data.  Queries and logic are distributed for optimal performance, but always lean towards consistency.</a:t>
-            </a:r>
-          </a:p>
-          <a:p>
-            <a:pPr marL="226428" indent="-226428" defTabSz="905713">
-              <a:spcBef>
-                <a:spcPts val="1189"/>
-              </a:spcBef>
-              <a:buFont typeface="Arial" pitchFamily="34" charset="0"/>
-              <a:buAutoNum type="arabicPeriod"/>
-              <a:defRPr/>
-            </a:pPr>
-            <a:endParaRPr lang="en-US" baseline="0" dirty="0" smtClean="0"/>
-          </a:p>
-          <a:p>
-            <a:pPr marL="226428" indent="-226428" defTabSz="905713">
-              <a:spcBef>
-                <a:spcPts val="1189"/>
-              </a:spcBef>
-              <a:buFont typeface="Arial" pitchFamily="34" charset="0"/>
-              <a:buAutoNum type="arabicPeriod"/>
-              <a:defRPr/>
-            </a:pPr>
-            <a:r>
-              <a:rPr lang="en-US" baseline="0" dirty="0" smtClean="0"/>
-              <a:t>Indexing, triggers and event notifications are provided to react in real time to data as it is coming into the system</a:t>
-            </a:r>
-          </a:p>
-          <a:p>
-            <a:endParaRPr lang="en-US" baseline="0" dirty="0" smtClean="0"/>
-          </a:p>
-          <a:p>
-            <a:endParaRPr lang="en-US" baseline="0" dirty="0" smtClean="0"/>
-          </a:p>
-          <a:p>
-            <a:r>
-              <a:rPr lang="en-US" baseline="0" dirty="0" smtClean="0"/>
-              <a:t>Data can also be configured to propagate to other geographically dispersed clusters, to allow you to operate on the data as close to the “action as possible” – minimize the distance data has to travel.</a:t>
-            </a:r>
-          </a:p>
-          <a:p>
-            <a:pPr defTabSz="905713">
-              <a:spcBef>
-                <a:spcPts val="1189"/>
-              </a:spcBef>
-              <a:defRPr/>
-            </a:pPr>
-            <a:endParaRPr lang="en-US" dirty="0" smtClean="0"/>
-          </a:p>
-          <a:p>
-            <a:r>
-              <a:rPr lang="en-US" dirty="0" smtClean="0"/>
-              <a:t>---------</a:t>
-            </a:r>
-          </a:p>
-          <a:p>
-            <a:endParaRPr lang="en-US" dirty="0" smtClean="0"/>
-          </a:p>
-          <a:p>
-            <a:r>
-              <a:rPr lang="en-US" dirty="0" smtClean="0"/>
-              <a:t>We support persistence and make sure updates are consistent. We use replication for higher performance </a:t>
-            </a:r>
-            <a:r>
-              <a:rPr lang="en-US" dirty="0" err="1" smtClean="0"/>
-              <a:t>GemFire</a:t>
-            </a:r>
-            <a:r>
-              <a:rPr lang="en-US" dirty="0" smtClean="0"/>
-              <a:t> uses the concept of having redundant copies in memory to make the data more available.  What</a:t>
-            </a:r>
-            <a:r>
-              <a:rPr lang="en-US" baseline="0" dirty="0" smtClean="0"/>
-              <a:t> this means, is that instead of writing the data to disk to persist it, I will write it to one or more other nodes.  If I am doing this on a reasonably fast network, I can “persist” the data in less than 1 </a:t>
-            </a:r>
-            <a:r>
-              <a:rPr lang="en-US" baseline="0" dirty="0" err="1" smtClean="0"/>
-              <a:t>ms.</a:t>
-            </a:r>
-            <a:r>
-              <a:rPr lang="en-US" baseline="0" dirty="0" smtClean="0"/>
-              <a:t>  Data can be configured to write to local attached disk (shared nothing) or some other data source at the appropriate time via a rich event framework</a:t>
-            </a:r>
-          </a:p>
-          <a:p>
-            <a:r>
-              <a:rPr lang="en-US" baseline="0" dirty="0" smtClean="0"/>
-              <a:t>Data can also be configured to propagate to other geographically dispersed clusters, to allow you to operate on the data as close to the “action as possible” – minimize the distance data has to travel.</a:t>
-            </a:r>
-          </a:p>
-          <a:p>
-            <a:endParaRPr lang="en-US" baseline="0" dirty="0" smtClean="0"/>
-          </a:p>
-          <a:p>
-            <a:endParaRPr lang="en-US" baseline="0" dirty="0" smtClean="0"/>
-          </a:p>
-        </p:txBody>
-      </p:sp>
-    </p:spTree>
-    <p:extLst>
-      <p:ext uri="{BB962C8B-B14F-4D97-AF65-F5344CB8AC3E}">
-        <p14:creationId xmlns:p14="http://schemas.microsoft.com/office/powerpoint/2010/main" val="4224429546"/>
-      </p:ext>
-    </p:extLst>
-  </p:cSld>
-  <p:clrMapOvr>
-    <a:masterClrMapping/>
-  </p:clrMapOvr>
-</p:notes>
-</file>
-
-<file path=ppt/notesSlides/notesSlide5.xml><?xml version="1.0" encoding="utf-8"?>
-<p:notes xmlns:a="http://schemas.openxmlformats.org/drawingml/2006/main" xmlns:r="http://schemas.openxmlformats.org/officeDocument/2006/relationships" xmlns:p="http://schemas.openxmlformats.org/presentationml/2006/main">
-  <p:cSld>
-    <p:spTree>
-      <p:nvGrpSpPr>
-        <p:cNvPr id="1" name=""/>
-        <p:cNvGrpSpPr/>
-        <p:nvPr/>
-      </p:nvGrpSpPr>
-      <p:grpSpPr>
-        <a:xfrm>
-          <a:off x="0" y="0"/>
-          <a:ext cx="0" cy="0"/>
-          <a:chOff x="0" y="0"/>
-          <a:chExt cx="0" cy="0"/>
-        </a:xfrm>
-      </p:grpSpPr>
-      <p:sp>
-        <p:nvSpPr>
-          <p:cNvPr id="2" name="Slide Image Placeholder 1"/>
-          <p:cNvSpPr>
-            <a:spLocks noGrp="1" noRot="1" noChangeAspect="1"/>
-          </p:cNvSpPr>
-          <p:nvPr>
-            <p:ph type="sldImg"/>
-          </p:nvPr>
-        </p:nvSpPr>
-        <p:spPr>
-          <a:xfrm>
-            <a:off x="381000" y="685800"/>
-            <a:ext cx="6096000" cy="3429000"/>
-          </a:xfrm>
-        </p:spPr>
-      </p:sp>
-      <p:sp>
-        <p:nvSpPr>
-          <p:cNvPr id="3" name="Notes Placeholder 2"/>
-          <p:cNvSpPr>
-            <a:spLocks noGrp="1"/>
-          </p:cNvSpPr>
-          <p:nvPr>
-            <p:ph type="body" idx="1"/>
-          </p:nvPr>
-        </p:nvSpPr>
-        <p:spPr/>
-        <p:txBody>
-          <a:bodyPr>
-            <a:normAutofit lnSpcReduction="10000"/>
-          </a:bodyPr>
-          <a:lstStyle/>
-          <a:p>
-            <a:r>
-              <a:rPr lang="en-US" sz="1100" dirty="0">
-                <a:latin typeface="Verdana" pitchFamily="34" charset="0"/>
-                <a:cs typeface="Arial" pitchFamily="34" charset="0"/>
-              </a:rPr>
-              <a:t>Read case study here (Note this is a </a:t>
-            </a:r>
-            <a:r>
-              <a:rPr lang="en-US" sz="1100" dirty="0" err="1">
-                <a:latin typeface="Verdana" pitchFamily="34" charset="0"/>
-                <a:cs typeface="Arial" pitchFamily="34" charset="0"/>
-              </a:rPr>
-              <a:t>GemFire</a:t>
-            </a:r>
-            <a:r>
-              <a:rPr lang="en-US" sz="1100" dirty="0">
-                <a:latin typeface="Verdana" pitchFamily="34" charset="0"/>
-                <a:cs typeface="Arial" pitchFamily="34" charset="0"/>
-              </a:rPr>
-              <a:t> customer story):</a:t>
-            </a:r>
-          </a:p>
-          <a:p>
-            <a:r>
-              <a:rPr lang="en-US" baseline="0" dirty="0" smtClean="0"/>
-              <a:t>http://</a:t>
-            </a:r>
-            <a:r>
-              <a:rPr lang="en-US" baseline="0" dirty="0" err="1" smtClean="0"/>
-              <a:t>blog.pivotal.io</a:t>
-            </a:r>
-            <a:r>
-              <a:rPr lang="en-US" baseline="0" dirty="0" smtClean="0"/>
-              <a:t>/pivotal/case-studies-2/how-argentina-pays-its-bills-19-million-cash-transactions-a-month-on-unreliable-networks-with-pivotal-gemfire-and-spring</a:t>
-            </a:r>
-          </a:p>
-          <a:p>
-            <a:endParaRPr lang="en-US" baseline="0" dirty="0" smtClean="0"/>
-          </a:p>
-          <a:p>
-            <a:r>
-              <a:rPr lang="en-US" baseline="0" dirty="0" smtClean="0"/>
-              <a:t>(</a:t>
-            </a:r>
-            <a:r>
-              <a:rPr lang="en-US" baseline="0" dirty="0" err="1" smtClean="0"/>
-              <a:t>Rapipago</a:t>
-            </a:r>
-            <a:r>
-              <a:rPr lang="en-US" baseline="0" dirty="0" smtClean="0"/>
-              <a:t> is their most well known brand)</a:t>
-            </a:r>
-          </a:p>
-          <a:p>
-            <a:endParaRPr lang="en-US" baseline="0" dirty="0" smtClean="0"/>
-          </a:p>
-          <a:p>
-            <a:r>
-              <a:rPr lang="en-US" sz="1100" dirty="0">
-                <a:latin typeface="Verdana" pitchFamily="34" charset="0"/>
-                <a:cs typeface="Arial" pitchFamily="34" charset="0"/>
-              </a:rPr>
-              <a:t>With over 2,600 branches, 4,000 kiosk-based points of sale, and a huge call center, </a:t>
-            </a:r>
-            <a:r>
-              <a:rPr lang="en-US" sz="1100" dirty="0" err="1">
-                <a:latin typeface="Verdana" pitchFamily="34" charset="0"/>
-                <a:cs typeface="Arial" pitchFamily="34" charset="0"/>
-              </a:rPr>
-              <a:t>Rapipago</a:t>
-            </a:r>
-            <a:r>
-              <a:rPr lang="en-US" sz="1100" dirty="0">
-                <a:latin typeface="Verdana" pitchFamily="34" charset="0"/>
-                <a:cs typeface="Arial" pitchFamily="34" charset="0"/>
-              </a:rPr>
-              <a:t> is part of GIRE’s business of providing billing, collection, payment, and transaction processing services.</a:t>
-            </a:r>
-          </a:p>
-          <a:p>
-            <a:r>
-              <a:rPr lang="en-US" sz="1100" dirty="0">
-                <a:latin typeface="Verdana" pitchFamily="34" charset="0"/>
-                <a:cs typeface="Arial" pitchFamily="34" charset="0"/>
-              </a:rPr>
-              <a:t>To put it simply, consumers visit our locations to pay their bills. </a:t>
-            </a:r>
-            <a:r>
-              <a:rPr lang="en-US" sz="1100" dirty="0" err="1">
-                <a:latin typeface="Verdana" pitchFamily="34" charset="0"/>
-                <a:cs typeface="Arial" pitchFamily="34" charset="0"/>
-              </a:rPr>
-              <a:t>Rapipago</a:t>
-            </a:r>
-            <a:r>
-              <a:rPr lang="en-US" sz="1100" dirty="0">
-                <a:latin typeface="Verdana" pitchFamily="34" charset="0"/>
-                <a:cs typeface="Arial" pitchFamily="34" charset="0"/>
-              </a:rPr>
-              <a:t> supports payments between 1200+ companies and their consumers—around 19 million transactions per month. </a:t>
-            </a:r>
-            <a:r>
-              <a:rPr lang="en-US" sz="1100" dirty="0" err="1">
-                <a:latin typeface="Verdana" pitchFamily="34" charset="0"/>
-                <a:cs typeface="Arial" pitchFamily="34" charset="0"/>
-              </a:rPr>
-              <a:t>Rapipago’s</a:t>
-            </a:r>
-            <a:r>
-              <a:rPr lang="en-US" sz="1100" dirty="0">
-                <a:latin typeface="Verdana" pitchFamily="34" charset="0"/>
-                <a:cs typeface="Arial" pitchFamily="34" charset="0"/>
-              </a:rPr>
-              <a:t> card, check, and cash-based transactions ultimately collect money on behalf of cell phone companies, automotive, banking, energy, gas, water, insurance, cable, credit cards, schools, municipalities, tourism operators, and more.</a:t>
-            </a:r>
-          </a:p>
-          <a:p>
-            <a:endParaRPr lang="en-US" sz="1100" dirty="0">
-              <a:latin typeface="Verdana" pitchFamily="34" charset="0"/>
-              <a:cs typeface="Arial" pitchFamily="34" charset="0"/>
-            </a:endParaRPr>
-          </a:p>
-          <a:p>
-            <a:r>
-              <a:rPr lang="en-US" sz="1100" dirty="0">
-                <a:latin typeface="Verdana" pitchFamily="34" charset="0"/>
-                <a:cs typeface="Arial" pitchFamily="34" charset="0"/>
-              </a:rPr>
-              <a:t>The biggest problem </a:t>
-            </a:r>
-            <a:r>
-              <a:rPr lang="en-US" sz="1100" dirty="0" err="1">
-                <a:latin typeface="Verdana" pitchFamily="34" charset="0"/>
-                <a:cs typeface="Arial" pitchFamily="34" charset="0"/>
-              </a:rPr>
-              <a:t>GemFire</a:t>
-            </a:r>
-            <a:r>
-              <a:rPr lang="en-US" sz="1100" dirty="0">
-                <a:latin typeface="Verdana" pitchFamily="34" charset="0"/>
-                <a:cs typeface="Arial" pitchFamily="34" charset="0"/>
-              </a:rPr>
-              <a:t> has helped us solve has to do with unreliable network connectivity. This limited our ability to report on the business operations and take certain actions. In our network, we collect money from 6 AM until 9 PM, depending on the region. Before </a:t>
-            </a:r>
-            <a:r>
-              <a:rPr lang="en-US" sz="1100" dirty="0" err="1">
-                <a:latin typeface="Verdana" pitchFamily="34" charset="0"/>
-                <a:cs typeface="Arial" pitchFamily="34" charset="0"/>
-              </a:rPr>
-              <a:t>GemFire</a:t>
-            </a:r>
-            <a:r>
-              <a:rPr lang="en-US" sz="1100" dirty="0">
-                <a:latin typeface="Verdana" pitchFamily="34" charset="0"/>
-                <a:cs typeface="Arial" pitchFamily="34" charset="0"/>
-              </a:rPr>
-              <a:t>, we had to wait until the next day to have visibility into how our network is collecting money. The previous system would process batch files each night. Our management team could only see transactions after a day’s time passed. In addition, many locations have unreliable network connections that make it harder to get a current view of the information.</a:t>
-            </a:r>
-          </a:p>
-          <a:p>
-            <a:r>
-              <a:rPr lang="en-US" sz="1100" dirty="0">
-                <a:latin typeface="Verdana" pitchFamily="34" charset="0"/>
-                <a:cs typeface="Arial" pitchFamily="34" charset="0"/>
-              </a:rPr>
-              <a:t>With </a:t>
-            </a:r>
-            <a:r>
-              <a:rPr lang="en-US" sz="1100" dirty="0" err="1">
-                <a:latin typeface="Verdana" pitchFamily="34" charset="0"/>
-                <a:cs typeface="Arial" pitchFamily="34" charset="0"/>
-              </a:rPr>
-              <a:t>GemFire</a:t>
-            </a:r>
-            <a:r>
-              <a:rPr lang="en-US" sz="1100" dirty="0">
-                <a:latin typeface="Verdana" pitchFamily="34" charset="0"/>
-                <a:cs typeface="Arial" pitchFamily="34" charset="0"/>
-              </a:rPr>
-              <a:t>, we can see the information in real-time, even if there is an unreliable network. The data is synced 24 x 7 as the network allows. Now, we have a much more accurate view of the cash at each location. From an operations perspective, having a better picture of each payment point throughout the day means we can now decide to do things like send an armed vehicle to take cash off the street when large sums of money start to accumulate.</a:t>
-            </a:r>
-          </a:p>
-          <a:p>
-            <a:endParaRPr lang="en-US" sz="1100" dirty="0">
-              <a:latin typeface="Verdana" pitchFamily="34" charset="0"/>
-              <a:cs typeface="Arial" pitchFamily="34" charset="0"/>
-            </a:endParaRPr>
-          </a:p>
-          <a:p>
-            <a:r>
-              <a:rPr lang="en-US" sz="1100" dirty="0">
-                <a:latin typeface="Verdana" pitchFamily="34" charset="0"/>
-                <a:cs typeface="Arial" pitchFamily="34" charset="0"/>
-              </a:rPr>
-              <a:t>In each Kiosk, transactions are captured in a local </a:t>
-            </a:r>
-            <a:r>
-              <a:rPr lang="en-US" sz="1100" dirty="0" err="1">
-                <a:latin typeface="Verdana" pitchFamily="34" charset="0"/>
-                <a:cs typeface="Arial" pitchFamily="34" charset="0"/>
-              </a:rPr>
-              <a:t>GemFire</a:t>
-            </a:r>
-            <a:r>
-              <a:rPr lang="en-US" sz="1100" dirty="0">
-                <a:latin typeface="Verdana" pitchFamily="34" charset="0"/>
-                <a:cs typeface="Arial" pitchFamily="34" charset="0"/>
-              </a:rPr>
-              <a:t> instance. </a:t>
-            </a:r>
-            <a:r>
-              <a:rPr lang="en-US" sz="1100" dirty="0" err="1">
-                <a:latin typeface="Verdana" pitchFamily="34" charset="0"/>
-                <a:cs typeface="Arial" pitchFamily="34" charset="0"/>
-              </a:rPr>
-              <a:t>GemFire</a:t>
-            </a:r>
-            <a:r>
-              <a:rPr lang="en-US" sz="1100" dirty="0">
-                <a:latin typeface="Verdana" pitchFamily="34" charset="0"/>
-                <a:cs typeface="Arial" pitchFamily="34" charset="0"/>
-              </a:rPr>
-              <a:t> also places the transactions in a shared branch region. This way, we can share information between kiosks within a branch.</a:t>
-            </a:r>
-          </a:p>
-          <a:p>
-            <a:endParaRPr lang="en-US" sz="1100" dirty="0">
-              <a:latin typeface="Verdana" pitchFamily="34" charset="0"/>
-              <a:cs typeface="Arial" pitchFamily="34" charset="0"/>
-            </a:endParaRPr>
-          </a:p>
-          <a:p>
-            <a:r>
-              <a:rPr lang="en-US" sz="1100" dirty="0">
-                <a:latin typeface="Verdana" pitchFamily="34" charset="0"/>
-                <a:cs typeface="Arial" pitchFamily="34" charset="0"/>
-              </a:rPr>
-              <a:t>In each branch, we have a </a:t>
-            </a:r>
-            <a:r>
-              <a:rPr lang="en-US" sz="1100" dirty="0" err="1">
-                <a:latin typeface="Verdana" pitchFamily="34" charset="0"/>
-                <a:cs typeface="Arial" pitchFamily="34" charset="0"/>
-              </a:rPr>
-              <a:t>GemFire</a:t>
-            </a:r>
-            <a:r>
-              <a:rPr lang="en-US" sz="1100" dirty="0">
-                <a:latin typeface="Verdana" pitchFamily="34" charset="0"/>
-                <a:cs typeface="Arial" pitchFamily="34" charset="0"/>
-              </a:rPr>
-              <a:t> peer-to-peer topology set up—a branch’s kiosks are part of a distributed system. Before </a:t>
-            </a:r>
-            <a:r>
-              <a:rPr lang="en-US" sz="1100" dirty="0" err="1">
-                <a:latin typeface="Verdana" pitchFamily="34" charset="0"/>
-                <a:cs typeface="Arial" pitchFamily="34" charset="0"/>
-              </a:rPr>
-              <a:t>GemFire</a:t>
-            </a:r>
-            <a:r>
-              <a:rPr lang="en-US" sz="1100" dirty="0">
-                <a:latin typeface="Verdana" pitchFamily="34" charset="0"/>
-                <a:cs typeface="Arial" pitchFamily="34" charset="0"/>
-              </a:rPr>
-              <a:t>, business rules were on the server side, and the system had to be online for the rules to run. With </a:t>
-            </a:r>
-            <a:r>
-              <a:rPr lang="en-US" sz="1100" dirty="0" err="1">
-                <a:latin typeface="Verdana" pitchFamily="34" charset="0"/>
-                <a:cs typeface="Arial" pitchFamily="34" charset="0"/>
-              </a:rPr>
-              <a:t>GemFire’s</a:t>
-            </a:r>
-            <a:r>
-              <a:rPr lang="en-US" sz="1100" dirty="0">
-                <a:latin typeface="Verdana" pitchFamily="34" charset="0"/>
-                <a:cs typeface="Arial" pitchFamily="34" charset="0"/>
-              </a:rPr>
-              <a:t> P2P topology, we have those rules running in each kiosk, and they can be executed when the server is offline.</a:t>
-            </a:r>
-          </a:p>
-          <a:p>
-            <a:r>
-              <a:rPr lang="en-US" sz="1100" dirty="0">
-                <a:latin typeface="Verdana" pitchFamily="34" charset="0"/>
-                <a:cs typeface="Arial" pitchFamily="34" charset="0"/>
-              </a:rPr>
-              <a:t>The kiosks also place information on the </a:t>
-            </a:r>
-            <a:r>
-              <a:rPr lang="en-US" sz="1100" dirty="0" err="1">
-                <a:latin typeface="Verdana" pitchFamily="34" charset="0"/>
-                <a:cs typeface="Arial" pitchFamily="34" charset="0"/>
-              </a:rPr>
-              <a:t>GemFire</a:t>
-            </a:r>
-            <a:r>
-              <a:rPr lang="en-US" sz="1100" dirty="0">
-                <a:latin typeface="Verdana" pitchFamily="34" charset="0"/>
-                <a:cs typeface="Arial" pitchFamily="34" charset="0"/>
-              </a:rPr>
-              <a:t> WAN gateway to synchronize information to the central data center. With the WAN gateway, a returning network connection allows us to synchronize with the data center’s master database. When we don’t have internet connection to our central datacenter, we store all the transactions in the gateway’s queue. This is how we get a near real-time view of the entire network in a central place.</a:t>
-            </a:r>
-          </a:p>
-          <a:p>
-            <a:r>
-              <a:rPr lang="en-US" sz="1100" i="1" dirty="0">
-                <a:latin typeface="Verdana" pitchFamily="34" charset="0"/>
-                <a:cs typeface="Arial" pitchFamily="34" charset="0"/>
-              </a:rPr>
-              <a:t>Can you explain more about how </a:t>
-            </a:r>
-            <a:r>
-              <a:rPr lang="en-US" sz="1100" i="1" dirty="0" err="1">
-                <a:latin typeface="Verdana" pitchFamily="34" charset="0"/>
-                <a:cs typeface="Arial" pitchFamily="34" charset="0"/>
-              </a:rPr>
-              <a:t>GemFire</a:t>
-            </a:r>
-            <a:r>
-              <a:rPr lang="en-US" sz="1100" i="1" dirty="0">
-                <a:latin typeface="Verdana" pitchFamily="34" charset="0"/>
-                <a:cs typeface="Arial" pitchFamily="34" charset="0"/>
-              </a:rPr>
-              <a:t> handles the WAN synchronization?</a:t>
-            </a:r>
-            <a:endParaRPr lang="en-US" sz="1100" dirty="0">
-              <a:latin typeface="Verdana" pitchFamily="34" charset="0"/>
-              <a:cs typeface="Arial" pitchFamily="34" charset="0"/>
-            </a:endParaRPr>
-          </a:p>
-          <a:p>
-            <a:r>
-              <a:rPr lang="en-US" sz="1100" dirty="0">
-                <a:latin typeface="Verdana" pitchFamily="34" charset="0"/>
-                <a:cs typeface="Arial" pitchFamily="34" charset="0"/>
-              </a:rPr>
-              <a:t>Yes. This is the key function that allows us to have up to date information and deal with lost network connections. We use the WAN gateway to synchronize transactions between kiosks and our data center. </a:t>
-            </a:r>
-            <a:r>
-              <a:rPr lang="en-US" sz="1100" dirty="0" err="1">
-                <a:latin typeface="Verdana" pitchFamily="34" charset="0"/>
-                <a:cs typeface="Arial" pitchFamily="34" charset="0"/>
-              </a:rPr>
-              <a:t>GemFire’s</a:t>
-            </a:r>
-            <a:r>
-              <a:rPr lang="en-US" sz="1100" dirty="0">
-                <a:latin typeface="Verdana" pitchFamily="34" charset="0"/>
-                <a:cs typeface="Arial" pitchFamily="34" charset="0"/>
-              </a:rPr>
-              <a:t> WAN gateway allows us to loosely couple multiple, independent </a:t>
-            </a:r>
-            <a:r>
-              <a:rPr lang="en-US" sz="1100" dirty="0" err="1">
-                <a:latin typeface="Verdana" pitchFamily="34" charset="0"/>
-                <a:cs typeface="Arial" pitchFamily="34" charset="0"/>
-              </a:rPr>
-              <a:t>GemFire</a:t>
-            </a:r>
-            <a:r>
-              <a:rPr lang="en-US" sz="1100" dirty="0">
-                <a:latin typeface="Verdana" pitchFamily="34" charset="0"/>
-                <a:cs typeface="Arial" pitchFamily="34" charset="0"/>
-              </a:rPr>
-              <a:t> systems. So, each of our kiosks has it’s own </a:t>
-            </a:r>
-            <a:r>
-              <a:rPr lang="en-US" sz="1100" dirty="0" err="1">
-                <a:latin typeface="Verdana" pitchFamily="34" charset="0"/>
-                <a:cs typeface="Arial" pitchFamily="34" charset="0"/>
-              </a:rPr>
-              <a:t>GemFire</a:t>
-            </a:r>
-            <a:r>
-              <a:rPr lang="en-US" sz="1100" dirty="0">
-                <a:latin typeface="Verdana" pitchFamily="34" charset="0"/>
-                <a:cs typeface="Arial" pitchFamily="34" charset="0"/>
-              </a:rPr>
-              <a:t> instance and region data is shared with the central </a:t>
-            </a:r>
-            <a:r>
-              <a:rPr lang="en-US" sz="1100" dirty="0" err="1">
-                <a:latin typeface="Verdana" pitchFamily="34" charset="0"/>
-                <a:cs typeface="Arial" pitchFamily="34" charset="0"/>
-              </a:rPr>
-              <a:t>GemFire</a:t>
-            </a:r>
-            <a:r>
-              <a:rPr lang="en-US" sz="1100" dirty="0">
-                <a:latin typeface="Verdana" pitchFamily="34" charset="0"/>
-                <a:cs typeface="Arial" pitchFamily="34" charset="0"/>
-              </a:rPr>
-              <a:t> instance via the WAN gateway. If communications between sites fail or become slow, the systems still run independently, and persistent queues operate for messaging between sites.</a:t>
-            </a:r>
-          </a:p>
-          <a:p>
-            <a:endParaRPr lang="en-US" sz="1100" dirty="0">
-              <a:latin typeface="Verdana" pitchFamily="34" charset="0"/>
-              <a:cs typeface="Arial" pitchFamily="34" charset="0"/>
-            </a:endParaRPr>
-          </a:p>
-          <a:p>
-            <a:r>
-              <a:rPr lang="en-US" sz="1100" dirty="0">
-                <a:latin typeface="Verdana" pitchFamily="34" charset="0"/>
-                <a:cs typeface="Arial" pitchFamily="34" charset="0"/>
-              </a:rPr>
-              <a:t>Within a cluster, data can be made resilient to failures.  This means that nodes can come and go without data loss.  Additionally, data can be persisted to local disk as an added measure.  If servers fail within a cluster, it is transparent to the client.  Data is kept consistent, and the connection is automatically routed to an available node.</a:t>
-            </a:r>
-          </a:p>
-          <a:p>
-            <a:endParaRPr lang="en-US" baseline="0" dirty="0" smtClean="0"/>
-          </a:p>
-          <a:p>
-            <a:r>
-              <a:rPr lang="en-US" baseline="0" dirty="0" smtClean="0"/>
-              <a:t>Cluster to cluster connectivity gives the data a way to survive smoking hole failures as well.  The data is queued up to write asynchronously to other clusters.  These queues can also be written to local disk to avoid data loss of queues in memory, in case a data center loses connectivity.  The data is saved in the local cluster safely until network connectivity is restored.  </a:t>
-            </a:r>
-            <a:r>
-              <a:rPr lang="en-US" baseline="0" dirty="0" err="1" smtClean="0"/>
-              <a:t>Gire</a:t>
-            </a:r>
-            <a:r>
-              <a:rPr lang="en-US" baseline="0" dirty="0" smtClean="0"/>
-              <a:t> specifically uses this to handle their unreliable network issues.</a:t>
-            </a:r>
-          </a:p>
-          <a:p>
-            <a:endParaRPr lang="en-US" baseline="0" dirty="0" smtClean="0"/>
-          </a:p>
-          <a:p>
-            <a:endParaRPr lang="en-US" baseline="0" dirty="0" smtClean="0"/>
-          </a:p>
-          <a:p>
-            <a:endParaRPr lang="en-US" baseline="0" dirty="0" smtClean="0"/>
-          </a:p>
-          <a:p>
-            <a:endParaRPr lang="en-US" baseline="0" dirty="0" smtClean="0"/>
-          </a:p>
-          <a:p>
-            <a:endParaRPr lang="en-US" baseline="0" dirty="0" smtClean="0"/>
-          </a:p>
-        </p:txBody>
-      </p:sp>
-    </p:spTree>
-    <p:extLst>
-      <p:ext uri="{BB962C8B-B14F-4D97-AF65-F5344CB8AC3E}">
-        <p14:creationId xmlns:p14="http://schemas.microsoft.com/office/powerpoint/2010/main" val="669154445"/>
-      </p:ext>
-    </p:extLst>
-  </p:cSld>
-  <p:clrMapOvr>
-    <a:masterClrMapping/>
-  </p:clrMapOvr>
-</p:notes>
-</file>
-
-<file path=ppt/notesSlides/notesSlide6.xml><?xml version="1.0" encoding="utf-8"?>
-<p:notes xmlns:a="http://schemas.openxmlformats.org/drawingml/2006/main" xmlns:r="http://schemas.openxmlformats.org/officeDocument/2006/relationships" xmlns:p="http://schemas.openxmlformats.org/presentationml/2006/main">
-  <p:cSld>
-    <p:spTree>
-      <p:nvGrpSpPr>
-        <p:cNvPr id="1" name=""/>
-        <p:cNvGrpSpPr/>
-        <p:nvPr/>
-      </p:nvGrpSpPr>
-      <p:grpSpPr>
-        <a:xfrm>
-          <a:off x="0" y="0"/>
-          <a:ext cx="0" cy="0"/>
-          <a:chOff x="0" y="0"/>
-          <a:chExt cx="0" cy="0"/>
-        </a:xfrm>
-      </p:grpSpPr>
-      <p:sp>
-        <p:nvSpPr>
-          <p:cNvPr id="2" name="Slide Image Placeholder 1"/>
-          <p:cNvSpPr>
-            <a:spLocks noGrp="1" noRot="1" noChangeAspect="1"/>
-          </p:cNvSpPr>
-          <p:nvPr>
-            <p:ph type="sldImg"/>
-          </p:nvPr>
-        </p:nvSpPr>
-        <p:spPr>
-          <a:xfrm>
-            <a:off x="381000" y="685800"/>
-            <a:ext cx="6096000" cy="3429000"/>
-          </a:xfrm>
-        </p:spPr>
-      </p:sp>
-      <p:sp>
-        <p:nvSpPr>
-          <p:cNvPr id="3" name="Notes Placeholder 2"/>
-          <p:cNvSpPr>
-            <a:spLocks noGrp="1"/>
-          </p:cNvSpPr>
-          <p:nvPr>
-            <p:ph type="body" idx="1"/>
-          </p:nvPr>
-        </p:nvSpPr>
-        <p:spPr/>
-        <p:txBody>
-          <a:bodyPr/>
-          <a:lstStyle/>
-          <a:p>
-            <a:r>
-              <a:rPr lang="en-US" dirty="0" smtClean="0"/>
-              <a:t>Describe how a client server architecture</a:t>
-            </a:r>
-            <a:r>
-              <a:rPr lang="en-US" baseline="0" dirty="0" smtClean="0"/>
-              <a:t> usually looks. The next slide goes into detail on that.</a:t>
-            </a:r>
-            <a:endParaRPr lang="en-US" dirty="0"/>
-          </a:p>
-        </p:txBody>
-      </p:sp>
-      <p:sp>
-        <p:nvSpPr>
-          <p:cNvPr id="4" name="Slide Number Placeholder 3"/>
-          <p:cNvSpPr>
-            <a:spLocks noGrp="1"/>
-          </p:cNvSpPr>
-          <p:nvPr>
-            <p:ph type="sldNum" sz="quarter" idx="10"/>
-          </p:nvPr>
-        </p:nvSpPr>
-        <p:spPr/>
-        <p:txBody>
-          <a:bodyPr/>
-          <a:lstStyle/>
-          <a:p>
-            <a:fld id="{B62DED7D-F3F5-414D-A921-02FF386BC425}" type="slidenum">
-              <a:rPr lang="en-US" smtClean="0"/>
-              <a:t>8</a:t>
-            </a:fld>
-            <a:endParaRPr lang="en-US"/>
-          </a:p>
-        </p:txBody>
-      </p:sp>
-    </p:spTree>
-    <p:extLst>
-      <p:ext uri="{BB962C8B-B14F-4D97-AF65-F5344CB8AC3E}">
-        <p14:creationId xmlns:p14="http://schemas.microsoft.com/office/powerpoint/2010/main" val="2729497934"/>
-      </p:ext>
-    </p:extLst>
   </p:cSld>
   <p:clrMapOvr>
     <a:masterClrMapping/>
@@ -2882,13 +2790,8 @@
           <a:p>
             <a:r>
               <a:rPr lang="en-US" dirty="0" smtClean="0"/>
-              <a:t>This explains how a cluster</a:t>
-            </a:r>
-            <a:r>
-              <a:rPr lang="en-US" baseline="0" dirty="0" smtClean="0"/>
-              <a:t> membership and introduces the locator</a:t>
-            </a:r>
-            <a:endParaRPr lang="en-US" dirty="0" smtClean="0"/>
+              <a:t>This shows how a client connects</a:t>
+            </a:r>
           </a:p>
         </p:txBody>
       </p:sp>
@@ -2970,8 +2873,13 @@
           <a:p>
             <a:r>
               <a:rPr lang="en-US" dirty="0" smtClean="0"/>
-              <a:t>This shows how a client connects</a:t>
-            </a:r>
+              <a:t>Replicated Region</a:t>
+            </a:r>
+            <a:r>
+              <a:rPr lang="en-US" baseline="0" dirty="0" smtClean="0"/>
+              <a:t> Overview</a:t>
+            </a:r>
+            <a:endParaRPr lang="en-US" dirty="0" smtClean="0"/>
           </a:p>
         </p:txBody>
       </p:sp>
@@ -3053,13 +2961,8 @@
           <a:p>
             <a:r>
               <a:rPr lang="en-US" dirty="0" smtClean="0"/>
-              <a:t>Replicated Region</a:t>
-            </a:r>
-            <a:r>
-              <a:rPr lang="en-US" baseline="0" dirty="0" smtClean="0"/>
-              <a:t> Overview</a:t>
-            </a:r>
-            <a:endParaRPr lang="en-US" dirty="0" smtClean="0"/>
+              <a:t>Partitioned Regions</a:t>
+            </a:r>
           </a:p>
         </p:txBody>
       </p:sp>
@@ -5491,7 +5394,7 @@
           <a:p>
             <a:fld id="{E103E7AC-D3BD-7B4F-84F3-CF1D2349A443}" type="datetimeFigureOut">
               <a:rPr lang="en-US" smtClean="0"/>
-              <a:t>2015-03-24</a:t>
+              <a:t>3/24/15</a:t>
             </a:fld>
             <a:endParaRPr lang="en-US"/>
           </a:p>
@@ -5565,195 +5468,6 @@
   <p:clrMapOvr>
     <a:masterClrMapping/>
   </p:clrMapOvr>
-</p:sldLayout>
-</file>
-
-<file path=ppt/slideLayouts/slideLayout17.xml><?xml version="1.0" encoding="utf-8"?>
-<p:sldLayout xmlns:a="http://schemas.openxmlformats.org/drawingml/2006/main" xmlns:r="http://schemas.openxmlformats.org/officeDocument/2006/relationships" xmlns:p="http://schemas.openxmlformats.org/presentationml/2006/main" userDrawn="1">
-  <p:cSld name="Title and Content ">
-    <p:spTree>
-      <p:nvGrpSpPr>
-        <p:cNvPr id="1" name=""/>
-        <p:cNvGrpSpPr/>
-        <p:nvPr/>
-      </p:nvGrpSpPr>
-      <p:grpSpPr>
-        <a:xfrm>
-          <a:off x="0" y="0"/>
-          <a:ext cx="0" cy="0"/>
-          <a:chOff x="0" y="0"/>
-          <a:chExt cx="0" cy="0"/>
-        </a:xfrm>
-      </p:grpSpPr>
-      <p:sp>
-        <p:nvSpPr>
-          <p:cNvPr id="8" name="Rectangle 7"/>
-          <p:cNvSpPr/>
-          <p:nvPr userDrawn="1"/>
-        </p:nvSpPr>
-        <p:spPr>
-          <a:xfrm>
-            <a:off x="0" y="1"/>
-            <a:ext cx="9144000" cy="45719"/>
-          </a:xfrm>
-          <a:prstGeom prst="rect">
-            <a:avLst/>
-          </a:prstGeom>
-          <a:solidFill>
-            <a:srgbClr val="6DB33F"/>
-          </a:solidFill>
-          <a:ln>
-            <a:noFill/>
-          </a:ln>
-        </p:spPr>
-        <p:style>
-          <a:lnRef idx="2">
-            <a:schemeClr val="accent1">
-              <a:shade val="50000"/>
-            </a:schemeClr>
-          </a:lnRef>
-          <a:fillRef idx="1">
-            <a:schemeClr val="accent1"/>
-          </a:fillRef>
-          <a:effectRef idx="0">
-            <a:schemeClr val="accent1"/>
-          </a:effectRef>
-          <a:fontRef idx="minor">
-            <a:schemeClr val="lt1"/>
-          </a:fontRef>
-        </p:style>
-        <p:txBody>
-          <a:bodyPr rtlCol="0" anchor="ctr"/>
-          <a:lstStyle/>
-          <a:p>
-            <a:pPr algn="ctr"/>
-            <a:endParaRPr lang="en-US"/>
-          </a:p>
-        </p:txBody>
-      </p:sp>
-      <p:sp>
-        <p:nvSpPr>
-          <p:cNvPr id="10" name="Rectangle 2"/>
-          <p:cNvSpPr>
-            <a:spLocks noGrp="1" noChangeArrowheads="1"/>
-          </p:cNvSpPr>
-          <p:nvPr>
-            <p:ph type="title"/>
-          </p:nvPr>
-        </p:nvSpPr>
-        <p:spPr bwMode="auto">
-          <a:xfrm>
-            <a:off x="304802" y="306389"/>
-            <a:ext cx="8537575" cy="279239"/>
-          </a:xfrm>
-          <a:prstGeom prst="rect">
-            <a:avLst/>
-          </a:prstGeom>
-          <a:noFill/>
-          <a:ln w="9525">
-            <a:noFill/>
-            <a:miter lim="800000"/>
-            <a:headEnd/>
-            <a:tailEnd/>
-          </a:ln>
-        </p:spPr>
-        <p:txBody>
-          <a:bodyPr vert="horz" wrap="square" lIns="0" tIns="0" rIns="0" bIns="0" numCol="1" anchor="ctr" anchorCtr="0" compatLnSpc="1">
-            <a:prstTxWarp prst="textNoShape">
-              <a:avLst/>
-            </a:prstTxWarp>
-          </a:bodyPr>
-          <a:lstStyle/>
-          <a:p>
-            <a:pPr lvl="0"/>
-            <a:r>
-              <a:rPr lang="en-US" smtClean="0"/>
-              <a:t>Click to edit Master title style</a:t>
-            </a:r>
-            <a:endParaRPr lang="en-US" dirty="0" smtClean="0"/>
-          </a:p>
-        </p:txBody>
-      </p:sp>
-      <p:sp>
-        <p:nvSpPr>
-          <p:cNvPr id="3" name="Content Placeholder 2"/>
-          <p:cNvSpPr>
-            <a:spLocks noGrp="1"/>
-          </p:cNvSpPr>
-          <p:nvPr>
-            <p:ph sz="quarter" idx="10"/>
-          </p:nvPr>
-        </p:nvSpPr>
-        <p:spPr>
-          <a:xfrm>
-            <a:off x="304802" y="800101"/>
-            <a:ext cx="8537575" cy="3663950"/>
-          </a:xfrm>
-          <a:prstGeom prst="rect">
-            <a:avLst/>
-          </a:prstGeom>
-        </p:spPr>
-        <p:txBody>
-          <a:bodyPr/>
-          <a:lstStyle/>
-          <a:p>
-            <a:pPr lvl="0"/>
-            <a:r>
-              <a:rPr lang="en-US" smtClean="0"/>
-              <a:t>Click to edit Master text styles</a:t>
-            </a:r>
-          </a:p>
-          <a:p>
-            <a:pPr lvl="1"/>
-            <a:r>
-              <a:rPr lang="en-US" smtClean="0"/>
-              <a:t>Second level</a:t>
-            </a:r>
-          </a:p>
-          <a:p>
-            <a:pPr lvl="2"/>
-            <a:r>
-              <a:rPr lang="en-US" smtClean="0"/>
-              <a:t>Third level</a:t>
-            </a:r>
-          </a:p>
-          <a:p>
-            <a:pPr lvl="3"/>
-            <a:r>
-              <a:rPr lang="en-US" smtClean="0"/>
-              <a:t>Fourth level</a:t>
-            </a:r>
-          </a:p>
-          <a:p>
-            <a:pPr lvl="4"/>
-            <a:r>
-              <a:rPr lang="en-US" smtClean="0"/>
-              <a:t>Fifth level</a:t>
-            </a:r>
-            <a:endParaRPr lang="en-US"/>
-          </a:p>
-        </p:txBody>
-      </p:sp>
-    </p:spTree>
-    <p:extLst>
-      <p:ext uri="{BB962C8B-B14F-4D97-AF65-F5344CB8AC3E}">
-        <p14:creationId xmlns:p14="http://schemas.microsoft.com/office/powerpoint/2010/main" val="3195481536"/>
-      </p:ext>
-    </p:extLst>
-  </p:cSld>
-  <p:clrMapOvr>
-    <a:masterClrMapping/>
-  </p:clrMapOvr>
-  <p:transition xmlns:p14="http://schemas.microsoft.com/office/powerpoint/2010/main">
-    <p:fade/>
-  </p:transition>
-  <p:timing>
-    <p:tnLst>
-      <p:par>
-        <p:cTn xmlns:p14="http://schemas.microsoft.com/office/powerpoint/2010/main" id="1" dur="indefinite" restart="never" nodeType="tmRoot"/>
-      </p:par>
-    </p:tnLst>
-  </p:timing>
 </p:sldLayout>
 </file>
 
@@ -8047,7 +7761,7 @@
           <p:nvPr/>
         </p:nvPicPr>
         <p:blipFill>
-          <a:blip r:embed="rId19"/>
+          <a:blip r:embed="rId18"/>
           <a:stretch>
             <a:fillRect/>
           </a:stretch>
@@ -8082,7 +7796,6 @@
     <p:sldLayoutId id="2147483691" r:id="rId14"/>
     <p:sldLayoutId id="2147483692" r:id="rId15"/>
     <p:sldLayoutId id="2147483693" r:id="rId16"/>
-    <p:sldLayoutId id="2147483694" r:id="rId17"/>
   </p:sldLayoutIdLst>
   <p:transition xmlns:p14="http://schemas.microsoft.com/office/powerpoint/2010/main">
     <p:fade/>
@@ -8405,7 +8118,7 @@
             </a:r>
             <a:r>
               <a:rPr lang="en-US" dirty="0" err="1" smtClean="0"/>
-              <a:t>Gemfire</a:t>
+              <a:t>GemFire</a:t>
             </a:r>
             <a:endParaRPr lang="en-US" dirty="0"/>
           </a:p>
@@ -16858,29 +16571,22 @@
           <a:lstStyle/>
           <a:p>
             <a:r>
-              <a:rPr lang="en-US" dirty="0" smtClean="0"/>
+              <a:rPr lang="en-US" dirty="0" smtClean="0">
+                <a:solidFill>
+                  <a:schemeClr val="tx2">
+                    <a:lumMod val="75000"/>
+                  </a:schemeClr>
+                </a:solidFill>
+              </a:rPr>
               <a:t>QUESTIONS</a:t>
             </a:r>
-            <a:endParaRPr lang="en-US" dirty="0"/>
-          </a:p>
-        </p:txBody>
-      </p:sp>
-      <p:sp>
-        <p:nvSpPr>
-          <p:cNvPr id="3" name="Subtitle 2"/>
-          <p:cNvSpPr>
-            <a:spLocks noGrp="1"/>
-          </p:cNvSpPr>
-          <p:nvPr>
-            <p:ph type="subTitle" idx="1"/>
-          </p:nvPr>
-        </p:nvSpPr>
-        <p:spPr/>
-        <p:txBody>
-          <a:bodyPr/>
-          <a:lstStyle/>
-          <a:p>
-            <a:endParaRPr lang="en-US"/>
+            <a:endParaRPr lang="en-US" dirty="0">
+              <a:solidFill>
+                <a:schemeClr val="tx2">
+                  <a:lumMod val="75000"/>
+                </a:schemeClr>
+              </a:solidFill>
+            </a:endParaRPr>
           </a:p>
         </p:txBody>
       </p:sp>
@@ -23451,69 +23157,381 @@
       </p:grpSpPr>
       <p:sp>
         <p:nvSpPr>
-          <p:cNvPr id="41" name="Rounded Rectangle 40"/>
+          <p:cNvPr id="20" name="Shape 1426"/>
           <p:cNvSpPr/>
           <p:nvPr/>
         </p:nvSpPr>
-        <p:spPr bwMode="auto">
+        <p:spPr>
           <a:xfrm>
-            <a:off x="7739524" y="192153"/>
-            <a:ext cx="1276243" cy="4429040"/>
+            <a:off x="1416876" y="3505237"/>
+            <a:ext cx="594436" cy="269749"/>
           </a:xfrm>
-          <a:prstGeom prst="roundRect">
+          <a:prstGeom prst="rect">
             <a:avLst/>
           </a:prstGeom>
-          <a:ln>
-            <a:headEnd/>
-            <a:tailEnd/>
+          <a:ln w="22225" cmpd="sng">
+            <a:solidFill>
+              <a:schemeClr val="tx2"/>
+            </a:solidFill>
+            <a:prstDash val="sysDash"/>
+            <a:miter lim="400000"/>
           </a:ln>
+          <a:extLst>
+            <a:ext uri="{C572A759-6A51-4108-AA02-DFA0A04FC94B}">
+              <ma14:wrappingTextBoxFlag xmlns:ma14="http://schemas.microsoft.com/office/mac/drawingml/2011/main" val="1"/>
+            </a:ext>
+          </a:extLst>
         </p:spPr>
-        <p:style>
-          <a:lnRef idx="2">
-            <a:schemeClr val="dk1"/>
-          </a:lnRef>
-          <a:fillRef idx="1">
-            <a:schemeClr val="lt1"/>
-          </a:fillRef>
-          <a:effectRef idx="0">
-            <a:schemeClr val="dk1"/>
-          </a:effectRef>
-          <a:fontRef idx="minor">
-            <a:schemeClr val="dk1"/>
-          </a:fontRef>
-        </p:style>
         <p:txBody>
-          <a:bodyPr wrap="none" lIns="0" tIns="0" rIns="0" bIns="0" rtlCol="0" anchor="ctr"/>
+          <a:bodyPr lIns="0" tIns="0" rIns="0" bIns="0" anchor="ctr"/>
+          <a:lstStyle>
+            <a:lvl1pPr algn="ctr">
+              <a:defRPr sz="1100">
+                <a:solidFill>
+                  <a:srgbClr val="29756E"/>
+                </a:solidFill>
+                <a:uFillTx/>
+                <a:latin typeface="Avenir Next Demi Bold"/>
+                <a:ea typeface="Avenir Next Demi Bold"/>
+                <a:cs typeface="Avenir Next Demi Bold"/>
+                <a:sym typeface="Avenir Next Demi Bold"/>
+              </a:defRPr>
+            </a:lvl1pPr>
+          </a:lstStyle>
+          <a:p>
+            <a:pPr lvl="0">
+              <a:defRPr sz="1800">
+                <a:solidFill>
+                  <a:srgbClr val="000000"/>
+                </a:solidFill>
+              </a:defRPr>
+            </a:pPr>
+            <a:r>
+              <a:rPr lang="x-none" sz="1200" dirty="0" smtClean="0">
+                <a:solidFill>
+                  <a:srgbClr val="29756E"/>
+                </a:solidFill>
+                <a:latin typeface="+mn-lt"/>
+              </a:rPr>
+              <a:t>Cache</a:t>
+            </a:r>
+            <a:endParaRPr sz="1200" dirty="0">
+              <a:solidFill>
+                <a:srgbClr val="29756E"/>
+              </a:solidFill>
+              <a:latin typeface="+mn-lt"/>
+            </a:endParaRPr>
+          </a:p>
+        </p:txBody>
+      </p:sp>
+      <p:sp>
+        <p:nvSpPr>
+          <p:cNvPr id="19" name="Shape 1426"/>
+          <p:cNvSpPr/>
+          <p:nvPr/>
+        </p:nvSpPr>
+        <p:spPr>
+          <a:xfrm>
+            <a:off x="1416874" y="2776791"/>
+            <a:ext cx="594436" cy="269749"/>
+          </a:xfrm>
+          <a:prstGeom prst="rect">
+            <a:avLst/>
+          </a:prstGeom>
+          <a:ln w="22225" cmpd="sng">
+            <a:solidFill>
+              <a:schemeClr val="tx2"/>
+            </a:solidFill>
+            <a:prstDash val="sysDash"/>
+            <a:miter lim="400000"/>
+          </a:ln>
+          <a:extLst>
+            <a:ext uri="{C572A759-6A51-4108-AA02-DFA0A04FC94B}">
+              <ma14:wrappingTextBoxFlag xmlns:ma14="http://schemas.microsoft.com/office/mac/drawingml/2011/main" val="1"/>
+            </a:ext>
+          </a:extLst>
+        </p:spPr>
+        <p:txBody>
+          <a:bodyPr lIns="0" tIns="0" rIns="0" bIns="0" anchor="ctr"/>
+          <a:lstStyle>
+            <a:lvl1pPr algn="ctr">
+              <a:defRPr sz="1100">
+                <a:solidFill>
+                  <a:srgbClr val="29756E"/>
+                </a:solidFill>
+                <a:uFillTx/>
+                <a:latin typeface="Avenir Next Demi Bold"/>
+                <a:ea typeface="Avenir Next Demi Bold"/>
+                <a:cs typeface="Avenir Next Demi Bold"/>
+                <a:sym typeface="Avenir Next Demi Bold"/>
+              </a:defRPr>
+            </a:lvl1pPr>
+          </a:lstStyle>
+          <a:p>
+            <a:pPr lvl="0">
+              <a:defRPr sz="1800">
+                <a:solidFill>
+                  <a:srgbClr val="000000"/>
+                </a:solidFill>
+              </a:defRPr>
+            </a:pPr>
+            <a:r>
+              <a:rPr lang="x-none" sz="1200" dirty="0" smtClean="0">
+                <a:solidFill>
+                  <a:srgbClr val="29756E"/>
+                </a:solidFill>
+                <a:latin typeface="+mn-lt"/>
+              </a:rPr>
+              <a:t>Cache</a:t>
+            </a:r>
+            <a:endParaRPr sz="1200" dirty="0">
+              <a:solidFill>
+                <a:srgbClr val="29756E"/>
+              </a:solidFill>
+              <a:latin typeface="+mn-lt"/>
+            </a:endParaRPr>
+          </a:p>
+        </p:txBody>
+      </p:sp>
+      <p:sp>
+        <p:nvSpPr>
+          <p:cNvPr id="18" name="Shape 1426"/>
+          <p:cNvSpPr/>
+          <p:nvPr/>
+        </p:nvSpPr>
+        <p:spPr>
+          <a:xfrm>
+            <a:off x="1407845" y="2016143"/>
+            <a:ext cx="594436" cy="269749"/>
+          </a:xfrm>
+          <a:prstGeom prst="rect">
+            <a:avLst/>
+          </a:prstGeom>
+          <a:ln w="22225" cmpd="sng">
+            <a:solidFill>
+              <a:schemeClr val="tx2"/>
+            </a:solidFill>
+            <a:prstDash val="sysDash"/>
+            <a:miter lim="400000"/>
+          </a:ln>
+          <a:extLst>
+            <a:ext uri="{C572A759-6A51-4108-AA02-DFA0A04FC94B}">
+              <ma14:wrappingTextBoxFlag xmlns:ma14="http://schemas.microsoft.com/office/mac/drawingml/2011/main" val="1"/>
+            </a:ext>
+          </a:extLst>
+        </p:spPr>
+        <p:txBody>
+          <a:bodyPr lIns="0" tIns="0" rIns="0" bIns="0" anchor="ctr"/>
+          <a:lstStyle>
+            <a:lvl1pPr algn="ctr">
+              <a:defRPr sz="1100">
+                <a:solidFill>
+                  <a:srgbClr val="29756E"/>
+                </a:solidFill>
+                <a:uFillTx/>
+                <a:latin typeface="Avenir Next Demi Bold"/>
+                <a:ea typeface="Avenir Next Demi Bold"/>
+                <a:cs typeface="Avenir Next Demi Bold"/>
+                <a:sym typeface="Avenir Next Demi Bold"/>
+              </a:defRPr>
+            </a:lvl1pPr>
+          </a:lstStyle>
+          <a:p>
+            <a:pPr lvl="0">
+              <a:defRPr sz="1800">
+                <a:solidFill>
+                  <a:srgbClr val="000000"/>
+                </a:solidFill>
+              </a:defRPr>
+            </a:pPr>
+            <a:r>
+              <a:rPr lang="x-none" sz="1200" dirty="0" smtClean="0">
+                <a:solidFill>
+                  <a:srgbClr val="29756E"/>
+                </a:solidFill>
+                <a:latin typeface="+mn-lt"/>
+              </a:rPr>
+              <a:t>Cache</a:t>
+            </a:r>
+            <a:endParaRPr sz="1200" dirty="0">
+              <a:solidFill>
+                <a:srgbClr val="29756E"/>
+              </a:solidFill>
+              <a:latin typeface="+mn-lt"/>
+            </a:endParaRPr>
+          </a:p>
+        </p:txBody>
+      </p:sp>
+      <p:sp>
+        <p:nvSpPr>
+          <p:cNvPr id="2" name="Title 1"/>
+          <p:cNvSpPr>
+            <a:spLocks noGrp="1"/>
+          </p:cNvSpPr>
+          <p:nvPr>
+            <p:ph type="title"/>
+          </p:nvPr>
+        </p:nvSpPr>
+        <p:spPr>
+          <a:xfrm>
+            <a:off x="513645" y="304445"/>
+            <a:ext cx="8410575" cy="460375"/>
+          </a:xfrm>
+        </p:spPr>
+        <p:txBody>
+          <a:bodyPr/>
           <a:lstStyle/>
           <a:p>
-            <a:pPr marL="0" marR="0" indent="0" algn="ctr" defTabSz="914400" eaLnBrk="1" latinLnBrk="0" hangingPunct="1">
-              <a:lnSpc>
-                <a:spcPct val="100000"/>
-              </a:lnSpc>
-              <a:buClrTx/>
-              <a:buSzTx/>
-              <a:buFontTx/>
-              <a:buNone/>
-              <a:tabLst/>
+            <a:r>
+              <a:rPr lang="en-US" sz="2400" dirty="0" smtClean="0"/>
+              <a:t>Client and Server Architecture</a:t>
+            </a:r>
+            <a:endParaRPr lang="en-US" sz="2400" dirty="0"/>
+          </a:p>
+        </p:txBody>
+      </p:sp>
+      <p:sp>
+        <p:nvSpPr>
+          <p:cNvPr id="7" name="Shape 1204"/>
+          <p:cNvSpPr/>
+          <p:nvPr/>
+        </p:nvSpPr>
+        <p:spPr>
+          <a:xfrm>
+            <a:off x="1003838" y="788751"/>
+            <a:ext cx="1040129" cy="234205"/>
+          </a:xfrm>
+          <a:prstGeom prst="rect">
+            <a:avLst/>
+          </a:prstGeom>
+          <a:ln w="12700">
+            <a:miter lim="400000"/>
+          </a:ln>
+          <a:extLst>
+            <a:ext uri="{C572A759-6A51-4108-AA02-DFA0A04FC94B}">
+              <ma14:wrappingTextBoxFlag xmlns:ma14="http://schemas.microsoft.com/office/mac/drawingml/2011/main" val="1"/>
+            </a:ext>
+          </a:extLst>
+        </p:spPr>
+        <p:txBody>
+          <a:bodyPr lIns="0" tIns="0" rIns="0" bIns="0"/>
+          <a:lstStyle>
+            <a:lvl1pPr algn="ctr">
+              <a:defRPr sz="1000">
+                <a:solidFill>
+                  <a:srgbClr val="29756E"/>
+                </a:solidFill>
+                <a:uFillTx/>
+                <a:latin typeface="Avenir Next Demi Bold"/>
+                <a:ea typeface="Avenir Next Demi Bold"/>
+                <a:cs typeface="Avenir Next Demi Bold"/>
+                <a:sym typeface="Avenir Next Demi Bold"/>
+              </a:defRPr>
+            </a:lvl1pPr>
+          </a:lstStyle>
+          <a:p>
+            <a:pPr lvl="0">
+              <a:defRPr sz="1800">
+                <a:solidFill>
+                  <a:srgbClr val="000000"/>
+                </a:solidFill>
+              </a:defRPr>
             </a:pPr>
-            <a:endParaRPr lang="en-US" sz="1800" dirty="0" err="1" smtClean="0">
+            <a:r>
+              <a:rPr lang="x-none" sz="1400" dirty="0" smtClean="0">
+                <a:solidFill>
+                  <a:srgbClr val="29756E"/>
+                </a:solidFill>
+              </a:rPr>
+              <a:t>Clients</a:t>
+            </a:r>
+            <a:endParaRPr sz="1400" dirty="0">
               <a:solidFill>
-                <a:srgbClr val="FFFFFF"/>
+                <a:srgbClr val="29756E"/>
               </a:solidFill>
+            </a:endParaRPr>
+          </a:p>
+        </p:txBody>
+      </p:sp>
+      <p:sp>
+        <p:nvSpPr>
+          <p:cNvPr id="8" name="Shape 1426"/>
+          <p:cNvSpPr/>
+          <p:nvPr/>
+        </p:nvSpPr>
+        <p:spPr>
+          <a:xfrm>
+            <a:off x="1374369" y="1241881"/>
+            <a:ext cx="594436" cy="269749"/>
+          </a:xfrm>
+          <a:prstGeom prst="rect">
+            <a:avLst/>
+          </a:prstGeom>
+          <a:ln w="22225" cmpd="sng">
+            <a:solidFill>
+              <a:schemeClr val="tx2"/>
+            </a:solidFill>
+            <a:prstDash val="sysDash"/>
+            <a:miter lim="400000"/>
+          </a:ln>
+          <a:extLst>
+            <a:ext uri="{C572A759-6A51-4108-AA02-DFA0A04FC94B}">
+              <ma14:wrappingTextBoxFlag xmlns:ma14="http://schemas.microsoft.com/office/mac/drawingml/2011/main" val="1"/>
+            </a:ext>
+          </a:extLst>
+        </p:spPr>
+        <p:txBody>
+          <a:bodyPr lIns="0" tIns="0" rIns="0" bIns="0" anchor="ctr"/>
+          <a:lstStyle>
+            <a:lvl1pPr algn="ctr">
+              <a:defRPr sz="1100">
+                <a:solidFill>
+                  <a:srgbClr val="29756E"/>
+                </a:solidFill>
+                <a:uFillTx/>
+                <a:latin typeface="Avenir Next Demi Bold"/>
+                <a:ea typeface="Avenir Next Demi Bold"/>
+                <a:cs typeface="Avenir Next Demi Bold"/>
+                <a:sym typeface="Avenir Next Demi Bold"/>
+              </a:defRPr>
+            </a:lvl1pPr>
+          </a:lstStyle>
+          <a:p>
+            <a:pPr lvl="0">
+              <a:defRPr sz="1800">
+                <a:solidFill>
+                  <a:srgbClr val="000000"/>
+                </a:solidFill>
+              </a:defRPr>
+            </a:pPr>
+            <a:r>
+              <a:rPr lang="x-none" sz="1200" dirty="0" smtClean="0">
+                <a:solidFill>
+                  <a:srgbClr val="29756E"/>
+                </a:solidFill>
+                <a:latin typeface="+mn-lt"/>
+              </a:rPr>
+              <a:t>Cache</a:t>
+            </a:r>
+            <a:endParaRPr sz="1200" dirty="0">
+              <a:solidFill>
+                <a:srgbClr val="29756E"/>
+              </a:solidFill>
+              <a:latin typeface="+mn-lt"/>
             </a:endParaRPr>
           </a:p>
         </p:txBody>
       </p:sp>
       <p:pic>
         <p:nvPicPr>
-          <p:cNvPr id="13" name="Picture 12" descr="internet-cloud.png"/>
+          <p:cNvPr id="14" name="Picture 13" descr="computer-3.png"/>
           <p:cNvPicPr>
             <a:picLocks noChangeAspect="1"/>
           </p:cNvPicPr>
           <p:nvPr/>
         </p:nvPicPr>
         <p:blipFill>
-          <a:blip r:embed="rId3">
+          <a:blip r:embed="rId2" cstate="print">
             <a:extLst>
               <a:ext uri="{28A0092B-C50C-407E-A947-70E740481C1C}">
                 <a14:useLocalDpi xmlns:a14="http://schemas.microsoft.com/office/drawing/2010/main" val="0"/>
@@ -23526,230 +23544,24 @@
         </p:blipFill>
         <p:spPr>
           <a:xfrm>
-            <a:off x="1484482" y="1633053"/>
-            <a:ext cx="4090574" cy="2226892"/>
+            <a:off x="1066808" y="1480139"/>
+            <a:ext cx="552304" cy="414228"/>
           </a:xfrm>
           <a:prstGeom prst="rect">
             <a:avLst/>
           </a:prstGeom>
         </p:spPr>
       </p:pic>
-      <p:sp>
-        <p:nvSpPr>
-          <p:cNvPr id="29" name="Rounded Rectangle 28"/>
-          <p:cNvSpPr/>
-          <p:nvPr/>
-        </p:nvSpPr>
-        <p:spPr bwMode="auto">
-          <a:xfrm>
-            <a:off x="164943" y="680438"/>
-            <a:ext cx="1764884" cy="3887644"/>
-          </a:xfrm>
-          <a:prstGeom prst="roundRect">
-            <a:avLst/>
-          </a:prstGeom>
-          <a:solidFill>
-            <a:schemeClr val="bg1"/>
-          </a:solidFill>
-          <a:ln w="19050">
-            <a:solidFill>
-              <a:schemeClr val="accent3"/>
-            </a:solidFill>
-            <a:round/>
-            <a:headEnd/>
-            <a:tailEnd/>
-          </a:ln>
-        </p:spPr>
-        <p:txBody>
-          <a:bodyPr wrap="none" lIns="0" tIns="0" rIns="0" bIns="0" rtlCol="0" anchor="ctr"/>
-          <a:lstStyle/>
-          <a:p>
-            <a:pPr marL="0" marR="0" indent="0" algn="ctr" defTabSz="914400" eaLnBrk="1" latinLnBrk="0" hangingPunct="1">
-              <a:lnSpc>
-                <a:spcPct val="100000"/>
-              </a:lnSpc>
-              <a:buClrTx/>
-              <a:buSzTx/>
-              <a:buFontTx/>
-              <a:buNone/>
-              <a:tabLst/>
-            </a:pPr>
-            <a:endParaRPr lang="en-US" sz="1800" dirty="0" err="1" smtClean="0">
-              <a:solidFill>
-                <a:srgbClr val="FFFFFF"/>
-              </a:solidFill>
-            </a:endParaRPr>
-          </a:p>
-        </p:txBody>
-      </p:sp>
-      <p:sp>
-        <p:nvSpPr>
-          <p:cNvPr id="14" name="Rounded Rectangle 13"/>
-          <p:cNvSpPr/>
-          <p:nvPr/>
-        </p:nvSpPr>
-        <p:spPr bwMode="auto">
-          <a:xfrm>
-            <a:off x="5030750" y="204525"/>
-            <a:ext cx="2688561" cy="4416668"/>
-          </a:xfrm>
-          <a:prstGeom prst="roundRect">
-            <a:avLst/>
-          </a:prstGeom>
-          <a:solidFill>
-            <a:schemeClr val="bg1"/>
-          </a:solidFill>
-          <a:ln w="19050">
-            <a:solidFill>
-              <a:schemeClr val="accent3"/>
-            </a:solidFill>
-            <a:round/>
-            <a:headEnd/>
-            <a:tailEnd/>
-          </a:ln>
-        </p:spPr>
-        <p:txBody>
-          <a:bodyPr wrap="none" lIns="0" tIns="0" rIns="0" bIns="0" rtlCol="0" anchor="ctr"/>
-          <a:lstStyle/>
-          <a:p>
-            <a:pPr marL="0" marR="0" indent="0" algn="ctr" defTabSz="914400" eaLnBrk="1" latinLnBrk="0" hangingPunct="1">
-              <a:lnSpc>
-                <a:spcPct val="100000"/>
-              </a:lnSpc>
-              <a:buClrTx/>
-              <a:buSzTx/>
-              <a:buFontTx/>
-              <a:buNone/>
-              <a:tabLst/>
-            </a:pPr>
-            <a:endParaRPr lang="en-US" sz="1800" dirty="0" err="1" smtClean="0">
-              <a:solidFill>
-                <a:srgbClr val="FFFFFF"/>
-              </a:solidFill>
-            </a:endParaRPr>
-          </a:p>
-        </p:txBody>
-      </p:sp>
-      <p:sp>
-        <p:nvSpPr>
-          <p:cNvPr id="16" name="Rounded Rectangle 15"/>
-          <p:cNvSpPr/>
-          <p:nvPr/>
-        </p:nvSpPr>
-        <p:spPr bwMode="auto">
-          <a:xfrm>
-            <a:off x="6317298" y="544351"/>
-            <a:ext cx="1319540" cy="3736229"/>
-          </a:xfrm>
-          <a:prstGeom prst="roundRect">
-            <a:avLst/>
-          </a:prstGeom>
-          <a:ln>
-            <a:headEnd/>
-            <a:tailEnd/>
-          </a:ln>
-        </p:spPr>
-        <p:style>
-          <a:lnRef idx="2">
-            <a:schemeClr val="dk1"/>
-          </a:lnRef>
-          <a:fillRef idx="1">
-            <a:schemeClr val="lt1"/>
-          </a:fillRef>
-          <a:effectRef idx="0">
-            <a:schemeClr val="dk1"/>
-          </a:effectRef>
-          <a:fontRef idx="minor">
-            <a:schemeClr val="dk1"/>
-          </a:fontRef>
-        </p:style>
-        <p:txBody>
-          <a:bodyPr wrap="none" lIns="0" tIns="0" rIns="0" bIns="0" rtlCol="0" anchor="ctr"/>
-          <a:lstStyle/>
-          <a:p>
-            <a:pPr marL="0" marR="0" indent="0" algn="ctr" defTabSz="914400" eaLnBrk="1" latinLnBrk="0" hangingPunct="1">
-              <a:lnSpc>
-                <a:spcPct val="100000"/>
-              </a:lnSpc>
-              <a:buClrTx/>
-              <a:buSzTx/>
-              <a:buFontTx/>
-              <a:buNone/>
-              <a:tabLst/>
-            </a:pPr>
-            <a:endParaRPr lang="en-US" sz="1800" dirty="0" err="1" smtClean="0">
-              <a:solidFill>
-                <a:srgbClr val="FFFFFF"/>
-              </a:solidFill>
-            </a:endParaRPr>
-          </a:p>
-        </p:txBody>
-      </p:sp>
-      <p:sp>
-        <p:nvSpPr>
-          <p:cNvPr id="15" name="Rounded Rectangle 14"/>
-          <p:cNvSpPr/>
-          <p:nvPr/>
-        </p:nvSpPr>
-        <p:spPr bwMode="auto">
-          <a:xfrm>
-            <a:off x="5146207" y="1187675"/>
-            <a:ext cx="1072126" cy="2127918"/>
-          </a:xfrm>
-          <a:prstGeom prst="roundRect">
-            <a:avLst/>
-          </a:prstGeom>
-          <a:ln>
-            <a:headEnd/>
-            <a:tailEnd/>
-          </a:ln>
-        </p:spPr>
-        <p:style>
-          <a:lnRef idx="2">
-            <a:schemeClr val="accent6"/>
-          </a:lnRef>
-          <a:fillRef idx="1">
-            <a:schemeClr val="lt1"/>
-          </a:fillRef>
-          <a:effectRef idx="0">
-            <a:schemeClr val="accent6"/>
-          </a:effectRef>
-          <a:fontRef idx="minor">
-            <a:schemeClr val="dk1"/>
-          </a:fontRef>
-        </p:style>
-        <p:txBody>
-          <a:bodyPr wrap="none" lIns="0" tIns="0" rIns="0" bIns="0" rtlCol="0" anchor="ctr"/>
-          <a:lstStyle/>
-          <a:p>
-            <a:pPr marL="0" marR="0" indent="0" algn="ctr" defTabSz="914400" eaLnBrk="1" latinLnBrk="0" hangingPunct="1">
-              <a:lnSpc>
-                <a:spcPct val="100000"/>
-              </a:lnSpc>
-              <a:buClrTx/>
-              <a:buSzTx/>
-              <a:buFontTx/>
-              <a:buNone/>
-              <a:tabLst/>
-            </a:pPr>
-            <a:endParaRPr lang="en-US" sz="1800" dirty="0" err="1" smtClean="0">
-              <a:solidFill>
-                <a:srgbClr val="FFFFFF"/>
-              </a:solidFill>
-            </a:endParaRPr>
-          </a:p>
-        </p:txBody>
-      </p:sp>
       <p:pic>
         <p:nvPicPr>
-          <p:cNvPr id="4" name="Picture 3" descr="Home-Server-icon.png"/>
+          <p:cNvPr id="15" name="Picture 14" descr="computer-3.png"/>
           <p:cNvPicPr>
             <a:picLocks noChangeAspect="1"/>
           </p:cNvPicPr>
           <p:nvPr/>
         </p:nvPicPr>
         <p:blipFill>
-          <a:blip r:embed="rId4">
+          <a:blip r:embed="rId2" cstate="print">
             <a:extLst>
               <a:ext uri="{28A0092B-C50C-407E-A947-70E740481C1C}">
                 <a14:useLocalDpi xmlns:a14="http://schemas.microsoft.com/office/drawing/2010/main" val="0"/>
@@ -23762,8 +23574,8 @@
         </p:blipFill>
         <p:spPr>
           <a:xfrm>
-            <a:off x="5096724" y="1418846"/>
-            <a:ext cx="1199842" cy="899882"/>
+            <a:off x="1066808" y="2201916"/>
+            <a:ext cx="552304" cy="414228"/>
           </a:xfrm>
           <a:prstGeom prst="rect">
             <a:avLst/>
@@ -23772,14 +23584,14 @@
       </p:pic>
       <p:pic>
         <p:nvPicPr>
-          <p:cNvPr id="5" name="Picture 4" descr="Home-Server-icon.png"/>
+          <p:cNvPr id="16" name="Picture 15" descr="computer-3.png"/>
           <p:cNvPicPr>
             <a:picLocks noChangeAspect="1"/>
           </p:cNvPicPr>
           <p:nvPr/>
         </p:nvPicPr>
         <p:blipFill>
-          <a:blip r:embed="rId4">
+          <a:blip r:embed="rId2" cstate="print">
             <a:extLst>
               <a:ext uri="{28A0092B-C50C-407E-A947-70E740481C1C}">
                 <a14:useLocalDpi xmlns:a14="http://schemas.microsoft.com/office/drawing/2010/main" val="0"/>
@@ -23792,8 +23604,8 @@
         </p:blipFill>
         <p:spPr>
           <a:xfrm>
-            <a:off x="5100676" y="2287815"/>
-            <a:ext cx="1199842" cy="899882"/>
+            <a:off x="1119283" y="2943157"/>
+            <a:ext cx="552304" cy="414228"/>
           </a:xfrm>
           <a:prstGeom prst="rect">
             <a:avLst/>
@@ -23802,14 +23614,14 @@
       </p:pic>
       <p:pic>
         <p:nvPicPr>
-          <p:cNvPr id="6" name="Picture 5" descr="Home-Server-icon.png"/>
+          <p:cNvPr id="17" name="Picture 16" descr="computer-3.png"/>
           <p:cNvPicPr>
             <a:picLocks noChangeAspect="1"/>
           </p:cNvPicPr>
           <p:nvPr/>
         </p:nvPicPr>
         <p:blipFill>
-          <a:blip r:embed="rId4">
+          <a:blip r:embed="rId2" cstate="print">
             <a:extLst>
               <a:ext uri="{28A0092B-C50C-407E-A947-70E740481C1C}">
                 <a14:useLocalDpi xmlns:a14="http://schemas.microsoft.com/office/drawing/2010/main" val="0"/>
@@ -23822,188 +23634,8 @@
         </p:blipFill>
         <p:spPr>
           <a:xfrm>
-            <a:off x="6420213" y="630018"/>
-            <a:ext cx="1199842" cy="899882"/>
-          </a:xfrm>
-          <a:prstGeom prst="rect">
-            <a:avLst/>
-          </a:prstGeom>
-        </p:spPr>
-      </p:pic>
-      <p:pic>
-        <p:nvPicPr>
-          <p:cNvPr id="7" name="Picture 6" descr="Home-Server-icon.png"/>
-          <p:cNvPicPr>
-            <a:picLocks noChangeAspect="1"/>
-          </p:cNvPicPr>
-          <p:nvPr/>
-        </p:nvPicPr>
-        <p:blipFill>
-          <a:blip r:embed="rId4">
-            <a:extLst>
-              <a:ext uri="{28A0092B-C50C-407E-A947-70E740481C1C}">
-                <a14:useLocalDpi xmlns:a14="http://schemas.microsoft.com/office/drawing/2010/main" val="0"/>
-              </a:ext>
-            </a:extLst>
-          </a:blip>
-          <a:stretch>
-            <a:fillRect/>
-          </a:stretch>
-        </p:blipFill>
-        <p:spPr>
-          <a:xfrm>
-            <a:off x="6420217" y="1545518"/>
-            <a:ext cx="1199842" cy="899882"/>
-          </a:xfrm>
-          <a:prstGeom prst="rect">
-            <a:avLst/>
-          </a:prstGeom>
-        </p:spPr>
-      </p:pic>
-      <p:pic>
-        <p:nvPicPr>
-          <p:cNvPr id="8" name="Picture 7" descr="Home-Server-icon.png"/>
-          <p:cNvPicPr>
-            <a:picLocks noChangeAspect="1"/>
-          </p:cNvPicPr>
-          <p:nvPr/>
-        </p:nvPicPr>
-        <p:blipFill>
-          <a:blip r:embed="rId4">
-            <a:extLst>
-              <a:ext uri="{28A0092B-C50C-407E-A947-70E740481C1C}">
-                <a14:useLocalDpi xmlns:a14="http://schemas.microsoft.com/office/drawing/2010/main" val="0"/>
-              </a:ext>
-            </a:extLst>
-          </a:blip>
-          <a:stretch>
-            <a:fillRect/>
-          </a:stretch>
-        </p:blipFill>
-        <p:spPr>
-          <a:xfrm>
-            <a:off x="6420215" y="2436274"/>
-            <a:ext cx="1199842" cy="899882"/>
-          </a:xfrm>
-          <a:prstGeom prst="rect">
-            <a:avLst/>
-          </a:prstGeom>
-        </p:spPr>
-      </p:pic>
-      <p:pic>
-        <p:nvPicPr>
-          <p:cNvPr id="9" name="Picture 8" descr="Home-Server-icon.png"/>
-          <p:cNvPicPr>
-            <a:picLocks noChangeAspect="1"/>
-          </p:cNvPicPr>
-          <p:nvPr/>
-        </p:nvPicPr>
-        <p:blipFill>
-          <a:blip r:embed="rId4">
-            <a:extLst>
-              <a:ext uri="{28A0092B-C50C-407E-A947-70E740481C1C}">
-                <a14:useLocalDpi xmlns:a14="http://schemas.microsoft.com/office/drawing/2010/main" val="0"/>
-              </a:ext>
-            </a:extLst>
-          </a:blip>
-          <a:stretch>
-            <a:fillRect/>
-          </a:stretch>
-        </p:blipFill>
-        <p:spPr>
-          <a:xfrm>
-            <a:off x="6420216" y="3364146"/>
-            <a:ext cx="1199842" cy="899882"/>
-          </a:xfrm>
-          <a:prstGeom prst="rect">
-            <a:avLst/>
-          </a:prstGeom>
-        </p:spPr>
-      </p:pic>
-      <p:pic>
-        <p:nvPicPr>
-          <p:cNvPr id="10" name="Picture 9" descr="computer-3.png"/>
-          <p:cNvPicPr>
-            <a:picLocks noChangeAspect="1"/>
-          </p:cNvPicPr>
-          <p:nvPr/>
-        </p:nvPicPr>
-        <p:blipFill>
-          <a:blip r:embed="rId5" cstate="print">
-            <a:extLst>
-              <a:ext uri="{28A0092B-C50C-407E-A947-70E740481C1C}">
-                <a14:useLocalDpi xmlns:a14="http://schemas.microsoft.com/office/drawing/2010/main" val="0"/>
-              </a:ext>
-            </a:extLst>
-          </a:blip>
-          <a:stretch>
-            <a:fillRect/>
-          </a:stretch>
-        </p:blipFill>
-        <p:spPr>
-          <a:xfrm>
-            <a:off x="681363" y="1422737"/>
-            <a:ext cx="873571" cy="655178"/>
-          </a:xfrm>
-          <a:prstGeom prst="rect">
-            <a:avLst/>
-          </a:prstGeom>
-        </p:spPr>
-      </p:pic>
-      <p:pic>
-        <p:nvPicPr>
-          <p:cNvPr id="11" name="Picture 10" descr="computer-3.png"/>
-          <p:cNvPicPr>
-            <a:picLocks noChangeAspect="1"/>
-          </p:cNvPicPr>
-          <p:nvPr/>
-        </p:nvPicPr>
-        <p:blipFill>
-          <a:blip r:embed="rId5" cstate="print">
-            <a:extLst>
-              <a:ext uri="{28A0092B-C50C-407E-A947-70E740481C1C}">
-                <a14:useLocalDpi xmlns:a14="http://schemas.microsoft.com/office/drawing/2010/main" val="0"/>
-              </a:ext>
-            </a:extLst>
-          </a:blip>
-          <a:stretch>
-            <a:fillRect/>
-          </a:stretch>
-        </p:blipFill>
-        <p:spPr>
-          <a:xfrm>
-            <a:off x="685315" y="2180361"/>
-            <a:ext cx="873571" cy="655178"/>
-          </a:xfrm>
-          <a:prstGeom prst="rect">
-            <a:avLst/>
-          </a:prstGeom>
-        </p:spPr>
-      </p:pic>
-      <p:pic>
-        <p:nvPicPr>
-          <p:cNvPr id="12" name="Picture 11" descr="computer-3.png"/>
-          <p:cNvPicPr>
-            <a:picLocks noChangeAspect="1"/>
-          </p:cNvPicPr>
-          <p:nvPr/>
-        </p:nvPicPr>
-        <p:blipFill>
-          <a:blip r:embed="rId5" cstate="print">
-            <a:extLst>
-              <a:ext uri="{28A0092B-C50C-407E-A947-70E740481C1C}">
-                <a14:useLocalDpi xmlns:a14="http://schemas.microsoft.com/office/drawing/2010/main" val="0"/>
-              </a:ext>
-            </a:extLst>
-          </a:blip>
-          <a:stretch>
-            <a:fillRect/>
-          </a:stretch>
-        </p:blipFill>
-        <p:spPr>
-          <a:xfrm>
-            <a:off x="652326" y="2947402"/>
-            <a:ext cx="873571" cy="655178"/>
+            <a:off x="1119283" y="3710641"/>
+            <a:ext cx="552304" cy="414228"/>
           </a:xfrm>
           <a:prstGeom prst="rect">
             <a:avLst/>
@@ -24012,325 +23644,126 @@
       </p:pic>
       <p:sp>
         <p:nvSpPr>
-          <p:cNvPr id="17" name="TextBox 16"/>
-          <p:cNvSpPr txBox="1"/>
+          <p:cNvPr id="21" name="Rounded Rectangle 20"/>
+          <p:cNvSpPr/>
           <p:nvPr/>
         </p:nvSpPr>
         <p:spPr>
           <a:xfrm>
-            <a:off x="5768220" y="235060"/>
-            <a:ext cx="1583448" cy="400110"/>
+            <a:off x="671701" y="1128815"/>
+            <a:ext cx="1595276" cy="3140367"/>
           </a:xfrm>
-          <a:prstGeom prst="rect">
+          <a:prstGeom prst="roundRect">
             <a:avLst/>
           </a:prstGeom>
           <a:noFill/>
+          <a:ln w="28575">
+            <a:solidFill>
+              <a:schemeClr val="tx2">
+                <a:lumMod val="75000"/>
+              </a:schemeClr>
+            </a:solidFill>
+          </a:ln>
         </p:spPr>
+        <p:style>
+          <a:lnRef idx="2">
+            <a:schemeClr val="accent1">
+              <a:shade val="50000"/>
+            </a:schemeClr>
+          </a:lnRef>
+          <a:fillRef idx="1">
+            <a:schemeClr val="accent1"/>
+          </a:fillRef>
+          <a:effectRef idx="0">
+            <a:schemeClr val="accent1"/>
+          </a:effectRef>
+          <a:fontRef idx="minor">
+            <a:schemeClr val="lt1"/>
+          </a:fontRef>
+        </p:style>
         <p:txBody>
-          <a:bodyPr wrap="square" rtlCol="0">
-            <a:spAutoFit/>
-          </a:bodyPr>
+          <a:bodyPr rtlCol="0" anchor="ctr"/>
           <a:lstStyle/>
           <a:p>
-            <a:r>
-              <a:rPr lang="en-US" sz="2000" dirty="0" smtClean="0">
-                <a:solidFill>
-                  <a:srgbClr val="333333"/>
-                </a:solidFill>
-                <a:latin typeface="+mn-lt"/>
-                <a:ea typeface="+mn-ea"/>
-              </a:rPr>
-              <a:t>Cluster</a:t>
-            </a:r>
+            <a:pPr algn="ctr"/>
+            <a:endParaRPr lang="en-US"/>
           </a:p>
         </p:txBody>
       </p:sp>
       <p:sp>
         <p:nvSpPr>
-          <p:cNvPr id="18" name="TextBox 17"/>
-          <p:cNvSpPr txBox="1"/>
+          <p:cNvPr id="22" name="Rounded Rectangle 21"/>
+          <p:cNvSpPr/>
           <p:nvPr/>
         </p:nvSpPr>
         <p:spPr>
           <a:xfrm>
-            <a:off x="5067689" y="3327965"/>
-            <a:ext cx="1414553" cy="400110"/>
+            <a:off x="5310373" y="1070587"/>
+            <a:ext cx="1642912" cy="3198596"/>
           </a:xfrm>
-          <a:prstGeom prst="rect">
+          <a:prstGeom prst="roundRect">
             <a:avLst/>
           </a:prstGeom>
           <a:noFill/>
+          <a:ln w="28575">
+            <a:solidFill>
+              <a:schemeClr val="tx2">
+                <a:lumMod val="75000"/>
+              </a:schemeClr>
+            </a:solidFill>
+          </a:ln>
         </p:spPr>
+        <p:style>
+          <a:lnRef idx="2">
+            <a:schemeClr val="accent1">
+              <a:shade val="50000"/>
+            </a:schemeClr>
+          </a:lnRef>
+          <a:fillRef idx="1">
+            <a:schemeClr val="accent1"/>
+          </a:fillRef>
+          <a:effectRef idx="0">
+            <a:schemeClr val="accent1"/>
+          </a:effectRef>
+          <a:fontRef idx="minor">
+            <a:schemeClr val="lt1"/>
+          </a:fontRef>
+        </p:style>
         <p:txBody>
-          <a:bodyPr wrap="square" rtlCol="0">
-            <a:spAutoFit/>
-          </a:bodyPr>
+          <a:bodyPr rtlCol="0" anchor="ctr"/>
           <a:lstStyle/>
           <a:p>
-            <a:pPr algn="l"/>
-            <a:r>
-              <a:rPr lang="en-US" sz="2000" dirty="0" smtClean="0">
-                <a:solidFill>
-                  <a:srgbClr val="333333"/>
-                </a:solidFill>
-                <a:latin typeface="+mn-lt"/>
-                <a:ea typeface="+mn-ea"/>
-              </a:rPr>
-              <a:t>Locators</a:t>
-            </a:r>
+            <a:pPr algn="ctr"/>
+            <a:endParaRPr lang="en-US"/>
           </a:p>
         </p:txBody>
       </p:sp>
       <p:sp>
         <p:nvSpPr>
-          <p:cNvPr id="19" name="TextBox 18"/>
-          <p:cNvSpPr txBox="1"/>
-          <p:nvPr/>
-        </p:nvSpPr>
-        <p:spPr>
-          <a:xfrm>
-            <a:off x="6325204" y="4295907"/>
-            <a:ext cx="1414553" cy="400110"/>
-          </a:xfrm>
-          <a:prstGeom prst="rect">
-            <a:avLst/>
-          </a:prstGeom>
-          <a:noFill/>
-        </p:spPr>
-        <p:txBody>
-          <a:bodyPr wrap="square" rtlCol="0">
-            <a:spAutoFit/>
-          </a:bodyPr>
-          <a:lstStyle/>
-          <a:p>
-            <a:r>
-              <a:rPr lang="en-US" sz="2000" dirty="0" smtClean="0">
-                <a:solidFill>
-                  <a:srgbClr val="333333"/>
-                </a:solidFill>
-                <a:latin typeface="+mn-lt"/>
-                <a:ea typeface="+mn-ea"/>
-              </a:rPr>
-              <a:t>Servers</a:t>
-            </a:r>
-          </a:p>
-        </p:txBody>
-      </p:sp>
-      <p:sp>
-        <p:nvSpPr>
-          <p:cNvPr id="30" name="TextBox 29"/>
-          <p:cNvSpPr txBox="1"/>
-          <p:nvPr/>
-        </p:nvSpPr>
-        <p:spPr>
-          <a:xfrm>
-            <a:off x="560273" y="794738"/>
-            <a:ext cx="1583448" cy="400110"/>
-          </a:xfrm>
-          <a:prstGeom prst="rect">
-            <a:avLst/>
-          </a:prstGeom>
-          <a:noFill/>
-        </p:spPr>
-        <p:txBody>
-          <a:bodyPr wrap="square" rtlCol="0">
-            <a:spAutoFit/>
-          </a:bodyPr>
-          <a:lstStyle/>
-          <a:p>
-            <a:r>
-              <a:rPr lang="en-US" sz="2000" dirty="0" smtClean="0">
-                <a:solidFill>
-                  <a:srgbClr val="333333"/>
-                </a:solidFill>
-                <a:latin typeface="+mn-lt"/>
-                <a:ea typeface="+mn-ea"/>
-              </a:rPr>
-              <a:t>Clients</a:t>
-            </a:r>
-          </a:p>
-        </p:txBody>
-      </p:sp>
-      <p:sp>
-        <p:nvSpPr>
-          <p:cNvPr id="31" name="Rounded Rectangle 30"/>
+          <p:cNvPr id="23" name="Left-Right Arrow 22"/>
           <p:cNvSpPr/>
           <p:nvPr/>
         </p:nvSpPr>
         <p:spPr bwMode="auto">
           <a:xfrm>
-            <a:off x="313392" y="1323761"/>
-            <a:ext cx="725747" cy="309290"/>
-          </a:xfrm>
-          <a:prstGeom prst="roundRect">
-            <a:avLst>
-              <a:gd name="adj" fmla="val 0"/>
-            </a:avLst>
-          </a:prstGeom>
-          <a:solidFill>
-            <a:schemeClr val="bg1"/>
-          </a:solidFill>
-          <a:ln w="19050">
-            <a:solidFill>
-              <a:schemeClr val="accent3"/>
-            </a:solidFill>
-            <a:round/>
-            <a:headEnd/>
-            <a:tailEnd/>
-          </a:ln>
-        </p:spPr>
-        <p:txBody>
-          <a:bodyPr wrap="none" lIns="0" tIns="0" rIns="0" bIns="0" rtlCol="0" anchor="ctr"/>
-          <a:lstStyle/>
-          <a:p>
-            <a:pPr marL="0" marR="0" indent="0" algn="ctr" defTabSz="914400" eaLnBrk="1" latinLnBrk="0" hangingPunct="1">
-              <a:lnSpc>
-                <a:spcPct val="100000"/>
-              </a:lnSpc>
-              <a:buClrTx/>
-              <a:buSzTx/>
-              <a:buFontTx/>
-              <a:buNone/>
-              <a:tabLst/>
-            </a:pPr>
-            <a:r>
-              <a:rPr lang="en-US" sz="1600" dirty="0" smtClean="0">
-                <a:solidFill>
-                  <a:srgbClr val="333333"/>
-                </a:solidFill>
-              </a:rPr>
-              <a:t>Cache</a:t>
-            </a:r>
-          </a:p>
-        </p:txBody>
-      </p:sp>
-      <p:sp>
-        <p:nvSpPr>
-          <p:cNvPr id="32" name="Rounded Rectangle 31"/>
-          <p:cNvSpPr/>
-          <p:nvPr/>
-        </p:nvSpPr>
-        <p:spPr bwMode="auto">
-          <a:xfrm>
-            <a:off x="300849" y="2130872"/>
-            <a:ext cx="725747" cy="309290"/>
-          </a:xfrm>
-          <a:prstGeom prst="roundRect">
-            <a:avLst>
-              <a:gd name="adj" fmla="val 0"/>
-            </a:avLst>
-          </a:prstGeom>
-          <a:solidFill>
-            <a:schemeClr val="bg1"/>
-          </a:solidFill>
-          <a:ln w="19050">
-            <a:solidFill>
-              <a:schemeClr val="accent3"/>
-            </a:solidFill>
-            <a:round/>
-            <a:headEnd/>
-            <a:tailEnd/>
-          </a:ln>
-        </p:spPr>
-        <p:txBody>
-          <a:bodyPr wrap="none" lIns="0" tIns="0" rIns="0" bIns="0" rtlCol="0" anchor="ctr"/>
-          <a:lstStyle/>
-          <a:p>
-            <a:pPr marL="0" marR="0" indent="0" algn="ctr" defTabSz="914400" eaLnBrk="1" latinLnBrk="0" hangingPunct="1">
-              <a:lnSpc>
-                <a:spcPct val="100000"/>
-              </a:lnSpc>
-              <a:buClrTx/>
-              <a:buSzTx/>
-              <a:buFontTx/>
-              <a:buNone/>
-              <a:tabLst/>
-            </a:pPr>
-            <a:r>
-              <a:rPr lang="en-US" sz="1600" dirty="0" smtClean="0">
-                <a:solidFill>
-                  <a:srgbClr val="333333"/>
-                </a:solidFill>
-              </a:rPr>
-              <a:t>Cache</a:t>
-            </a:r>
-          </a:p>
-        </p:txBody>
-      </p:sp>
-      <p:sp>
-        <p:nvSpPr>
-          <p:cNvPr id="33" name="Rounded Rectangle 32"/>
-          <p:cNvSpPr/>
-          <p:nvPr/>
-        </p:nvSpPr>
-        <p:spPr bwMode="auto">
-          <a:xfrm>
-            <a:off x="300850" y="2860800"/>
-            <a:ext cx="725747" cy="309290"/>
-          </a:xfrm>
-          <a:prstGeom prst="roundRect">
-            <a:avLst>
-              <a:gd name="adj" fmla="val 0"/>
-            </a:avLst>
-          </a:prstGeom>
-          <a:solidFill>
-            <a:schemeClr val="bg1"/>
-          </a:solidFill>
-          <a:ln w="19050">
-            <a:solidFill>
-              <a:schemeClr val="accent3"/>
-            </a:solidFill>
-            <a:round/>
-            <a:headEnd/>
-            <a:tailEnd/>
-          </a:ln>
-        </p:spPr>
-        <p:txBody>
-          <a:bodyPr wrap="none" lIns="0" tIns="0" rIns="0" bIns="0" rtlCol="0" anchor="ctr"/>
-          <a:lstStyle/>
-          <a:p>
-            <a:pPr marL="0" marR="0" indent="0" algn="ctr" defTabSz="914400" eaLnBrk="1" latinLnBrk="0" hangingPunct="1">
-              <a:lnSpc>
-                <a:spcPct val="100000"/>
-              </a:lnSpc>
-              <a:buClrTx/>
-              <a:buSzTx/>
-              <a:buFontTx/>
-              <a:buNone/>
-              <a:tabLst/>
-            </a:pPr>
-            <a:r>
-              <a:rPr lang="en-US" sz="1600" dirty="0" smtClean="0">
-                <a:solidFill>
-                  <a:srgbClr val="333333"/>
-                </a:solidFill>
-              </a:rPr>
-              <a:t>Cache</a:t>
-            </a:r>
-          </a:p>
-        </p:txBody>
-      </p:sp>
-      <p:sp>
-        <p:nvSpPr>
-          <p:cNvPr id="35" name="Left-Right Arrow 34"/>
-          <p:cNvSpPr/>
-          <p:nvPr/>
-        </p:nvSpPr>
-        <p:spPr bwMode="auto">
-          <a:xfrm>
-            <a:off x="1995804" y="2362980"/>
-            <a:ext cx="3018448" cy="828898"/>
+            <a:off x="2539854" y="2201695"/>
+            <a:ext cx="2162025" cy="669569"/>
           </a:xfrm>
           <a:prstGeom prst="leftRightArrow">
             <a:avLst/>
           </a:prstGeom>
           <a:solidFill>
-            <a:schemeClr val="bg2">
-              <a:lumMod val="50000"/>
-              <a:lumOff val="50000"/>
+            <a:schemeClr val="tx1">
+              <a:lumMod val="40000"/>
+              <a:lumOff val="60000"/>
             </a:schemeClr>
           </a:solidFill>
           <a:ln>
+            <a:solidFill>
+              <a:schemeClr val="tx2">
+                <a:lumMod val="75000"/>
+              </a:schemeClr>
+            </a:solidFill>
             <a:headEnd/>
             <a:tailEnd/>
           </a:ln>
@@ -24366,26 +23799,425 @@
               <a:tabLst/>
             </a:pPr>
             <a:r>
-              <a:rPr lang="en-US" sz="1800" dirty="0" smtClean="0">
+              <a:rPr lang="en-US" sz="1400" dirty="0" smtClean="0">
                 <a:solidFill>
                   <a:srgbClr val="333333"/>
                 </a:solidFill>
               </a:rPr>
               <a:t>TCP/IP</a:t>
             </a:r>
+          </a:p>
+        </p:txBody>
+      </p:sp>
+      <p:sp>
+        <p:nvSpPr>
+          <p:cNvPr id="24" name="Shape 1426"/>
+          <p:cNvSpPr/>
+          <p:nvPr/>
+        </p:nvSpPr>
+        <p:spPr>
+          <a:xfrm>
+            <a:off x="4941624" y="1766473"/>
+            <a:ext cx="773219" cy="382737"/>
+          </a:xfrm>
+          <a:prstGeom prst="rect">
+            <a:avLst/>
+          </a:prstGeom>
+          <a:solidFill>
+            <a:schemeClr val="bg1"/>
+          </a:solidFill>
+          <a:ln w="22225" cmpd="sng">
+            <a:solidFill>
+              <a:schemeClr val="tx2"/>
+            </a:solidFill>
+            <a:prstDash val="sysDash"/>
+            <a:miter lim="400000"/>
+          </a:ln>
+          <a:extLst>
+            <a:ext uri="{C572A759-6A51-4108-AA02-DFA0A04FC94B}">
+              <ma14:wrappingTextBoxFlag xmlns:ma14="http://schemas.microsoft.com/office/mac/drawingml/2011/main" val="1"/>
+            </a:ext>
+          </a:extLst>
+        </p:spPr>
+        <p:txBody>
+          <a:bodyPr lIns="0" tIns="0" rIns="0" bIns="0" anchor="ctr"/>
+          <a:lstStyle>
+            <a:lvl1pPr algn="ctr">
+              <a:defRPr sz="1100">
+                <a:solidFill>
+                  <a:srgbClr val="29756E"/>
+                </a:solidFill>
+                <a:uFillTx/>
+                <a:latin typeface="Avenir Next Demi Bold"/>
+                <a:ea typeface="Avenir Next Demi Bold"/>
+                <a:cs typeface="Avenir Next Demi Bold"/>
+                <a:sym typeface="Avenir Next Demi Bold"/>
+              </a:defRPr>
+            </a:lvl1pPr>
+          </a:lstStyle>
+          <a:p>
+            <a:pPr lvl="0">
+              <a:defRPr sz="1800">
+                <a:solidFill>
+                  <a:srgbClr val="000000"/>
+                </a:solidFill>
+              </a:defRPr>
+            </a:pPr>
+            <a:r>
+              <a:rPr lang="x-none" sz="1400" dirty="0" smtClean="0">
+                <a:solidFill>
+                  <a:srgbClr val="29756E"/>
+                </a:solidFill>
+                <a:latin typeface="+mn-lt"/>
+              </a:rPr>
+              <a:t>Locator</a:t>
+            </a:r>
+            <a:endParaRPr sz="1400" dirty="0">
+              <a:solidFill>
+                <a:srgbClr val="29756E"/>
+              </a:solidFill>
+              <a:latin typeface="+mn-lt"/>
+            </a:endParaRPr>
+          </a:p>
+        </p:txBody>
+      </p:sp>
+      <p:sp>
+        <p:nvSpPr>
+          <p:cNvPr id="25" name="Shape 1426"/>
+          <p:cNvSpPr/>
+          <p:nvPr/>
+        </p:nvSpPr>
+        <p:spPr>
+          <a:xfrm>
+            <a:off x="4941624" y="2430188"/>
+            <a:ext cx="773219" cy="382737"/>
+          </a:xfrm>
+          <a:prstGeom prst="rect">
+            <a:avLst/>
+          </a:prstGeom>
+          <a:solidFill>
+            <a:schemeClr val="bg1"/>
+          </a:solidFill>
+          <a:ln w="22225" cmpd="sng">
+            <a:solidFill>
+              <a:schemeClr val="tx2"/>
+            </a:solidFill>
+            <a:prstDash val="sysDash"/>
+            <a:miter lim="400000"/>
+          </a:ln>
+          <a:extLst>
+            <a:ext uri="{C572A759-6A51-4108-AA02-DFA0A04FC94B}">
+              <ma14:wrappingTextBoxFlag xmlns:ma14="http://schemas.microsoft.com/office/mac/drawingml/2011/main" val="1"/>
+            </a:ext>
+          </a:extLst>
+        </p:spPr>
+        <p:txBody>
+          <a:bodyPr lIns="0" tIns="0" rIns="0" bIns="0" anchor="ctr"/>
+          <a:lstStyle>
+            <a:lvl1pPr algn="ctr">
+              <a:defRPr sz="1100">
+                <a:solidFill>
+                  <a:srgbClr val="29756E"/>
+                </a:solidFill>
+                <a:uFillTx/>
+                <a:latin typeface="Avenir Next Demi Bold"/>
+                <a:ea typeface="Avenir Next Demi Bold"/>
+                <a:cs typeface="Avenir Next Demi Bold"/>
+                <a:sym typeface="Avenir Next Demi Bold"/>
+              </a:defRPr>
+            </a:lvl1pPr>
+          </a:lstStyle>
+          <a:p>
+            <a:pPr lvl="0">
+              <a:defRPr sz="1800">
+                <a:solidFill>
+                  <a:srgbClr val="000000"/>
+                </a:solidFill>
+              </a:defRPr>
+            </a:pPr>
+            <a:r>
+              <a:rPr lang="x-none" sz="1400" dirty="0" smtClean="0">
+                <a:solidFill>
+                  <a:srgbClr val="29756E"/>
+                </a:solidFill>
+                <a:latin typeface="+mn-lt"/>
+              </a:rPr>
+              <a:t>Locator</a:t>
+            </a:r>
+            <a:endParaRPr sz="1400" dirty="0">
+              <a:solidFill>
+                <a:srgbClr val="29756E"/>
+              </a:solidFill>
+              <a:latin typeface="+mn-lt"/>
+            </a:endParaRPr>
+          </a:p>
+        </p:txBody>
+      </p:sp>
+      <p:sp>
+        <p:nvSpPr>
+          <p:cNvPr id="26" name="Shape 1426"/>
+          <p:cNvSpPr/>
+          <p:nvPr/>
+        </p:nvSpPr>
+        <p:spPr>
+          <a:xfrm>
+            <a:off x="4923763" y="3108669"/>
+            <a:ext cx="773219" cy="382737"/>
+          </a:xfrm>
+          <a:prstGeom prst="rect">
+            <a:avLst/>
+          </a:prstGeom>
+          <a:solidFill>
+            <a:schemeClr val="bg1"/>
+          </a:solidFill>
+          <a:ln w="22225" cmpd="sng">
+            <a:solidFill>
+              <a:schemeClr val="tx2"/>
+            </a:solidFill>
+            <a:prstDash val="sysDash"/>
+            <a:miter lim="400000"/>
+          </a:ln>
+          <a:extLst>
+            <a:ext uri="{C572A759-6A51-4108-AA02-DFA0A04FC94B}">
+              <ma14:wrappingTextBoxFlag xmlns:ma14="http://schemas.microsoft.com/office/mac/drawingml/2011/main" val="1"/>
+            </a:ext>
+          </a:extLst>
+        </p:spPr>
+        <p:txBody>
+          <a:bodyPr lIns="0" tIns="0" rIns="0" bIns="0" anchor="ctr"/>
+          <a:lstStyle>
+            <a:lvl1pPr algn="ctr">
+              <a:defRPr sz="1100">
+                <a:solidFill>
+                  <a:srgbClr val="29756E"/>
+                </a:solidFill>
+                <a:uFillTx/>
+                <a:latin typeface="Avenir Next Demi Bold"/>
+                <a:ea typeface="Avenir Next Demi Bold"/>
+                <a:cs typeface="Avenir Next Demi Bold"/>
+                <a:sym typeface="Avenir Next Demi Bold"/>
+              </a:defRPr>
+            </a:lvl1pPr>
+          </a:lstStyle>
+          <a:p>
+            <a:pPr lvl="0">
+              <a:defRPr sz="1800">
+                <a:solidFill>
+                  <a:srgbClr val="000000"/>
+                </a:solidFill>
+              </a:defRPr>
+            </a:pPr>
+            <a:r>
+              <a:rPr lang="x-none" sz="1400" dirty="0" smtClean="0">
+                <a:solidFill>
+                  <a:srgbClr val="29756E"/>
+                </a:solidFill>
+                <a:latin typeface="+mn-lt"/>
+              </a:rPr>
+              <a:t>Locator</a:t>
+            </a:r>
+            <a:endParaRPr sz="1400" dirty="0">
+              <a:solidFill>
+                <a:srgbClr val="29756E"/>
+              </a:solidFill>
+              <a:latin typeface="+mn-lt"/>
+            </a:endParaRPr>
           </a:p>
         </p:txBody>
       </p:sp>
       <p:pic>
         <p:nvPicPr>
-          <p:cNvPr id="37" name="Picture 36" descr="Database_1.png"/>
+          <p:cNvPr id="30" name="Picture 29" descr="Home-Server-icon.png"/>
           <p:cNvPicPr>
             <a:picLocks noChangeAspect="1"/>
           </p:cNvPicPr>
           <p:nvPr/>
         </p:nvPicPr>
         <p:blipFill>
-          <a:blip r:embed="rId6">
+          <a:blip r:embed="rId3">
+            <a:extLst>
+              <a:ext uri="{28A0092B-C50C-407E-A947-70E740481C1C}">
+                <a14:useLocalDpi xmlns:a14="http://schemas.microsoft.com/office/drawing/2010/main" val="0"/>
+              </a:ext>
+            </a:extLst>
+          </a:blip>
+          <a:stretch>
+            <a:fillRect/>
+          </a:stretch>
+        </p:blipFill>
+        <p:spPr>
+          <a:xfrm>
+            <a:off x="5874854" y="1186374"/>
+            <a:ext cx="690111" cy="652486"/>
+          </a:xfrm>
+          <a:prstGeom prst="rect">
+            <a:avLst/>
+          </a:prstGeom>
+        </p:spPr>
+      </p:pic>
+      <p:pic>
+        <p:nvPicPr>
+          <p:cNvPr id="32" name="Picture 31" descr="Home-Server-icon.png"/>
+          <p:cNvPicPr>
+            <a:picLocks noChangeAspect="1"/>
+          </p:cNvPicPr>
+          <p:nvPr/>
+        </p:nvPicPr>
+        <p:blipFill>
+          <a:blip r:embed="rId3">
+            <a:extLst>
+              <a:ext uri="{28A0092B-C50C-407E-A947-70E740481C1C}">
+                <a14:useLocalDpi xmlns:a14="http://schemas.microsoft.com/office/drawing/2010/main" val="0"/>
+              </a:ext>
+            </a:extLst>
+          </a:blip>
+          <a:stretch>
+            <a:fillRect/>
+          </a:stretch>
+        </p:blipFill>
+        <p:spPr>
+          <a:xfrm>
+            <a:off x="5874854" y="1917661"/>
+            <a:ext cx="690111" cy="652486"/>
+          </a:xfrm>
+          <a:prstGeom prst="rect">
+            <a:avLst/>
+          </a:prstGeom>
+        </p:spPr>
+      </p:pic>
+      <p:pic>
+        <p:nvPicPr>
+          <p:cNvPr id="33" name="Picture 32" descr="Home-Server-icon.png"/>
+          <p:cNvPicPr>
+            <a:picLocks noChangeAspect="1"/>
+          </p:cNvPicPr>
+          <p:nvPr/>
+        </p:nvPicPr>
+        <p:blipFill>
+          <a:blip r:embed="rId3">
+            <a:extLst>
+              <a:ext uri="{28A0092B-C50C-407E-A947-70E740481C1C}">
+                <a14:useLocalDpi xmlns:a14="http://schemas.microsoft.com/office/drawing/2010/main" val="0"/>
+              </a:ext>
+            </a:extLst>
+          </a:blip>
+          <a:stretch>
+            <a:fillRect/>
+          </a:stretch>
+        </p:blipFill>
+        <p:spPr>
+          <a:xfrm>
+            <a:off x="5874854" y="2709800"/>
+            <a:ext cx="690111" cy="652486"/>
+          </a:xfrm>
+          <a:prstGeom prst="rect">
+            <a:avLst/>
+          </a:prstGeom>
+        </p:spPr>
+      </p:pic>
+      <p:pic>
+        <p:nvPicPr>
+          <p:cNvPr id="34" name="Picture 33" descr="Home-Server-icon.png"/>
+          <p:cNvPicPr>
+            <a:picLocks noChangeAspect="1"/>
+          </p:cNvPicPr>
+          <p:nvPr/>
+        </p:nvPicPr>
+        <p:blipFill>
+          <a:blip r:embed="rId3">
+            <a:extLst>
+              <a:ext uri="{28A0092B-C50C-407E-A947-70E740481C1C}">
+                <a14:useLocalDpi xmlns:a14="http://schemas.microsoft.com/office/drawing/2010/main" val="0"/>
+              </a:ext>
+            </a:extLst>
+          </a:blip>
+          <a:stretch>
+            <a:fillRect/>
+          </a:stretch>
+        </p:blipFill>
+        <p:spPr>
+          <a:xfrm>
+            <a:off x="5874854" y="3448743"/>
+            <a:ext cx="690111" cy="652486"/>
+          </a:xfrm>
+          <a:prstGeom prst="rect">
+            <a:avLst/>
+          </a:prstGeom>
+        </p:spPr>
+      </p:pic>
+      <p:sp>
+        <p:nvSpPr>
+          <p:cNvPr id="35" name="Shape 1204"/>
+          <p:cNvSpPr/>
+          <p:nvPr/>
+        </p:nvSpPr>
+        <p:spPr>
+          <a:xfrm>
+            <a:off x="5600544" y="788751"/>
+            <a:ext cx="1040129" cy="234205"/>
+          </a:xfrm>
+          <a:prstGeom prst="rect">
+            <a:avLst/>
+          </a:prstGeom>
+          <a:ln w="12700">
+            <a:miter lim="400000"/>
+          </a:ln>
+          <a:extLst>
+            <a:ext uri="{C572A759-6A51-4108-AA02-DFA0A04FC94B}">
+              <ma14:wrappingTextBoxFlag xmlns:ma14="http://schemas.microsoft.com/office/mac/drawingml/2011/main" val="1"/>
+            </a:ext>
+          </a:extLst>
+        </p:spPr>
+        <p:txBody>
+          <a:bodyPr lIns="0" tIns="0" rIns="0" bIns="0"/>
+          <a:lstStyle>
+            <a:lvl1pPr algn="ctr">
+              <a:defRPr sz="1000">
+                <a:solidFill>
+                  <a:srgbClr val="29756E"/>
+                </a:solidFill>
+                <a:uFillTx/>
+                <a:latin typeface="Avenir Next Demi Bold"/>
+                <a:ea typeface="Avenir Next Demi Bold"/>
+                <a:cs typeface="Avenir Next Demi Bold"/>
+                <a:sym typeface="Avenir Next Demi Bold"/>
+              </a:defRPr>
+            </a:lvl1pPr>
+          </a:lstStyle>
+          <a:p>
+            <a:pPr lvl="0">
+              <a:defRPr sz="1800">
+                <a:solidFill>
+                  <a:srgbClr val="000000"/>
+                </a:solidFill>
+              </a:defRPr>
+            </a:pPr>
+            <a:r>
+              <a:rPr lang="x-none" sz="1400" dirty="0" smtClean="0">
+                <a:solidFill>
+                  <a:srgbClr val="29756E"/>
+                </a:solidFill>
+              </a:rPr>
+              <a:t>Cluster</a:t>
+            </a:r>
+            <a:endParaRPr sz="1400" dirty="0">
+              <a:solidFill>
+                <a:srgbClr val="29756E"/>
+              </a:solidFill>
+            </a:endParaRPr>
+          </a:p>
+        </p:txBody>
+      </p:sp>
+      <p:pic>
+        <p:nvPicPr>
+          <p:cNvPr id="36" name="Picture 35" descr="Database_1.png"/>
+          <p:cNvPicPr>
+            <a:picLocks noChangeAspect="1"/>
+          </p:cNvPicPr>
+          <p:nvPr/>
+        </p:nvPicPr>
+        <p:blipFill>
+          <a:blip r:embed="rId4">
             <a:extLst>
               <a:ext uri="{28A0092B-C50C-407E-A947-70E740481C1C}">
                 <a14:useLocalDpi xmlns:a14="http://schemas.microsoft.com/office/drawing/2010/main" val="0"/>
@@ -24398,8 +24230,8 @@
         </p:blipFill>
         <p:spPr>
           <a:xfrm flipH="1">
-            <a:off x="7950228" y="1232217"/>
-            <a:ext cx="913369" cy="685027"/>
+            <a:off x="7550652" y="1322835"/>
+            <a:ext cx="675874" cy="685027"/>
           </a:xfrm>
           <a:prstGeom prst="rect">
             <a:avLst/>
@@ -24408,14 +24240,14 @@
       </p:pic>
       <p:pic>
         <p:nvPicPr>
-          <p:cNvPr id="39" name="Picture 38" descr="hadoop-elephant.jpg"/>
+          <p:cNvPr id="37" name="Picture 36" descr="hadoop-elephant.jpg"/>
           <p:cNvPicPr>
             <a:picLocks noChangeAspect="1"/>
           </p:cNvPicPr>
           <p:nvPr/>
         </p:nvPicPr>
         <p:blipFill>
-          <a:blip r:embed="rId7" cstate="print">
+          <a:blip r:embed="rId5" cstate="print">
             <a:extLst>
               <a:ext uri="{28A0092B-C50C-407E-A947-70E740481C1C}">
                 <a14:useLocalDpi xmlns:a14="http://schemas.microsoft.com/office/drawing/2010/main" val="0"/>
@@ -24428,8 +24260,8 @@
         </p:blipFill>
         <p:spPr>
           <a:xfrm>
-            <a:off x="8023938" y="2091887"/>
-            <a:ext cx="914400" cy="514350"/>
+            <a:off x="7544816" y="2356914"/>
+            <a:ext cx="687131" cy="514350"/>
           </a:xfrm>
           <a:prstGeom prst="rect">
             <a:avLst/>
@@ -24438,252 +24270,264 @@
       </p:pic>
       <p:pic>
         <p:nvPicPr>
-          <p:cNvPr id="40" name="Picture 39" descr="computer-mainframe.png"/>
+          <p:cNvPr id="39" name="Picture 38"/>
           <p:cNvPicPr>
             <a:picLocks noChangeAspect="1"/>
           </p:cNvPicPr>
           <p:nvPr/>
         </p:nvPicPr>
         <p:blipFill>
-          <a:blip r:embed="rId8">
-            <a:extLst>
-              <a:ext uri="{28A0092B-C50C-407E-A947-70E740481C1C}">
-                <a14:useLocalDpi xmlns:a14="http://schemas.microsoft.com/office/drawing/2010/main" val="0"/>
-              </a:ext>
-            </a:extLst>
-          </a:blip>
+          <a:blip r:embed="rId6"/>
           <a:stretch>
             <a:fillRect/>
           </a:stretch>
         </p:blipFill>
         <p:spPr>
           <a:xfrm>
-            <a:off x="7817686" y="2709385"/>
-            <a:ext cx="1062407" cy="796805"/>
+            <a:off x="6993781" y="3223373"/>
+            <a:ext cx="1239792" cy="863722"/>
           </a:xfrm>
           <a:prstGeom prst="rect">
             <a:avLst/>
           </a:prstGeom>
         </p:spPr>
       </p:pic>
+      <p:cxnSp>
+        <p:nvCxnSpPr>
+          <p:cNvPr id="40" name="Straight Arrow Connector 39"/>
+          <p:cNvCxnSpPr/>
+          <p:nvPr/>
+        </p:nvCxnSpPr>
+        <p:spPr>
+          <a:xfrm>
+            <a:off x="7020607" y="1732925"/>
+            <a:ext cx="277787" cy="0"/>
+          </a:xfrm>
+          <a:prstGeom prst="straightConnector1">
+            <a:avLst/>
+          </a:prstGeom>
+          <a:ln w="28575" cmpd="sng">
+            <a:solidFill>
+              <a:schemeClr val="accent1">
+                <a:lumMod val="75000"/>
+              </a:schemeClr>
+            </a:solidFill>
+            <a:prstDash val="solid"/>
+            <a:headEnd type="none"/>
+            <a:tailEnd type="arrow"/>
+          </a:ln>
+        </p:spPr>
+        <p:style>
+          <a:lnRef idx="1">
+            <a:schemeClr val="accent1"/>
+          </a:lnRef>
+          <a:fillRef idx="0">
+            <a:schemeClr val="accent1"/>
+          </a:fillRef>
+          <a:effectRef idx="0">
+            <a:schemeClr val="accent1"/>
+          </a:effectRef>
+          <a:fontRef idx="minor">
+            <a:schemeClr val="tx1"/>
+          </a:fontRef>
+        </p:style>
+      </p:cxnSp>
+      <p:cxnSp>
+        <p:nvCxnSpPr>
+          <p:cNvPr id="43" name="Straight Arrow Connector 42"/>
+          <p:cNvCxnSpPr/>
+          <p:nvPr/>
+        </p:nvCxnSpPr>
+        <p:spPr>
+          <a:xfrm flipV="1">
+            <a:off x="7044630" y="2738099"/>
+            <a:ext cx="253764" cy="4010"/>
+          </a:xfrm>
+          <a:prstGeom prst="straightConnector1">
+            <a:avLst/>
+          </a:prstGeom>
+          <a:ln w="28575" cmpd="sng">
+            <a:solidFill>
+              <a:schemeClr val="accent1">
+                <a:lumMod val="75000"/>
+              </a:schemeClr>
+            </a:solidFill>
+            <a:prstDash val="solid"/>
+            <a:headEnd type="none"/>
+            <a:tailEnd type="arrow"/>
+          </a:ln>
+        </p:spPr>
+        <p:style>
+          <a:lnRef idx="1">
+            <a:schemeClr val="accent1"/>
+          </a:lnRef>
+          <a:fillRef idx="0">
+            <a:schemeClr val="accent1"/>
+          </a:fillRef>
+          <a:effectRef idx="0">
+            <a:schemeClr val="accent1"/>
+          </a:effectRef>
+          <a:fontRef idx="minor">
+            <a:schemeClr val="tx1"/>
+          </a:fontRef>
+        </p:style>
+      </p:cxnSp>
       <p:sp>
         <p:nvSpPr>
-          <p:cNvPr id="42" name="TextBox 41"/>
-          <p:cNvSpPr txBox="1"/>
+          <p:cNvPr id="45" name="Shape 1204"/>
+          <p:cNvSpPr/>
           <p:nvPr/>
         </p:nvSpPr>
         <p:spPr>
           <a:xfrm>
-            <a:off x="7737373" y="398844"/>
-            <a:ext cx="1583448" cy="707886"/>
+            <a:off x="7363090" y="564887"/>
+            <a:ext cx="1040129" cy="234205"/>
           </a:xfrm>
           <a:prstGeom prst="rect">
             <a:avLst/>
           </a:prstGeom>
-          <a:noFill/>
+          <a:ln w="12700">
+            <a:miter lim="400000"/>
+          </a:ln>
+          <a:extLst>
+            <a:ext uri="{C572A759-6A51-4108-AA02-DFA0A04FC94B}">
+              <ma14:wrappingTextBoxFlag xmlns:ma14="http://schemas.microsoft.com/office/mac/drawingml/2011/main" val="1"/>
+            </a:ext>
+          </a:extLst>
         </p:spPr>
         <p:txBody>
-          <a:bodyPr wrap="square" rtlCol="0">
-            <a:spAutoFit/>
-          </a:bodyPr>
-          <a:lstStyle/>
-          <a:p>
-            <a:r>
-              <a:rPr lang="en-US" sz="2000" dirty="0" smtClean="0">
-                <a:solidFill>
-                  <a:srgbClr val="333333"/>
-                </a:solidFill>
-                <a:latin typeface="+mn-lt"/>
-                <a:ea typeface="+mn-ea"/>
+          <a:bodyPr lIns="0" tIns="0" rIns="0" bIns="0"/>
+          <a:lstStyle>
+            <a:lvl1pPr algn="ctr">
+              <a:defRPr sz="1000">
+                <a:solidFill>
+                  <a:srgbClr val="29756E"/>
+                </a:solidFill>
+                <a:uFillTx/>
+                <a:latin typeface="Avenir Next Demi Bold"/>
+                <a:ea typeface="Avenir Next Demi Bold"/>
+                <a:cs typeface="Avenir Next Demi Bold"/>
+                <a:sym typeface="Avenir Next Demi Bold"/>
+              </a:defRPr>
+            </a:lvl1pPr>
+          </a:lstStyle>
+          <a:p>
+            <a:pPr lvl="0">
+              <a:defRPr sz="1800">
+                <a:solidFill>
+                  <a:srgbClr val="000000"/>
+                </a:solidFill>
+              </a:defRPr>
+            </a:pPr>
+            <a:r>
+              <a:rPr lang="x-none" sz="1300" dirty="0" smtClean="0">
+                <a:solidFill>
+                  <a:srgbClr val="29756E"/>
+                </a:solidFill>
               </a:rPr>
-              <a:t>Optional</a:t>
-            </a:r>
-          </a:p>
-          <a:p>
-            <a:r>
-              <a:rPr lang="en-US" sz="2000" dirty="0" smtClean="0">
-                <a:solidFill>
-                  <a:srgbClr val="333333"/>
-                </a:solidFill>
-                <a:latin typeface="+mn-lt"/>
-                <a:ea typeface="+mn-ea"/>
-              </a:rPr>
-              <a:t>Back End</a:t>
-            </a:r>
+              <a:t>Back-end (optional)</a:t>
+            </a:r>
+            <a:endParaRPr sz="1300" dirty="0">
+              <a:solidFill>
+                <a:srgbClr val="29756E"/>
+              </a:solidFill>
+            </a:endParaRPr>
           </a:p>
         </p:txBody>
       </p:sp>
+      <p:cxnSp>
+        <p:nvCxnSpPr>
+          <p:cNvPr id="54" name="Straight Arrow Connector 53"/>
+          <p:cNvCxnSpPr/>
+          <p:nvPr/>
+        </p:nvCxnSpPr>
+        <p:spPr>
+          <a:xfrm flipV="1">
+            <a:off x="7044630" y="3706631"/>
+            <a:ext cx="253764" cy="4010"/>
+          </a:xfrm>
+          <a:prstGeom prst="straightConnector1">
+            <a:avLst/>
+          </a:prstGeom>
+          <a:ln w="28575" cmpd="sng">
+            <a:solidFill>
+              <a:schemeClr val="accent1">
+                <a:lumMod val="75000"/>
+              </a:schemeClr>
+            </a:solidFill>
+            <a:prstDash val="solid"/>
+            <a:headEnd type="none"/>
+            <a:tailEnd type="arrow"/>
+          </a:ln>
+        </p:spPr>
+        <p:style>
+          <a:lnRef idx="1">
+            <a:schemeClr val="accent1"/>
+          </a:lnRef>
+          <a:fillRef idx="0">
+            <a:schemeClr val="accent1"/>
+          </a:fillRef>
+          <a:effectRef idx="0">
+            <a:schemeClr val="accent1"/>
+          </a:effectRef>
+          <a:fontRef idx="minor">
+            <a:schemeClr val="tx1"/>
+          </a:fontRef>
+        </p:style>
+      </p:cxnSp>
       <p:sp>
         <p:nvSpPr>
-          <p:cNvPr id="43" name="TextBox 42"/>
-          <p:cNvSpPr txBox="1"/>
+          <p:cNvPr id="55" name="Rounded Rectangle 54"/>
+          <p:cNvSpPr/>
           <p:nvPr/>
         </p:nvSpPr>
         <p:spPr>
           <a:xfrm>
-            <a:off x="201883" y="3743295"/>
-            <a:ext cx="2107312" cy="646331"/>
+            <a:off x="7363090" y="1070587"/>
+            <a:ext cx="1040129" cy="3198596"/>
           </a:xfrm>
-          <a:prstGeom prst="rect">
+          <a:prstGeom prst="roundRect">
             <a:avLst/>
           </a:prstGeom>
-          <a:solidFill>
-            <a:schemeClr val="bg2">
-              <a:lumMod val="50000"/>
-              <a:lumOff val="50000"/>
-              <a:alpha val="50000"/>
-            </a:schemeClr>
-          </a:solidFill>
+          <a:noFill/>
+          <a:ln w="28575">
+            <a:solidFill>
+              <a:schemeClr val="tx2">
+                <a:lumMod val="75000"/>
+              </a:schemeClr>
+            </a:solidFill>
+            <a:prstDash val="dash"/>
+          </a:ln>
         </p:spPr>
         <p:style>
           <a:lnRef idx="2">
-            <a:schemeClr val="accent5">
+            <a:schemeClr val="accent1">
               <a:shade val="50000"/>
             </a:schemeClr>
           </a:lnRef>
           <a:fillRef idx="1">
-            <a:schemeClr val="accent5"/>
+            <a:schemeClr val="accent1"/>
           </a:fillRef>
           <a:effectRef idx="0">
-            <a:schemeClr val="accent5"/>
+            <a:schemeClr val="accent1"/>
           </a:effectRef>
           <a:fontRef idx="minor">
             <a:schemeClr val="lt1"/>
           </a:fontRef>
         </p:style>
         <p:txBody>
-          <a:bodyPr wrap="square" rtlCol="0">
-            <a:spAutoFit/>
-          </a:bodyPr>
+          <a:bodyPr rtlCol="0" anchor="ctr"/>
           <a:lstStyle/>
           <a:p>
-            <a:r>
-              <a:rPr lang="en-US" dirty="0" smtClean="0">
-                <a:solidFill>
-                  <a:srgbClr val="333333"/>
-                </a:solidFill>
-              </a:rPr>
-              <a:t>Applications contain GF clients</a:t>
-            </a:r>
-            <a:endParaRPr lang="en-US" dirty="0" smtClean="0">
-              <a:solidFill>
-                <a:srgbClr val="333333"/>
-              </a:solidFill>
-            </a:endParaRPr>
-          </a:p>
-        </p:txBody>
-      </p:sp>
-      <p:sp>
-        <p:nvSpPr>
-          <p:cNvPr id="44" name="TextBox 43"/>
-          <p:cNvSpPr txBox="1"/>
-          <p:nvPr/>
-        </p:nvSpPr>
-        <p:spPr>
-          <a:xfrm>
-            <a:off x="6970282" y="3479071"/>
-            <a:ext cx="2107312" cy="1015663"/>
-          </a:xfrm>
-          <a:prstGeom prst="rect">
-            <a:avLst/>
-          </a:prstGeom>
-          <a:solidFill>
-            <a:srgbClr val="7F7F7F">
-              <a:alpha val="85000"/>
-            </a:srgbClr>
-          </a:solidFill>
-        </p:spPr>
-        <p:style>
-          <a:lnRef idx="2">
-            <a:schemeClr val="accent5">
-              <a:shade val="50000"/>
-            </a:schemeClr>
-          </a:lnRef>
-          <a:fillRef idx="1">
-            <a:schemeClr val="accent5"/>
-          </a:fillRef>
-          <a:effectRef idx="0">
-            <a:schemeClr val="accent5"/>
-          </a:effectRef>
-          <a:fontRef idx="minor">
-            <a:schemeClr val="lt1"/>
-          </a:fontRef>
-        </p:style>
-        <p:txBody>
-          <a:bodyPr wrap="square" rtlCol="0">
-            <a:spAutoFit/>
-          </a:bodyPr>
-          <a:lstStyle/>
-          <a:p>
-            <a:r>
-              <a:rPr lang="en-US" sz="2000" dirty="0" smtClean="0">
-                <a:solidFill>
-                  <a:srgbClr val="333333"/>
-                </a:solidFill>
-              </a:rPr>
-              <a:t>Read Through, Write Through, Persistence</a:t>
-            </a:r>
-            <a:endParaRPr lang="en-US" sz="2000" dirty="0" smtClean="0">
-              <a:solidFill>
-                <a:srgbClr val="333333"/>
-              </a:solidFill>
-              <a:latin typeface="+mn-lt"/>
-              <a:ea typeface="+mn-ea"/>
-            </a:endParaRPr>
-          </a:p>
-        </p:txBody>
-      </p:sp>
-      <p:sp>
-        <p:nvSpPr>
-          <p:cNvPr id="34" name="Title 1"/>
-          <p:cNvSpPr>
-            <a:spLocks noGrp="1"/>
-          </p:cNvSpPr>
-          <p:nvPr>
-            <p:ph type="title"/>
-          </p:nvPr>
-        </p:nvSpPr>
-        <p:spPr>
-          <a:xfrm>
-            <a:off x="251367" y="168657"/>
-            <a:ext cx="8410575" cy="460375"/>
-          </a:xfrm>
-        </p:spPr>
-        <p:txBody>
-          <a:bodyPr/>
-          <a:lstStyle/>
-          <a:p>
-            <a:r>
-              <a:rPr lang="en-US" dirty="0" smtClean="0">
-                <a:solidFill>
-                  <a:schemeClr val="tx2"/>
-                </a:solidFill>
-                <a:latin typeface="Arial"/>
-                <a:cs typeface="Arial"/>
-              </a:rPr>
-              <a:t>Client and Server</a:t>
-            </a:r>
-            <a:r>
-              <a:rPr lang="en-US" dirty="0" smtClean="0"/>
-              <a:t> </a:t>
-            </a:r>
-            <a:r>
-              <a:rPr lang="en-US" dirty="0">
-                <a:solidFill>
-                  <a:schemeClr val="tx2"/>
-                </a:solidFill>
-                <a:latin typeface="Arial"/>
-                <a:cs typeface="Arial"/>
-              </a:rPr>
-              <a:t>Architecture</a:t>
-            </a:r>
+            <a:pPr algn="ctr"/>
+            <a:endParaRPr lang="en-US"/>
           </a:p>
         </p:txBody>
       </p:sp>
     </p:spTree>
     <p:extLst>
       <p:ext uri="{BB962C8B-B14F-4D97-AF65-F5344CB8AC3E}">
-        <p14:creationId xmlns:p14="http://schemas.microsoft.com/office/powerpoint/2010/main" val="2898992165"/>
+        <p14:creationId xmlns:p14="http://schemas.microsoft.com/office/powerpoint/2010/main" val="817484769"/>
       </p:ext>
     </p:extLst>
   </p:cSld>
@@ -24705,6 +24549,9 @@
                     <p:cTn id="3" fill="hold">
                       <p:stCondLst>
                         <p:cond delay="indefinite"/>
+                        <p:cond evt="onBegin" delay="0">
+                          <p:tn val="2"/>
+                        </p:cond>
                       </p:stCondLst>
                       <p:childTnLst>
                         <p:par>
@@ -24714,7 +24561,7 @@
                             </p:stCondLst>
                             <p:childTnLst>
                               <p:par>
-                                <p:cTn id="5" presetID="3" presetClass="entr" presetSubtype="10" fill="hold" grpId="0" nodeType="clickEffect">
+                                <p:cTn id="5" presetID="9" presetClass="entr" presetSubtype="0" fill="hold" grpId="0" nodeType="withEffect">
                                   <p:stCondLst>
                                     <p:cond delay="0"/>
                                   </p:stCondLst>
@@ -24727,60 +24574,7 @@
                                           </p:stCondLst>
                                         </p:cTn>
                                         <p:tgtEl>
-                                          <p:spTgt spid="43"/>
-                                        </p:tgtEl>
-                                        <p:attrNameLst>
-                                          <p:attrName>style.visibility</p:attrName>
-                                        </p:attrNameLst>
-                                      </p:cBhvr>
-                                      <p:to>
-                                        <p:strVal val="visible"/>
-                                      </p:to>
-                                    </p:set>
-                                    <p:animEffect transition="in" filter="blinds(horizontal)">
-                                      <p:cBhvr>
-                                        <p:cTn id="7" dur="500"/>
-                                        <p:tgtEl>
-                                          <p:spTgt spid="43"/>
-                                        </p:tgtEl>
-                                      </p:cBhvr>
-                                    </p:animEffect>
-                                  </p:childTnLst>
-                                </p:cTn>
-                              </p:par>
-                            </p:childTnLst>
-                          </p:cTn>
-                        </p:par>
-                      </p:childTnLst>
-                    </p:cTn>
-                  </p:par>
-                  <p:par>
-                    <p:cTn id="8" fill="hold">
-                      <p:stCondLst>
-                        <p:cond delay="indefinite"/>
-                      </p:stCondLst>
-                      <p:childTnLst>
-                        <p:par>
-                          <p:cTn id="9" fill="hold">
-                            <p:stCondLst>
-                              <p:cond delay="0"/>
-                            </p:stCondLst>
-                            <p:childTnLst>
-                              <p:par>
-                                <p:cTn id="10" presetID="9" presetClass="entr" presetSubtype="0" fill="hold" grpId="0" nodeType="clickEffect">
-                                  <p:stCondLst>
-                                    <p:cond delay="0"/>
-                                  </p:stCondLst>
-                                  <p:childTnLst>
-                                    <p:set>
-                                      <p:cBhvr>
-                                        <p:cTn id="11" dur="1" fill="hold">
-                                          <p:stCondLst>
-                                            <p:cond delay="0"/>
-                                          </p:stCondLst>
-                                        </p:cTn>
-                                        <p:tgtEl>
-                                          <p:spTgt spid="41"/>
+                                          <p:spTgt spid="7"/>
                                         </p:tgtEl>
                                         <p:attrNameLst>
                                           <p:attrName>style.visibility</p:attrName>
@@ -24792,9 +24586,9 @@
                                     </p:set>
                                     <p:animEffect transition="in" filter="dissolve">
                                       <p:cBhvr>
-                                        <p:cTn id="12" dur="500"/>
+                                        <p:cTn id="7" dur="500"/>
                                         <p:tgtEl>
-                                          <p:spTgt spid="41"/>
+                                          <p:spTgt spid="7"/>
                                         </p:tgtEl>
                                       </p:cBhvr>
                                     </p:animEffect>
@@ -24802,20 +24596,20 @@
                                 </p:cTn>
                               </p:par>
                               <p:par>
-                                <p:cTn id="13" presetID="9" presetClass="entr" presetSubtype="0" fill="hold" grpId="0" nodeType="withEffect">
+                                <p:cTn id="8" presetID="9" presetClass="entr" presetSubtype="0" fill="hold" grpId="0" nodeType="withEffect">
                                   <p:stCondLst>
                                     <p:cond delay="0"/>
                                   </p:stCondLst>
                                   <p:childTnLst>
                                     <p:set>
                                       <p:cBhvr>
-                                        <p:cTn id="14" dur="1" fill="hold">
+                                        <p:cTn id="9" dur="1" fill="hold">
                                           <p:stCondLst>
                                             <p:cond delay="0"/>
                                           </p:stCondLst>
                                         </p:cTn>
                                         <p:tgtEl>
-                                          <p:spTgt spid="42"/>
+                                          <p:spTgt spid="8"/>
                                         </p:tgtEl>
                                         <p:attrNameLst>
                                           <p:attrName>style.visibility</p:attrName>
@@ -24827,9 +24621,9 @@
                                     </p:set>
                                     <p:animEffect transition="in" filter="dissolve">
                                       <p:cBhvr>
-                                        <p:cTn id="15" dur="500"/>
+                                        <p:cTn id="10" dur="500"/>
                                         <p:tgtEl>
-                                          <p:spTgt spid="42"/>
+                                          <p:spTgt spid="8"/>
                                         </p:tgtEl>
                                       </p:cBhvr>
                                     </p:animEffect>
@@ -24837,14 +24631,294 @@
                                 </p:cTn>
                               </p:par>
                               <p:par>
-                                <p:cTn id="16" presetID="9" presetClass="entr" presetSubtype="0" fill="hold" nodeType="withEffect">
+                                <p:cTn id="11" presetID="9" presetClass="entr" presetSubtype="0" fill="hold" grpId="0" nodeType="withEffect">
                                   <p:stCondLst>
                                     <p:cond delay="0"/>
                                   </p:stCondLst>
                                   <p:childTnLst>
                                     <p:set>
                                       <p:cBhvr>
-                                        <p:cTn id="17" dur="1" fill="hold">
+                                        <p:cTn id="12" dur="1" fill="hold">
+                                          <p:stCondLst>
+                                            <p:cond delay="0"/>
+                                          </p:stCondLst>
+                                        </p:cTn>
+                                        <p:tgtEl>
+                                          <p:spTgt spid="18"/>
+                                        </p:tgtEl>
+                                        <p:attrNameLst>
+                                          <p:attrName>style.visibility</p:attrName>
+                                        </p:attrNameLst>
+                                      </p:cBhvr>
+                                      <p:to>
+                                        <p:strVal val="visible"/>
+                                      </p:to>
+                                    </p:set>
+                                    <p:animEffect transition="in" filter="dissolve">
+                                      <p:cBhvr>
+                                        <p:cTn id="13" dur="500"/>
+                                        <p:tgtEl>
+                                          <p:spTgt spid="18"/>
+                                        </p:tgtEl>
+                                      </p:cBhvr>
+                                    </p:animEffect>
+                                  </p:childTnLst>
+                                </p:cTn>
+                              </p:par>
+                              <p:par>
+                                <p:cTn id="14" presetID="9" presetClass="entr" presetSubtype="0" fill="hold" grpId="0" nodeType="withEffect">
+                                  <p:stCondLst>
+                                    <p:cond delay="0"/>
+                                  </p:stCondLst>
+                                  <p:childTnLst>
+                                    <p:set>
+                                      <p:cBhvr>
+                                        <p:cTn id="15" dur="1" fill="hold">
+                                          <p:stCondLst>
+                                            <p:cond delay="0"/>
+                                          </p:stCondLst>
+                                        </p:cTn>
+                                        <p:tgtEl>
+                                          <p:spTgt spid="19"/>
+                                        </p:tgtEl>
+                                        <p:attrNameLst>
+                                          <p:attrName>style.visibility</p:attrName>
+                                        </p:attrNameLst>
+                                      </p:cBhvr>
+                                      <p:to>
+                                        <p:strVal val="visible"/>
+                                      </p:to>
+                                    </p:set>
+                                    <p:animEffect transition="in" filter="dissolve">
+                                      <p:cBhvr>
+                                        <p:cTn id="16" dur="500"/>
+                                        <p:tgtEl>
+                                          <p:spTgt spid="19"/>
+                                        </p:tgtEl>
+                                      </p:cBhvr>
+                                    </p:animEffect>
+                                  </p:childTnLst>
+                                </p:cTn>
+                              </p:par>
+                              <p:par>
+                                <p:cTn id="17" presetID="9" presetClass="entr" presetSubtype="0" fill="hold" grpId="0" nodeType="withEffect">
+                                  <p:stCondLst>
+                                    <p:cond delay="0"/>
+                                  </p:stCondLst>
+                                  <p:childTnLst>
+                                    <p:set>
+                                      <p:cBhvr>
+                                        <p:cTn id="18" dur="1" fill="hold">
+                                          <p:stCondLst>
+                                            <p:cond delay="0"/>
+                                          </p:stCondLst>
+                                        </p:cTn>
+                                        <p:tgtEl>
+                                          <p:spTgt spid="20"/>
+                                        </p:tgtEl>
+                                        <p:attrNameLst>
+                                          <p:attrName>style.visibility</p:attrName>
+                                        </p:attrNameLst>
+                                      </p:cBhvr>
+                                      <p:to>
+                                        <p:strVal val="visible"/>
+                                      </p:to>
+                                    </p:set>
+                                    <p:animEffect transition="in" filter="dissolve">
+                                      <p:cBhvr>
+                                        <p:cTn id="19" dur="500"/>
+                                        <p:tgtEl>
+                                          <p:spTgt spid="20"/>
+                                        </p:tgtEl>
+                                      </p:cBhvr>
+                                    </p:animEffect>
+                                  </p:childTnLst>
+                                </p:cTn>
+                              </p:par>
+                              <p:par>
+                                <p:cTn id="20" presetID="20" presetClass="entr" presetSubtype="0" fill="hold" grpId="0" nodeType="withEffect">
+                                  <p:stCondLst>
+                                    <p:cond delay="0"/>
+                                  </p:stCondLst>
+                                  <p:childTnLst>
+                                    <p:set>
+                                      <p:cBhvr>
+                                        <p:cTn id="21" dur="1" fill="hold">
+                                          <p:stCondLst>
+                                            <p:cond delay="0"/>
+                                          </p:stCondLst>
+                                        </p:cTn>
+                                        <p:tgtEl>
+                                          <p:spTgt spid="24"/>
+                                        </p:tgtEl>
+                                        <p:attrNameLst>
+                                          <p:attrName>style.visibility</p:attrName>
+                                        </p:attrNameLst>
+                                      </p:cBhvr>
+                                      <p:to>
+                                        <p:strVal val="visible"/>
+                                      </p:to>
+                                    </p:set>
+                                    <p:animEffect transition="in" filter="wedge">
+                                      <p:cBhvr>
+                                        <p:cTn id="22" dur="2000"/>
+                                        <p:tgtEl>
+                                          <p:spTgt spid="24"/>
+                                        </p:tgtEl>
+                                      </p:cBhvr>
+                                    </p:animEffect>
+                                  </p:childTnLst>
+                                </p:cTn>
+                              </p:par>
+                              <p:par>
+                                <p:cTn id="23" presetID="20" presetClass="entr" presetSubtype="0" fill="hold" grpId="0" nodeType="withEffect">
+                                  <p:stCondLst>
+                                    <p:cond delay="0"/>
+                                  </p:stCondLst>
+                                  <p:childTnLst>
+                                    <p:set>
+                                      <p:cBhvr>
+                                        <p:cTn id="24" dur="1" fill="hold">
+                                          <p:stCondLst>
+                                            <p:cond delay="0"/>
+                                          </p:stCondLst>
+                                        </p:cTn>
+                                        <p:tgtEl>
+                                          <p:spTgt spid="25"/>
+                                        </p:tgtEl>
+                                        <p:attrNameLst>
+                                          <p:attrName>style.visibility</p:attrName>
+                                        </p:attrNameLst>
+                                      </p:cBhvr>
+                                      <p:to>
+                                        <p:strVal val="visible"/>
+                                      </p:to>
+                                    </p:set>
+                                    <p:animEffect transition="in" filter="wedge">
+                                      <p:cBhvr>
+                                        <p:cTn id="25" dur="2000"/>
+                                        <p:tgtEl>
+                                          <p:spTgt spid="25"/>
+                                        </p:tgtEl>
+                                      </p:cBhvr>
+                                    </p:animEffect>
+                                  </p:childTnLst>
+                                </p:cTn>
+                              </p:par>
+                              <p:par>
+                                <p:cTn id="26" presetID="20" presetClass="entr" presetSubtype="0" fill="hold" grpId="0" nodeType="withEffect">
+                                  <p:stCondLst>
+                                    <p:cond delay="0"/>
+                                  </p:stCondLst>
+                                  <p:childTnLst>
+                                    <p:set>
+                                      <p:cBhvr>
+                                        <p:cTn id="27" dur="1" fill="hold">
+                                          <p:stCondLst>
+                                            <p:cond delay="0"/>
+                                          </p:stCondLst>
+                                        </p:cTn>
+                                        <p:tgtEl>
+                                          <p:spTgt spid="26"/>
+                                        </p:tgtEl>
+                                        <p:attrNameLst>
+                                          <p:attrName>style.visibility</p:attrName>
+                                        </p:attrNameLst>
+                                      </p:cBhvr>
+                                      <p:to>
+                                        <p:strVal val="visible"/>
+                                      </p:to>
+                                    </p:set>
+                                    <p:animEffect transition="in" filter="wedge">
+                                      <p:cBhvr>
+                                        <p:cTn id="28" dur="2000"/>
+                                        <p:tgtEl>
+                                          <p:spTgt spid="26"/>
+                                        </p:tgtEl>
+                                      </p:cBhvr>
+                                    </p:animEffect>
+                                  </p:childTnLst>
+                                </p:cTn>
+                              </p:par>
+                              <p:par>
+                                <p:cTn id="29" presetID="9" presetClass="entr" presetSubtype="0" fill="hold" grpId="0" nodeType="withEffect">
+                                  <p:stCondLst>
+                                    <p:cond delay="0"/>
+                                  </p:stCondLst>
+                                  <p:childTnLst>
+                                    <p:set>
+                                      <p:cBhvr>
+                                        <p:cTn id="30" dur="1" fill="hold">
+                                          <p:stCondLst>
+                                            <p:cond delay="0"/>
+                                          </p:stCondLst>
+                                        </p:cTn>
+                                        <p:tgtEl>
+                                          <p:spTgt spid="35"/>
+                                        </p:tgtEl>
+                                        <p:attrNameLst>
+                                          <p:attrName>style.visibility</p:attrName>
+                                        </p:attrNameLst>
+                                      </p:cBhvr>
+                                      <p:to>
+                                        <p:strVal val="visible"/>
+                                      </p:to>
+                                    </p:set>
+                                    <p:animEffect transition="in" filter="dissolve">
+                                      <p:cBhvr>
+                                        <p:cTn id="31" dur="500"/>
+                                        <p:tgtEl>
+                                          <p:spTgt spid="35"/>
+                                        </p:tgtEl>
+                                      </p:cBhvr>
+                                    </p:animEffect>
+                                  </p:childTnLst>
+                                </p:cTn>
+                              </p:par>
+                              <p:par>
+                                <p:cTn id="32" presetID="9" presetClass="entr" presetSubtype="0" fill="hold" nodeType="withEffect">
+                                  <p:stCondLst>
+                                    <p:cond delay="0"/>
+                                  </p:stCondLst>
+                                  <p:childTnLst>
+                                    <p:set>
+                                      <p:cBhvr>
+                                        <p:cTn id="33" dur="1" fill="hold">
+                                          <p:stCondLst>
+                                            <p:cond delay="0"/>
+                                          </p:stCondLst>
+                                        </p:cTn>
+                                        <p:tgtEl>
+                                          <p:spTgt spid="36"/>
+                                        </p:tgtEl>
+                                        <p:attrNameLst>
+                                          <p:attrName>style.visibility</p:attrName>
+                                        </p:attrNameLst>
+                                      </p:cBhvr>
+                                      <p:to>
+                                        <p:strVal val="visible"/>
+                                      </p:to>
+                                    </p:set>
+                                    <p:animEffect transition="in" filter="dissolve">
+                                      <p:cBhvr>
+                                        <p:cTn id="34" dur="500"/>
+                                        <p:tgtEl>
+                                          <p:spTgt spid="36"/>
+                                        </p:tgtEl>
+                                      </p:cBhvr>
+                                    </p:animEffect>
+                                  </p:childTnLst>
+                                </p:cTn>
+                              </p:par>
+                              <p:par>
+                                <p:cTn id="35" presetID="9" presetClass="entr" presetSubtype="0" fill="hold" nodeType="withEffect">
+                                  <p:stCondLst>
+                                    <p:cond delay="0"/>
+                                  </p:stCondLst>
+                                  <p:childTnLst>
+                                    <p:set>
+                                      <p:cBhvr>
+                                        <p:cTn id="36" dur="1" fill="hold">
                                           <p:stCondLst>
                                             <p:cond delay="0"/>
                                           </p:stCondLst>
@@ -24862,7 +24936,7 @@
                                     </p:set>
                                     <p:animEffect transition="in" filter="dissolve">
                                       <p:cBhvr>
-                                        <p:cTn id="18" dur="500"/>
+                                        <p:cTn id="37" dur="500"/>
                                         <p:tgtEl>
                                           <p:spTgt spid="37"/>
                                         </p:tgtEl>
@@ -24872,20 +24946,20 @@
                                 </p:cTn>
                               </p:par>
                               <p:par>
-                                <p:cTn id="19" presetID="9" presetClass="entr" presetSubtype="0" fill="hold" nodeType="withEffect">
+                                <p:cTn id="38" presetID="9" presetClass="entr" presetSubtype="0" fill="hold" grpId="0" nodeType="withEffect">
                                   <p:stCondLst>
                                     <p:cond delay="0"/>
                                   </p:stCondLst>
                                   <p:childTnLst>
                                     <p:set>
                                       <p:cBhvr>
-                                        <p:cTn id="20" dur="1" fill="hold">
+                                        <p:cTn id="39" dur="1" fill="hold">
                                           <p:stCondLst>
                                             <p:cond delay="0"/>
                                           </p:stCondLst>
                                         </p:cTn>
                                         <p:tgtEl>
-                                          <p:spTgt spid="39"/>
+                                          <p:spTgt spid="45"/>
                                         </p:tgtEl>
                                         <p:attrNameLst>
                                           <p:attrName>style.visibility</p:attrName>
@@ -24897,97 +24971,9 @@
                                     </p:set>
                                     <p:animEffect transition="in" filter="dissolve">
                                       <p:cBhvr>
-                                        <p:cTn id="21" dur="500"/>
+                                        <p:cTn id="40" dur="500"/>
                                         <p:tgtEl>
-                                          <p:spTgt spid="39"/>
-                                        </p:tgtEl>
-                                      </p:cBhvr>
-                                    </p:animEffect>
-                                  </p:childTnLst>
-                                </p:cTn>
-                              </p:par>
-                              <p:par>
-                                <p:cTn id="22" presetID="9" presetClass="entr" presetSubtype="0" fill="hold" nodeType="withEffect">
-                                  <p:stCondLst>
-                                    <p:cond delay="0"/>
-                                  </p:stCondLst>
-                                  <p:childTnLst>
-                                    <p:set>
-                                      <p:cBhvr>
-                                        <p:cTn id="23" dur="1" fill="hold">
-                                          <p:stCondLst>
-                                            <p:cond delay="0"/>
-                                          </p:stCondLst>
-                                        </p:cTn>
-                                        <p:tgtEl>
-                                          <p:spTgt spid="40"/>
-                                        </p:tgtEl>
-                                        <p:attrNameLst>
-                                          <p:attrName>style.visibility</p:attrName>
-                                        </p:attrNameLst>
-                                      </p:cBhvr>
-                                      <p:to>
-                                        <p:strVal val="visible"/>
-                                      </p:to>
-                                    </p:set>
-                                    <p:animEffect transition="in" filter="dissolve">
-                                      <p:cBhvr>
-                                        <p:cTn id="24" dur="500"/>
-                                        <p:tgtEl>
-                                          <p:spTgt spid="40"/>
-                                        </p:tgtEl>
-                                      </p:cBhvr>
-                                    </p:animEffect>
-                                  </p:childTnLst>
-                                </p:cTn>
-                              </p:par>
-                            </p:childTnLst>
-                          </p:cTn>
-                        </p:par>
-                      </p:childTnLst>
-                    </p:cTn>
-                  </p:par>
-                  <p:par>
-                    <p:cTn id="25" fill="hold">
-                      <p:stCondLst>
-                        <p:cond delay="indefinite"/>
-                      </p:stCondLst>
-                      <p:childTnLst>
-                        <p:par>
-                          <p:cTn id="26" fill="hold">
-                            <p:stCondLst>
-                              <p:cond delay="0"/>
-                            </p:stCondLst>
-                            <p:childTnLst>
-                              <p:par>
-                                <p:cTn id="27" presetID="3" presetClass="entr" presetSubtype="10" fill="hold" grpId="0" nodeType="clickEffect">
-                                  <p:stCondLst>
-                                    <p:cond delay="0"/>
-                                  </p:stCondLst>
-                                  <p:childTnLst>
-                                    <p:set>
-                                      <p:cBhvr>
-                                        <p:cTn id="28" dur="1" fill="hold">
-                                          <p:stCondLst>
-                                            <p:cond delay="0"/>
-                                          </p:stCondLst>
-                                        </p:cTn>
-                                        <p:tgtEl>
-                                          <p:spTgt spid="44"/>
-                                        </p:tgtEl>
-                                        <p:attrNameLst>
-                                          <p:attrName>style.visibility</p:attrName>
-                                        </p:attrNameLst>
-                                      </p:cBhvr>
-                                      <p:to>
-                                        <p:strVal val="visible"/>
-                                      </p:to>
-                                    </p:set>
-                                    <p:animEffect transition="in" filter="blinds(horizontal)">
-                                      <p:cBhvr>
-                                        <p:cTn id="29" dur="500"/>
-                                        <p:tgtEl>
-                                          <p:spTgt spid="44"/>
+                                          <p:spTgt spid="45"/>
                                         </p:tgtEl>
                                       </p:cBhvr>
                                     </p:animEffect>
@@ -25022,10 +25008,16 @@
       </p:par>
     </p:tnLst>
     <p:bldLst>
-      <p:bldP spid="41" grpId="0" animBg="1"/>
-      <p:bldP spid="42" grpId="0"/>
-      <p:bldP spid="43" grpId="0" animBg="1"/>
-      <p:bldP spid="44" grpId="0" animBg="1"/>
+      <p:bldP spid="20" grpId="0" animBg="1"/>
+      <p:bldP spid="19" grpId="0" animBg="1"/>
+      <p:bldP spid="18" grpId="0" animBg="1"/>
+      <p:bldP spid="7" grpId="0" animBg="1"/>
+      <p:bldP spid="8" grpId="0" animBg="1"/>
+      <p:bldP spid="24" grpId="0" animBg="1"/>
+      <p:bldP spid="25" grpId="0" animBg="1"/>
+      <p:bldP spid="26" grpId="0" animBg="1"/>
+      <p:bldP spid="35" grpId="0" animBg="1"/>
+      <p:bldP spid="45" grpId="0" animBg="1"/>
     </p:bldLst>
   </p:timing>
 </p:sld>
